--- a/doc/presentation.pptx
+++ b/doc/presentation.pptx
@@ -1,60 +1,60 @@
 
 <file path=ppt/presentation.xml><?xml version="1.0" encoding="utf-8"?>
-<p:presentation xmlns:a="http://schemas.openxmlformats.org/drawingml/2006/main" xmlns:r="http://schemas.openxmlformats.org/officeDocument/2006/relationships" xmlns:mc="http://schemas.openxmlformats.org/markup-compatibility/2006" xmlns:mv="urn:schemas-microsoft-com:mac:vml" xmlns:p="http://schemas.openxmlformats.org/presentationml/2006/main" xmlns:c="http://schemas.openxmlformats.org/drawingml/2006/chart" xmlns:dgm="http://schemas.openxmlformats.org/drawingml/2006/diagram" xmlns:o="urn:schemas-microsoft-com:office:office" xmlns:v="urn:schemas-microsoft-com:vml" xmlns:pvml="urn:schemas-microsoft-com:office:powerpoint" xmlns:com="http://schemas.openxmlformats.org/drawingml/2006/compatibility" xmlns:p14="http://schemas.microsoft.com/office/powerpoint/2010/main" xmlns:p15="http://schemas.microsoft.com/office/powerpoint/2012/main" autoCompressPictures="0" embedTrueTypeFonts="1" strictFirstAndLastChars="0" saveSubsetFonts="1">
+<p:presentation xmlns:a="http://schemas.openxmlformats.org/drawingml/2006/main" xmlns:r="http://schemas.openxmlformats.org/officeDocument/2006/relationships" xmlns:p="http://schemas.openxmlformats.org/presentationml/2006/main" strictFirstAndLastChars="0" embedTrueTypeFonts="1" saveSubsetFonts="1" autoCompressPictures="0">
   <p:sldMasterIdLst>
-    <p:sldMasterId id="2147483659" r:id="rId4"/>
+    <p:sldMasterId id="2147483659" r:id="rId1"/>
   </p:sldMasterIdLst>
   <p:notesMasterIdLst>
-    <p:notesMasterId r:id="rId5"/>
+    <p:notesMasterId r:id="rId28"/>
   </p:notesMasterIdLst>
   <p:sldIdLst>
-    <p:sldId id="256" r:id="rId6"/>
-    <p:sldId id="257" r:id="rId7"/>
-    <p:sldId id="258" r:id="rId8"/>
-    <p:sldId id="259" r:id="rId9"/>
-    <p:sldId id="260" r:id="rId10"/>
-    <p:sldId id="261" r:id="rId11"/>
-    <p:sldId id="262" r:id="rId12"/>
-    <p:sldId id="263" r:id="rId13"/>
-    <p:sldId id="264" r:id="rId14"/>
-    <p:sldId id="265" r:id="rId15"/>
-    <p:sldId id="266" r:id="rId16"/>
-    <p:sldId id="267" r:id="rId17"/>
-    <p:sldId id="268" r:id="rId18"/>
-    <p:sldId id="269" r:id="rId19"/>
-    <p:sldId id="270" r:id="rId20"/>
-    <p:sldId id="271" r:id="rId21"/>
-    <p:sldId id="272" r:id="rId22"/>
-    <p:sldId id="273" r:id="rId23"/>
-    <p:sldId id="274" r:id="rId24"/>
-    <p:sldId id="275" r:id="rId25"/>
-    <p:sldId id="276" r:id="rId26"/>
-    <p:sldId id="277" r:id="rId27"/>
-    <p:sldId id="278" r:id="rId28"/>
-    <p:sldId id="279" r:id="rId29"/>
-    <p:sldId id="280" r:id="rId30"/>
-    <p:sldId id="281" r:id="rId31"/>
+    <p:sldId id="256" r:id="rId2"/>
+    <p:sldId id="257" r:id="rId3"/>
+    <p:sldId id="258" r:id="rId4"/>
+    <p:sldId id="259" r:id="rId5"/>
+    <p:sldId id="260" r:id="rId6"/>
+    <p:sldId id="261" r:id="rId7"/>
+    <p:sldId id="262" r:id="rId8"/>
+    <p:sldId id="263" r:id="rId9"/>
+    <p:sldId id="264" r:id="rId10"/>
+    <p:sldId id="265" r:id="rId11"/>
+    <p:sldId id="266" r:id="rId12"/>
+    <p:sldId id="267" r:id="rId13"/>
+    <p:sldId id="268" r:id="rId14"/>
+    <p:sldId id="269" r:id="rId15"/>
+    <p:sldId id="270" r:id="rId16"/>
+    <p:sldId id="271" r:id="rId17"/>
+    <p:sldId id="272" r:id="rId18"/>
+    <p:sldId id="273" r:id="rId19"/>
+    <p:sldId id="274" r:id="rId20"/>
+    <p:sldId id="275" r:id="rId21"/>
+    <p:sldId id="276" r:id="rId22"/>
+    <p:sldId id="277" r:id="rId23"/>
+    <p:sldId id="278" r:id="rId24"/>
+    <p:sldId id="279" r:id="rId25"/>
+    <p:sldId id="280" r:id="rId26"/>
+    <p:sldId id="281" r:id="rId27"/>
   </p:sldIdLst>
-  <p:sldSz cy="5143500" cx="9144000"/>
+  <p:sldSz cx="9144000" cy="5143500" type="screen16x9"/>
   <p:notesSz cx="6858000" cy="9144000"/>
   <p:embeddedFontLst>
     <p:embeddedFont>
-      <p:font typeface="Economica"/>
-      <p:regular r:id="rId32"/>
-      <p:bold r:id="rId33"/>
-      <p:italic r:id="rId34"/>
-      <p:boldItalic r:id="rId35"/>
+      <p:font typeface="Open Sans" panose="020B0604020202020204" charset="0"/>
+      <p:regular r:id="rId29"/>
+      <p:bold r:id="rId30"/>
+      <p:italic r:id="rId31"/>
+      <p:boldItalic r:id="rId32"/>
     </p:embeddedFont>
     <p:embeddedFont>
-      <p:font typeface="Open Sans"/>
-      <p:regular r:id="rId36"/>
-      <p:bold r:id="rId37"/>
-      <p:italic r:id="rId38"/>
-      <p:boldItalic r:id="rId39"/>
+      <p:font typeface="Economica" panose="020B0604020202020204" charset="0"/>
+      <p:regular r:id="rId33"/>
+      <p:bold r:id="rId34"/>
+      <p:italic r:id="rId35"/>
+      <p:boldItalic r:id="rId36"/>
     </p:embeddedFont>
   </p:embeddedFontLst>
   <p:defaultTextStyle>
-    <a:defPPr lvl="0" marR="0" rtl="0" algn="l">
+    <a:defPPr marR="0" lvl="0" algn="l" rtl="0">
       <a:lnSpc>
         <a:spcPct val="100000"/>
       </a:lnSpc>
@@ -65,7 +65,7 @@
         <a:spcPts val="0"/>
       </a:spcAft>
     </a:defPPr>
-    <a:lvl1pPr lvl="0" marR="0" rtl="0" algn="l">
+    <a:lvl1pPr marR="0" lvl="0" algn="l" rtl="0">
       <a:lnSpc>
         <a:spcPct val="100000"/>
       </a:lnSpc>
@@ -79,7 +79,7 @@
         <a:srgbClr val="000000"/>
       </a:buClr>
       <a:buFont typeface="Arial"/>
-      <a:defRPr b="0" i="0" sz="1400" u="none" cap="none" strike="noStrike">
+      <a:defRPr sz="1400" b="0" i="0" u="none" strike="noStrike" cap="none">
         <a:solidFill>
           <a:srgbClr val="000000"/>
         </a:solidFill>
@@ -89,7 +89,7 @@
         <a:sym typeface="Arial"/>
       </a:defRPr>
     </a:lvl1pPr>
-    <a:lvl2pPr lvl="1" marR="0" rtl="0" algn="l">
+    <a:lvl2pPr marR="0" lvl="1" algn="l" rtl="0">
       <a:lnSpc>
         <a:spcPct val="100000"/>
       </a:lnSpc>
@@ -103,7 +103,7 @@
         <a:srgbClr val="000000"/>
       </a:buClr>
       <a:buFont typeface="Arial"/>
-      <a:defRPr b="0" i="0" sz="1400" u="none" cap="none" strike="noStrike">
+      <a:defRPr sz="1400" b="0" i="0" u="none" strike="noStrike" cap="none">
         <a:solidFill>
           <a:srgbClr val="000000"/>
         </a:solidFill>
@@ -113,7 +113,7 @@
         <a:sym typeface="Arial"/>
       </a:defRPr>
     </a:lvl2pPr>
-    <a:lvl3pPr lvl="2" marR="0" rtl="0" algn="l">
+    <a:lvl3pPr marR="0" lvl="2" algn="l" rtl="0">
       <a:lnSpc>
         <a:spcPct val="100000"/>
       </a:lnSpc>
@@ -127,7 +127,7 @@
         <a:srgbClr val="000000"/>
       </a:buClr>
       <a:buFont typeface="Arial"/>
-      <a:defRPr b="0" i="0" sz="1400" u="none" cap="none" strike="noStrike">
+      <a:defRPr sz="1400" b="0" i="0" u="none" strike="noStrike" cap="none">
         <a:solidFill>
           <a:srgbClr val="000000"/>
         </a:solidFill>
@@ -137,7 +137,7 @@
         <a:sym typeface="Arial"/>
       </a:defRPr>
     </a:lvl3pPr>
-    <a:lvl4pPr lvl="3" marR="0" rtl="0" algn="l">
+    <a:lvl4pPr marR="0" lvl="3" algn="l" rtl="0">
       <a:lnSpc>
         <a:spcPct val="100000"/>
       </a:lnSpc>
@@ -151,7 +151,7 @@
         <a:srgbClr val="000000"/>
       </a:buClr>
       <a:buFont typeface="Arial"/>
-      <a:defRPr b="0" i="0" sz="1400" u="none" cap="none" strike="noStrike">
+      <a:defRPr sz="1400" b="0" i="0" u="none" strike="noStrike" cap="none">
         <a:solidFill>
           <a:srgbClr val="000000"/>
         </a:solidFill>
@@ -161,7 +161,7 @@
         <a:sym typeface="Arial"/>
       </a:defRPr>
     </a:lvl4pPr>
-    <a:lvl5pPr lvl="4" marR="0" rtl="0" algn="l">
+    <a:lvl5pPr marR="0" lvl="4" algn="l" rtl="0">
       <a:lnSpc>
         <a:spcPct val="100000"/>
       </a:lnSpc>
@@ -175,7 +175,7 @@
         <a:srgbClr val="000000"/>
       </a:buClr>
       <a:buFont typeface="Arial"/>
-      <a:defRPr b="0" i="0" sz="1400" u="none" cap="none" strike="noStrike">
+      <a:defRPr sz="1400" b="0" i="0" u="none" strike="noStrike" cap="none">
         <a:solidFill>
           <a:srgbClr val="000000"/>
         </a:solidFill>
@@ -185,7 +185,7 @@
         <a:sym typeface="Arial"/>
       </a:defRPr>
     </a:lvl5pPr>
-    <a:lvl6pPr lvl="5" marR="0" rtl="0" algn="l">
+    <a:lvl6pPr marR="0" lvl="5" algn="l" rtl="0">
       <a:lnSpc>
         <a:spcPct val="100000"/>
       </a:lnSpc>
@@ -199,7 +199,7 @@
         <a:srgbClr val="000000"/>
       </a:buClr>
       <a:buFont typeface="Arial"/>
-      <a:defRPr b="0" i="0" sz="1400" u="none" cap="none" strike="noStrike">
+      <a:defRPr sz="1400" b="0" i="0" u="none" strike="noStrike" cap="none">
         <a:solidFill>
           <a:srgbClr val="000000"/>
         </a:solidFill>
@@ -209,7 +209,7 @@
         <a:sym typeface="Arial"/>
       </a:defRPr>
     </a:lvl6pPr>
-    <a:lvl7pPr lvl="6" marR="0" rtl="0" algn="l">
+    <a:lvl7pPr marR="0" lvl="6" algn="l" rtl="0">
       <a:lnSpc>
         <a:spcPct val="100000"/>
       </a:lnSpc>
@@ -223,7 +223,7 @@
         <a:srgbClr val="000000"/>
       </a:buClr>
       <a:buFont typeface="Arial"/>
-      <a:defRPr b="0" i="0" sz="1400" u="none" cap="none" strike="noStrike">
+      <a:defRPr sz="1400" b="0" i="0" u="none" strike="noStrike" cap="none">
         <a:solidFill>
           <a:srgbClr val="000000"/>
         </a:solidFill>
@@ -233,7 +233,7 @@
         <a:sym typeface="Arial"/>
       </a:defRPr>
     </a:lvl7pPr>
-    <a:lvl8pPr lvl="7" marR="0" rtl="0" algn="l">
+    <a:lvl8pPr marR="0" lvl="7" algn="l" rtl="0">
       <a:lnSpc>
         <a:spcPct val="100000"/>
       </a:lnSpc>
@@ -247,7 +247,7 @@
         <a:srgbClr val="000000"/>
       </a:buClr>
       <a:buFont typeface="Arial"/>
-      <a:defRPr b="0" i="0" sz="1400" u="none" cap="none" strike="noStrike">
+      <a:defRPr sz="1400" b="0" i="0" u="none" strike="noStrike" cap="none">
         <a:solidFill>
           <a:srgbClr val="000000"/>
         </a:solidFill>
@@ -257,7 +257,7 @@
         <a:sym typeface="Arial"/>
       </a:defRPr>
     </a:lvl8pPr>
-    <a:lvl9pPr lvl="8" marR="0" rtl="0" algn="l">
+    <a:lvl9pPr marR="0" lvl="8" algn="l" rtl="0">
       <a:lnSpc>
         <a:spcPct val="100000"/>
       </a:lnSpc>
@@ -271,7 +271,7 @@
         <a:srgbClr val="000000"/>
       </a:buClr>
       <a:buFont typeface="Arial"/>
-      <a:defRPr b="0" i="0" sz="1400" u="none" cap="none" strike="noStrike">
+      <a:defRPr sz="1400" b="0" i="0" u="none" strike="noStrike" cap="none">
         <a:solidFill>
           <a:srgbClr val="000000"/>
         </a:solidFill>
@@ -284,7 +284,7 @@
   </p:defaultTextStyle>
   <p:extLst>
     <p:ext uri="{EFAFB233-063F-42B5-8137-9DF3F51BA10A}">
-      <p15:sldGuideLst>
+      <p15:sldGuideLst xmlns:p15="http://schemas.microsoft.com/office/powerpoint/2012/main">
         <p15:guide id="1" orient="horz" pos="1620">
           <p15:clr>
             <a:srgbClr val="A4A3A4"/>
@@ -302,11 +302,16 @@
 </file>
 
 <file path=ppt/notesMasters/notesMaster1.xml><?xml version="1.0" encoding="utf-8"?>
-<p:notesMaster xmlns:a="http://schemas.openxmlformats.org/drawingml/2006/main" xmlns:r="http://schemas.openxmlformats.org/officeDocument/2006/relationships" xmlns:mc="http://schemas.openxmlformats.org/markup-compatibility/2006" xmlns:mv="urn:schemas-microsoft-com:mac:vml" xmlns:p="http://schemas.openxmlformats.org/presentationml/2006/main" xmlns:c="http://schemas.openxmlformats.org/drawingml/2006/chart" xmlns:dgm="http://schemas.openxmlformats.org/drawingml/2006/diagram" xmlns:o="urn:schemas-microsoft-com:office:office" xmlns:v="urn:schemas-microsoft-com:vml" xmlns:pvml="urn:schemas-microsoft-com:office:powerpoint" xmlns:com="http://schemas.openxmlformats.org/drawingml/2006/compatibility" xmlns:p14="http://schemas.microsoft.com/office/powerpoint/2010/main" xmlns:p15="http://schemas.microsoft.com/office/powerpoint/2012/main">
+<p:notesMaster xmlns:a="http://schemas.openxmlformats.org/drawingml/2006/main" xmlns:r="http://schemas.openxmlformats.org/officeDocument/2006/relationships" xmlns:p="http://schemas.openxmlformats.org/presentationml/2006/main">
   <p:cSld>
+    <p:bg>
+      <p:bgRef idx="1001">
+        <a:schemeClr val="bg1"/>
+      </p:bgRef>
+    </p:bg>
     <p:spTree>
       <p:nvGrpSpPr>
-        <p:cNvPr id="2" name="Shape 2"/>
+        <p:cNvPr id="1" name="Shape 2"/>
         <p:cNvGrpSpPr/>
         <p:nvPr/>
       </p:nvGrpSpPr>
@@ -321,9 +326,11 @@
       <p:sp>
         <p:nvSpPr>
           <p:cNvPr id="3" name="Google Shape;3;n"/>
-          <p:cNvSpPr/>
+          <p:cNvSpPr>
+            <a:spLocks noGrp="1" noRot="1" noChangeAspect="1"/>
+          </p:cNvSpPr>
           <p:nvPr>
-            <p:ph idx="2" type="sldImg"/>
+            <p:ph type="sldImg" idx="2"/>
           </p:nvPr>
         </p:nvSpPr>
         <p:spPr>
@@ -332,9 +339,13 @@
             <a:ext cx="6096075" cy="3429000"/>
           </a:xfrm>
           <a:custGeom>
-            <a:rect b="b" l="l" r="r" t="t"/>
+            <a:avLst/>
+            <a:gdLst/>
+            <a:ahLst/>
+            <a:cxnLst/>
+            <a:rect l="l" t="t" r="r" b="b"/>
             <a:pathLst>
-              <a:path extrusionOk="0" h="120000" w="120000">
+              <a:path w="120000" h="120000" extrusionOk="0">
                 <a:moveTo>
                   <a:pt x="0" y="0"/>
                 </a:moveTo>
@@ -352,23 +363,25 @@
             </a:pathLst>
           </a:custGeom>
           <a:noFill/>
-          <a:ln cap="flat" cmpd="sng" w="9525">
+          <a:ln w="9525" cap="flat" cmpd="sng">
             <a:solidFill>
               <a:srgbClr val="000000"/>
             </a:solidFill>
             <a:prstDash val="solid"/>
             <a:round/>
-            <a:headEnd len="sm" w="sm" type="none"/>
-            <a:tailEnd len="sm" w="sm" type="none"/>
+            <a:headEnd type="none" w="sm" len="sm"/>
+            <a:tailEnd type="none" w="sm" len="sm"/>
           </a:ln>
         </p:spPr>
       </p:sp>
       <p:sp>
         <p:nvSpPr>
           <p:cNvPr id="4" name="Google Shape;4;n"/>
-          <p:cNvSpPr txBox="1"/>
+          <p:cNvSpPr txBox="1">
+            <a:spLocks noGrp="1"/>
+          </p:cNvSpPr>
           <p:nvPr>
-            <p:ph idx="1" type="body"/>
+            <p:ph type="body" idx="1"/>
           </p:nvPr>
         </p:nvSpPr>
         <p:spPr>
@@ -385,9 +398,9 @@
           </a:ln>
         </p:spPr>
         <p:txBody>
-          <a:bodyPr anchorCtr="0" anchor="t" bIns="91425" lIns="91425" spcFirstLastPara="1" rIns="91425" wrap="square" tIns="91425"/>
+          <a:bodyPr spcFirstLastPara="1" wrap="square" lIns="91425" tIns="91425" rIns="91425" bIns="91425" anchor="t" anchorCtr="0"/>
           <a:lstStyle>
-            <a:lvl1pPr indent="-298450" lvl="0" marL="457200">
+            <a:lvl1pPr marL="457200" lvl="0" indent="-298450">
               <a:spcBef>
                 <a:spcPts val="0"/>
               </a:spcBef>
@@ -398,7 +411,7 @@
               <a:buChar char="●"/>
               <a:defRPr sz="1100"/>
             </a:lvl1pPr>
-            <a:lvl2pPr indent="-298450" lvl="1" marL="914400">
+            <a:lvl2pPr marL="914400" lvl="1" indent="-298450">
               <a:spcBef>
                 <a:spcPts val="0"/>
               </a:spcBef>
@@ -409,7 +422,7 @@
               <a:buChar char="○"/>
               <a:defRPr sz="1100"/>
             </a:lvl2pPr>
-            <a:lvl3pPr indent="-298450" lvl="2" marL="1371600">
+            <a:lvl3pPr marL="1371600" lvl="2" indent="-298450">
               <a:spcBef>
                 <a:spcPts val="0"/>
               </a:spcBef>
@@ -420,7 +433,7 @@
               <a:buChar char="■"/>
               <a:defRPr sz="1100"/>
             </a:lvl3pPr>
-            <a:lvl4pPr indent="-298450" lvl="3" marL="1828800">
+            <a:lvl4pPr marL="1828800" lvl="3" indent="-298450">
               <a:spcBef>
                 <a:spcPts val="0"/>
               </a:spcBef>
@@ -431,7 +444,7 @@
               <a:buChar char="●"/>
               <a:defRPr sz="1100"/>
             </a:lvl4pPr>
-            <a:lvl5pPr indent="-298450" lvl="4" marL="2286000">
+            <a:lvl5pPr marL="2286000" lvl="4" indent="-298450">
               <a:spcBef>
                 <a:spcPts val="0"/>
               </a:spcBef>
@@ -442,7 +455,7 @@
               <a:buChar char="○"/>
               <a:defRPr sz="1100"/>
             </a:lvl5pPr>
-            <a:lvl6pPr indent="-298450" lvl="5" marL="2743200">
+            <a:lvl6pPr marL="2743200" lvl="5" indent="-298450">
               <a:spcBef>
                 <a:spcPts val="0"/>
               </a:spcBef>
@@ -453,7 +466,7 @@
               <a:buChar char="■"/>
               <a:defRPr sz="1100"/>
             </a:lvl6pPr>
-            <a:lvl7pPr indent="-298450" lvl="6" marL="3200400">
+            <a:lvl7pPr marL="3200400" lvl="6" indent="-298450">
               <a:spcBef>
                 <a:spcPts val="0"/>
               </a:spcBef>
@@ -464,7 +477,7 @@
               <a:buChar char="●"/>
               <a:defRPr sz="1100"/>
             </a:lvl7pPr>
-            <a:lvl8pPr indent="-298450" lvl="7" marL="3657600">
+            <a:lvl8pPr marL="3657600" lvl="7" indent="-298450">
               <a:spcBef>
                 <a:spcPts val="0"/>
               </a:spcBef>
@@ -475,7 +488,7 @@
               <a:buChar char="○"/>
               <a:defRPr sz="1100"/>
             </a:lvl8pPr>
-            <a:lvl9pPr indent="-298450" lvl="8" marL="4114800">
+            <a:lvl9pPr marL="4114800" lvl="8" indent="-298450">
               <a:spcBef>
                 <a:spcPts val="0"/>
               </a:spcBef>
@@ -487,14 +500,21 @@
               <a:defRPr sz="1100"/>
             </a:lvl9pPr>
           </a:lstStyle>
-          <a:p/>
+          <a:p>
+            <a:endParaRPr/>
+          </a:p>
         </p:txBody>
       </p:sp>
     </p:spTree>
+    <p:extLst>
+      <p:ext uri="{BB962C8B-B14F-4D97-AF65-F5344CB8AC3E}">
+        <p14:creationId xmlns:p14="http://schemas.microsoft.com/office/powerpoint/2010/main" val="2839662332"/>
+      </p:ext>
+    </p:extLst>
   </p:cSld>
-  <p:clrMap accent1="accent1" accent2="accent2" accent3="accent3" accent4="accent4" accent5="accent5" accent6="accent6" bg1="lt1" bg2="dk2" tx1="dk1" tx2="lt2" folHlink="folHlink" hlink="hlink"/>
+  <p:clrMap bg1="lt1" tx1="dk1" bg2="dk2" tx2="lt2" accent1="accent1" accent2="accent2" accent3="accent3" accent4="accent4" accent5="accent5" accent6="accent6" hlink="hlink" folHlink="folHlink"/>
   <p:notesStyle>
-    <a:defPPr lvl="0" marR="0" rtl="0" algn="l">
+    <a:defPPr marR="0" lvl="0" algn="l" rtl="0">
       <a:lnSpc>
         <a:spcPct val="100000"/>
       </a:lnSpc>
@@ -505,7 +525,7 @@
         <a:spcPts val="0"/>
       </a:spcAft>
     </a:defPPr>
-    <a:lvl1pPr lvl="0" marR="0" rtl="0" algn="l">
+    <a:lvl1pPr marR="0" lvl="0" algn="l" rtl="0">
       <a:lnSpc>
         <a:spcPct val="100000"/>
       </a:lnSpc>
@@ -519,7 +539,7 @@
         <a:srgbClr val="000000"/>
       </a:buClr>
       <a:buFont typeface="Arial"/>
-      <a:defRPr b="0" i="0" sz="1400" u="none" cap="none" strike="noStrike">
+      <a:defRPr sz="1400" b="0" i="0" u="none" strike="noStrike" cap="none">
         <a:solidFill>
           <a:srgbClr val="000000"/>
         </a:solidFill>
@@ -529,7 +549,7 @@
         <a:sym typeface="Arial"/>
       </a:defRPr>
     </a:lvl1pPr>
-    <a:lvl2pPr lvl="1" marR="0" rtl="0" algn="l">
+    <a:lvl2pPr marR="0" lvl="1" algn="l" rtl="0">
       <a:lnSpc>
         <a:spcPct val="100000"/>
       </a:lnSpc>
@@ -543,7 +563,7 @@
         <a:srgbClr val="000000"/>
       </a:buClr>
       <a:buFont typeface="Arial"/>
-      <a:defRPr b="0" i="0" sz="1400" u="none" cap="none" strike="noStrike">
+      <a:defRPr sz="1400" b="0" i="0" u="none" strike="noStrike" cap="none">
         <a:solidFill>
           <a:srgbClr val="000000"/>
         </a:solidFill>
@@ -553,7 +573,7 @@
         <a:sym typeface="Arial"/>
       </a:defRPr>
     </a:lvl2pPr>
-    <a:lvl3pPr lvl="2" marR="0" rtl="0" algn="l">
+    <a:lvl3pPr marR="0" lvl="2" algn="l" rtl="0">
       <a:lnSpc>
         <a:spcPct val="100000"/>
       </a:lnSpc>
@@ -567,7 +587,7 @@
         <a:srgbClr val="000000"/>
       </a:buClr>
       <a:buFont typeface="Arial"/>
-      <a:defRPr b="0" i="0" sz="1400" u="none" cap="none" strike="noStrike">
+      <a:defRPr sz="1400" b="0" i="0" u="none" strike="noStrike" cap="none">
         <a:solidFill>
           <a:srgbClr val="000000"/>
         </a:solidFill>
@@ -577,7 +597,7 @@
         <a:sym typeface="Arial"/>
       </a:defRPr>
     </a:lvl3pPr>
-    <a:lvl4pPr lvl="3" marR="0" rtl="0" algn="l">
+    <a:lvl4pPr marR="0" lvl="3" algn="l" rtl="0">
       <a:lnSpc>
         <a:spcPct val="100000"/>
       </a:lnSpc>
@@ -591,7 +611,7 @@
         <a:srgbClr val="000000"/>
       </a:buClr>
       <a:buFont typeface="Arial"/>
-      <a:defRPr b="0" i="0" sz="1400" u="none" cap="none" strike="noStrike">
+      <a:defRPr sz="1400" b="0" i="0" u="none" strike="noStrike" cap="none">
         <a:solidFill>
           <a:srgbClr val="000000"/>
         </a:solidFill>
@@ -601,7 +621,7 @@
         <a:sym typeface="Arial"/>
       </a:defRPr>
     </a:lvl4pPr>
-    <a:lvl5pPr lvl="4" marR="0" rtl="0" algn="l">
+    <a:lvl5pPr marR="0" lvl="4" algn="l" rtl="0">
       <a:lnSpc>
         <a:spcPct val="100000"/>
       </a:lnSpc>
@@ -615,7 +635,7 @@
         <a:srgbClr val="000000"/>
       </a:buClr>
       <a:buFont typeface="Arial"/>
-      <a:defRPr b="0" i="0" sz="1400" u="none" cap="none" strike="noStrike">
+      <a:defRPr sz="1400" b="0" i="0" u="none" strike="noStrike" cap="none">
         <a:solidFill>
           <a:srgbClr val="000000"/>
         </a:solidFill>
@@ -625,7 +645,7 @@
         <a:sym typeface="Arial"/>
       </a:defRPr>
     </a:lvl5pPr>
-    <a:lvl6pPr lvl="5" marR="0" rtl="0" algn="l">
+    <a:lvl6pPr marR="0" lvl="5" algn="l" rtl="0">
       <a:lnSpc>
         <a:spcPct val="100000"/>
       </a:lnSpc>
@@ -639,7 +659,7 @@
         <a:srgbClr val="000000"/>
       </a:buClr>
       <a:buFont typeface="Arial"/>
-      <a:defRPr b="0" i="0" sz="1400" u="none" cap="none" strike="noStrike">
+      <a:defRPr sz="1400" b="0" i="0" u="none" strike="noStrike" cap="none">
         <a:solidFill>
           <a:srgbClr val="000000"/>
         </a:solidFill>
@@ -649,7 +669,7 @@
         <a:sym typeface="Arial"/>
       </a:defRPr>
     </a:lvl6pPr>
-    <a:lvl7pPr lvl="6" marR="0" rtl="0" algn="l">
+    <a:lvl7pPr marR="0" lvl="6" algn="l" rtl="0">
       <a:lnSpc>
         <a:spcPct val="100000"/>
       </a:lnSpc>
@@ -663,7 +683,7 @@
         <a:srgbClr val="000000"/>
       </a:buClr>
       <a:buFont typeface="Arial"/>
-      <a:defRPr b="0" i="0" sz="1400" u="none" cap="none" strike="noStrike">
+      <a:defRPr sz="1400" b="0" i="0" u="none" strike="noStrike" cap="none">
         <a:solidFill>
           <a:srgbClr val="000000"/>
         </a:solidFill>
@@ -673,7 +693,7 @@
         <a:sym typeface="Arial"/>
       </a:defRPr>
     </a:lvl7pPr>
-    <a:lvl8pPr lvl="7" marR="0" rtl="0" algn="l">
+    <a:lvl8pPr marR="0" lvl="7" algn="l" rtl="0">
       <a:lnSpc>
         <a:spcPct val="100000"/>
       </a:lnSpc>
@@ -687,7 +707,7 @@
         <a:srgbClr val="000000"/>
       </a:buClr>
       <a:buFont typeface="Arial"/>
-      <a:defRPr b="0" i="0" sz="1400" u="none" cap="none" strike="noStrike">
+      <a:defRPr sz="1400" b="0" i="0" u="none" strike="noStrike" cap="none">
         <a:solidFill>
           <a:srgbClr val="000000"/>
         </a:solidFill>
@@ -697,7 +717,7 @@
         <a:sym typeface="Arial"/>
       </a:defRPr>
     </a:lvl8pPr>
-    <a:lvl9pPr lvl="8" marR="0" rtl="0" algn="l">
+    <a:lvl9pPr marR="0" lvl="8" algn="l" rtl="0">
       <a:lnSpc>
         <a:spcPct val="100000"/>
       </a:lnSpc>
@@ -711,7 +731,7 @@
         <a:srgbClr val="000000"/>
       </a:buClr>
       <a:buFont typeface="Arial"/>
-      <a:defRPr b="0" i="0" sz="1400" u="none" cap="none" strike="noStrike">
+      <a:defRPr sz="1400" b="0" i="0" u="none" strike="noStrike" cap="none">
         <a:solidFill>
           <a:srgbClr val="000000"/>
         </a:solidFill>
@@ -726,11 +746,11 @@
 </file>
 
 <file path=ppt/notesSlides/notesSlide1.xml><?xml version="1.0" encoding="utf-8"?>
-<p:notes xmlns:a="http://schemas.openxmlformats.org/drawingml/2006/main" xmlns:r="http://schemas.openxmlformats.org/officeDocument/2006/relationships" xmlns:mc="http://schemas.openxmlformats.org/markup-compatibility/2006" xmlns:mv="urn:schemas-microsoft-com:mac:vml" xmlns:p="http://schemas.openxmlformats.org/presentationml/2006/main" xmlns:c="http://schemas.openxmlformats.org/drawingml/2006/chart" xmlns:dgm="http://schemas.openxmlformats.org/drawingml/2006/diagram" xmlns:o="urn:schemas-microsoft-com:office:office" xmlns:v="urn:schemas-microsoft-com:vml" xmlns:pvml="urn:schemas-microsoft-com:office:powerpoint" xmlns:com="http://schemas.openxmlformats.org/drawingml/2006/compatibility" xmlns:p14="http://schemas.microsoft.com/office/powerpoint/2010/main" xmlns:p15="http://schemas.microsoft.com/office/powerpoint/2012/main" showMasterPhAnim="0" showMasterSp="0">
+<p:notes xmlns:a="http://schemas.openxmlformats.org/drawingml/2006/main" xmlns:r="http://schemas.openxmlformats.org/officeDocument/2006/relationships" xmlns:p="http://schemas.openxmlformats.org/presentationml/2006/main" showMasterSp="0" showMasterPhAnim="0">
   <p:cSld>
     <p:spTree>
       <p:nvGrpSpPr>
-        <p:cNvPr id="58" name="Shape 58"/>
+        <p:cNvPr id="1" name="Shape 58"/>
         <p:cNvGrpSpPr/>
         <p:nvPr/>
       </p:nvGrpSpPr>
@@ -745,20 +765,26 @@
       <p:sp>
         <p:nvSpPr>
           <p:cNvPr id="59" name="Google Shape;59;p:notes"/>
-          <p:cNvSpPr/>
+          <p:cNvSpPr>
+            <a:spLocks noGrp="1" noRot="1" noChangeAspect="1"/>
+          </p:cNvSpPr>
           <p:nvPr>
-            <p:ph idx="2" type="sldImg"/>
+            <p:ph type="sldImg" idx="2"/>
           </p:nvPr>
         </p:nvSpPr>
         <p:spPr>
           <a:xfrm>
-            <a:off x="381300" y="685800"/>
-            <a:ext cx="6096075" cy="3429000"/>
+            <a:off x="381000" y="685800"/>
+            <a:ext cx="6096000" cy="3429000"/>
           </a:xfrm>
           <a:custGeom>
-            <a:rect b="b" l="l" r="r" t="t"/>
+            <a:avLst/>
+            <a:gdLst/>
+            <a:ahLst/>
+            <a:cxnLst/>
+            <a:rect l="l" t="t" r="r" b="b"/>
             <a:pathLst>
-              <a:path extrusionOk="0" h="120000" w="120000">
+              <a:path w="120000" h="120000" extrusionOk="0">
                 <a:moveTo>
                   <a:pt x="0" y="0"/>
                 </a:moveTo>
@@ -780,9 +806,11 @@
       <p:sp>
         <p:nvSpPr>
           <p:cNvPr id="60" name="Google Shape;60;p:notes"/>
-          <p:cNvSpPr txBox="1"/>
+          <p:cNvSpPr txBox="1">
+            <a:spLocks noGrp="1"/>
+          </p:cNvSpPr>
           <p:nvPr>
-            <p:ph idx="1" type="body"/>
+            <p:ph type="body" idx="1"/>
           </p:nvPr>
         </p:nvSpPr>
         <p:spPr>
@@ -795,28 +823,30 @@
           </a:prstGeom>
         </p:spPr>
         <p:txBody>
-          <a:bodyPr anchorCtr="0" anchor="t" bIns="91425" lIns="91425" spcFirstLastPara="1" rIns="91425" wrap="square" tIns="91425">
+          <a:bodyPr spcFirstLastPara="1" wrap="square" lIns="91425" tIns="91425" rIns="91425" bIns="91425" anchor="t" anchorCtr="0">
             <a:noAutofit/>
           </a:bodyPr>
           <a:lstStyle/>
           <a:p>
-            <a:pPr indent="0" lvl="0" marL="0" rtl="0" algn="l">
-              <a:spcBef>
-                <a:spcPts val="0"/>
-              </a:spcBef>
-              <a:spcAft>
-                <a:spcPts val="0"/>
-              </a:spcAft>
-              <a:buNone/>
-            </a:pPr>
-            <a:r>
-              <a:t/>
-            </a:r>
+            <a:pPr marL="0" lvl="0" indent="0" algn="l" rtl="0">
+              <a:spcBef>
+                <a:spcPts val="0"/>
+              </a:spcBef>
+              <a:spcAft>
+                <a:spcPts val="0"/>
+              </a:spcAft>
+              <a:buNone/>
+            </a:pPr>
             <a:endParaRPr/>
           </a:p>
         </p:txBody>
       </p:sp>
     </p:spTree>
+    <p:extLst>
+      <p:ext uri="{BB962C8B-B14F-4D97-AF65-F5344CB8AC3E}">
+        <p14:creationId xmlns:p14="http://schemas.microsoft.com/office/powerpoint/2010/main" val="346722951"/>
+      </p:ext>
+    </p:extLst>
   </p:cSld>
   <p:clrMapOvr>
     <a:masterClrMapping/>
@@ -825,11 +855,11 @@
 </file>
 
 <file path=ppt/notesSlides/notesSlide10.xml><?xml version="1.0" encoding="utf-8"?>
-<p:notes xmlns:a="http://schemas.openxmlformats.org/drawingml/2006/main" xmlns:r="http://schemas.openxmlformats.org/officeDocument/2006/relationships" xmlns:mc="http://schemas.openxmlformats.org/markup-compatibility/2006" xmlns:mv="urn:schemas-microsoft-com:mac:vml" xmlns:p="http://schemas.openxmlformats.org/presentationml/2006/main" xmlns:c="http://schemas.openxmlformats.org/drawingml/2006/chart" xmlns:dgm="http://schemas.openxmlformats.org/drawingml/2006/diagram" xmlns:o="urn:schemas-microsoft-com:office:office" xmlns:v="urn:schemas-microsoft-com:vml" xmlns:pvml="urn:schemas-microsoft-com:office:powerpoint" xmlns:com="http://schemas.openxmlformats.org/drawingml/2006/compatibility" xmlns:p14="http://schemas.microsoft.com/office/powerpoint/2010/main" xmlns:p15="http://schemas.microsoft.com/office/powerpoint/2012/main" showMasterPhAnim="0" showMasterSp="0">
+<p:notes xmlns:a="http://schemas.openxmlformats.org/drawingml/2006/main" xmlns:r="http://schemas.openxmlformats.org/officeDocument/2006/relationships" xmlns:p="http://schemas.openxmlformats.org/presentationml/2006/main" showMasterSp="0" showMasterPhAnim="0">
   <p:cSld>
     <p:spTree>
       <p:nvGrpSpPr>
-        <p:cNvPr id="114" name="Shape 114"/>
+        <p:cNvPr id="1" name="Shape 114"/>
         <p:cNvGrpSpPr/>
         <p:nvPr/>
       </p:nvGrpSpPr>
@@ -844,20 +874,26 @@
       <p:sp>
         <p:nvSpPr>
           <p:cNvPr id="115" name="Google Shape;115;g571a832f8e_0_164:notes"/>
-          <p:cNvSpPr/>
+          <p:cNvSpPr>
+            <a:spLocks noGrp="1" noRot="1" noChangeAspect="1"/>
+          </p:cNvSpPr>
           <p:nvPr>
-            <p:ph idx="2" type="sldImg"/>
+            <p:ph type="sldImg" idx="2"/>
           </p:nvPr>
         </p:nvSpPr>
         <p:spPr>
           <a:xfrm>
-            <a:off x="381300" y="685800"/>
+            <a:off x="381000" y="685800"/>
             <a:ext cx="6096000" cy="3429000"/>
           </a:xfrm>
           <a:custGeom>
-            <a:rect b="b" l="l" r="r" t="t"/>
+            <a:avLst/>
+            <a:gdLst/>
+            <a:ahLst/>
+            <a:cxnLst/>
+            <a:rect l="l" t="t" r="r" b="b"/>
             <a:pathLst>
-              <a:path extrusionOk="0" h="120000" w="120000">
+              <a:path w="120000" h="120000" extrusionOk="0">
                 <a:moveTo>
                   <a:pt x="0" y="0"/>
                 </a:moveTo>
@@ -879,9 +915,11 @@
       <p:sp>
         <p:nvSpPr>
           <p:cNvPr id="116" name="Google Shape;116;g571a832f8e_0_164:notes"/>
-          <p:cNvSpPr txBox="1"/>
+          <p:cNvSpPr txBox="1">
+            <a:spLocks noGrp="1"/>
+          </p:cNvSpPr>
           <p:nvPr>
-            <p:ph idx="1" type="body"/>
+            <p:ph type="body" idx="1"/>
           </p:nvPr>
         </p:nvSpPr>
         <p:spPr>
@@ -894,28 +932,30 @@
           </a:prstGeom>
         </p:spPr>
         <p:txBody>
-          <a:bodyPr anchorCtr="0" anchor="t" bIns="91425" lIns="91425" spcFirstLastPara="1" rIns="91425" wrap="square" tIns="91425">
+          <a:bodyPr spcFirstLastPara="1" wrap="square" lIns="91425" tIns="91425" rIns="91425" bIns="91425" anchor="t" anchorCtr="0">
             <a:noAutofit/>
           </a:bodyPr>
           <a:lstStyle/>
           <a:p>
-            <a:pPr indent="0" lvl="0" marL="0" rtl="0" algn="l">
-              <a:spcBef>
-                <a:spcPts val="0"/>
-              </a:spcBef>
-              <a:spcAft>
-                <a:spcPts val="0"/>
-              </a:spcAft>
-              <a:buNone/>
-            </a:pPr>
-            <a:r>
-              <a:t/>
-            </a:r>
+            <a:pPr marL="0" lvl="0" indent="0" algn="l" rtl="0">
+              <a:spcBef>
+                <a:spcPts val="0"/>
+              </a:spcBef>
+              <a:spcAft>
+                <a:spcPts val="0"/>
+              </a:spcAft>
+              <a:buNone/>
+            </a:pPr>
             <a:endParaRPr/>
           </a:p>
         </p:txBody>
       </p:sp>
     </p:spTree>
+    <p:extLst>
+      <p:ext uri="{BB962C8B-B14F-4D97-AF65-F5344CB8AC3E}">
+        <p14:creationId xmlns:p14="http://schemas.microsoft.com/office/powerpoint/2010/main" val="4228714578"/>
+      </p:ext>
+    </p:extLst>
   </p:cSld>
   <p:clrMapOvr>
     <a:masterClrMapping/>
@@ -924,11 +964,11 @@
 </file>
 
 <file path=ppt/notesSlides/notesSlide11.xml><?xml version="1.0" encoding="utf-8"?>
-<p:notes xmlns:a="http://schemas.openxmlformats.org/drawingml/2006/main" xmlns:r="http://schemas.openxmlformats.org/officeDocument/2006/relationships" xmlns:mc="http://schemas.openxmlformats.org/markup-compatibility/2006" xmlns:mv="urn:schemas-microsoft-com:mac:vml" xmlns:p="http://schemas.openxmlformats.org/presentationml/2006/main" xmlns:c="http://schemas.openxmlformats.org/drawingml/2006/chart" xmlns:dgm="http://schemas.openxmlformats.org/drawingml/2006/diagram" xmlns:o="urn:schemas-microsoft-com:office:office" xmlns:v="urn:schemas-microsoft-com:vml" xmlns:pvml="urn:schemas-microsoft-com:office:powerpoint" xmlns:com="http://schemas.openxmlformats.org/drawingml/2006/compatibility" xmlns:p14="http://schemas.microsoft.com/office/powerpoint/2010/main" xmlns:p15="http://schemas.microsoft.com/office/powerpoint/2012/main" showMasterPhAnim="0" showMasterSp="0">
+<p:notes xmlns:a="http://schemas.openxmlformats.org/drawingml/2006/main" xmlns:r="http://schemas.openxmlformats.org/officeDocument/2006/relationships" xmlns:p="http://schemas.openxmlformats.org/presentationml/2006/main" showMasterSp="0" showMasterPhAnim="0">
   <p:cSld>
     <p:spTree>
       <p:nvGrpSpPr>
-        <p:cNvPr id="121" name="Shape 121"/>
+        <p:cNvPr id="1" name="Shape 121"/>
         <p:cNvGrpSpPr/>
         <p:nvPr/>
       </p:nvGrpSpPr>
@@ -943,20 +983,26 @@
       <p:sp>
         <p:nvSpPr>
           <p:cNvPr id="122" name="Google Shape;122;g571a832f8e_0_188:notes"/>
-          <p:cNvSpPr/>
+          <p:cNvSpPr>
+            <a:spLocks noGrp="1" noRot="1" noChangeAspect="1"/>
+          </p:cNvSpPr>
           <p:nvPr>
-            <p:ph idx="2" type="sldImg"/>
+            <p:ph type="sldImg" idx="2"/>
           </p:nvPr>
         </p:nvSpPr>
         <p:spPr>
           <a:xfrm>
-            <a:off x="381300" y="685800"/>
+            <a:off x="381000" y="685800"/>
             <a:ext cx="6096000" cy="3429000"/>
           </a:xfrm>
           <a:custGeom>
-            <a:rect b="b" l="l" r="r" t="t"/>
+            <a:avLst/>
+            <a:gdLst/>
+            <a:ahLst/>
+            <a:cxnLst/>
+            <a:rect l="l" t="t" r="r" b="b"/>
             <a:pathLst>
-              <a:path extrusionOk="0" h="120000" w="120000">
+              <a:path w="120000" h="120000" extrusionOk="0">
                 <a:moveTo>
                   <a:pt x="0" y="0"/>
                 </a:moveTo>
@@ -978,9 +1024,11 @@
       <p:sp>
         <p:nvSpPr>
           <p:cNvPr id="123" name="Google Shape;123;g571a832f8e_0_188:notes"/>
-          <p:cNvSpPr txBox="1"/>
+          <p:cNvSpPr txBox="1">
+            <a:spLocks noGrp="1"/>
+          </p:cNvSpPr>
           <p:nvPr>
-            <p:ph idx="1" type="body"/>
+            <p:ph type="body" idx="1"/>
           </p:nvPr>
         </p:nvSpPr>
         <p:spPr>
@@ -993,28 +1041,30 @@
           </a:prstGeom>
         </p:spPr>
         <p:txBody>
-          <a:bodyPr anchorCtr="0" anchor="t" bIns="91425" lIns="91425" spcFirstLastPara="1" rIns="91425" wrap="square" tIns="91425">
+          <a:bodyPr spcFirstLastPara="1" wrap="square" lIns="91425" tIns="91425" rIns="91425" bIns="91425" anchor="t" anchorCtr="0">
             <a:noAutofit/>
           </a:bodyPr>
           <a:lstStyle/>
           <a:p>
-            <a:pPr indent="0" lvl="0" marL="0" rtl="0" algn="l">
-              <a:spcBef>
-                <a:spcPts val="0"/>
-              </a:spcBef>
-              <a:spcAft>
-                <a:spcPts val="0"/>
-              </a:spcAft>
-              <a:buNone/>
-            </a:pPr>
-            <a:r>
-              <a:t/>
-            </a:r>
+            <a:pPr marL="0" lvl="0" indent="0" algn="l" rtl="0">
+              <a:spcBef>
+                <a:spcPts val="0"/>
+              </a:spcBef>
+              <a:spcAft>
+                <a:spcPts val="0"/>
+              </a:spcAft>
+              <a:buNone/>
+            </a:pPr>
             <a:endParaRPr/>
           </a:p>
         </p:txBody>
       </p:sp>
     </p:spTree>
+    <p:extLst>
+      <p:ext uri="{BB962C8B-B14F-4D97-AF65-F5344CB8AC3E}">
+        <p14:creationId xmlns:p14="http://schemas.microsoft.com/office/powerpoint/2010/main" val="1426060202"/>
+      </p:ext>
+    </p:extLst>
   </p:cSld>
   <p:clrMapOvr>
     <a:masterClrMapping/>
@@ -1023,11 +1073,11 @@
 </file>
 
 <file path=ppt/notesSlides/notesSlide12.xml><?xml version="1.0" encoding="utf-8"?>
-<p:notes xmlns:a="http://schemas.openxmlformats.org/drawingml/2006/main" xmlns:r="http://schemas.openxmlformats.org/officeDocument/2006/relationships" xmlns:mc="http://schemas.openxmlformats.org/markup-compatibility/2006" xmlns:mv="urn:schemas-microsoft-com:mac:vml" xmlns:p="http://schemas.openxmlformats.org/presentationml/2006/main" xmlns:c="http://schemas.openxmlformats.org/drawingml/2006/chart" xmlns:dgm="http://schemas.openxmlformats.org/drawingml/2006/diagram" xmlns:o="urn:schemas-microsoft-com:office:office" xmlns:v="urn:schemas-microsoft-com:vml" xmlns:pvml="urn:schemas-microsoft-com:office:powerpoint" xmlns:com="http://schemas.openxmlformats.org/drawingml/2006/compatibility" xmlns:p14="http://schemas.microsoft.com/office/powerpoint/2010/main" xmlns:p15="http://schemas.microsoft.com/office/powerpoint/2012/main" showMasterPhAnim="0" showMasterSp="0">
+<p:notes xmlns:a="http://schemas.openxmlformats.org/drawingml/2006/main" xmlns:r="http://schemas.openxmlformats.org/officeDocument/2006/relationships" xmlns:p="http://schemas.openxmlformats.org/presentationml/2006/main" showMasterSp="0" showMasterPhAnim="0">
   <p:cSld>
     <p:spTree>
       <p:nvGrpSpPr>
-        <p:cNvPr id="127" name="Shape 127"/>
+        <p:cNvPr id="1" name="Shape 127"/>
         <p:cNvGrpSpPr/>
         <p:nvPr/>
       </p:nvGrpSpPr>
@@ -1042,20 +1092,26 @@
       <p:sp>
         <p:nvSpPr>
           <p:cNvPr id="128" name="Google Shape;128;g571a832f8e_0_198:notes"/>
-          <p:cNvSpPr/>
+          <p:cNvSpPr>
+            <a:spLocks noGrp="1" noRot="1" noChangeAspect="1"/>
+          </p:cNvSpPr>
           <p:nvPr>
-            <p:ph idx="2" type="sldImg"/>
+            <p:ph type="sldImg" idx="2"/>
           </p:nvPr>
         </p:nvSpPr>
         <p:spPr>
           <a:xfrm>
-            <a:off x="381300" y="685800"/>
+            <a:off x="381000" y="685800"/>
             <a:ext cx="6096000" cy="3429000"/>
           </a:xfrm>
           <a:custGeom>
-            <a:rect b="b" l="l" r="r" t="t"/>
+            <a:avLst/>
+            <a:gdLst/>
+            <a:ahLst/>
+            <a:cxnLst/>
+            <a:rect l="l" t="t" r="r" b="b"/>
             <a:pathLst>
-              <a:path extrusionOk="0" h="120000" w="120000">
+              <a:path w="120000" h="120000" extrusionOk="0">
                 <a:moveTo>
                   <a:pt x="0" y="0"/>
                 </a:moveTo>
@@ -1077,9 +1133,11 @@
       <p:sp>
         <p:nvSpPr>
           <p:cNvPr id="129" name="Google Shape;129;g571a832f8e_0_198:notes"/>
-          <p:cNvSpPr txBox="1"/>
+          <p:cNvSpPr txBox="1">
+            <a:spLocks noGrp="1"/>
+          </p:cNvSpPr>
           <p:nvPr>
-            <p:ph idx="1" type="body"/>
+            <p:ph type="body" idx="1"/>
           </p:nvPr>
         </p:nvSpPr>
         <p:spPr>
@@ -1092,28 +1150,30 @@
           </a:prstGeom>
         </p:spPr>
         <p:txBody>
-          <a:bodyPr anchorCtr="0" anchor="t" bIns="91425" lIns="91425" spcFirstLastPara="1" rIns="91425" wrap="square" tIns="91425">
+          <a:bodyPr spcFirstLastPara="1" wrap="square" lIns="91425" tIns="91425" rIns="91425" bIns="91425" anchor="t" anchorCtr="0">
             <a:noAutofit/>
           </a:bodyPr>
           <a:lstStyle/>
           <a:p>
-            <a:pPr indent="0" lvl="0" marL="0" rtl="0" algn="l">
-              <a:spcBef>
-                <a:spcPts val="0"/>
-              </a:spcBef>
-              <a:spcAft>
-                <a:spcPts val="0"/>
-              </a:spcAft>
-              <a:buNone/>
-            </a:pPr>
-            <a:r>
-              <a:t/>
-            </a:r>
+            <a:pPr marL="0" lvl="0" indent="0" algn="l" rtl="0">
+              <a:spcBef>
+                <a:spcPts val="0"/>
+              </a:spcBef>
+              <a:spcAft>
+                <a:spcPts val="0"/>
+              </a:spcAft>
+              <a:buNone/>
+            </a:pPr>
             <a:endParaRPr/>
           </a:p>
         </p:txBody>
       </p:sp>
     </p:spTree>
+    <p:extLst>
+      <p:ext uri="{BB962C8B-B14F-4D97-AF65-F5344CB8AC3E}">
+        <p14:creationId xmlns:p14="http://schemas.microsoft.com/office/powerpoint/2010/main" val="731874697"/>
+      </p:ext>
+    </p:extLst>
   </p:cSld>
   <p:clrMapOvr>
     <a:masterClrMapping/>
@@ -1122,11 +1182,11 @@
 </file>
 
 <file path=ppt/notesSlides/notesSlide13.xml><?xml version="1.0" encoding="utf-8"?>
-<p:notes xmlns:a="http://schemas.openxmlformats.org/drawingml/2006/main" xmlns:r="http://schemas.openxmlformats.org/officeDocument/2006/relationships" xmlns:mc="http://schemas.openxmlformats.org/markup-compatibility/2006" xmlns:mv="urn:schemas-microsoft-com:mac:vml" xmlns:p="http://schemas.openxmlformats.org/presentationml/2006/main" xmlns:c="http://schemas.openxmlformats.org/drawingml/2006/chart" xmlns:dgm="http://schemas.openxmlformats.org/drawingml/2006/diagram" xmlns:o="urn:schemas-microsoft-com:office:office" xmlns:v="urn:schemas-microsoft-com:vml" xmlns:pvml="urn:schemas-microsoft-com:office:powerpoint" xmlns:com="http://schemas.openxmlformats.org/drawingml/2006/compatibility" xmlns:p14="http://schemas.microsoft.com/office/powerpoint/2010/main" xmlns:p15="http://schemas.microsoft.com/office/powerpoint/2012/main" showMasterPhAnim="0" showMasterSp="0">
+<p:notes xmlns:a="http://schemas.openxmlformats.org/drawingml/2006/main" xmlns:r="http://schemas.openxmlformats.org/officeDocument/2006/relationships" xmlns:p="http://schemas.openxmlformats.org/presentationml/2006/main" showMasterSp="0" showMasterPhAnim="0">
   <p:cSld>
     <p:spTree>
       <p:nvGrpSpPr>
-        <p:cNvPr id="133" name="Shape 133"/>
+        <p:cNvPr id="1" name="Shape 133"/>
         <p:cNvGrpSpPr/>
         <p:nvPr/>
       </p:nvGrpSpPr>
@@ -1141,20 +1201,26 @@
       <p:sp>
         <p:nvSpPr>
           <p:cNvPr id="134" name="Google Shape;134;g571a832f8e_0_203:notes"/>
-          <p:cNvSpPr/>
+          <p:cNvSpPr>
+            <a:spLocks noGrp="1" noRot="1" noChangeAspect="1"/>
+          </p:cNvSpPr>
           <p:nvPr>
-            <p:ph idx="2" type="sldImg"/>
+            <p:ph type="sldImg" idx="2"/>
           </p:nvPr>
         </p:nvSpPr>
         <p:spPr>
           <a:xfrm>
-            <a:off x="381300" y="685800"/>
+            <a:off x="381000" y="685800"/>
             <a:ext cx="6096000" cy="3429000"/>
           </a:xfrm>
           <a:custGeom>
-            <a:rect b="b" l="l" r="r" t="t"/>
+            <a:avLst/>
+            <a:gdLst/>
+            <a:ahLst/>
+            <a:cxnLst/>
+            <a:rect l="l" t="t" r="r" b="b"/>
             <a:pathLst>
-              <a:path extrusionOk="0" h="120000" w="120000">
+              <a:path w="120000" h="120000" extrusionOk="0">
                 <a:moveTo>
                   <a:pt x="0" y="0"/>
                 </a:moveTo>
@@ -1176,9 +1242,11 @@
       <p:sp>
         <p:nvSpPr>
           <p:cNvPr id="135" name="Google Shape;135;g571a832f8e_0_203:notes"/>
-          <p:cNvSpPr txBox="1"/>
+          <p:cNvSpPr txBox="1">
+            <a:spLocks noGrp="1"/>
+          </p:cNvSpPr>
           <p:nvPr>
-            <p:ph idx="1" type="body"/>
+            <p:ph type="body" idx="1"/>
           </p:nvPr>
         </p:nvSpPr>
         <p:spPr>
@@ -1191,28 +1259,30 @@
           </a:prstGeom>
         </p:spPr>
         <p:txBody>
-          <a:bodyPr anchorCtr="0" anchor="t" bIns="91425" lIns="91425" spcFirstLastPara="1" rIns="91425" wrap="square" tIns="91425">
+          <a:bodyPr spcFirstLastPara="1" wrap="square" lIns="91425" tIns="91425" rIns="91425" bIns="91425" anchor="t" anchorCtr="0">
             <a:noAutofit/>
           </a:bodyPr>
           <a:lstStyle/>
           <a:p>
-            <a:pPr indent="0" lvl="0" marL="0" rtl="0" algn="l">
-              <a:spcBef>
-                <a:spcPts val="0"/>
-              </a:spcBef>
-              <a:spcAft>
-                <a:spcPts val="0"/>
-              </a:spcAft>
-              <a:buNone/>
-            </a:pPr>
-            <a:r>
-              <a:t/>
-            </a:r>
+            <a:pPr marL="0" lvl="0" indent="0" algn="l" rtl="0">
+              <a:spcBef>
+                <a:spcPts val="0"/>
+              </a:spcBef>
+              <a:spcAft>
+                <a:spcPts val="0"/>
+              </a:spcAft>
+              <a:buNone/>
+            </a:pPr>
             <a:endParaRPr/>
           </a:p>
         </p:txBody>
       </p:sp>
     </p:spTree>
+    <p:extLst>
+      <p:ext uri="{BB962C8B-B14F-4D97-AF65-F5344CB8AC3E}">
+        <p14:creationId xmlns:p14="http://schemas.microsoft.com/office/powerpoint/2010/main" val="608024278"/>
+      </p:ext>
+    </p:extLst>
   </p:cSld>
   <p:clrMapOvr>
     <a:masterClrMapping/>
@@ -1221,11 +1291,11 @@
 </file>
 
 <file path=ppt/notesSlides/notesSlide14.xml><?xml version="1.0" encoding="utf-8"?>
-<p:notes xmlns:a="http://schemas.openxmlformats.org/drawingml/2006/main" xmlns:r="http://schemas.openxmlformats.org/officeDocument/2006/relationships" xmlns:mc="http://schemas.openxmlformats.org/markup-compatibility/2006" xmlns:mv="urn:schemas-microsoft-com:mac:vml" xmlns:p="http://schemas.openxmlformats.org/presentationml/2006/main" xmlns:c="http://schemas.openxmlformats.org/drawingml/2006/chart" xmlns:dgm="http://schemas.openxmlformats.org/drawingml/2006/diagram" xmlns:o="urn:schemas-microsoft-com:office:office" xmlns:v="urn:schemas-microsoft-com:vml" xmlns:pvml="urn:schemas-microsoft-com:office:powerpoint" xmlns:com="http://schemas.openxmlformats.org/drawingml/2006/compatibility" xmlns:p14="http://schemas.microsoft.com/office/powerpoint/2010/main" xmlns:p15="http://schemas.microsoft.com/office/powerpoint/2012/main" showMasterPhAnim="0" showMasterSp="0">
+<p:notes xmlns:a="http://schemas.openxmlformats.org/drawingml/2006/main" xmlns:r="http://schemas.openxmlformats.org/officeDocument/2006/relationships" xmlns:p="http://schemas.openxmlformats.org/presentationml/2006/main" showMasterSp="0" showMasterPhAnim="0">
   <p:cSld>
     <p:spTree>
       <p:nvGrpSpPr>
-        <p:cNvPr id="141" name="Shape 141"/>
+        <p:cNvPr id="1" name="Shape 141"/>
         <p:cNvGrpSpPr/>
         <p:nvPr/>
       </p:nvGrpSpPr>
@@ -1240,20 +1310,26 @@
       <p:sp>
         <p:nvSpPr>
           <p:cNvPr id="142" name="Google Shape;142;g51563cf92e_1_11:notes"/>
-          <p:cNvSpPr/>
+          <p:cNvSpPr>
+            <a:spLocks noGrp="1" noRot="1" noChangeAspect="1"/>
+          </p:cNvSpPr>
           <p:nvPr>
-            <p:ph idx="2" type="sldImg"/>
+            <p:ph type="sldImg" idx="2"/>
           </p:nvPr>
         </p:nvSpPr>
         <p:spPr>
           <a:xfrm>
-            <a:off x="381300" y="685800"/>
+            <a:off x="381000" y="685800"/>
             <a:ext cx="6096000" cy="3429000"/>
           </a:xfrm>
           <a:custGeom>
-            <a:rect b="b" l="l" r="r" t="t"/>
+            <a:avLst/>
+            <a:gdLst/>
+            <a:ahLst/>
+            <a:cxnLst/>
+            <a:rect l="l" t="t" r="r" b="b"/>
             <a:pathLst>
-              <a:path extrusionOk="0" h="120000" w="120000">
+              <a:path w="120000" h="120000" extrusionOk="0">
                 <a:moveTo>
                   <a:pt x="0" y="0"/>
                 </a:moveTo>
@@ -1275,9 +1351,11 @@
       <p:sp>
         <p:nvSpPr>
           <p:cNvPr id="143" name="Google Shape;143;g51563cf92e_1_11:notes"/>
-          <p:cNvSpPr txBox="1"/>
+          <p:cNvSpPr txBox="1">
+            <a:spLocks noGrp="1"/>
+          </p:cNvSpPr>
           <p:nvPr>
-            <p:ph idx="1" type="body"/>
+            <p:ph type="body" idx="1"/>
           </p:nvPr>
         </p:nvSpPr>
         <p:spPr>
@@ -1290,28 +1368,30 @@
           </a:prstGeom>
         </p:spPr>
         <p:txBody>
-          <a:bodyPr anchorCtr="0" anchor="t" bIns="91425" lIns="91425" spcFirstLastPara="1" rIns="91425" wrap="square" tIns="91425">
+          <a:bodyPr spcFirstLastPara="1" wrap="square" lIns="91425" tIns="91425" rIns="91425" bIns="91425" anchor="t" anchorCtr="0">
             <a:noAutofit/>
           </a:bodyPr>
           <a:lstStyle/>
           <a:p>
-            <a:pPr indent="0" lvl="0" marL="0" rtl="0" algn="l">
-              <a:spcBef>
-                <a:spcPts val="0"/>
-              </a:spcBef>
-              <a:spcAft>
-                <a:spcPts val="0"/>
-              </a:spcAft>
-              <a:buNone/>
-            </a:pPr>
-            <a:r>
-              <a:t/>
-            </a:r>
+            <a:pPr marL="0" lvl="0" indent="0" algn="l" rtl="0">
+              <a:spcBef>
+                <a:spcPts val="0"/>
+              </a:spcBef>
+              <a:spcAft>
+                <a:spcPts val="0"/>
+              </a:spcAft>
+              <a:buNone/>
+            </a:pPr>
             <a:endParaRPr/>
           </a:p>
         </p:txBody>
       </p:sp>
     </p:spTree>
+    <p:extLst>
+      <p:ext uri="{BB962C8B-B14F-4D97-AF65-F5344CB8AC3E}">
+        <p14:creationId xmlns:p14="http://schemas.microsoft.com/office/powerpoint/2010/main" val="1115047275"/>
+      </p:ext>
+    </p:extLst>
   </p:cSld>
   <p:clrMapOvr>
     <a:masterClrMapping/>
@@ -1320,11 +1400,11 @@
 </file>
 
 <file path=ppt/notesSlides/notesSlide15.xml><?xml version="1.0" encoding="utf-8"?>
-<p:notes xmlns:a="http://schemas.openxmlformats.org/drawingml/2006/main" xmlns:r="http://schemas.openxmlformats.org/officeDocument/2006/relationships" xmlns:mc="http://schemas.openxmlformats.org/markup-compatibility/2006" xmlns:mv="urn:schemas-microsoft-com:mac:vml" xmlns:p="http://schemas.openxmlformats.org/presentationml/2006/main" xmlns:c="http://schemas.openxmlformats.org/drawingml/2006/chart" xmlns:dgm="http://schemas.openxmlformats.org/drawingml/2006/diagram" xmlns:o="urn:schemas-microsoft-com:office:office" xmlns:v="urn:schemas-microsoft-com:vml" xmlns:pvml="urn:schemas-microsoft-com:office:powerpoint" xmlns:com="http://schemas.openxmlformats.org/drawingml/2006/compatibility" xmlns:p14="http://schemas.microsoft.com/office/powerpoint/2010/main" xmlns:p15="http://schemas.microsoft.com/office/powerpoint/2012/main" showMasterPhAnim="0" showMasterSp="0">
+<p:notes xmlns:a="http://schemas.openxmlformats.org/drawingml/2006/main" xmlns:r="http://schemas.openxmlformats.org/officeDocument/2006/relationships" xmlns:p="http://schemas.openxmlformats.org/presentationml/2006/main" showMasterSp="0" showMasterPhAnim="0">
   <p:cSld>
     <p:spTree>
       <p:nvGrpSpPr>
-        <p:cNvPr id="147" name="Shape 147"/>
+        <p:cNvPr id="1" name="Shape 147"/>
         <p:cNvGrpSpPr/>
         <p:nvPr/>
       </p:nvGrpSpPr>
@@ -1339,20 +1419,26 @@
       <p:sp>
         <p:nvSpPr>
           <p:cNvPr id="148" name="Google Shape;148;g51563cf92e_1_0:notes"/>
-          <p:cNvSpPr/>
+          <p:cNvSpPr>
+            <a:spLocks noGrp="1" noRot="1" noChangeAspect="1"/>
+          </p:cNvSpPr>
           <p:nvPr>
-            <p:ph idx="2" type="sldImg"/>
+            <p:ph type="sldImg" idx="2"/>
           </p:nvPr>
         </p:nvSpPr>
         <p:spPr>
           <a:xfrm>
-            <a:off x="381300" y="685800"/>
+            <a:off x="381000" y="685800"/>
             <a:ext cx="6096000" cy="3429000"/>
           </a:xfrm>
           <a:custGeom>
-            <a:rect b="b" l="l" r="r" t="t"/>
+            <a:avLst/>
+            <a:gdLst/>
+            <a:ahLst/>
+            <a:cxnLst/>
+            <a:rect l="l" t="t" r="r" b="b"/>
             <a:pathLst>
-              <a:path extrusionOk="0" h="120000" w="120000">
+              <a:path w="120000" h="120000" extrusionOk="0">
                 <a:moveTo>
                   <a:pt x="0" y="0"/>
                 </a:moveTo>
@@ -1374,9 +1460,11 @@
       <p:sp>
         <p:nvSpPr>
           <p:cNvPr id="149" name="Google Shape;149;g51563cf92e_1_0:notes"/>
-          <p:cNvSpPr txBox="1"/>
+          <p:cNvSpPr txBox="1">
+            <a:spLocks noGrp="1"/>
+          </p:cNvSpPr>
           <p:nvPr>
-            <p:ph idx="1" type="body"/>
+            <p:ph type="body" idx="1"/>
           </p:nvPr>
         </p:nvSpPr>
         <p:spPr>
@@ -1389,28 +1477,30 @@
           </a:prstGeom>
         </p:spPr>
         <p:txBody>
-          <a:bodyPr anchorCtr="0" anchor="t" bIns="91425" lIns="91425" spcFirstLastPara="1" rIns="91425" wrap="square" tIns="91425">
+          <a:bodyPr spcFirstLastPara="1" wrap="square" lIns="91425" tIns="91425" rIns="91425" bIns="91425" anchor="t" anchorCtr="0">
             <a:noAutofit/>
           </a:bodyPr>
           <a:lstStyle/>
           <a:p>
-            <a:pPr indent="0" lvl="0" marL="0" rtl="0" algn="l">
-              <a:spcBef>
-                <a:spcPts val="0"/>
-              </a:spcBef>
-              <a:spcAft>
-                <a:spcPts val="0"/>
-              </a:spcAft>
-              <a:buNone/>
-            </a:pPr>
-            <a:r>
-              <a:t/>
-            </a:r>
+            <a:pPr marL="0" lvl="0" indent="0" algn="l" rtl="0">
+              <a:spcBef>
+                <a:spcPts val="0"/>
+              </a:spcBef>
+              <a:spcAft>
+                <a:spcPts val="0"/>
+              </a:spcAft>
+              <a:buNone/>
+            </a:pPr>
             <a:endParaRPr/>
           </a:p>
         </p:txBody>
       </p:sp>
     </p:spTree>
+    <p:extLst>
+      <p:ext uri="{BB962C8B-B14F-4D97-AF65-F5344CB8AC3E}">
+        <p14:creationId xmlns:p14="http://schemas.microsoft.com/office/powerpoint/2010/main" val="3348422369"/>
+      </p:ext>
+    </p:extLst>
   </p:cSld>
   <p:clrMapOvr>
     <a:masterClrMapping/>
@@ -1419,11 +1509,11 @@
 </file>
 
 <file path=ppt/notesSlides/notesSlide16.xml><?xml version="1.0" encoding="utf-8"?>
-<p:notes xmlns:a="http://schemas.openxmlformats.org/drawingml/2006/main" xmlns:r="http://schemas.openxmlformats.org/officeDocument/2006/relationships" xmlns:mc="http://schemas.openxmlformats.org/markup-compatibility/2006" xmlns:mv="urn:schemas-microsoft-com:mac:vml" xmlns:p="http://schemas.openxmlformats.org/presentationml/2006/main" xmlns:c="http://schemas.openxmlformats.org/drawingml/2006/chart" xmlns:dgm="http://schemas.openxmlformats.org/drawingml/2006/diagram" xmlns:o="urn:schemas-microsoft-com:office:office" xmlns:v="urn:schemas-microsoft-com:vml" xmlns:pvml="urn:schemas-microsoft-com:office:powerpoint" xmlns:com="http://schemas.openxmlformats.org/drawingml/2006/compatibility" xmlns:p14="http://schemas.microsoft.com/office/powerpoint/2010/main" xmlns:p15="http://schemas.microsoft.com/office/powerpoint/2012/main" showMasterPhAnim="0" showMasterSp="0">
+<p:notes xmlns:a="http://schemas.openxmlformats.org/drawingml/2006/main" xmlns:r="http://schemas.openxmlformats.org/officeDocument/2006/relationships" xmlns:p="http://schemas.openxmlformats.org/presentationml/2006/main" showMasterSp="0" showMasterPhAnim="0">
   <p:cSld>
     <p:spTree>
       <p:nvGrpSpPr>
-        <p:cNvPr id="154" name="Shape 154"/>
+        <p:cNvPr id="1" name="Shape 154"/>
         <p:cNvGrpSpPr/>
         <p:nvPr/>
       </p:nvGrpSpPr>
@@ -1438,20 +1528,26 @@
       <p:sp>
         <p:nvSpPr>
           <p:cNvPr id="155" name="Google Shape;155;g5717c999d3_0_5:notes"/>
-          <p:cNvSpPr/>
+          <p:cNvSpPr>
+            <a:spLocks noGrp="1" noRot="1" noChangeAspect="1"/>
+          </p:cNvSpPr>
           <p:nvPr>
-            <p:ph idx="2" type="sldImg"/>
+            <p:ph type="sldImg" idx="2"/>
           </p:nvPr>
         </p:nvSpPr>
         <p:spPr>
           <a:xfrm>
-            <a:off x="381300" y="685800"/>
+            <a:off x="381000" y="685800"/>
             <a:ext cx="6096000" cy="3429000"/>
           </a:xfrm>
           <a:custGeom>
-            <a:rect b="b" l="l" r="r" t="t"/>
+            <a:avLst/>
+            <a:gdLst/>
+            <a:ahLst/>
+            <a:cxnLst/>
+            <a:rect l="l" t="t" r="r" b="b"/>
             <a:pathLst>
-              <a:path extrusionOk="0" h="120000" w="120000">
+              <a:path w="120000" h="120000" extrusionOk="0">
                 <a:moveTo>
                   <a:pt x="0" y="0"/>
                 </a:moveTo>
@@ -1473,9 +1569,11 @@
       <p:sp>
         <p:nvSpPr>
           <p:cNvPr id="156" name="Google Shape;156;g5717c999d3_0_5:notes"/>
-          <p:cNvSpPr txBox="1"/>
+          <p:cNvSpPr txBox="1">
+            <a:spLocks noGrp="1"/>
+          </p:cNvSpPr>
           <p:nvPr>
-            <p:ph idx="1" type="body"/>
+            <p:ph type="body" idx="1"/>
           </p:nvPr>
         </p:nvSpPr>
         <p:spPr>
@@ -1488,28 +1586,30 @@
           </a:prstGeom>
         </p:spPr>
         <p:txBody>
-          <a:bodyPr anchorCtr="0" anchor="t" bIns="91425" lIns="91425" spcFirstLastPara="1" rIns="91425" wrap="square" tIns="91425">
+          <a:bodyPr spcFirstLastPara="1" wrap="square" lIns="91425" tIns="91425" rIns="91425" bIns="91425" anchor="t" anchorCtr="0">
             <a:noAutofit/>
           </a:bodyPr>
           <a:lstStyle/>
           <a:p>
-            <a:pPr indent="0" lvl="0" marL="0" rtl="0" algn="l">
-              <a:spcBef>
-                <a:spcPts val="0"/>
-              </a:spcBef>
-              <a:spcAft>
-                <a:spcPts val="0"/>
-              </a:spcAft>
-              <a:buNone/>
-            </a:pPr>
-            <a:r>
-              <a:t/>
-            </a:r>
+            <a:pPr marL="0" lvl="0" indent="0" algn="l" rtl="0">
+              <a:spcBef>
+                <a:spcPts val="0"/>
+              </a:spcBef>
+              <a:spcAft>
+                <a:spcPts val="0"/>
+              </a:spcAft>
+              <a:buNone/>
+            </a:pPr>
             <a:endParaRPr/>
           </a:p>
         </p:txBody>
       </p:sp>
     </p:spTree>
+    <p:extLst>
+      <p:ext uri="{BB962C8B-B14F-4D97-AF65-F5344CB8AC3E}">
+        <p14:creationId xmlns:p14="http://schemas.microsoft.com/office/powerpoint/2010/main" val="2629377085"/>
+      </p:ext>
+    </p:extLst>
   </p:cSld>
   <p:clrMapOvr>
     <a:masterClrMapping/>
@@ -1518,11 +1618,11 @@
 </file>
 
 <file path=ppt/notesSlides/notesSlide17.xml><?xml version="1.0" encoding="utf-8"?>
-<p:notes xmlns:a="http://schemas.openxmlformats.org/drawingml/2006/main" xmlns:r="http://schemas.openxmlformats.org/officeDocument/2006/relationships" xmlns:mc="http://schemas.openxmlformats.org/markup-compatibility/2006" xmlns:mv="urn:schemas-microsoft-com:mac:vml" xmlns:p="http://schemas.openxmlformats.org/presentationml/2006/main" xmlns:c="http://schemas.openxmlformats.org/drawingml/2006/chart" xmlns:dgm="http://schemas.openxmlformats.org/drawingml/2006/diagram" xmlns:o="urn:schemas-microsoft-com:office:office" xmlns:v="urn:schemas-microsoft-com:vml" xmlns:pvml="urn:schemas-microsoft-com:office:powerpoint" xmlns:com="http://schemas.openxmlformats.org/drawingml/2006/compatibility" xmlns:p14="http://schemas.microsoft.com/office/powerpoint/2010/main" xmlns:p15="http://schemas.microsoft.com/office/powerpoint/2012/main" showMasterPhAnim="0" showMasterSp="0">
+<p:notes xmlns:a="http://schemas.openxmlformats.org/drawingml/2006/main" xmlns:r="http://schemas.openxmlformats.org/officeDocument/2006/relationships" xmlns:p="http://schemas.openxmlformats.org/presentationml/2006/main" showMasterSp="0" showMasterPhAnim="0">
   <p:cSld>
     <p:spTree>
       <p:nvGrpSpPr>
-        <p:cNvPr id="160" name="Shape 160"/>
+        <p:cNvPr id="1" name="Shape 160"/>
         <p:cNvGrpSpPr/>
         <p:nvPr/>
       </p:nvGrpSpPr>
@@ -1537,20 +1637,26 @@
       <p:sp>
         <p:nvSpPr>
           <p:cNvPr id="161" name="Google Shape;161;g571a832f8e_1_10:notes"/>
-          <p:cNvSpPr/>
+          <p:cNvSpPr>
+            <a:spLocks noGrp="1" noRot="1" noChangeAspect="1"/>
+          </p:cNvSpPr>
           <p:nvPr>
-            <p:ph idx="2" type="sldImg"/>
+            <p:ph type="sldImg" idx="2"/>
           </p:nvPr>
         </p:nvSpPr>
         <p:spPr>
           <a:xfrm>
-            <a:off x="381300" y="685800"/>
+            <a:off x="381000" y="685800"/>
             <a:ext cx="6096000" cy="3429000"/>
           </a:xfrm>
           <a:custGeom>
-            <a:rect b="b" l="l" r="r" t="t"/>
+            <a:avLst/>
+            <a:gdLst/>
+            <a:ahLst/>
+            <a:cxnLst/>
+            <a:rect l="l" t="t" r="r" b="b"/>
             <a:pathLst>
-              <a:path extrusionOk="0" h="120000" w="120000">
+              <a:path w="120000" h="120000" extrusionOk="0">
                 <a:moveTo>
                   <a:pt x="0" y="0"/>
                 </a:moveTo>
@@ -1572,9 +1678,11 @@
       <p:sp>
         <p:nvSpPr>
           <p:cNvPr id="162" name="Google Shape;162;g571a832f8e_1_10:notes"/>
-          <p:cNvSpPr txBox="1"/>
+          <p:cNvSpPr txBox="1">
+            <a:spLocks noGrp="1"/>
+          </p:cNvSpPr>
           <p:nvPr>
-            <p:ph idx="1" type="body"/>
+            <p:ph type="body" idx="1"/>
           </p:nvPr>
         </p:nvSpPr>
         <p:spPr>
@@ -1587,28 +1695,30 @@
           </a:prstGeom>
         </p:spPr>
         <p:txBody>
-          <a:bodyPr anchorCtr="0" anchor="t" bIns="91425" lIns="91425" spcFirstLastPara="1" rIns="91425" wrap="square" tIns="91425">
+          <a:bodyPr spcFirstLastPara="1" wrap="square" lIns="91425" tIns="91425" rIns="91425" bIns="91425" anchor="t" anchorCtr="0">
             <a:noAutofit/>
           </a:bodyPr>
           <a:lstStyle/>
           <a:p>
-            <a:pPr indent="0" lvl="0" marL="0" rtl="0" algn="l">
-              <a:spcBef>
-                <a:spcPts val="0"/>
-              </a:spcBef>
-              <a:spcAft>
-                <a:spcPts val="0"/>
-              </a:spcAft>
-              <a:buNone/>
-            </a:pPr>
-            <a:r>
-              <a:t/>
-            </a:r>
+            <a:pPr marL="0" lvl="0" indent="0" algn="l" rtl="0">
+              <a:spcBef>
+                <a:spcPts val="0"/>
+              </a:spcBef>
+              <a:spcAft>
+                <a:spcPts val="0"/>
+              </a:spcAft>
+              <a:buNone/>
+            </a:pPr>
             <a:endParaRPr/>
           </a:p>
         </p:txBody>
       </p:sp>
     </p:spTree>
+    <p:extLst>
+      <p:ext uri="{BB962C8B-B14F-4D97-AF65-F5344CB8AC3E}">
+        <p14:creationId xmlns:p14="http://schemas.microsoft.com/office/powerpoint/2010/main" val="3202344507"/>
+      </p:ext>
+    </p:extLst>
   </p:cSld>
   <p:clrMapOvr>
     <a:masterClrMapping/>
@@ -1617,11 +1727,11 @@
 </file>
 
 <file path=ppt/notesSlides/notesSlide18.xml><?xml version="1.0" encoding="utf-8"?>
-<p:notes xmlns:a="http://schemas.openxmlformats.org/drawingml/2006/main" xmlns:r="http://schemas.openxmlformats.org/officeDocument/2006/relationships" xmlns:mc="http://schemas.openxmlformats.org/markup-compatibility/2006" xmlns:mv="urn:schemas-microsoft-com:mac:vml" xmlns:p="http://schemas.openxmlformats.org/presentationml/2006/main" xmlns:c="http://schemas.openxmlformats.org/drawingml/2006/chart" xmlns:dgm="http://schemas.openxmlformats.org/drawingml/2006/diagram" xmlns:o="urn:schemas-microsoft-com:office:office" xmlns:v="urn:schemas-microsoft-com:vml" xmlns:pvml="urn:schemas-microsoft-com:office:powerpoint" xmlns:com="http://schemas.openxmlformats.org/drawingml/2006/compatibility" xmlns:p14="http://schemas.microsoft.com/office/powerpoint/2010/main" xmlns:p15="http://schemas.microsoft.com/office/powerpoint/2012/main" showMasterPhAnim="0" showMasterSp="0">
+<p:notes xmlns:a="http://schemas.openxmlformats.org/drawingml/2006/main" xmlns:r="http://schemas.openxmlformats.org/officeDocument/2006/relationships" xmlns:p="http://schemas.openxmlformats.org/presentationml/2006/main" showMasterSp="0" showMasterPhAnim="0">
   <p:cSld>
     <p:spTree>
       <p:nvGrpSpPr>
-        <p:cNvPr id="166" name="Shape 166"/>
+        <p:cNvPr id="1" name="Shape 166"/>
         <p:cNvGrpSpPr/>
         <p:nvPr/>
       </p:nvGrpSpPr>
@@ -1636,20 +1746,26 @@
       <p:sp>
         <p:nvSpPr>
           <p:cNvPr id="167" name="Google Shape;167;g51563cf92e_1_24:notes"/>
-          <p:cNvSpPr/>
+          <p:cNvSpPr>
+            <a:spLocks noGrp="1" noRot="1" noChangeAspect="1"/>
+          </p:cNvSpPr>
           <p:nvPr>
-            <p:ph idx="2" type="sldImg"/>
+            <p:ph type="sldImg" idx="2"/>
           </p:nvPr>
         </p:nvSpPr>
         <p:spPr>
           <a:xfrm>
-            <a:off x="381300" y="685800"/>
+            <a:off x="381000" y="685800"/>
             <a:ext cx="6096000" cy="3429000"/>
           </a:xfrm>
           <a:custGeom>
-            <a:rect b="b" l="l" r="r" t="t"/>
+            <a:avLst/>
+            <a:gdLst/>
+            <a:ahLst/>
+            <a:cxnLst/>
+            <a:rect l="l" t="t" r="r" b="b"/>
             <a:pathLst>
-              <a:path extrusionOk="0" h="120000" w="120000">
+              <a:path w="120000" h="120000" extrusionOk="0">
                 <a:moveTo>
                   <a:pt x="0" y="0"/>
                 </a:moveTo>
@@ -1671,9 +1787,11 @@
       <p:sp>
         <p:nvSpPr>
           <p:cNvPr id="168" name="Google Shape;168;g51563cf92e_1_24:notes"/>
-          <p:cNvSpPr txBox="1"/>
+          <p:cNvSpPr txBox="1">
+            <a:spLocks noGrp="1"/>
+          </p:cNvSpPr>
           <p:nvPr>
-            <p:ph idx="1" type="body"/>
+            <p:ph type="body" idx="1"/>
           </p:nvPr>
         </p:nvSpPr>
         <p:spPr>
@@ -1686,28 +1804,30 @@
           </a:prstGeom>
         </p:spPr>
         <p:txBody>
-          <a:bodyPr anchorCtr="0" anchor="t" bIns="91425" lIns="91425" spcFirstLastPara="1" rIns="91425" wrap="square" tIns="91425">
+          <a:bodyPr spcFirstLastPara="1" wrap="square" lIns="91425" tIns="91425" rIns="91425" bIns="91425" anchor="t" anchorCtr="0">
             <a:noAutofit/>
           </a:bodyPr>
           <a:lstStyle/>
           <a:p>
-            <a:pPr indent="0" lvl="0" marL="0" rtl="0" algn="l">
-              <a:spcBef>
-                <a:spcPts val="0"/>
-              </a:spcBef>
-              <a:spcAft>
-                <a:spcPts val="0"/>
-              </a:spcAft>
-              <a:buNone/>
-            </a:pPr>
-            <a:r>
-              <a:t/>
-            </a:r>
+            <a:pPr marL="0" lvl="0" indent="0" algn="l" rtl="0">
+              <a:spcBef>
+                <a:spcPts val="0"/>
+              </a:spcBef>
+              <a:spcAft>
+                <a:spcPts val="0"/>
+              </a:spcAft>
+              <a:buNone/>
+            </a:pPr>
             <a:endParaRPr/>
           </a:p>
         </p:txBody>
       </p:sp>
     </p:spTree>
+    <p:extLst>
+      <p:ext uri="{BB962C8B-B14F-4D97-AF65-F5344CB8AC3E}">
+        <p14:creationId xmlns:p14="http://schemas.microsoft.com/office/powerpoint/2010/main" val="3852854397"/>
+      </p:ext>
+    </p:extLst>
   </p:cSld>
   <p:clrMapOvr>
     <a:masterClrMapping/>
@@ -1716,11 +1836,11 @@
 </file>
 
 <file path=ppt/notesSlides/notesSlide19.xml><?xml version="1.0" encoding="utf-8"?>
-<p:notes xmlns:a="http://schemas.openxmlformats.org/drawingml/2006/main" xmlns:r="http://schemas.openxmlformats.org/officeDocument/2006/relationships" xmlns:mc="http://schemas.openxmlformats.org/markup-compatibility/2006" xmlns:mv="urn:schemas-microsoft-com:mac:vml" xmlns:p="http://schemas.openxmlformats.org/presentationml/2006/main" xmlns:c="http://schemas.openxmlformats.org/drawingml/2006/chart" xmlns:dgm="http://schemas.openxmlformats.org/drawingml/2006/diagram" xmlns:o="urn:schemas-microsoft-com:office:office" xmlns:v="urn:schemas-microsoft-com:vml" xmlns:pvml="urn:schemas-microsoft-com:office:powerpoint" xmlns:com="http://schemas.openxmlformats.org/drawingml/2006/compatibility" xmlns:p14="http://schemas.microsoft.com/office/powerpoint/2010/main" xmlns:p15="http://schemas.microsoft.com/office/powerpoint/2012/main" showMasterPhAnim="0" showMasterSp="0">
+<p:notes xmlns:a="http://schemas.openxmlformats.org/drawingml/2006/main" xmlns:r="http://schemas.openxmlformats.org/officeDocument/2006/relationships" xmlns:p="http://schemas.openxmlformats.org/presentationml/2006/main" showMasterSp="0" showMasterPhAnim="0">
   <p:cSld>
     <p:spTree>
       <p:nvGrpSpPr>
-        <p:cNvPr id="172" name="Shape 172"/>
+        <p:cNvPr id="1" name="Shape 172"/>
         <p:cNvGrpSpPr/>
         <p:nvPr/>
       </p:nvGrpSpPr>
@@ -1735,20 +1855,26 @@
       <p:sp>
         <p:nvSpPr>
           <p:cNvPr id="173" name="Google Shape;173;g571a832f8e_1_5:notes"/>
-          <p:cNvSpPr/>
+          <p:cNvSpPr>
+            <a:spLocks noGrp="1" noRot="1" noChangeAspect="1"/>
+          </p:cNvSpPr>
           <p:nvPr>
-            <p:ph idx="2" type="sldImg"/>
+            <p:ph type="sldImg" idx="2"/>
           </p:nvPr>
         </p:nvSpPr>
         <p:spPr>
           <a:xfrm>
-            <a:off x="381300" y="685800"/>
+            <a:off x="381000" y="685800"/>
             <a:ext cx="6096000" cy="3429000"/>
           </a:xfrm>
           <a:custGeom>
-            <a:rect b="b" l="l" r="r" t="t"/>
+            <a:avLst/>
+            <a:gdLst/>
+            <a:ahLst/>
+            <a:cxnLst/>
+            <a:rect l="l" t="t" r="r" b="b"/>
             <a:pathLst>
-              <a:path extrusionOk="0" h="120000" w="120000">
+              <a:path w="120000" h="120000" extrusionOk="0">
                 <a:moveTo>
                   <a:pt x="0" y="0"/>
                 </a:moveTo>
@@ -1770,9 +1896,11 @@
       <p:sp>
         <p:nvSpPr>
           <p:cNvPr id="174" name="Google Shape;174;g571a832f8e_1_5:notes"/>
-          <p:cNvSpPr txBox="1"/>
+          <p:cNvSpPr txBox="1">
+            <a:spLocks noGrp="1"/>
+          </p:cNvSpPr>
           <p:nvPr>
-            <p:ph idx="1" type="body"/>
+            <p:ph type="body" idx="1"/>
           </p:nvPr>
         </p:nvSpPr>
         <p:spPr>
@@ -1785,28 +1913,30 @@
           </a:prstGeom>
         </p:spPr>
         <p:txBody>
-          <a:bodyPr anchorCtr="0" anchor="t" bIns="91425" lIns="91425" spcFirstLastPara="1" rIns="91425" wrap="square" tIns="91425">
+          <a:bodyPr spcFirstLastPara="1" wrap="square" lIns="91425" tIns="91425" rIns="91425" bIns="91425" anchor="t" anchorCtr="0">
             <a:noAutofit/>
           </a:bodyPr>
           <a:lstStyle/>
           <a:p>
-            <a:pPr indent="0" lvl="0" marL="0" rtl="0" algn="l">
-              <a:spcBef>
-                <a:spcPts val="0"/>
-              </a:spcBef>
-              <a:spcAft>
-                <a:spcPts val="0"/>
-              </a:spcAft>
-              <a:buNone/>
-            </a:pPr>
-            <a:r>
-              <a:t/>
-            </a:r>
+            <a:pPr marL="0" lvl="0" indent="0" algn="l" rtl="0">
+              <a:spcBef>
+                <a:spcPts val="0"/>
+              </a:spcBef>
+              <a:spcAft>
+                <a:spcPts val="0"/>
+              </a:spcAft>
+              <a:buNone/>
+            </a:pPr>
             <a:endParaRPr/>
           </a:p>
         </p:txBody>
       </p:sp>
     </p:spTree>
+    <p:extLst>
+      <p:ext uri="{BB962C8B-B14F-4D97-AF65-F5344CB8AC3E}">
+        <p14:creationId xmlns:p14="http://schemas.microsoft.com/office/powerpoint/2010/main" val="4001049255"/>
+      </p:ext>
+    </p:extLst>
   </p:cSld>
   <p:clrMapOvr>
     <a:masterClrMapping/>
@@ -1815,11 +1945,11 @@
 </file>
 
 <file path=ppt/notesSlides/notesSlide2.xml><?xml version="1.0" encoding="utf-8"?>
-<p:notes xmlns:a="http://schemas.openxmlformats.org/drawingml/2006/main" xmlns:r="http://schemas.openxmlformats.org/officeDocument/2006/relationships" xmlns:mc="http://schemas.openxmlformats.org/markup-compatibility/2006" xmlns:mv="urn:schemas-microsoft-com:mac:vml" xmlns:p="http://schemas.openxmlformats.org/presentationml/2006/main" xmlns:c="http://schemas.openxmlformats.org/drawingml/2006/chart" xmlns:dgm="http://schemas.openxmlformats.org/drawingml/2006/diagram" xmlns:o="urn:schemas-microsoft-com:office:office" xmlns:v="urn:schemas-microsoft-com:vml" xmlns:pvml="urn:schemas-microsoft-com:office:powerpoint" xmlns:com="http://schemas.openxmlformats.org/drawingml/2006/compatibility" xmlns:p14="http://schemas.microsoft.com/office/powerpoint/2010/main" xmlns:p15="http://schemas.microsoft.com/office/powerpoint/2012/main" showMasterPhAnim="0" showMasterSp="0">
+<p:notes xmlns:a="http://schemas.openxmlformats.org/drawingml/2006/main" xmlns:r="http://schemas.openxmlformats.org/officeDocument/2006/relationships" xmlns:p="http://schemas.openxmlformats.org/presentationml/2006/main" showMasterSp="0" showMasterPhAnim="0">
   <p:cSld>
     <p:spTree>
       <p:nvGrpSpPr>
-        <p:cNvPr id="64" name="Shape 64"/>
+        <p:cNvPr id="1" name="Shape 64"/>
         <p:cNvGrpSpPr/>
         <p:nvPr/>
       </p:nvGrpSpPr>
@@ -1834,20 +1964,26 @@
       <p:sp>
         <p:nvSpPr>
           <p:cNvPr id="65" name="Google Shape;65;g571a832f8e_0_226:notes"/>
-          <p:cNvSpPr/>
+          <p:cNvSpPr>
+            <a:spLocks noGrp="1" noRot="1" noChangeAspect="1"/>
+          </p:cNvSpPr>
           <p:nvPr>
-            <p:ph idx="2" type="sldImg"/>
+            <p:ph type="sldImg" idx="2"/>
           </p:nvPr>
         </p:nvSpPr>
         <p:spPr>
           <a:xfrm>
-            <a:off x="381300" y="685800"/>
+            <a:off x="381000" y="685800"/>
             <a:ext cx="6096000" cy="3429000"/>
           </a:xfrm>
           <a:custGeom>
-            <a:rect b="b" l="l" r="r" t="t"/>
+            <a:avLst/>
+            <a:gdLst/>
+            <a:ahLst/>
+            <a:cxnLst/>
+            <a:rect l="l" t="t" r="r" b="b"/>
             <a:pathLst>
-              <a:path extrusionOk="0" h="120000" w="120000">
+              <a:path w="120000" h="120000" extrusionOk="0">
                 <a:moveTo>
                   <a:pt x="0" y="0"/>
                 </a:moveTo>
@@ -1869,9 +2005,11 @@
       <p:sp>
         <p:nvSpPr>
           <p:cNvPr id="66" name="Google Shape;66;g571a832f8e_0_226:notes"/>
-          <p:cNvSpPr txBox="1"/>
+          <p:cNvSpPr txBox="1">
+            <a:spLocks noGrp="1"/>
+          </p:cNvSpPr>
           <p:nvPr>
-            <p:ph idx="1" type="body"/>
+            <p:ph type="body" idx="1"/>
           </p:nvPr>
         </p:nvSpPr>
         <p:spPr>
@@ -1884,28 +2022,30 @@
           </a:prstGeom>
         </p:spPr>
         <p:txBody>
-          <a:bodyPr anchorCtr="0" anchor="t" bIns="91425" lIns="91425" spcFirstLastPara="1" rIns="91425" wrap="square" tIns="91425">
+          <a:bodyPr spcFirstLastPara="1" wrap="square" lIns="91425" tIns="91425" rIns="91425" bIns="91425" anchor="t" anchorCtr="0">
             <a:noAutofit/>
           </a:bodyPr>
           <a:lstStyle/>
           <a:p>
-            <a:pPr indent="0" lvl="0" marL="0" rtl="0" algn="l">
-              <a:spcBef>
-                <a:spcPts val="0"/>
-              </a:spcBef>
-              <a:spcAft>
-                <a:spcPts val="0"/>
-              </a:spcAft>
-              <a:buNone/>
-            </a:pPr>
-            <a:r>
-              <a:t/>
-            </a:r>
+            <a:pPr marL="0" lvl="0" indent="0" algn="l" rtl="0">
+              <a:spcBef>
+                <a:spcPts val="0"/>
+              </a:spcBef>
+              <a:spcAft>
+                <a:spcPts val="0"/>
+              </a:spcAft>
+              <a:buNone/>
+            </a:pPr>
             <a:endParaRPr/>
           </a:p>
         </p:txBody>
       </p:sp>
     </p:spTree>
+    <p:extLst>
+      <p:ext uri="{BB962C8B-B14F-4D97-AF65-F5344CB8AC3E}">
+        <p14:creationId xmlns:p14="http://schemas.microsoft.com/office/powerpoint/2010/main" val="2880154805"/>
+      </p:ext>
+    </p:extLst>
   </p:cSld>
   <p:clrMapOvr>
     <a:masterClrMapping/>
@@ -1914,11 +2054,11 @@
 </file>
 
 <file path=ppt/notesSlides/notesSlide20.xml><?xml version="1.0" encoding="utf-8"?>
-<p:notes xmlns:a="http://schemas.openxmlformats.org/drawingml/2006/main" xmlns:r="http://schemas.openxmlformats.org/officeDocument/2006/relationships" xmlns:mc="http://schemas.openxmlformats.org/markup-compatibility/2006" xmlns:mv="urn:schemas-microsoft-com:mac:vml" xmlns:p="http://schemas.openxmlformats.org/presentationml/2006/main" xmlns:c="http://schemas.openxmlformats.org/drawingml/2006/chart" xmlns:dgm="http://schemas.openxmlformats.org/drawingml/2006/diagram" xmlns:o="urn:schemas-microsoft-com:office:office" xmlns:v="urn:schemas-microsoft-com:vml" xmlns:pvml="urn:schemas-microsoft-com:office:powerpoint" xmlns:com="http://schemas.openxmlformats.org/drawingml/2006/compatibility" xmlns:p14="http://schemas.microsoft.com/office/powerpoint/2010/main" xmlns:p15="http://schemas.microsoft.com/office/powerpoint/2012/main" showMasterPhAnim="0" showMasterSp="0">
+<p:notes xmlns:a="http://schemas.openxmlformats.org/drawingml/2006/main" xmlns:r="http://schemas.openxmlformats.org/officeDocument/2006/relationships" xmlns:p="http://schemas.openxmlformats.org/presentationml/2006/main" showMasterSp="0" showMasterPhAnim="0">
   <p:cSld>
     <p:spTree>
       <p:nvGrpSpPr>
-        <p:cNvPr id="178" name="Shape 178"/>
+        <p:cNvPr id="1" name="Shape 178"/>
         <p:cNvGrpSpPr/>
         <p:nvPr/>
       </p:nvGrpSpPr>
@@ -1933,20 +2073,26 @@
       <p:sp>
         <p:nvSpPr>
           <p:cNvPr id="179" name="Google Shape;179;g51563cf92e_1_5:notes"/>
-          <p:cNvSpPr/>
+          <p:cNvSpPr>
+            <a:spLocks noGrp="1" noRot="1" noChangeAspect="1"/>
+          </p:cNvSpPr>
           <p:nvPr>
-            <p:ph idx="2" type="sldImg"/>
+            <p:ph type="sldImg" idx="2"/>
           </p:nvPr>
         </p:nvSpPr>
         <p:spPr>
           <a:xfrm>
-            <a:off x="381300" y="685800"/>
+            <a:off x="381000" y="685800"/>
             <a:ext cx="6096000" cy="3429000"/>
           </a:xfrm>
           <a:custGeom>
-            <a:rect b="b" l="l" r="r" t="t"/>
+            <a:avLst/>
+            <a:gdLst/>
+            <a:ahLst/>
+            <a:cxnLst/>
+            <a:rect l="l" t="t" r="r" b="b"/>
             <a:pathLst>
-              <a:path extrusionOk="0" h="120000" w="120000">
+              <a:path w="120000" h="120000" extrusionOk="0">
                 <a:moveTo>
                   <a:pt x="0" y="0"/>
                 </a:moveTo>
@@ -1968,9 +2114,11 @@
       <p:sp>
         <p:nvSpPr>
           <p:cNvPr id="180" name="Google Shape;180;g51563cf92e_1_5:notes"/>
-          <p:cNvSpPr txBox="1"/>
+          <p:cNvSpPr txBox="1">
+            <a:spLocks noGrp="1"/>
+          </p:cNvSpPr>
           <p:nvPr>
-            <p:ph idx="1" type="body"/>
+            <p:ph type="body" idx="1"/>
           </p:nvPr>
         </p:nvSpPr>
         <p:spPr>
@@ -1983,28 +2131,30 @@
           </a:prstGeom>
         </p:spPr>
         <p:txBody>
-          <a:bodyPr anchorCtr="0" anchor="t" bIns="91425" lIns="91425" spcFirstLastPara="1" rIns="91425" wrap="square" tIns="91425">
+          <a:bodyPr spcFirstLastPara="1" wrap="square" lIns="91425" tIns="91425" rIns="91425" bIns="91425" anchor="t" anchorCtr="0">
             <a:noAutofit/>
           </a:bodyPr>
           <a:lstStyle/>
           <a:p>
-            <a:pPr indent="0" lvl="0" marL="0" rtl="0" algn="l">
-              <a:spcBef>
-                <a:spcPts val="0"/>
-              </a:spcBef>
-              <a:spcAft>
-                <a:spcPts val="0"/>
-              </a:spcAft>
-              <a:buNone/>
-            </a:pPr>
-            <a:r>
-              <a:t/>
-            </a:r>
+            <a:pPr marL="0" lvl="0" indent="0" algn="l" rtl="0">
+              <a:spcBef>
+                <a:spcPts val="0"/>
+              </a:spcBef>
+              <a:spcAft>
+                <a:spcPts val="0"/>
+              </a:spcAft>
+              <a:buNone/>
+            </a:pPr>
             <a:endParaRPr/>
           </a:p>
         </p:txBody>
       </p:sp>
     </p:spTree>
+    <p:extLst>
+      <p:ext uri="{BB962C8B-B14F-4D97-AF65-F5344CB8AC3E}">
+        <p14:creationId xmlns:p14="http://schemas.microsoft.com/office/powerpoint/2010/main" val="3095350167"/>
+      </p:ext>
+    </p:extLst>
   </p:cSld>
   <p:clrMapOvr>
     <a:masterClrMapping/>
@@ -2013,11 +2163,11 @@
 </file>
 
 <file path=ppt/notesSlides/notesSlide21.xml><?xml version="1.0" encoding="utf-8"?>
-<p:notes xmlns:a="http://schemas.openxmlformats.org/drawingml/2006/main" xmlns:r="http://schemas.openxmlformats.org/officeDocument/2006/relationships" xmlns:mc="http://schemas.openxmlformats.org/markup-compatibility/2006" xmlns:mv="urn:schemas-microsoft-com:mac:vml" xmlns:p="http://schemas.openxmlformats.org/presentationml/2006/main" xmlns:c="http://schemas.openxmlformats.org/drawingml/2006/chart" xmlns:dgm="http://schemas.openxmlformats.org/drawingml/2006/diagram" xmlns:o="urn:schemas-microsoft-com:office:office" xmlns:v="urn:schemas-microsoft-com:vml" xmlns:pvml="urn:schemas-microsoft-com:office:powerpoint" xmlns:com="http://schemas.openxmlformats.org/drawingml/2006/compatibility" xmlns:p14="http://schemas.microsoft.com/office/powerpoint/2010/main" xmlns:p15="http://schemas.microsoft.com/office/powerpoint/2012/main" showMasterPhAnim="0" showMasterSp="0">
+<p:notes xmlns:a="http://schemas.openxmlformats.org/drawingml/2006/main" xmlns:r="http://schemas.openxmlformats.org/officeDocument/2006/relationships" xmlns:p="http://schemas.openxmlformats.org/presentationml/2006/main" showMasterSp="0" showMasterPhAnim="0">
   <p:cSld>
     <p:spTree>
       <p:nvGrpSpPr>
-        <p:cNvPr id="185" name="Shape 185"/>
+        <p:cNvPr id="1" name="Shape 185"/>
         <p:cNvGrpSpPr/>
         <p:nvPr/>
       </p:nvGrpSpPr>
@@ -2032,20 +2182,26 @@
       <p:sp>
         <p:nvSpPr>
           <p:cNvPr id="186" name="Google Shape;186;g571a832f8e_2_0:notes"/>
-          <p:cNvSpPr/>
+          <p:cNvSpPr>
+            <a:spLocks noGrp="1" noRot="1" noChangeAspect="1"/>
+          </p:cNvSpPr>
           <p:nvPr>
-            <p:ph idx="2" type="sldImg"/>
+            <p:ph type="sldImg" idx="2"/>
           </p:nvPr>
         </p:nvSpPr>
         <p:spPr>
           <a:xfrm>
-            <a:off x="381300" y="685800"/>
+            <a:off x="381000" y="685800"/>
             <a:ext cx="6096000" cy="3429000"/>
           </a:xfrm>
           <a:custGeom>
-            <a:rect b="b" l="l" r="r" t="t"/>
+            <a:avLst/>
+            <a:gdLst/>
+            <a:ahLst/>
+            <a:cxnLst/>
+            <a:rect l="l" t="t" r="r" b="b"/>
             <a:pathLst>
-              <a:path extrusionOk="0" h="120000" w="120000">
+              <a:path w="120000" h="120000" extrusionOk="0">
                 <a:moveTo>
                   <a:pt x="0" y="0"/>
                 </a:moveTo>
@@ -2067,9 +2223,11 @@
       <p:sp>
         <p:nvSpPr>
           <p:cNvPr id="187" name="Google Shape;187;g571a832f8e_2_0:notes"/>
-          <p:cNvSpPr txBox="1"/>
+          <p:cNvSpPr txBox="1">
+            <a:spLocks noGrp="1"/>
+          </p:cNvSpPr>
           <p:nvPr>
-            <p:ph idx="1" type="body"/>
+            <p:ph type="body" idx="1"/>
           </p:nvPr>
         </p:nvSpPr>
         <p:spPr>
@@ -2082,28 +2240,30 @@
           </a:prstGeom>
         </p:spPr>
         <p:txBody>
-          <a:bodyPr anchorCtr="0" anchor="t" bIns="91425" lIns="91425" spcFirstLastPara="1" rIns="91425" wrap="square" tIns="91425">
+          <a:bodyPr spcFirstLastPara="1" wrap="square" lIns="91425" tIns="91425" rIns="91425" bIns="91425" anchor="t" anchorCtr="0">
             <a:noAutofit/>
           </a:bodyPr>
           <a:lstStyle/>
           <a:p>
-            <a:pPr indent="0" lvl="0" marL="0" rtl="0" algn="l">
-              <a:spcBef>
-                <a:spcPts val="0"/>
-              </a:spcBef>
-              <a:spcAft>
-                <a:spcPts val="0"/>
-              </a:spcAft>
-              <a:buNone/>
-            </a:pPr>
-            <a:r>
-              <a:t/>
-            </a:r>
+            <a:pPr marL="0" lvl="0" indent="0" algn="l" rtl="0">
+              <a:spcBef>
+                <a:spcPts val="0"/>
+              </a:spcBef>
+              <a:spcAft>
+                <a:spcPts val="0"/>
+              </a:spcAft>
+              <a:buNone/>
+            </a:pPr>
             <a:endParaRPr/>
           </a:p>
         </p:txBody>
       </p:sp>
     </p:spTree>
+    <p:extLst>
+      <p:ext uri="{BB962C8B-B14F-4D97-AF65-F5344CB8AC3E}">
+        <p14:creationId xmlns:p14="http://schemas.microsoft.com/office/powerpoint/2010/main" val="4182712446"/>
+      </p:ext>
+    </p:extLst>
   </p:cSld>
   <p:clrMapOvr>
     <a:masterClrMapping/>
@@ -2112,11 +2272,11 @@
 </file>
 
 <file path=ppt/notesSlides/notesSlide22.xml><?xml version="1.0" encoding="utf-8"?>
-<p:notes xmlns:a="http://schemas.openxmlformats.org/drawingml/2006/main" xmlns:r="http://schemas.openxmlformats.org/officeDocument/2006/relationships" xmlns:mc="http://schemas.openxmlformats.org/markup-compatibility/2006" xmlns:mv="urn:schemas-microsoft-com:mac:vml" xmlns:p="http://schemas.openxmlformats.org/presentationml/2006/main" xmlns:c="http://schemas.openxmlformats.org/drawingml/2006/chart" xmlns:dgm="http://schemas.openxmlformats.org/drawingml/2006/diagram" xmlns:o="urn:schemas-microsoft-com:office:office" xmlns:v="urn:schemas-microsoft-com:vml" xmlns:pvml="urn:schemas-microsoft-com:office:powerpoint" xmlns:com="http://schemas.openxmlformats.org/drawingml/2006/compatibility" xmlns:p14="http://schemas.microsoft.com/office/powerpoint/2010/main" xmlns:p15="http://schemas.microsoft.com/office/powerpoint/2012/main" showMasterPhAnim="0" showMasterSp="0">
+<p:notes xmlns:a="http://schemas.openxmlformats.org/drawingml/2006/main" xmlns:r="http://schemas.openxmlformats.org/officeDocument/2006/relationships" xmlns:p="http://schemas.openxmlformats.org/presentationml/2006/main" showMasterSp="0" showMasterPhAnim="0">
   <p:cSld>
     <p:spTree>
       <p:nvGrpSpPr>
-        <p:cNvPr id="191" name="Shape 191"/>
+        <p:cNvPr id="1" name="Shape 191"/>
         <p:cNvGrpSpPr/>
         <p:nvPr/>
       </p:nvGrpSpPr>
@@ -2131,20 +2291,26 @@
       <p:sp>
         <p:nvSpPr>
           <p:cNvPr id="192" name="Google Shape;192;g51563cf92e_1_18:notes"/>
-          <p:cNvSpPr/>
+          <p:cNvSpPr>
+            <a:spLocks noGrp="1" noRot="1" noChangeAspect="1"/>
+          </p:cNvSpPr>
           <p:nvPr>
-            <p:ph idx="2" type="sldImg"/>
+            <p:ph type="sldImg" idx="2"/>
           </p:nvPr>
         </p:nvSpPr>
         <p:spPr>
           <a:xfrm>
-            <a:off x="381300" y="685800"/>
+            <a:off x="381000" y="685800"/>
             <a:ext cx="6096000" cy="3429000"/>
           </a:xfrm>
           <a:custGeom>
-            <a:rect b="b" l="l" r="r" t="t"/>
+            <a:avLst/>
+            <a:gdLst/>
+            <a:ahLst/>
+            <a:cxnLst/>
+            <a:rect l="l" t="t" r="r" b="b"/>
             <a:pathLst>
-              <a:path extrusionOk="0" h="120000" w="120000">
+              <a:path w="120000" h="120000" extrusionOk="0">
                 <a:moveTo>
                   <a:pt x="0" y="0"/>
                 </a:moveTo>
@@ -2166,9 +2332,11 @@
       <p:sp>
         <p:nvSpPr>
           <p:cNvPr id="193" name="Google Shape;193;g51563cf92e_1_18:notes"/>
-          <p:cNvSpPr txBox="1"/>
+          <p:cNvSpPr txBox="1">
+            <a:spLocks noGrp="1"/>
+          </p:cNvSpPr>
           <p:nvPr>
-            <p:ph idx="1" type="body"/>
+            <p:ph type="body" idx="1"/>
           </p:nvPr>
         </p:nvSpPr>
         <p:spPr>
@@ -2181,28 +2349,30 @@
           </a:prstGeom>
         </p:spPr>
         <p:txBody>
-          <a:bodyPr anchorCtr="0" anchor="t" bIns="91425" lIns="91425" spcFirstLastPara="1" rIns="91425" wrap="square" tIns="91425">
+          <a:bodyPr spcFirstLastPara="1" wrap="square" lIns="91425" tIns="91425" rIns="91425" bIns="91425" anchor="t" anchorCtr="0">
             <a:noAutofit/>
           </a:bodyPr>
           <a:lstStyle/>
           <a:p>
-            <a:pPr indent="0" lvl="0" marL="0" rtl="0" algn="l">
-              <a:spcBef>
-                <a:spcPts val="0"/>
-              </a:spcBef>
-              <a:spcAft>
-                <a:spcPts val="0"/>
-              </a:spcAft>
-              <a:buNone/>
-            </a:pPr>
-            <a:r>
-              <a:t/>
-            </a:r>
+            <a:pPr marL="0" lvl="0" indent="0" algn="l" rtl="0">
+              <a:spcBef>
+                <a:spcPts val="0"/>
+              </a:spcBef>
+              <a:spcAft>
+                <a:spcPts val="0"/>
+              </a:spcAft>
+              <a:buNone/>
+            </a:pPr>
             <a:endParaRPr/>
           </a:p>
         </p:txBody>
       </p:sp>
     </p:spTree>
+    <p:extLst>
+      <p:ext uri="{BB962C8B-B14F-4D97-AF65-F5344CB8AC3E}">
+        <p14:creationId xmlns:p14="http://schemas.microsoft.com/office/powerpoint/2010/main" val="769702076"/>
+      </p:ext>
+    </p:extLst>
   </p:cSld>
   <p:clrMapOvr>
     <a:masterClrMapping/>
@@ -2211,11 +2381,11 @@
 </file>
 
 <file path=ppt/notesSlides/notesSlide23.xml><?xml version="1.0" encoding="utf-8"?>
-<p:notes xmlns:a="http://schemas.openxmlformats.org/drawingml/2006/main" xmlns:r="http://schemas.openxmlformats.org/officeDocument/2006/relationships" xmlns:mc="http://schemas.openxmlformats.org/markup-compatibility/2006" xmlns:mv="urn:schemas-microsoft-com:mac:vml" xmlns:p="http://schemas.openxmlformats.org/presentationml/2006/main" xmlns:c="http://schemas.openxmlformats.org/drawingml/2006/chart" xmlns:dgm="http://schemas.openxmlformats.org/drawingml/2006/diagram" xmlns:o="urn:schemas-microsoft-com:office:office" xmlns:v="urn:schemas-microsoft-com:vml" xmlns:pvml="urn:schemas-microsoft-com:office:powerpoint" xmlns:com="http://schemas.openxmlformats.org/drawingml/2006/compatibility" xmlns:p14="http://schemas.microsoft.com/office/powerpoint/2010/main" xmlns:p15="http://schemas.microsoft.com/office/powerpoint/2012/main" showMasterPhAnim="0" showMasterSp="0">
+<p:notes xmlns:a="http://schemas.openxmlformats.org/drawingml/2006/main" xmlns:r="http://schemas.openxmlformats.org/officeDocument/2006/relationships" xmlns:p="http://schemas.openxmlformats.org/presentationml/2006/main" showMasterSp="0" showMasterPhAnim="0">
   <p:cSld>
     <p:spTree>
       <p:nvGrpSpPr>
-        <p:cNvPr id="198" name="Shape 198"/>
+        <p:cNvPr id="1" name="Shape 198"/>
         <p:cNvGrpSpPr/>
         <p:nvPr/>
       </p:nvGrpSpPr>
@@ -2230,20 +2400,26 @@
       <p:sp>
         <p:nvSpPr>
           <p:cNvPr id="199" name="Google Shape;199;g571a832f8e_2_5:notes"/>
-          <p:cNvSpPr/>
+          <p:cNvSpPr>
+            <a:spLocks noGrp="1" noRot="1" noChangeAspect="1"/>
+          </p:cNvSpPr>
           <p:nvPr>
-            <p:ph idx="2" type="sldImg"/>
+            <p:ph type="sldImg" idx="2"/>
           </p:nvPr>
         </p:nvSpPr>
         <p:spPr>
           <a:xfrm>
-            <a:off x="381300" y="685800"/>
+            <a:off x="381000" y="685800"/>
             <a:ext cx="6096000" cy="3429000"/>
           </a:xfrm>
           <a:custGeom>
-            <a:rect b="b" l="l" r="r" t="t"/>
+            <a:avLst/>
+            <a:gdLst/>
+            <a:ahLst/>
+            <a:cxnLst/>
+            <a:rect l="l" t="t" r="r" b="b"/>
             <a:pathLst>
-              <a:path extrusionOk="0" h="120000" w="120000">
+              <a:path w="120000" h="120000" extrusionOk="0">
                 <a:moveTo>
                   <a:pt x="0" y="0"/>
                 </a:moveTo>
@@ -2265,9 +2441,11 @@
       <p:sp>
         <p:nvSpPr>
           <p:cNvPr id="200" name="Google Shape;200;g571a832f8e_2_5:notes"/>
-          <p:cNvSpPr txBox="1"/>
+          <p:cNvSpPr txBox="1">
+            <a:spLocks noGrp="1"/>
+          </p:cNvSpPr>
           <p:nvPr>
-            <p:ph idx="1" type="body"/>
+            <p:ph type="body" idx="1"/>
           </p:nvPr>
         </p:nvSpPr>
         <p:spPr>
@@ -2280,28 +2458,30 @@
           </a:prstGeom>
         </p:spPr>
         <p:txBody>
-          <a:bodyPr anchorCtr="0" anchor="t" bIns="91425" lIns="91425" spcFirstLastPara="1" rIns="91425" wrap="square" tIns="91425">
+          <a:bodyPr spcFirstLastPara="1" wrap="square" lIns="91425" tIns="91425" rIns="91425" bIns="91425" anchor="t" anchorCtr="0">
             <a:noAutofit/>
           </a:bodyPr>
           <a:lstStyle/>
           <a:p>
-            <a:pPr indent="0" lvl="0" marL="0" rtl="0" algn="l">
-              <a:spcBef>
-                <a:spcPts val="0"/>
-              </a:spcBef>
-              <a:spcAft>
-                <a:spcPts val="0"/>
-              </a:spcAft>
-              <a:buNone/>
-            </a:pPr>
-            <a:r>
-              <a:t/>
-            </a:r>
+            <a:pPr marL="0" lvl="0" indent="0" algn="l" rtl="0">
+              <a:spcBef>
+                <a:spcPts val="0"/>
+              </a:spcBef>
+              <a:spcAft>
+                <a:spcPts val="0"/>
+              </a:spcAft>
+              <a:buNone/>
+            </a:pPr>
             <a:endParaRPr/>
           </a:p>
         </p:txBody>
       </p:sp>
     </p:spTree>
+    <p:extLst>
+      <p:ext uri="{BB962C8B-B14F-4D97-AF65-F5344CB8AC3E}">
+        <p14:creationId xmlns:p14="http://schemas.microsoft.com/office/powerpoint/2010/main" val="1566134978"/>
+      </p:ext>
+    </p:extLst>
   </p:cSld>
   <p:clrMapOvr>
     <a:masterClrMapping/>
@@ -2310,11 +2490,11 @@
 </file>
 
 <file path=ppt/notesSlides/notesSlide24.xml><?xml version="1.0" encoding="utf-8"?>
-<p:notes xmlns:a="http://schemas.openxmlformats.org/drawingml/2006/main" xmlns:r="http://schemas.openxmlformats.org/officeDocument/2006/relationships" xmlns:mc="http://schemas.openxmlformats.org/markup-compatibility/2006" xmlns:mv="urn:schemas-microsoft-com:mac:vml" xmlns:p="http://schemas.openxmlformats.org/presentationml/2006/main" xmlns:c="http://schemas.openxmlformats.org/drawingml/2006/chart" xmlns:dgm="http://schemas.openxmlformats.org/drawingml/2006/diagram" xmlns:o="urn:schemas-microsoft-com:office:office" xmlns:v="urn:schemas-microsoft-com:vml" xmlns:pvml="urn:schemas-microsoft-com:office:powerpoint" xmlns:com="http://schemas.openxmlformats.org/drawingml/2006/compatibility" xmlns:p14="http://schemas.microsoft.com/office/powerpoint/2010/main" xmlns:p15="http://schemas.microsoft.com/office/powerpoint/2012/main" showMasterPhAnim="0" showMasterSp="0">
+<p:notes xmlns:a="http://schemas.openxmlformats.org/drawingml/2006/main" xmlns:r="http://schemas.openxmlformats.org/officeDocument/2006/relationships" xmlns:p="http://schemas.openxmlformats.org/presentationml/2006/main" showMasterSp="0" showMasterPhAnim="0">
   <p:cSld>
     <p:spTree>
       <p:nvGrpSpPr>
-        <p:cNvPr id="204" name="Shape 204"/>
+        <p:cNvPr id="1" name="Shape 204"/>
         <p:cNvGrpSpPr/>
         <p:nvPr/>
       </p:nvGrpSpPr>
@@ -2329,20 +2509,26 @@
       <p:sp>
         <p:nvSpPr>
           <p:cNvPr id="205" name="Google Shape;205;g571a832f8e_1_0:notes"/>
-          <p:cNvSpPr/>
+          <p:cNvSpPr>
+            <a:spLocks noGrp="1" noRot="1" noChangeAspect="1"/>
+          </p:cNvSpPr>
           <p:nvPr>
-            <p:ph idx="2" type="sldImg"/>
+            <p:ph type="sldImg" idx="2"/>
           </p:nvPr>
         </p:nvSpPr>
         <p:spPr>
           <a:xfrm>
-            <a:off x="381300" y="685800"/>
+            <a:off x="381000" y="685800"/>
             <a:ext cx="6096000" cy="3429000"/>
           </a:xfrm>
           <a:custGeom>
-            <a:rect b="b" l="l" r="r" t="t"/>
+            <a:avLst/>
+            <a:gdLst/>
+            <a:ahLst/>
+            <a:cxnLst/>
+            <a:rect l="l" t="t" r="r" b="b"/>
             <a:pathLst>
-              <a:path extrusionOk="0" h="120000" w="120000">
+              <a:path w="120000" h="120000" extrusionOk="0">
                 <a:moveTo>
                   <a:pt x="0" y="0"/>
                 </a:moveTo>
@@ -2364,9 +2550,11 @@
       <p:sp>
         <p:nvSpPr>
           <p:cNvPr id="206" name="Google Shape;206;g571a832f8e_1_0:notes"/>
-          <p:cNvSpPr txBox="1"/>
+          <p:cNvSpPr txBox="1">
+            <a:spLocks noGrp="1"/>
+          </p:cNvSpPr>
           <p:nvPr>
-            <p:ph idx="1" type="body"/>
+            <p:ph type="body" idx="1"/>
           </p:nvPr>
         </p:nvSpPr>
         <p:spPr>
@@ -2379,28 +2567,30 @@
           </a:prstGeom>
         </p:spPr>
         <p:txBody>
-          <a:bodyPr anchorCtr="0" anchor="t" bIns="91425" lIns="91425" spcFirstLastPara="1" rIns="91425" wrap="square" tIns="91425">
+          <a:bodyPr spcFirstLastPara="1" wrap="square" lIns="91425" tIns="91425" rIns="91425" bIns="91425" anchor="t" anchorCtr="0">
             <a:noAutofit/>
           </a:bodyPr>
           <a:lstStyle/>
           <a:p>
-            <a:pPr indent="0" lvl="0" marL="0" rtl="0" algn="l">
-              <a:spcBef>
-                <a:spcPts val="0"/>
-              </a:spcBef>
-              <a:spcAft>
-                <a:spcPts val="0"/>
-              </a:spcAft>
-              <a:buNone/>
-            </a:pPr>
-            <a:r>
-              <a:t/>
-            </a:r>
+            <a:pPr marL="0" lvl="0" indent="0" algn="l" rtl="0">
+              <a:spcBef>
+                <a:spcPts val="0"/>
+              </a:spcBef>
+              <a:spcAft>
+                <a:spcPts val="0"/>
+              </a:spcAft>
+              <a:buNone/>
+            </a:pPr>
             <a:endParaRPr/>
           </a:p>
         </p:txBody>
       </p:sp>
     </p:spTree>
+    <p:extLst>
+      <p:ext uri="{BB962C8B-B14F-4D97-AF65-F5344CB8AC3E}">
+        <p14:creationId xmlns:p14="http://schemas.microsoft.com/office/powerpoint/2010/main" val="2897927230"/>
+      </p:ext>
+    </p:extLst>
   </p:cSld>
   <p:clrMapOvr>
     <a:masterClrMapping/>
@@ -2409,11 +2599,11 @@
 </file>
 
 <file path=ppt/notesSlides/notesSlide25.xml><?xml version="1.0" encoding="utf-8"?>
-<p:notes xmlns:a="http://schemas.openxmlformats.org/drawingml/2006/main" xmlns:r="http://schemas.openxmlformats.org/officeDocument/2006/relationships" xmlns:mc="http://schemas.openxmlformats.org/markup-compatibility/2006" xmlns:mv="urn:schemas-microsoft-com:mac:vml" xmlns:p="http://schemas.openxmlformats.org/presentationml/2006/main" xmlns:c="http://schemas.openxmlformats.org/drawingml/2006/chart" xmlns:dgm="http://schemas.openxmlformats.org/drawingml/2006/diagram" xmlns:o="urn:schemas-microsoft-com:office:office" xmlns:v="urn:schemas-microsoft-com:vml" xmlns:pvml="urn:schemas-microsoft-com:office:powerpoint" xmlns:com="http://schemas.openxmlformats.org/drawingml/2006/compatibility" xmlns:p14="http://schemas.microsoft.com/office/powerpoint/2010/main" xmlns:p15="http://schemas.microsoft.com/office/powerpoint/2012/main" showMasterPhAnim="0" showMasterSp="0">
+<p:notes xmlns:a="http://schemas.openxmlformats.org/drawingml/2006/main" xmlns:r="http://schemas.openxmlformats.org/officeDocument/2006/relationships" xmlns:p="http://schemas.openxmlformats.org/presentationml/2006/main" showMasterSp="0" showMasterPhAnim="0">
   <p:cSld>
     <p:spTree>
       <p:nvGrpSpPr>
-        <p:cNvPr id="210" name="Shape 210"/>
+        <p:cNvPr id="1" name="Shape 210"/>
         <p:cNvGrpSpPr/>
         <p:nvPr/>
       </p:nvGrpSpPr>
@@ -2428,20 +2618,26 @@
       <p:sp>
         <p:nvSpPr>
           <p:cNvPr id="211" name="Google Shape;211;g571a832f8e_0_193:notes"/>
-          <p:cNvSpPr/>
+          <p:cNvSpPr>
+            <a:spLocks noGrp="1" noRot="1" noChangeAspect="1"/>
+          </p:cNvSpPr>
           <p:nvPr>
-            <p:ph idx="2" type="sldImg"/>
+            <p:ph type="sldImg" idx="2"/>
           </p:nvPr>
         </p:nvSpPr>
         <p:spPr>
           <a:xfrm>
-            <a:off x="381300" y="685800"/>
+            <a:off x="381000" y="685800"/>
             <a:ext cx="6096000" cy="3429000"/>
           </a:xfrm>
           <a:custGeom>
-            <a:rect b="b" l="l" r="r" t="t"/>
+            <a:avLst/>
+            <a:gdLst/>
+            <a:ahLst/>
+            <a:cxnLst/>
+            <a:rect l="l" t="t" r="r" b="b"/>
             <a:pathLst>
-              <a:path extrusionOk="0" h="120000" w="120000">
+              <a:path w="120000" h="120000" extrusionOk="0">
                 <a:moveTo>
                   <a:pt x="0" y="0"/>
                 </a:moveTo>
@@ -2463,9 +2659,11 @@
       <p:sp>
         <p:nvSpPr>
           <p:cNvPr id="212" name="Google Shape;212;g571a832f8e_0_193:notes"/>
-          <p:cNvSpPr txBox="1"/>
+          <p:cNvSpPr txBox="1">
+            <a:spLocks noGrp="1"/>
+          </p:cNvSpPr>
           <p:nvPr>
-            <p:ph idx="1" type="body"/>
+            <p:ph type="body" idx="1"/>
           </p:nvPr>
         </p:nvSpPr>
         <p:spPr>
@@ -2478,28 +2676,30 @@
           </a:prstGeom>
         </p:spPr>
         <p:txBody>
-          <a:bodyPr anchorCtr="0" anchor="t" bIns="91425" lIns="91425" spcFirstLastPara="1" rIns="91425" wrap="square" tIns="91425">
+          <a:bodyPr spcFirstLastPara="1" wrap="square" lIns="91425" tIns="91425" rIns="91425" bIns="91425" anchor="t" anchorCtr="0">
             <a:noAutofit/>
           </a:bodyPr>
           <a:lstStyle/>
           <a:p>
-            <a:pPr indent="0" lvl="0" marL="0" rtl="0" algn="l">
-              <a:spcBef>
-                <a:spcPts val="0"/>
-              </a:spcBef>
-              <a:spcAft>
-                <a:spcPts val="0"/>
-              </a:spcAft>
-              <a:buNone/>
-            </a:pPr>
-            <a:r>
-              <a:t/>
-            </a:r>
+            <a:pPr marL="0" lvl="0" indent="0" algn="l" rtl="0">
+              <a:spcBef>
+                <a:spcPts val="0"/>
+              </a:spcBef>
+              <a:spcAft>
+                <a:spcPts val="0"/>
+              </a:spcAft>
+              <a:buNone/>
+            </a:pPr>
             <a:endParaRPr/>
           </a:p>
         </p:txBody>
       </p:sp>
     </p:spTree>
+    <p:extLst>
+      <p:ext uri="{BB962C8B-B14F-4D97-AF65-F5344CB8AC3E}">
+        <p14:creationId xmlns:p14="http://schemas.microsoft.com/office/powerpoint/2010/main" val="3438051716"/>
+      </p:ext>
+    </p:extLst>
   </p:cSld>
   <p:clrMapOvr>
     <a:masterClrMapping/>
@@ -2508,11 +2708,11 @@
 </file>
 
 <file path=ppt/notesSlides/notesSlide26.xml><?xml version="1.0" encoding="utf-8"?>
-<p:notes xmlns:a="http://schemas.openxmlformats.org/drawingml/2006/main" xmlns:r="http://schemas.openxmlformats.org/officeDocument/2006/relationships" xmlns:mc="http://schemas.openxmlformats.org/markup-compatibility/2006" xmlns:mv="urn:schemas-microsoft-com:mac:vml" xmlns:p="http://schemas.openxmlformats.org/presentationml/2006/main" xmlns:c="http://schemas.openxmlformats.org/drawingml/2006/chart" xmlns:dgm="http://schemas.openxmlformats.org/drawingml/2006/diagram" xmlns:o="urn:schemas-microsoft-com:office:office" xmlns:v="urn:schemas-microsoft-com:vml" xmlns:pvml="urn:schemas-microsoft-com:office:powerpoint" xmlns:com="http://schemas.openxmlformats.org/drawingml/2006/compatibility" xmlns:p14="http://schemas.microsoft.com/office/powerpoint/2010/main" xmlns:p15="http://schemas.microsoft.com/office/powerpoint/2012/main" showMasterPhAnim="0" showMasterSp="0">
+<p:notes xmlns:a="http://schemas.openxmlformats.org/drawingml/2006/main" xmlns:r="http://schemas.openxmlformats.org/officeDocument/2006/relationships" xmlns:p="http://schemas.openxmlformats.org/presentationml/2006/main" showMasterSp="0" showMasterPhAnim="0">
   <p:cSld>
     <p:spTree>
       <p:nvGrpSpPr>
-        <p:cNvPr id="216" name="Shape 216"/>
+        <p:cNvPr id="1" name="Shape 216"/>
         <p:cNvGrpSpPr/>
         <p:nvPr/>
       </p:nvGrpSpPr>
@@ -2527,20 +2727,26 @@
       <p:sp>
         <p:nvSpPr>
           <p:cNvPr id="217" name="Google Shape;217;g571a832f8e_0_236:notes"/>
-          <p:cNvSpPr/>
+          <p:cNvSpPr>
+            <a:spLocks noGrp="1" noRot="1" noChangeAspect="1"/>
+          </p:cNvSpPr>
           <p:nvPr>
-            <p:ph idx="2" type="sldImg"/>
+            <p:ph type="sldImg" idx="2"/>
           </p:nvPr>
         </p:nvSpPr>
         <p:spPr>
           <a:xfrm>
-            <a:off x="381300" y="685800"/>
+            <a:off x="381000" y="685800"/>
             <a:ext cx="6096000" cy="3429000"/>
           </a:xfrm>
           <a:custGeom>
-            <a:rect b="b" l="l" r="r" t="t"/>
+            <a:avLst/>
+            <a:gdLst/>
+            <a:ahLst/>
+            <a:cxnLst/>
+            <a:rect l="l" t="t" r="r" b="b"/>
             <a:pathLst>
-              <a:path extrusionOk="0" h="120000" w="120000">
+              <a:path w="120000" h="120000" extrusionOk="0">
                 <a:moveTo>
                   <a:pt x="0" y="0"/>
                 </a:moveTo>
@@ -2562,9 +2768,11 @@
       <p:sp>
         <p:nvSpPr>
           <p:cNvPr id="218" name="Google Shape;218;g571a832f8e_0_236:notes"/>
-          <p:cNvSpPr txBox="1"/>
+          <p:cNvSpPr txBox="1">
+            <a:spLocks noGrp="1"/>
+          </p:cNvSpPr>
           <p:nvPr>
-            <p:ph idx="1" type="body"/>
+            <p:ph type="body" idx="1"/>
           </p:nvPr>
         </p:nvSpPr>
         <p:spPr>
@@ -2577,28 +2785,30 @@
           </a:prstGeom>
         </p:spPr>
         <p:txBody>
-          <a:bodyPr anchorCtr="0" anchor="t" bIns="91425" lIns="91425" spcFirstLastPara="1" rIns="91425" wrap="square" tIns="91425">
+          <a:bodyPr spcFirstLastPara="1" wrap="square" lIns="91425" tIns="91425" rIns="91425" bIns="91425" anchor="t" anchorCtr="0">
             <a:noAutofit/>
           </a:bodyPr>
           <a:lstStyle/>
           <a:p>
-            <a:pPr indent="0" lvl="0" marL="0" rtl="0" algn="l">
-              <a:spcBef>
-                <a:spcPts val="0"/>
-              </a:spcBef>
-              <a:spcAft>
-                <a:spcPts val="0"/>
-              </a:spcAft>
-              <a:buNone/>
-            </a:pPr>
-            <a:r>
-              <a:t/>
-            </a:r>
+            <a:pPr marL="0" lvl="0" indent="0" algn="l" rtl="0">
+              <a:spcBef>
+                <a:spcPts val="0"/>
+              </a:spcBef>
+              <a:spcAft>
+                <a:spcPts val="0"/>
+              </a:spcAft>
+              <a:buNone/>
+            </a:pPr>
             <a:endParaRPr/>
           </a:p>
         </p:txBody>
       </p:sp>
     </p:spTree>
+    <p:extLst>
+      <p:ext uri="{BB962C8B-B14F-4D97-AF65-F5344CB8AC3E}">
+        <p14:creationId xmlns:p14="http://schemas.microsoft.com/office/powerpoint/2010/main" val="2112866211"/>
+      </p:ext>
+    </p:extLst>
   </p:cSld>
   <p:clrMapOvr>
     <a:masterClrMapping/>
@@ -2607,11 +2817,11 @@
 </file>
 
 <file path=ppt/notesSlides/notesSlide3.xml><?xml version="1.0" encoding="utf-8"?>
-<p:notes xmlns:a="http://schemas.openxmlformats.org/drawingml/2006/main" xmlns:r="http://schemas.openxmlformats.org/officeDocument/2006/relationships" xmlns:mc="http://schemas.openxmlformats.org/markup-compatibility/2006" xmlns:mv="urn:schemas-microsoft-com:mac:vml" xmlns:p="http://schemas.openxmlformats.org/presentationml/2006/main" xmlns:c="http://schemas.openxmlformats.org/drawingml/2006/chart" xmlns:dgm="http://schemas.openxmlformats.org/drawingml/2006/diagram" xmlns:o="urn:schemas-microsoft-com:office:office" xmlns:v="urn:schemas-microsoft-com:vml" xmlns:pvml="urn:schemas-microsoft-com:office:powerpoint" xmlns:com="http://schemas.openxmlformats.org/drawingml/2006/compatibility" xmlns:p14="http://schemas.microsoft.com/office/powerpoint/2010/main" xmlns:p15="http://schemas.microsoft.com/office/powerpoint/2012/main" showMasterPhAnim="0" showMasterSp="0">
+<p:notes xmlns:a="http://schemas.openxmlformats.org/drawingml/2006/main" xmlns:r="http://schemas.openxmlformats.org/officeDocument/2006/relationships" xmlns:p="http://schemas.openxmlformats.org/presentationml/2006/main" showMasterSp="0" showMasterPhAnim="0">
   <p:cSld>
     <p:spTree>
       <p:nvGrpSpPr>
-        <p:cNvPr id="70" name="Shape 70"/>
+        <p:cNvPr id="1" name="Shape 70"/>
         <p:cNvGrpSpPr/>
         <p:nvPr/>
       </p:nvGrpSpPr>
@@ -2626,20 +2836,26 @@
       <p:sp>
         <p:nvSpPr>
           <p:cNvPr id="71" name="Google Shape;71;g571a832f8e_0_231:notes"/>
-          <p:cNvSpPr/>
+          <p:cNvSpPr>
+            <a:spLocks noGrp="1" noRot="1" noChangeAspect="1"/>
+          </p:cNvSpPr>
           <p:nvPr>
-            <p:ph idx="2" type="sldImg"/>
+            <p:ph type="sldImg" idx="2"/>
           </p:nvPr>
         </p:nvSpPr>
         <p:spPr>
           <a:xfrm>
-            <a:off x="381300" y="685800"/>
+            <a:off x="381000" y="685800"/>
             <a:ext cx="6096000" cy="3429000"/>
           </a:xfrm>
           <a:custGeom>
-            <a:rect b="b" l="l" r="r" t="t"/>
+            <a:avLst/>
+            <a:gdLst/>
+            <a:ahLst/>
+            <a:cxnLst/>
+            <a:rect l="l" t="t" r="r" b="b"/>
             <a:pathLst>
-              <a:path extrusionOk="0" h="120000" w="120000">
+              <a:path w="120000" h="120000" extrusionOk="0">
                 <a:moveTo>
                   <a:pt x="0" y="0"/>
                 </a:moveTo>
@@ -2661,9 +2877,11 @@
       <p:sp>
         <p:nvSpPr>
           <p:cNvPr id="72" name="Google Shape;72;g571a832f8e_0_231:notes"/>
-          <p:cNvSpPr txBox="1"/>
+          <p:cNvSpPr txBox="1">
+            <a:spLocks noGrp="1"/>
+          </p:cNvSpPr>
           <p:nvPr>
-            <p:ph idx="1" type="body"/>
+            <p:ph type="body" idx="1"/>
           </p:nvPr>
         </p:nvSpPr>
         <p:spPr>
@@ -2676,28 +2894,30 @@
           </a:prstGeom>
         </p:spPr>
         <p:txBody>
-          <a:bodyPr anchorCtr="0" anchor="t" bIns="91425" lIns="91425" spcFirstLastPara="1" rIns="91425" wrap="square" tIns="91425">
+          <a:bodyPr spcFirstLastPara="1" wrap="square" lIns="91425" tIns="91425" rIns="91425" bIns="91425" anchor="t" anchorCtr="0">
             <a:noAutofit/>
           </a:bodyPr>
           <a:lstStyle/>
           <a:p>
-            <a:pPr indent="0" lvl="0" marL="0" rtl="0" algn="l">
-              <a:spcBef>
-                <a:spcPts val="0"/>
-              </a:spcBef>
-              <a:spcAft>
-                <a:spcPts val="0"/>
-              </a:spcAft>
-              <a:buNone/>
-            </a:pPr>
-            <a:r>
-              <a:t/>
-            </a:r>
+            <a:pPr marL="0" lvl="0" indent="0" algn="l" rtl="0">
+              <a:spcBef>
+                <a:spcPts val="0"/>
+              </a:spcBef>
+              <a:spcAft>
+                <a:spcPts val="0"/>
+              </a:spcAft>
+              <a:buNone/>
+            </a:pPr>
             <a:endParaRPr/>
           </a:p>
         </p:txBody>
       </p:sp>
     </p:spTree>
+    <p:extLst>
+      <p:ext uri="{BB962C8B-B14F-4D97-AF65-F5344CB8AC3E}">
+        <p14:creationId xmlns:p14="http://schemas.microsoft.com/office/powerpoint/2010/main" val="1329341976"/>
+      </p:ext>
+    </p:extLst>
   </p:cSld>
   <p:clrMapOvr>
     <a:masterClrMapping/>
@@ -2706,11 +2926,11 @@
 </file>
 
 <file path=ppt/notesSlides/notesSlide4.xml><?xml version="1.0" encoding="utf-8"?>
-<p:notes xmlns:a="http://schemas.openxmlformats.org/drawingml/2006/main" xmlns:r="http://schemas.openxmlformats.org/officeDocument/2006/relationships" xmlns:mc="http://schemas.openxmlformats.org/markup-compatibility/2006" xmlns:mv="urn:schemas-microsoft-com:mac:vml" xmlns:p="http://schemas.openxmlformats.org/presentationml/2006/main" xmlns:c="http://schemas.openxmlformats.org/drawingml/2006/chart" xmlns:dgm="http://schemas.openxmlformats.org/drawingml/2006/diagram" xmlns:o="urn:schemas-microsoft-com:office:office" xmlns:v="urn:schemas-microsoft-com:vml" xmlns:pvml="urn:schemas-microsoft-com:office:powerpoint" xmlns:com="http://schemas.openxmlformats.org/drawingml/2006/compatibility" xmlns:p14="http://schemas.microsoft.com/office/powerpoint/2010/main" xmlns:p15="http://schemas.microsoft.com/office/powerpoint/2012/main" showMasterPhAnim="0" showMasterSp="0">
+<p:notes xmlns:a="http://schemas.openxmlformats.org/drawingml/2006/main" xmlns:r="http://schemas.openxmlformats.org/officeDocument/2006/relationships" xmlns:p="http://schemas.openxmlformats.org/presentationml/2006/main" showMasterSp="0" showMasterPhAnim="0">
   <p:cSld>
     <p:spTree>
       <p:nvGrpSpPr>
-        <p:cNvPr id="76" name="Shape 76"/>
+        <p:cNvPr id="1" name="Shape 76"/>
         <p:cNvGrpSpPr/>
         <p:nvPr/>
       </p:nvGrpSpPr>
@@ -2725,20 +2945,26 @@
       <p:sp>
         <p:nvSpPr>
           <p:cNvPr id="77" name="Google Shape;77;g571a832f8e_0_241:notes"/>
-          <p:cNvSpPr/>
+          <p:cNvSpPr>
+            <a:spLocks noGrp="1" noRot="1" noChangeAspect="1"/>
+          </p:cNvSpPr>
           <p:nvPr>
-            <p:ph idx="2" type="sldImg"/>
+            <p:ph type="sldImg" idx="2"/>
           </p:nvPr>
         </p:nvSpPr>
         <p:spPr>
           <a:xfrm>
-            <a:off x="381300" y="685800"/>
+            <a:off x="381000" y="685800"/>
             <a:ext cx="6096000" cy="3429000"/>
           </a:xfrm>
           <a:custGeom>
-            <a:rect b="b" l="l" r="r" t="t"/>
+            <a:avLst/>
+            <a:gdLst/>
+            <a:ahLst/>
+            <a:cxnLst/>
+            <a:rect l="l" t="t" r="r" b="b"/>
             <a:pathLst>
-              <a:path extrusionOk="0" h="120000" w="120000">
+              <a:path w="120000" h="120000" extrusionOk="0">
                 <a:moveTo>
                   <a:pt x="0" y="0"/>
                 </a:moveTo>
@@ -2760,9 +2986,11 @@
       <p:sp>
         <p:nvSpPr>
           <p:cNvPr id="78" name="Google Shape;78;g571a832f8e_0_241:notes"/>
-          <p:cNvSpPr txBox="1"/>
+          <p:cNvSpPr txBox="1">
+            <a:spLocks noGrp="1"/>
+          </p:cNvSpPr>
           <p:nvPr>
-            <p:ph idx="1" type="body"/>
+            <p:ph type="body" idx="1"/>
           </p:nvPr>
         </p:nvSpPr>
         <p:spPr>
@@ -2775,28 +3003,30 @@
           </a:prstGeom>
         </p:spPr>
         <p:txBody>
-          <a:bodyPr anchorCtr="0" anchor="t" bIns="91425" lIns="91425" spcFirstLastPara="1" rIns="91425" wrap="square" tIns="91425">
+          <a:bodyPr spcFirstLastPara="1" wrap="square" lIns="91425" tIns="91425" rIns="91425" bIns="91425" anchor="t" anchorCtr="0">
             <a:noAutofit/>
           </a:bodyPr>
           <a:lstStyle/>
           <a:p>
-            <a:pPr indent="0" lvl="0" marL="0" rtl="0" algn="l">
-              <a:spcBef>
-                <a:spcPts val="0"/>
-              </a:spcBef>
-              <a:spcAft>
-                <a:spcPts val="0"/>
-              </a:spcAft>
-              <a:buNone/>
-            </a:pPr>
-            <a:r>
-              <a:t/>
-            </a:r>
+            <a:pPr marL="0" lvl="0" indent="0" algn="l" rtl="0">
+              <a:spcBef>
+                <a:spcPts val="0"/>
+              </a:spcBef>
+              <a:spcAft>
+                <a:spcPts val="0"/>
+              </a:spcAft>
+              <a:buNone/>
+            </a:pPr>
             <a:endParaRPr/>
           </a:p>
         </p:txBody>
       </p:sp>
     </p:spTree>
+    <p:extLst>
+      <p:ext uri="{BB962C8B-B14F-4D97-AF65-F5344CB8AC3E}">
+        <p14:creationId xmlns:p14="http://schemas.microsoft.com/office/powerpoint/2010/main" val="600240579"/>
+      </p:ext>
+    </p:extLst>
   </p:cSld>
   <p:clrMapOvr>
     <a:masterClrMapping/>
@@ -2805,11 +3035,11 @@
 </file>
 
 <file path=ppt/notesSlides/notesSlide5.xml><?xml version="1.0" encoding="utf-8"?>
-<p:notes xmlns:a="http://schemas.openxmlformats.org/drawingml/2006/main" xmlns:r="http://schemas.openxmlformats.org/officeDocument/2006/relationships" xmlns:mc="http://schemas.openxmlformats.org/markup-compatibility/2006" xmlns:mv="urn:schemas-microsoft-com:mac:vml" xmlns:p="http://schemas.openxmlformats.org/presentationml/2006/main" xmlns:c="http://schemas.openxmlformats.org/drawingml/2006/chart" xmlns:dgm="http://schemas.openxmlformats.org/drawingml/2006/diagram" xmlns:o="urn:schemas-microsoft-com:office:office" xmlns:v="urn:schemas-microsoft-com:vml" xmlns:pvml="urn:schemas-microsoft-com:office:powerpoint" xmlns:com="http://schemas.openxmlformats.org/drawingml/2006/compatibility" xmlns:p14="http://schemas.microsoft.com/office/powerpoint/2010/main" xmlns:p15="http://schemas.microsoft.com/office/powerpoint/2012/main" showMasterPhAnim="0" showMasterSp="0">
+<p:notes xmlns:a="http://schemas.openxmlformats.org/drawingml/2006/main" xmlns:r="http://schemas.openxmlformats.org/officeDocument/2006/relationships" xmlns:p="http://schemas.openxmlformats.org/presentationml/2006/main" showMasterSp="0" showMasterPhAnim="0">
   <p:cSld>
     <p:spTree>
       <p:nvGrpSpPr>
-        <p:cNvPr id="82" name="Shape 82"/>
+        <p:cNvPr id="1" name="Shape 82"/>
         <p:cNvGrpSpPr/>
         <p:nvPr/>
       </p:nvGrpSpPr>
@@ -2824,20 +3054,26 @@
       <p:sp>
         <p:nvSpPr>
           <p:cNvPr id="83" name="Google Shape;83;g571a832f8e_0_216:notes"/>
-          <p:cNvSpPr/>
+          <p:cNvSpPr>
+            <a:spLocks noGrp="1" noRot="1" noChangeAspect="1"/>
+          </p:cNvSpPr>
           <p:nvPr>
-            <p:ph idx="2" type="sldImg"/>
+            <p:ph type="sldImg" idx="2"/>
           </p:nvPr>
         </p:nvSpPr>
         <p:spPr>
           <a:xfrm>
-            <a:off x="381300" y="685800"/>
+            <a:off x="381000" y="685800"/>
             <a:ext cx="6096000" cy="3429000"/>
           </a:xfrm>
           <a:custGeom>
-            <a:rect b="b" l="l" r="r" t="t"/>
+            <a:avLst/>
+            <a:gdLst/>
+            <a:ahLst/>
+            <a:cxnLst/>
+            <a:rect l="l" t="t" r="r" b="b"/>
             <a:pathLst>
-              <a:path extrusionOk="0" h="120000" w="120000">
+              <a:path w="120000" h="120000" extrusionOk="0">
                 <a:moveTo>
                   <a:pt x="0" y="0"/>
                 </a:moveTo>
@@ -2859,9 +3095,11 @@
       <p:sp>
         <p:nvSpPr>
           <p:cNvPr id="84" name="Google Shape;84;g571a832f8e_0_216:notes"/>
-          <p:cNvSpPr txBox="1"/>
+          <p:cNvSpPr txBox="1">
+            <a:spLocks noGrp="1"/>
+          </p:cNvSpPr>
           <p:nvPr>
-            <p:ph idx="1" type="body"/>
+            <p:ph type="body" idx="1"/>
           </p:nvPr>
         </p:nvSpPr>
         <p:spPr>
@@ -2874,28 +3112,30 @@
           </a:prstGeom>
         </p:spPr>
         <p:txBody>
-          <a:bodyPr anchorCtr="0" anchor="t" bIns="91425" lIns="91425" spcFirstLastPara="1" rIns="91425" wrap="square" tIns="91425">
+          <a:bodyPr spcFirstLastPara="1" wrap="square" lIns="91425" tIns="91425" rIns="91425" bIns="91425" anchor="t" anchorCtr="0">
             <a:noAutofit/>
           </a:bodyPr>
           <a:lstStyle/>
           <a:p>
-            <a:pPr indent="0" lvl="0" marL="0" rtl="0" algn="l">
-              <a:spcBef>
-                <a:spcPts val="0"/>
-              </a:spcBef>
-              <a:spcAft>
-                <a:spcPts val="0"/>
-              </a:spcAft>
-              <a:buNone/>
-            </a:pPr>
-            <a:r>
-              <a:t/>
-            </a:r>
+            <a:pPr marL="0" lvl="0" indent="0" algn="l" rtl="0">
+              <a:spcBef>
+                <a:spcPts val="0"/>
+              </a:spcBef>
+              <a:spcAft>
+                <a:spcPts val="0"/>
+              </a:spcAft>
+              <a:buNone/>
+            </a:pPr>
             <a:endParaRPr/>
           </a:p>
         </p:txBody>
       </p:sp>
     </p:spTree>
+    <p:extLst>
+      <p:ext uri="{BB962C8B-B14F-4D97-AF65-F5344CB8AC3E}">
+        <p14:creationId xmlns:p14="http://schemas.microsoft.com/office/powerpoint/2010/main" val="936996788"/>
+      </p:ext>
+    </p:extLst>
   </p:cSld>
   <p:clrMapOvr>
     <a:masterClrMapping/>
@@ -2904,11 +3144,11 @@
 </file>
 
 <file path=ppt/notesSlides/notesSlide6.xml><?xml version="1.0" encoding="utf-8"?>
-<p:notes xmlns:a="http://schemas.openxmlformats.org/drawingml/2006/main" xmlns:r="http://schemas.openxmlformats.org/officeDocument/2006/relationships" xmlns:mc="http://schemas.openxmlformats.org/markup-compatibility/2006" xmlns:mv="urn:schemas-microsoft-com:mac:vml" xmlns:p="http://schemas.openxmlformats.org/presentationml/2006/main" xmlns:c="http://schemas.openxmlformats.org/drawingml/2006/chart" xmlns:dgm="http://schemas.openxmlformats.org/drawingml/2006/diagram" xmlns:o="urn:schemas-microsoft-com:office:office" xmlns:v="urn:schemas-microsoft-com:vml" xmlns:pvml="urn:schemas-microsoft-com:office:powerpoint" xmlns:com="http://schemas.openxmlformats.org/drawingml/2006/compatibility" xmlns:p14="http://schemas.microsoft.com/office/powerpoint/2010/main" xmlns:p15="http://schemas.microsoft.com/office/powerpoint/2012/main" showMasterPhAnim="0" showMasterSp="0">
+<p:notes xmlns:a="http://schemas.openxmlformats.org/drawingml/2006/main" xmlns:r="http://schemas.openxmlformats.org/officeDocument/2006/relationships" xmlns:p="http://schemas.openxmlformats.org/presentationml/2006/main" showMasterSp="0" showMasterPhAnim="0">
   <p:cSld>
     <p:spTree>
       <p:nvGrpSpPr>
-        <p:cNvPr id="88" name="Shape 88"/>
+        <p:cNvPr id="1" name="Shape 88"/>
         <p:cNvGrpSpPr/>
         <p:nvPr/>
       </p:nvGrpSpPr>
@@ -2923,20 +3163,26 @@
       <p:sp>
         <p:nvSpPr>
           <p:cNvPr id="89" name="Google Shape;89;g571a832f8e_0_169:notes"/>
-          <p:cNvSpPr/>
+          <p:cNvSpPr>
+            <a:spLocks noGrp="1" noRot="1" noChangeAspect="1"/>
+          </p:cNvSpPr>
           <p:nvPr>
-            <p:ph idx="2" type="sldImg"/>
+            <p:ph type="sldImg" idx="2"/>
           </p:nvPr>
         </p:nvSpPr>
         <p:spPr>
           <a:xfrm>
-            <a:off x="381300" y="685800"/>
+            <a:off x="381000" y="685800"/>
             <a:ext cx="6096000" cy="3429000"/>
           </a:xfrm>
           <a:custGeom>
-            <a:rect b="b" l="l" r="r" t="t"/>
+            <a:avLst/>
+            <a:gdLst/>
+            <a:ahLst/>
+            <a:cxnLst/>
+            <a:rect l="l" t="t" r="r" b="b"/>
             <a:pathLst>
-              <a:path extrusionOk="0" h="120000" w="120000">
+              <a:path w="120000" h="120000" extrusionOk="0">
                 <a:moveTo>
                   <a:pt x="0" y="0"/>
                 </a:moveTo>
@@ -2958,9 +3204,11 @@
       <p:sp>
         <p:nvSpPr>
           <p:cNvPr id="90" name="Google Shape;90;g571a832f8e_0_169:notes"/>
-          <p:cNvSpPr txBox="1"/>
+          <p:cNvSpPr txBox="1">
+            <a:spLocks noGrp="1"/>
+          </p:cNvSpPr>
           <p:nvPr>
-            <p:ph idx="1" type="body"/>
+            <p:ph type="body" idx="1"/>
           </p:nvPr>
         </p:nvSpPr>
         <p:spPr>
@@ -2973,28 +3221,30 @@
           </a:prstGeom>
         </p:spPr>
         <p:txBody>
-          <a:bodyPr anchorCtr="0" anchor="t" bIns="91425" lIns="91425" spcFirstLastPara="1" rIns="91425" wrap="square" tIns="91425">
+          <a:bodyPr spcFirstLastPara="1" wrap="square" lIns="91425" tIns="91425" rIns="91425" bIns="91425" anchor="t" anchorCtr="0">
             <a:noAutofit/>
           </a:bodyPr>
           <a:lstStyle/>
           <a:p>
-            <a:pPr indent="0" lvl="0" marL="0" rtl="0" algn="l">
-              <a:spcBef>
-                <a:spcPts val="0"/>
-              </a:spcBef>
-              <a:spcAft>
-                <a:spcPts val="0"/>
-              </a:spcAft>
-              <a:buNone/>
-            </a:pPr>
-            <a:r>
-              <a:t/>
-            </a:r>
+            <a:pPr marL="0" lvl="0" indent="0" algn="l" rtl="0">
+              <a:spcBef>
+                <a:spcPts val="0"/>
+              </a:spcBef>
+              <a:spcAft>
+                <a:spcPts val="0"/>
+              </a:spcAft>
+              <a:buNone/>
+            </a:pPr>
             <a:endParaRPr/>
           </a:p>
         </p:txBody>
       </p:sp>
     </p:spTree>
+    <p:extLst>
+      <p:ext uri="{BB962C8B-B14F-4D97-AF65-F5344CB8AC3E}">
+        <p14:creationId xmlns:p14="http://schemas.microsoft.com/office/powerpoint/2010/main" val="2069781807"/>
+      </p:ext>
+    </p:extLst>
   </p:cSld>
   <p:clrMapOvr>
     <a:masterClrMapping/>
@@ -3003,11 +3253,11 @@
 </file>
 
 <file path=ppt/notesSlides/notesSlide7.xml><?xml version="1.0" encoding="utf-8"?>
-<p:notes xmlns:a="http://schemas.openxmlformats.org/drawingml/2006/main" xmlns:r="http://schemas.openxmlformats.org/officeDocument/2006/relationships" xmlns:mc="http://schemas.openxmlformats.org/markup-compatibility/2006" xmlns:mv="urn:schemas-microsoft-com:mac:vml" xmlns:p="http://schemas.openxmlformats.org/presentationml/2006/main" xmlns:c="http://schemas.openxmlformats.org/drawingml/2006/chart" xmlns:dgm="http://schemas.openxmlformats.org/drawingml/2006/diagram" xmlns:o="urn:schemas-microsoft-com:office:office" xmlns:v="urn:schemas-microsoft-com:vml" xmlns:pvml="urn:schemas-microsoft-com:office:powerpoint" xmlns:com="http://schemas.openxmlformats.org/drawingml/2006/compatibility" xmlns:p14="http://schemas.microsoft.com/office/powerpoint/2010/main" xmlns:p15="http://schemas.microsoft.com/office/powerpoint/2012/main" showMasterPhAnim="0" showMasterSp="0">
+<p:notes xmlns:a="http://schemas.openxmlformats.org/drawingml/2006/main" xmlns:r="http://schemas.openxmlformats.org/officeDocument/2006/relationships" xmlns:p="http://schemas.openxmlformats.org/presentationml/2006/main" showMasterSp="0" showMasterPhAnim="0">
   <p:cSld>
     <p:spTree>
       <p:nvGrpSpPr>
-        <p:cNvPr id="94" name="Shape 94"/>
+        <p:cNvPr id="1" name="Shape 94"/>
         <p:cNvGrpSpPr/>
         <p:nvPr/>
       </p:nvGrpSpPr>
@@ -3022,20 +3272,26 @@
       <p:sp>
         <p:nvSpPr>
           <p:cNvPr id="95" name="Google Shape;95;g571a832f8e_0_179:notes"/>
-          <p:cNvSpPr/>
+          <p:cNvSpPr>
+            <a:spLocks noGrp="1" noRot="1" noChangeAspect="1"/>
+          </p:cNvSpPr>
           <p:nvPr>
-            <p:ph idx="2" type="sldImg"/>
+            <p:ph type="sldImg" idx="2"/>
           </p:nvPr>
         </p:nvSpPr>
         <p:spPr>
           <a:xfrm>
-            <a:off x="381300" y="685800"/>
+            <a:off x="381000" y="685800"/>
             <a:ext cx="6096000" cy="3429000"/>
           </a:xfrm>
           <a:custGeom>
-            <a:rect b="b" l="l" r="r" t="t"/>
+            <a:avLst/>
+            <a:gdLst/>
+            <a:ahLst/>
+            <a:cxnLst/>
+            <a:rect l="l" t="t" r="r" b="b"/>
             <a:pathLst>
-              <a:path extrusionOk="0" h="120000" w="120000">
+              <a:path w="120000" h="120000" extrusionOk="0">
                 <a:moveTo>
                   <a:pt x="0" y="0"/>
                 </a:moveTo>
@@ -3057,9 +3313,11 @@
       <p:sp>
         <p:nvSpPr>
           <p:cNvPr id="96" name="Google Shape;96;g571a832f8e_0_179:notes"/>
-          <p:cNvSpPr txBox="1"/>
+          <p:cNvSpPr txBox="1">
+            <a:spLocks noGrp="1"/>
+          </p:cNvSpPr>
           <p:nvPr>
-            <p:ph idx="1" type="body"/>
+            <p:ph type="body" idx="1"/>
           </p:nvPr>
         </p:nvSpPr>
         <p:spPr>
@@ -3072,28 +3330,30 @@
           </a:prstGeom>
         </p:spPr>
         <p:txBody>
-          <a:bodyPr anchorCtr="0" anchor="t" bIns="91425" lIns="91425" spcFirstLastPara="1" rIns="91425" wrap="square" tIns="91425">
+          <a:bodyPr spcFirstLastPara="1" wrap="square" lIns="91425" tIns="91425" rIns="91425" bIns="91425" anchor="t" anchorCtr="0">
             <a:noAutofit/>
           </a:bodyPr>
           <a:lstStyle/>
           <a:p>
-            <a:pPr indent="0" lvl="0" marL="0" rtl="0" algn="l">
-              <a:spcBef>
-                <a:spcPts val="0"/>
-              </a:spcBef>
-              <a:spcAft>
-                <a:spcPts val="0"/>
-              </a:spcAft>
-              <a:buNone/>
-            </a:pPr>
-            <a:r>
-              <a:t/>
-            </a:r>
+            <a:pPr marL="0" lvl="0" indent="0" algn="l" rtl="0">
+              <a:spcBef>
+                <a:spcPts val="0"/>
+              </a:spcBef>
+              <a:spcAft>
+                <a:spcPts val="0"/>
+              </a:spcAft>
+              <a:buNone/>
+            </a:pPr>
             <a:endParaRPr/>
           </a:p>
         </p:txBody>
       </p:sp>
     </p:spTree>
+    <p:extLst>
+      <p:ext uri="{BB962C8B-B14F-4D97-AF65-F5344CB8AC3E}">
+        <p14:creationId xmlns:p14="http://schemas.microsoft.com/office/powerpoint/2010/main" val="663524648"/>
+      </p:ext>
+    </p:extLst>
   </p:cSld>
   <p:clrMapOvr>
     <a:masterClrMapping/>
@@ -3102,11 +3362,11 @@
 </file>
 
 <file path=ppt/notesSlides/notesSlide8.xml><?xml version="1.0" encoding="utf-8"?>
-<p:notes xmlns:a="http://schemas.openxmlformats.org/drawingml/2006/main" xmlns:r="http://schemas.openxmlformats.org/officeDocument/2006/relationships" xmlns:mc="http://schemas.openxmlformats.org/markup-compatibility/2006" xmlns:mv="urn:schemas-microsoft-com:mac:vml" xmlns:p="http://schemas.openxmlformats.org/presentationml/2006/main" xmlns:c="http://schemas.openxmlformats.org/drawingml/2006/chart" xmlns:dgm="http://schemas.openxmlformats.org/drawingml/2006/diagram" xmlns:o="urn:schemas-microsoft-com:office:office" xmlns:v="urn:schemas-microsoft-com:vml" xmlns:pvml="urn:schemas-microsoft-com:office:powerpoint" xmlns:com="http://schemas.openxmlformats.org/drawingml/2006/compatibility" xmlns:p14="http://schemas.microsoft.com/office/powerpoint/2010/main" xmlns:p15="http://schemas.microsoft.com/office/powerpoint/2012/main" showMasterPhAnim="0" showMasterSp="0">
+<p:notes xmlns:a="http://schemas.openxmlformats.org/drawingml/2006/main" xmlns:r="http://schemas.openxmlformats.org/officeDocument/2006/relationships" xmlns:p="http://schemas.openxmlformats.org/presentationml/2006/main" showMasterSp="0" showMasterPhAnim="0">
   <p:cSld>
     <p:spTree>
       <p:nvGrpSpPr>
-        <p:cNvPr id="100" name="Shape 100"/>
+        <p:cNvPr id="1" name="Shape 100"/>
         <p:cNvGrpSpPr/>
         <p:nvPr/>
       </p:nvGrpSpPr>
@@ -3121,20 +3381,26 @@
       <p:sp>
         <p:nvSpPr>
           <p:cNvPr id="101" name="Google Shape;101;g572bded9a5_0_0:notes"/>
-          <p:cNvSpPr/>
+          <p:cNvSpPr>
+            <a:spLocks noGrp="1" noRot="1" noChangeAspect="1"/>
+          </p:cNvSpPr>
           <p:nvPr>
-            <p:ph idx="2" type="sldImg"/>
+            <p:ph type="sldImg" idx="2"/>
           </p:nvPr>
         </p:nvSpPr>
         <p:spPr>
           <a:xfrm>
-            <a:off x="381300" y="685800"/>
+            <a:off x="381000" y="685800"/>
             <a:ext cx="6096000" cy="3429000"/>
           </a:xfrm>
           <a:custGeom>
-            <a:rect b="b" l="l" r="r" t="t"/>
+            <a:avLst/>
+            <a:gdLst/>
+            <a:ahLst/>
+            <a:cxnLst/>
+            <a:rect l="l" t="t" r="r" b="b"/>
             <a:pathLst>
-              <a:path extrusionOk="0" h="120000" w="120000">
+              <a:path w="120000" h="120000" extrusionOk="0">
                 <a:moveTo>
                   <a:pt x="0" y="0"/>
                 </a:moveTo>
@@ -3156,9 +3422,11 @@
       <p:sp>
         <p:nvSpPr>
           <p:cNvPr id="102" name="Google Shape;102;g572bded9a5_0_0:notes"/>
-          <p:cNvSpPr txBox="1"/>
+          <p:cNvSpPr txBox="1">
+            <a:spLocks noGrp="1"/>
+          </p:cNvSpPr>
           <p:nvPr>
-            <p:ph idx="1" type="body"/>
+            <p:ph type="body" idx="1"/>
           </p:nvPr>
         </p:nvSpPr>
         <p:spPr>
@@ -3171,28 +3439,30 @@
           </a:prstGeom>
         </p:spPr>
         <p:txBody>
-          <a:bodyPr anchorCtr="0" anchor="t" bIns="91425" lIns="91425" spcFirstLastPara="1" rIns="91425" wrap="square" tIns="91425">
+          <a:bodyPr spcFirstLastPara="1" wrap="square" lIns="91425" tIns="91425" rIns="91425" bIns="91425" anchor="t" anchorCtr="0">
             <a:noAutofit/>
           </a:bodyPr>
           <a:lstStyle/>
           <a:p>
-            <a:pPr indent="0" lvl="0" marL="0" rtl="0" algn="l">
-              <a:spcBef>
-                <a:spcPts val="0"/>
-              </a:spcBef>
-              <a:spcAft>
-                <a:spcPts val="0"/>
-              </a:spcAft>
-              <a:buNone/>
-            </a:pPr>
-            <a:r>
-              <a:t/>
-            </a:r>
+            <a:pPr marL="0" lvl="0" indent="0" algn="l" rtl="0">
+              <a:spcBef>
+                <a:spcPts val="0"/>
+              </a:spcBef>
+              <a:spcAft>
+                <a:spcPts val="0"/>
+              </a:spcAft>
+              <a:buNone/>
+            </a:pPr>
             <a:endParaRPr/>
           </a:p>
         </p:txBody>
       </p:sp>
     </p:spTree>
+    <p:extLst>
+      <p:ext uri="{BB962C8B-B14F-4D97-AF65-F5344CB8AC3E}">
+        <p14:creationId xmlns:p14="http://schemas.microsoft.com/office/powerpoint/2010/main" val="1384694410"/>
+      </p:ext>
+    </p:extLst>
   </p:cSld>
   <p:clrMapOvr>
     <a:masterClrMapping/>
@@ -3201,11 +3471,11 @@
 </file>
 
 <file path=ppt/notesSlides/notesSlide9.xml><?xml version="1.0" encoding="utf-8"?>
-<p:notes xmlns:a="http://schemas.openxmlformats.org/drawingml/2006/main" xmlns:r="http://schemas.openxmlformats.org/officeDocument/2006/relationships" xmlns:mc="http://schemas.openxmlformats.org/markup-compatibility/2006" xmlns:mv="urn:schemas-microsoft-com:mac:vml" xmlns:p="http://schemas.openxmlformats.org/presentationml/2006/main" xmlns:c="http://schemas.openxmlformats.org/drawingml/2006/chart" xmlns:dgm="http://schemas.openxmlformats.org/drawingml/2006/diagram" xmlns:o="urn:schemas-microsoft-com:office:office" xmlns:v="urn:schemas-microsoft-com:vml" xmlns:pvml="urn:schemas-microsoft-com:office:powerpoint" xmlns:com="http://schemas.openxmlformats.org/drawingml/2006/compatibility" xmlns:p14="http://schemas.microsoft.com/office/powerpoint/2010/main" xmlns:p15="http://schemas.microsoft.com/office/powerpoint/2012/main" showMasterPhAnim="0" showMasterSp="0">
+<p:notes xmlns:a="http://schemas.openxmlformats.org/drawingml/2006/main" xmlns:r="http://schemas.openxmlformats.org/officeDocument/2006/relationships" xmlns:p="http://schemas.openxmlformats.org/presentationml/2006/main" showMasterSp="0" showMasterPhAnim="0">
   <p:cSld>
     <p:spTree>
       <p:nvGrpSpPr>
-        <p:cNvPr id="106" name="Shape 106"/>
+        <p:cNvPr id="1" name="Shape 106"/>
         <p:cNvGrpSpPr/>
         <p:nvPr/>
       </p:nvGrpSpPr>
@@ -3220,20 +3490,26 @@
       <p:sp>
         <p:nvSpPr>
           <p:cNvPr id="107" name="Google Shape;107;g572bded9a5_0_6:notes"/>
-          <p:cNvSpPr/>
+          <p:cNvSpPr>
+            <a:spLocks noGrp="1" noRot="1" noChangeAspect="1"/>
+          </p:cNvSpPr>
           <p:nvPr>
-            <p:ph idx="2" type="sldImg"/>
+            <p:ph type="sldImg" idx="2"/>
           </p:nvPr>
         </p:nvSpPr>
         <p:spPr>
           <a:xfrm>
-            <a:off x="381300" y="685800"/>
+            <a:off x="381000" y="685800"/>
             <a:ext cx="6096000" cy="3429000"/>
           </a:xfrm>
           <a:custGeom>
-            <a:rect b="b" l="l" r="r" t="t"/>
+            <a:avLst/>
+            <a:gdLst/>
+            <a:ahLst/>
+            <a:cxnLst/>
+            <a:rect l="l" t="t" r="r" b="b"/>
             <a:pathLst>
-              <a:path extrusionOk="0" h="120000" w="120000">
+              <a:path w="120000" h="120000" extrusionOk="0">
                 <a:moveTo>
                   <a:pt x="0" y="0"/>
                 </a:moveTo>
@@ -3255,9 +3531,11 @@
       <p:sp>
         <p:nvSpPr>
           <p:cNvPr id="108" name="Google Shape;108;g572bded9a5_0_6:notes"/>
-          <p:cNvSpPr txBox="1"/>
+          <p:cNvSpPr txBox="1">
+            <a:spLocks noGrp="1"/>
+          </p:cNvSpPr>
           <p:nvPr>
-            <p:ph idx="1" type="body"/>
+            <p:ph type="body" idx="1"/>
           </p:nvPr>
         </p:nvSpPr>
         <p:spPr>
@@ -3270,28 +3548,30 @@
           </a:prstGeom>
         </p:spPr>
         <p:txBody>
-          <a:bodyPr anchorCtr="0" anchor="t" bIns="91425" lIns="91425" spcFirstLastPara="1" rIns="91425" wrap="square" tIns="91425">
+          <a:bodyPr spcFirstLastPara="1" wrap="square" lIns="91425" tIns="91425" rIns="91425" bIns="91425" anchor="t" anchorCtr="0">
             <a:noAutofit/>
           </a:bodyPr>
           <a:lstStyle/>
           <a:p>
-            <a:pPr indent="0" lvl="0" marL="0" rtl="0" algn="l">
-              <a:spcBef>
-                <a:spcPts val="0"/>
-              </a:spcBef>
-              <a:spcAft>
-                <a:spcPts val="0"/>
-              </a:spcAft>
-              <a:buNone/>
-            </a:pPr>
-            <a:r>
-              <a:t/>
-            </a:r>
+            <a:pPr marL="0" lvl="0" indent="0" algn="l" rtl="0">
+              <a:spcBef>
+                <a:spcPts val="0"/>
+              </a:spcBef>
+              <a:spcAft>
+                <a:spcPts val="0"/>
+              </a:spcAft>
+              <a:buNone/>
+            </a:pPr>
             <a:endParaRPr/>
           </a:p>
         </p:txBody>
       </p:sp>
     </p:spTree>
+    <p:extLst>
+      <p:ext uri="{BB962C8B-B14F-4D97-AF65-F5344CB8AC3E}">
+        <p14:creationId xmlns:p14="http://schemas.microsoft.com/office/powerpoint/2010/main" val="2778460437"/>
+      </p:ext>
+    </p:extLst>
   </p:cSld>
   <p:clrMapOvr>
     <a:masterClrMapping/>
@@ -3300,11 +3580,11 @@
 </file>
 
 <file path=ppt/slideLayouts/slideLayout1.xml><?xml version="1.0" encoding="utf-8"?>
-<p:sldLayout xmlns:a="http://schemas.openxmlformats.org/drawingml/2006/main" xmlns:r="http://schemas.openxmlformats.org/officeDocument/2006/relationships" xmlns:mc="http://schemas.openxmlformats.org/markup-compatibility/2006" xmlns:mv="urn:schemas-microsoft-com:mac:vml" xmlns:p="http://schemas.openxmlformats.org/presentationml/2006/main" xmlns:c="http://schemas.openxmlformats.org/drawingml/2006/chart" xmlns:dgm="http://schemas.openxmlformats.org/drawingml/2006/diagram" xmlns:o="urn:schemas-microsoft-com:office:office" xmlns:v="urn:schemas-microsoft-com:vml" xmlns:pvml="urn:schemas-microsoft-com:office:powerpoint" xmlns:com="http://schemas.openxmlformats.org/drawingml/2006/compatibility" xmlns:p14="http://schemas.microsoft.com/office/powerpoint/2010/main" xmlns:p15="http://schemas.microsoft.com/office/powerpoint/2012/main" matchingName="Title slide" type="title">
+<p:sldLayout xmlns:a="http://schemas.openxmlformats.org/drawingml/2006/main" xmlns:r="http://schemas.openxmlformats.org/officeDocument/2006/relationships" xmlns:p="http://schemas.openxmlformats.org/presentationml/2006/main" matchingName="Title slide" type="title">
   <p:cSld name="TITLE">
     <p:spTree>
       <p:nvGrpSpPr>
-        <p:cNvPr id="9" name="Shape 9"/>
+        <p:cNvPr id="1" name="Shape 9"/>
         <p:cNvGrpSpPr/>
         <p:nvPr/>
       </p:nvGrpSpPr>
@@ -3328,9 +3608,13 @@
             <a:ext cx="1081625" cy="1124950"/>
           </a:xfrm>
           <a:custGeom>
-            <a:rect b="b" l="l" r="r" t="t"/>
+            <a:avLst/>
+            <a:gdLst/>
+            <a:ahLst/>
+            <a:cxnLst/>
+            <a:rect l="l" t="t" r="r" b="b"/>
             <a:pathLst>
-              <a:path extrusionOk="0" h="44998" w="43265">
+              <a:path w="43265" h="44998" extrusionOk="0">
                 <a:moveTo>
                   <a:pt x="0" y="44998"/>
                 </a:moveTo>
@@ -3344,14 +3628,14 @@
             </a:pathLst>
           </a:custGeom>
           <a:noFill/>
-          <a:ln cap="flat" cmpd="sng" w="28575">
+          <a:ln w="28575" cap="flat" cmpd="sng">
             <a:solidFill>
               <a:schemeClr val="lt2"/>
             </a:solidFill>
             <a:prstDash val="solid"/>
             <a:miter lim="8000"/>
-            <a:headEnd len="sm" w="sm" type="none"/>
-            <a:tailEnd len="sm" w="sm" type="none"/>
+            <a:headEnd type="none" w="sm" len="sm"/>
+            <a:tailEnd type="none" w="sm" len="sm"/>
           </a:ln>
         </p:spPr>
       </p:sp>
@@ -3367,9 +3651,13 @@
             <a:ext cx="1081625" cy="1124950"/>
           </a:xfrm>
           <a:custGeom>
-            <a:rect b="b" l="l" r="r" t="t"/>
+            <a:avLst/>
+            <a:gdLst/>
+            <a:ahLst/>
+            <a:cxnLst/>
+            <a:rect l="l" t="t" r="r" b="b"/>
             <a:pathLst>
-              <a:path extrusionOk="0" h="44998" w="43265">
+              <a:path w="43265" h="44998" extrusionOk="0">
                 <a:moveTo>
                   <a:pt x="0" y="44998"/>
                 </a:moveTo>
@@ -3383,21 +3671,23 @@
             </a:pathLst>
           </a:custGeom>
           <a:noFill/>
-          <a:ln cap="flat" cmpd="sng" w="28575">
+          <a:ln w="28575" cap="flat" cmpd="sng">
             <a:solidFill>
               <a:schemeClr val="lt2"/>
             </a:solidFill>
             <a:prstDash val="solid"/>
             <a:miter lim="8000"/>
-            <a:headEnd len="sm" w="sm" type="none"/>
-            <a:tailEnd len="sm" w="sm" type="none"/>
+            <a:headEnd type="none" w="sm" len="sm"/>
+            <a:tailEnd type="none" w="sm" len="sm"/>
           </a:ln>
         </p:spPr>
       </p:sp>
       <p:sp>
         <p:nvSpPr>
           <p:cNvPr id="12" name="Google Shape;12;p2"/>
-          <p:cNvSpPr txBox="1"/>
+          <p:cNvSpPr txBox="1">
+            <a:spLocks noGrp="1"/>
+          </p:cNvSpPr>
           <p:nvPr>
             <p:ph type="ctrTitle"/>
           </p:nvPr>
@@ -3412,7 +3702,7 @@
           </a:prstGeom>
         </p:spPr>
         <p:txBody>
-          <a:bodyPr anchorCtr="0" anchor="b" bIns="91425" lIns="91425" spcFirstLastPara="1" rIns="91425" wrap="square" tIns="91425"/>
+          <a:bodyPr spcFirstLastPara="1" wrap="square" lIns="91425" tIns="91425" rIns="91425" bIns="91425" anchor="b" anchorCtr="0"/>
           <a:lstStyle>
             <a:lvl1pPr lvl="0" algn="ctr">
               <a:spcBef>
@@ -3514,15 +3804,19 @@
               <a:defRPr/>
             </a:lvl9pPr>
           </a:lstStyle>
-          <a:p/>
+          <a:p>
+            <a:endParaRPr/>
+          </a:p>
         </p:txBody>
       </p:sp>
       <p:sp>
         <p:nvSpPr>
           <p:cNvPr id="13" name="Google Shape;13;p2"/>
-          <p:cNvSpPr txBox="1"/>
+          <p:cNvSpPr txBox="1">
+            <a:spLocks noGrp="1"/>
+          </p:cNvSpPr>
           <p:nvPr>
-            <p:ph idx="1" type="subTitle"/>
+            <p:ph type="subTitle" idx="1"/>
           </p:nvPr>
         </p:nvSpPr>
         <p:spPr>
@@ -3535,7 +3829,7 @@
           </a:prstGeom>
         </p:spPr>
         <p:txBody>
-          <a:bodyPr anchorCtr="0" anchor="t" bIns="91425" lIns="91425" spcFirstLastPara="1" rIns="91425" wrap="square" tIns="91425"/>
+          <a:bodyPr spcFirstLastPara="1" wrap="square" lIns="91425" tIns="91425" rIns="91425" bIns="91425" anchor="t" anchorCtr="0"/>
           <a:lstStyle>
             <a:lvl1pPr lvl="0" algn="ctr">
               <a:lnSpc>
@@ -3718,15 +4012,19 @@
               </a:defRPr>
             </a:lvl9pPr>
           </a:lstStyle>
-          <a:p/>
+          <a:p>
+            <a:endParaRPr/>
+          </a:p>
         </p:txBody>
       </p:sp>
       <p:sp>
         <p:nvSpPr>
           <p:cNvPr id="14" name="Google Shape;14;p2"/>
-          <p:cNvSpPr txBox="1"/>
+          <p:cNvSpPr txBox="1">
+            <a:spLocks noGrp="1"/>
+          </p:cNvSpPr>
           <p:nvPr>
-            <p:ph idx="12" type="sldNum"/>
+            <p:ph type="sldNum" idx="12"/>
           </p:nvPr>
         </p:nvSpPr>
         <p:spPr>
@@ -3739,7 +4037,7 @@
           </a:prstGeom>
         </p:spPr>
         <p:txBody>
-          <a:bodyPr anchorCtr="0" anchor="ctr" bIns="91425" lIns="91425" spcFirstLastPara="1" rIns="91425" wrap="square" tIns="91425">
+          <a:bodyPr spcFirstLastPara="1" wrap="square" lIns="91425" tIns="91425" rIns="91425" bIns="91425" anchor="ctr" anchorCtr="0">
             <a:noAutofit/>
           </a:bodyPr>
           <a:lstStyle>
@@ -3781,7 +4079,7 @@
             </a:lvl9pPr>
           </a:lstStyle>
           <a:p>
-            <a:pPr indent="0" lvl="0" marL="0" rtl="0" algn="r">
+            <a:pPr marL="0" lvl="0" indent="0" algn="r" rtl="0">
               <a:spcBef>
                 <a:spcPts val="0"/>
               </a:spcBef>
@@ -3807,11 +4105,11 @@
 </file>
 
 <file path=ppt/slideLayouts/slideLayout10.xml><?xml version="1.0" encoding="utf-8"?>
-<p:sldLayout xmlns:a="http://schemas.openxmlformats.org/drawingml/2006/main" xmlns:r="http://schemas.openxmlformats.org/officeDocument/2006/relationships" xmlns:mc="http://schemas.openxmlformats.org/markup-compatibility/2006" xmlns:mv="urn:schemas-microsoft-com:mac:vml" xmlns:p="http://schemas.openxmlformats.org/presentationml/2006/main" xmlns:c="http://schemas.openxmlformats.org/drawingml/2006/chart" xmlns:dgm="http://schemas.openxmlformats.org/drawingml/2006/diagram" xmlns:o="urn:schemas-microsoft-com:office:office" xmlns:v="urn:schemas-microsoft-com:vml" xmlns:pvml="urn:schemas-microsoft-com:office:powerpoint" xmlns:com="http://schemas.openxmlformats.org/drawingml/2006/compatibility" xmlns:p14="http://schemas.microsoft.com/office/powerpoint/2010/main" xmlns:p15="http://schemas.microsoft.com/office/powerpoint/2012/main" matchingName="Big number">
+<p:sldLayout xmlns:a="http://schemas.openxmlformats.org/drawingml/2006/main" xmlns:r="http://schemas.openxmlformats.org/officeDocument/2006/relationships" xmlns:p="http://schemas.openxmlformats.org/presentationml/2006/main" matchingName="Big number">
   <p:cSld name="BIG_NUMBER">
     <p:spTree>
       <p:nvGrpSpPr>
-        <p:cNvPr id="51" name="Shape 51"/>
+        <p:cNvPr id="1" name="Shape 51"/>
         <p:cNvGrpSpPr/>
         <p:nvPr/>
       </p:nvGrpSpPr>
@@ -3845,23 +4143,20 @@
           </a:ln>
         </p:spPr>
         <p:txBody>
-          <a:bodyPr anchorCtr="0" anchor="ctr" bIns="91425" lIns="91425" spcFirstLastPara="1" rIns="91425" wrap="square" tIns="91425">
+          <a:bodyPr spcFirstLastPara="1" wrap="square" lIns="91425" tIns="91425" rIns="91425" bIns="91425" anchor="ctr" anchorCtr="0">
             <a:noAutofit/>
           </a:bodyPr>
           <a:lstStyle/>
           <a:p>
-            <a:pPr indent="0" lvl="0" marL="0" rtl="0" algn="l">
-              <a:spcBef>
-                <a:spcPts val="0"/>
-              </a:spcBef>
-              <a:spcAft>
-                <a:spcPts val="0"/>
-              </a:spcAft>
-              <a:buNone/>
-            </a:pPr>
-            <a:r>
-              <a:t/>
-            </a:r>
+            <a:pPr marL="0" lvl="0" indent="0" algn="l" rtl="0">
+              <a:spcBef>
+                <a:spcPts val="0"/>
+              </a:spcBef>
+              <a:spcAft>
+                <a:spcPts val="0"/>
+              </a:spcAft>
+              <a:buNone/>
+            </a:pPr>
             <a:endParaRPr/>
           </a:p>
         </p:txBody>
@@ -3869,9 +4164,11 @@
       <p:sp>
         <p:nvSpPr>
           <p:cNvPr id="53" name="Google Shape;53;p11"/>
-          <p:cNvSpPr txBox="1"/>
+          <p:cNvSpPr txBox="1">
+            <a:spLocks noGrp="1"/>
+          </p:cNvSpPr>
           <p:nvPr>
-            <p:ph hasCustomPrompt="1" type="title"/>
+            <p:ph type="title" hasCustomPrompt="1"/>
           </p:nvPr>
         </p:nvSpPr>
         <p:spPr>
@@ -3884,7 +4181,7 @@
           </a:prstGeom>
         </p:spPr>
         <p:txBody>
-          <a:bodyPr anchorCtr="0" anchor="ctr" bIns="91425" lIns="91425" spcFirstLastPara="1" rIns="91425" wrap="square" tIns="91425"/>
+          <a:bodyPr spcFirstLastPara="1" wrap="square" lIns="91425" tIns="91425" rIns="91425" bIns="91425" anchor="ctr" anchorCtr="0"/>
           <a:lstStyle>
             <a:lvl1pPr lvl="0" algn="ctr">
               <a:spcBef>
@@ -4059,9 +4356,11 @@
       <p:sp>
         <p:nvSpPr>
           <p:cNvPr id="54" name="Google Shape;54;p11"/>
-          <p:cNvSpPr txBox="1"/>
+          <p:cNvSpPr txBox="1">
+            <a:spLocks noGrp="1"/>
+          </p:cNvSpPr>
           <p:nvPr>
-            <p:ph idx="1" type="body"/>
+            <p:ph type="body" idx="1"/>
           </p:nvPr>
         </p:nvSpPr>
         <p:spPr>
@@ -4074,9 +4373,9 @@
           </a:prstGeom>
         </p:spPr>
         <p:txBody>
-          <a:bodyPr anchorCtr="0" anchor="t" bIns="91425" lIns="91425" spcFirstLastPara="1" rIns="91425" wrap="square" tIns="91425"/>
+          <a:bodyPr spcFirstLastPara="1" wrap="square" lIns="91425" tIns="91425" rIns="91425" bIns="91425" anchor="t" anchorCtr="0"/>
           <a:lstStyle>
-            <a:lvl1pPr indent="-342900" lvl="0" marL="457200" algn="ctr">
+            <a:lvl1pPr marL="457200" lvl="0" indent="-342900" algn="ctr">
               <a:spcBef>
                 <a:spcPts val="0"/>
               </a:spcBef>
@@ -4087,7 +4386,7 @@
               <a:buChar char="●"/>
               <a:defRPr/>
             </a:lvl1pPr>
-            <a:lvl2pPr indent="-317500" lvl="1" marL="914400" algn="ctr">
+            <a:lvl2pPr marL="914400" lvl="1" indent="-317500" algn="ctr">
               <a:spcBef>
                 <a:spcPts val="1600"/>
               </a:spcBef>
@@ -4098,7 +4397,7 @@
               <a:buChar char="○"/>
               <a:defRPr/>
             </a:lvl2pPr>
-            <a:lvl3pPr indent="-317500" lvl="2" marL="1371600" algn="ctr">
+            <a:lvl3pPr marL="1371600" lvl="2" indent="-317500" algn="ctr">
               <a:spcBef>
                 <a:spcPts val="1600"/>
               </a:spcBef>
@@ -4109,7 +4408,7 @@
               <a:buChar char="■"/>
               <a:defRPr/>
             </a:lvl3pPr>
-            <a:lvl4pPr indent="-317500" lvl="3" marL="1828800" algn="ctr">
+            <a:lvl4pPr marL="1828800" lvl="3" indent="-317500" algn="ctr">
               <a:spcBef>
                 <a:spcPts val="1600"/>
               </a:spcBef>
@@ -4120,7 +4419,7 @@
               <a:buChar char="●"/>
               <a:defRPr/>
             </a:lvl4pPr>
-            <a:lvl5pPr indent="-317500" lvl="4" marL="2286000" algn="ctr">
+            <a:lvl5pPr marL="2286000" lvl="4" indent="-317500" algn="ctr">
               <a:spcBef>
                 <a:spcPts val="1600"/>
               </a:spcBef>
@@ -4131,7 +4430,7 @@
               <a:buChar char="○"/>
               <a:defRPr/>
             </a:lvl5pPr>
-            <a:lvl6pPr indent="-317500" lvl="5" marL="2743200" algn="ctr">
+            <a:lvl6pPr marL="2743200" lvl="5" indent="-317500" algn="ctr">
               <a:spcBef>
                 <a:spcPts val="1600"/>
               </a:spcBef>
@@ -4142,7 +4441,7 @@
               <a:buChar char="■"/>
               <a:defRPr/>
             </a:lvl6pPr>
-            <a:lvl7pPr indent="-317500" lvl="6" marL="3200400" algn="ctr">
+            <a:lvl7pPr marL="3200400" lvl="6" indent="-317500" algn="ctr">
               <a:spcBef>
                 <a:spcPts val="1600"/>
               </a:spcBef>
@@ -4153,7 +4452,7 @@
               <a:buChar char="●"/>
               <a:defRPr/>
             </a:lvl7pPr>
-            <a:lvl8pPr indent="-317500" lvl="7" marL="3657600" algn="ctr">
+            <a:lvl8pPr marL="3657600" lvl="7" indent="-317500" algn="ctr">
               <a:spcBef>
                 <a:spcPts val="1600"/>
               </a:spcBef>
@@ -4164,7 +4463,7 @@
               <a:buChar char="○"/>
               <a:defRPr/>
             </a:lvl8pPr>
-            <a:lvl9pPr indent="-317500" lvl="8" marL="4114800" algn="ctr">
+            <a:lvl9pPr marL="4114800" lvl="8" indent="-317500" algn="ctr">
               <a:spcBef>
                 <a:spcPts val="1600"/>
               </a:spcBef>
@@ -4176,15 +4475,19 @@
               <a:defRPr/>
             </a:lvl9pPr>
           </a:lstStyle>
-          <a:p/>
+          <a:p>
+            <a:endParaRPr/>
+          </a:p>
         </p:txBody>
       </p:sp>
       <p:sp>
         <p:nvSpPr>
           <p:cNvPr id="55" name="Google Shape;55;p11"/>
-          <p:cNvSpPr txBox="1"/>
+          <p:cNvSpPr txBox="1">
+            <a:spLocks noGrp="1"/>
+          </p:cNvSpPr>
           <p:nvPr>
-            <p:ph idx="12" type="sldNum"/>
+            <p:ph type="sldNum" idx="12"/>
           </p:nvPr>
         </p:nvSpPr>
         <p:spPr>
@@ -4197,7 +4500,7 @@
           </a:prstGeom>
         </p:spPr>
         <p:txBody>
-          <a:bodyPr anchorCtr="0" anchor="ctr" bIns="91425" lIns="91425" spcFirstLastPara="1" rIns="91425" wrap="square" tIns="91425">
+          <a:bodyPr spcFirstLastPara="1" wrap="square" lIns="91425" tIns="91425" rIns="91425" bIns="91425" anchor="ctr" anchorCtr="0">
             <a:noAutofit/>
           </a:bodyPr>
           <a:lstStyle>
@@ -4239,7 +4542,7 @@
             </a:lvl9pPr>
           </a:lstStyle>
           <a:p>
-            <a:pPr indent="0" lvl="0" marL="0" rtl="0" algn="r">
+            <a:pPr marL="0" lvl="0" indent="0" algn="r" rtl="0">
               <a:spcBef>
                 <a:spcPts val="0"/>
               </a:spcBef>
@@ -4265,11 +4568,11 @@
 </file>
 
 <file path=ppt/slideLayouts/slideLayout11.xml><?xml version="1.0" encoding="utf-8"?>
-<p:sldLayout xmlns:a="http://schemas.openxmlformats.org/drawingml/2006/main" xmlns:r="http://schemas.openxmlformats.org/officeDocument/2006/relationships" xmlns:mc="http://schemas.openxmlformats.org/markup-compatibility/2006" xmlns:mv="urn:schemas-microsoft-com:mac:vml" xmlns:p="http://schemas.openxmlformats.org/presentationml/2006/main" xmlns:c="http://schemas.openxmlformats.org/drawingml/2006/chart" xmlns:dgm="http://schemas.openxmlformats.org/drawingml/2006/diagram" xmlns:o="urn:schemas-microsoft-com:office:office" xmlns:v="urn:schemas-microsoft-com:vml" xmlns:pvml="urn:schemas-microsoft-com:office:powerpoint" xmlns:com="http://schemas.openxmlformats.org/drawingml/2006/compatibility" xmlns:p14="http://schemas.microsoft.com/office/powerpoint/2010/main" xmlns:p15="http://schemas.microsoft.com/office/powerpoint/2012/main" matchingName="Blank" type="blank">
+<p:sldLayout xmlns:a="http://schemas.openxmlformats.org/drawingml/2006/main" xmlns:r="http://schemas.openxmlformats.org/officeDocument/2006/relationships" xmlns:p="http://schemas.openxmlformats.org/presentationml/2006/main" matchingName="Blank" type="blank">
   <p:cSld name="BLANK">
     <p:spTree>
       <p:nvGrpSpPr>
-        <p:cNvPr id="56" name="Shape 56"/>
+        <p:cNvPr id="1" name="Shape 56"/>
         <p:cNvGrpSpPr/>
         <p:nvPr/>
       </p:nvGrpSpPr>
@@ -4284,9 +4587,11 @@
       <p:sp>
         <p:nvSpPr>
           <p:cNvPr id="57" name="Google Shape;57;p12"/>
-          <p:cNvSpPr txBox="1"/>
+          <p:cNvSpPr txBox="1">
+            <a:spLocks noGrp="1"/>
+          </p:cNvSpPr>
           <p:nvPr>
-            <p:ph idx="12" type="sldNum"/>
+            <p:ph type="sldNum" idx="12"/>
           </p:nvPr>
         </p:nvSpPr>
         <p:spPr>
@@ -4299,7 +4604,7 @@
           </a:prstGeom>
         </p:spPr>
         <p:txBody>
-          <a:bodyPr anchorCtr="0" anchor="ctr" bIns="91425" lIns="91425" spcFirstLastPara="1" rIns="91425" wrap="square" tIns="91425">
+          <a:bodyPr spcFirstLastPara="1" wrap="square" lIns="91425" tIns="91425" rIns="91425" bIns="91425" anchor="ctr" anchorCtr="0">
             <a:noAutofit/>
           </a:bodyPr>
           <a:lstStyle>
@@ -4341,7 +4646,7 @@
             </a:lvl9pPr>
           </a:lstStyle>
           <a:p>
-            <a:pPr indent="0" lvl="0" marL="0" rtl="0" algn="r">
+            <a:pPr marL="0" lvl="0" indent="0" algn="r" rtl="0">
               <a:spcBef>
                 <a:spcPts val="0"/>
               </a:spcBef>
@@ -4367,11 +4672,11 @@
 </file>
 
 <file path=ppt/slideLayouts/slideLayout2.xml><?xml version="1.0" encoding="utf-8"?>
-<p:sldLayout xmlns:a="http://schemas.openxmlformats.org/drawingml/2006/main" xmlns:r="http://schemas.openxmlformats.org/officeDocument/2006/relationships" xmlns:mc="http://schemas.openxmlformats.org/markup-compatibility/2006" xmlns:mv="urn:schemas-microsoft-com:mac:vml" xmlns:p="http://schemas.openxmlformats.org/presentationml/2006/main" xmlns:c="http://schemas.openxmlformats.org/drawingml/2006/chart" xmlns:dgm="http://schemas.openxmlformats.org/drawingml/2006/diagram" xmlns:o="urn:schemas-microsoft-com:office:office" xmlns:v="urn:schemas-microsoft-com:vml" xmlns:pvml="urn:schemas-microsoft-com:office:powerpoint" xmlns:com="http://schemas.openxmlformats.org/drawingml/2006/compatibility" xmlns:p14="http://schemas.microsoft.com/office/powerpoint/2010/main" xmlns:p15="http://schemas.microsoft.com/office/powerpoint/2012/main" matchingName="Section header" type="secHead">
+<p:sldLayout xmlns:a="http://schemas.openxmlformats.org/drawingml/2006/main" xmlns:r="http://schemas.openxmlformats.org/officeDocument/2006/relationships" xmlns:p="http://schemas.openxmlformats.org/presentationml/2006/main" matchingName="Section header" type="secHead">
   <p:cSld name="SECTION_HEADER">
     <p:spTree>
       <p:nvGrpSpPr>
-        <p:cNvPr id="15" name="Shape 15"/>
+        <p:cNvPr id="1" name="Shape 15"/>
         <p:cNvGrpSpPr/>
         <p:nvPr/>
       </p:nvGrpSpPr>
@@ -4395,9 +4700,13 @@
             <a:ext cx="1081625" cy="1124950"/>
           </a:xfrm>
           <a:custGeom>
-            <a:rect b="b" l="l" r="r" t="t"/>
+            <a:avLst/>
+            <a:gdLst/>
+            <a:ahLst/>
+            <a:cxnLst/>
+            <a:rect l="l" t="t" r="r" b="b"/>
             <a:pathLst>
-              <a:path extrusionOk="0" h="44998" w="43265">
+              <a:path w="43265" h="44998" extrusionOk="0">
                 <a:moveTo>
                   <a:pt x="0" y="44998"/>
                 </a:moveTo>
@@ -4411,14 +4720,14 @@
             </a:pathLst>
           </a:custGeom>
           <a:noFill/>
-          <a:ln cap="flat" cmpd="sng" w="28575">
+          <a:ln w="28575" cap="flat" cmpd="sng">
             <a:solidFill>
               <a:schemeClr val="lt2"/>
             </a:solidFill>
             <a:prstDash val="solid"/>
             <a:miter lim="8000"/>
-            <a:headEnd len="sm" w="sm" type="none"/>
-            <a:tailEnd len="sm" w="sm" type="none"/>
+            <a:headEnd type="none" w="sm" len="sm"/>
+            <a:tailEnd type="none" w="sm" len="sm"/>
           </a:ln>
         </p:spPr>
       </p:sp>
@@ -4429,14 +4738,18 @@
           <p:nvPr/>
         </p:nvSpPr>
         <p:spPr>
-          <a:xfrm flipH="1" rot="10800000">
+          <a:xfrm rot="10800000" flipH="1">
             <a:off x="466425" y="3558325"/>
             <a:ext cx="1081625" cy="1124950"/>
           </a:xfrm>
           <a:custGeom>
-            <a:rect b="b" l="l" r="r" t="t"/>
+            <a:avLst/>
+            <a:gdLst/>
+            <a:ahLst/>
+            <a:cxnLst/>
+            <a:rect l="l" t="t" r="r" b="b"/>
             <a:pathLst>
-              <a:path extrusionOk="0" h="44998" w="43265">
+              <a:path w="43265" h="44998" extrusionOk="0">
                 <a:moveTo>
                   <a:pt x="0" y="44998"/>
                 </a:moveTo>
@@ -4450,21 +4763,23 @@
             </a:pathLst>
           </a:custGeom>
           <a:noFill/>
-          <a:ln cap="flat" cmpd="sng" w="28575">
+          <a:ln w="28575" cap="flat" cmpd="sng">
             <a:solidFill>
               <a:schemeClr val="lt2"/>
             </a:solidFill>
             <a:prstDash val="solid"/>
             <a:miter lim="8000"/>
-            <a:headEnd len="sm" w="sm" type="none"/>
-            <a:tailEnd len="sm" w="sm" type="none"/>
+            <a:headEnd type="none" w="sm" len="sm"/>
+            <a:tailEnd type="none" w="sm" len="sm"/>
           </a:ln>
         </p:spPr>
       </p:sp>
       <p:sp>
         <p:nvSpPr>
           <p:cNvPr id="18" name="Google Shape;18;p3"/>
-          <p:cNvSpPr txBox="1"/>
+          <p:cNvSpPr txBox="1">
+            <a:spLocks noGrp="1"/>
+          </p:cNvSpPr>
           <p:nvPr>
             <p:ph type="title"/>
           </p:nvPr>
@@ -4479,7 +4794,7 @@
           </a:prstGeom>
         </p:spPr>
         <p:txBody>
-          <a:bodyPr anchorCtr="0" anchor="ctr" bIns="91425" lIns="91425" spcFirstLastPara="1" rIns="91425" wrap="square" tIns="91425"/>
+          <a:bodyPr spcFirstLastPara="1" wrap="square" lIns="91425" tIns="91425" rIns="91425" bIns="91425" anchor="ctr" anchorCtr="0"/>
           <a:lstStyle>
             <a:lvl1pPr lvl="0" algn="ctr">
               <a:spcBef>
@@ -4581,15 +4896,19 @@
               <a:defRPr/>
             </a:lvl9pPr>
           </a:lstStyle>
-          <a:p/>
+          <a:p>
+            <a:endParaRPr/>
+          </a:p>
         </p:txBody>
       </p:sp>
       <p:sp>
         <p:nvSpPr>
           <p:cNvPr id="19" name="Google Shape;19;p3"/>
-          <p:cNvSpPr txBox="1"/>
+          <p:cNvSpPr txBox="1">
+            <a:spLocks noGrp="1"/>
+          </p:cNvSpPr>
           <p:nvPr>
-            <p:ph idx="12" type="sldNum"/>
+            <p:ph type="sldNum" idx="12"/>
           </p:nvPr>
         </p:nvSpPr>
         <p:spPr>
@@ -4602,7 +4921,7 @@
           </a:prstGeom>
         </p:spPr>
         <p:txBody>
-          <a:bodyPr anchorCtr="0" anchor="ctr" bIns="91425" lIns="91425" spcFirstLastPara="1" rIns="91425" wrap="square" tIns="91425">
+          <a:bodyPr spcFirstLastPara="1" wrap="square" lIns="91425" tIns="91425" rIns="91425" bIns="91425" anchor="ctr" anchorCtr="0">
             <a:noAutofit/>
           </a:bodyPr>
           <a:lstStyle>
@@ -4644,7 +4963,7 @@
             </a:lvl9pPr>
           </a:lstStyle>
           <a:p>
-            <a:pPr indent="0" lvl="0" marL="0" rtl="0" algn="r">
+            <a:pPr marL="0" lvl="0" indent="0" algn="r" rtl="0">
               <a:spcBef>
                 <a:spcPts val="0"/>
               </a:spcBef>
@@ -4670,11 +4989,11 @@
 </file>
 
 <file path=ppt/slideLayouts/slideLayout3.xml><?xml version="1.0" encoding="utf-8"?>
-<p:sldLayout xmlns:a="http://schemas.openxmlformats.org/drawingml/2006/main" xmlns:r="http://schemas.openxmlformats.org/officeDocument/2006/relationships" xmlns:mc="http://schemas.openxmlformats.org/markup-compatibility/2006" xmlns:mv="urn:schemas-microsoft-com:mac:vml" xmlns:p="http://schemas.openxmlformats.org/presentationml/2006/main" xmlns:c="http://schemas.openxmlformats.org/drawingml/2006/chart" xmlns:dgm="http://schemas.openxmlformats.org/drawingml/2006/diagram" xmlns:o="urn:schemas-microsoft-com:office:office" xmlns:v="urn:schemas-microsoft-com:vml" xmlns:pvml="urn:schemas-microsoft-com:office:powerpoint" xmlns:com="http://schemas.openxmlformats.org/drawingml/2006/compatibility" xmlns:p14="http://schemas.microsoft.com/office/powerpoint/2010/main" xmlns:p15="http://schemas.microsoft.com/office/powerpoint/2012/main" matchingName="Title and body" type="tx">
+<p:sldLayout xmlns:a="http://schemas.openxmlformats.org/drawingml/2006/main" xmlns:r="http://schemas.openxmlformats.org/officeDocument/2006/relationships" xmlns:p="http://schemas.openxmlformats.org/presentationml/2006/main" matchingName="Title and body" type="tx">
   <p:cSld name="TITLE_AND_BODY">
     <p:spTree>
       <p:nvGrpSpPr>
-        <p:cNvPr id="20" name="Shape 20"/>
+        <p:cNvPr id="1" name="Shape 20"/>
         <p:cNvGrpSpPr/>
         <p:nvPr/>
       </p:nvGrpSpPr>
@@ -4708,23 +5027,20 @@
           </a:ln>
         </p:spPr>
         <p:txBody>
-          <a:bodyPr anchorCtr="0" anchor="ctr" bIns="91425" lIns="91425" spcFirstLastPara="1" rIns="91425" wrap="square" tIns="91425">
+          <a:bodyPr spcFirstLastPara="1" wrap="square" lIns="91425" tIns="91425" rIns="91425" bIns="91425" anchor="ctr" anchorCtr="0">
             <a:noAutofit/>
           </a:bodyPr>
           <a:lstStyle/>
           <a:p>
-            <a:pPr indent="0" lvl="0" marL="0" rtl="0" algn="l">
-              <a:spcBef>
-                <a:spcPts val="0"/>
-              </a:spcBef>
-              <a:spcAft>
-                <a:spcPts val="0"/>
-              </a:spcAft>
-              <a:buNone/>
-            </a:pPr>
-            <a:r>
-              <a:t/>
-            </a:r>
+            <a:pPr marL="0" lvl="0" indent="0" algn="l" rtl="0">
+              <a:spcBef>
+                <a:spcPts val="0"/>
+              </a:spcBef>
+              <a:spcAft>
+                <a:spcPts val="0"/>
+              </a:spcAft>
+              <a:buNone/>
+            </a:pPr>
             <a:endParaRPr/>
           </a:p>
         </p:txBody>
@@ -4732,7 +5048,9 @@
       <p:sp>
         <p:nvSpPr>
           <p:cNvPr id="22" name="Google Shape;22;p4"/>
-          <p:cNvSpPr txBox="1"/>
+          <p:cNvSpPr txBox="1">
+            <a:spLocks noGrp="1"/>
+          </p:cNvSpPr>
           <p:nvPr>
             <p:ph type="title"/>
           </p:nvPr>
@@ -4747,7 +5065,7 @@
           </a:prstGeom>
         </p:spPr>
         <p:txBody>
-          <a:bodyPr anchorCtr="0" anchor="b" bIns="91425" lIns="91425" spcFirstLastPara="1" rIns="91425" wrap="square" tIns="91425"/>
+          <a:bodyPr spcFirstLastPara="1" wrap="square" lIns="91425" tIns="91425" rIns="91425" bIns="91425" anchor="b" anchorCtr="0"/>
           <a:lstStyle>
             <a:lvl1pPr lvl="0">
               <a:spcBef>
@@ -4849,15 +5167,19 @@
               <a:defRPr/>
             </a:lvl9pPr>
           </a:lstStyle>
-          <a:p/>
+          <a:p>
+            <a:endParaRPr/>
+          </a:p>
         </p:txBody>
       </p:sp>
       <p:sp>
         <p:nvSpPr>
           <p:cNvPr id="23" name="Google Shape;23;p4"/>
-          <p:cNvSpPr txBox="1"/>
+          <p:cNvSpPr txBox="1">
+            <a:spLocks noGrp="1"/>
+          </p:cNvSpPr>
           <p:nvPr>
-            <p:ph idx="1" type="body"/>
+            <p:ph type="body" idx="1"/>
           </p:nvPr>
         </p:nvSpPr>
         <p:spPr>
@@ -4870,9 +5192,9 @@
           </a:prstGeom>
         </p:spPr>
         <p:txBody>
-          <a:bodyPr anchorCtr="0" anchor="t" bIns="91425" lIns="91425" spcFirstLastPara="1" rIns="91425" wrap="square" tIns="91425"/>
+          <a:bodyPr spcFirstLastPara="1" wrap="square" lIns="91425" tIns="91425" rIns="91425" bIns="91425" anchor="t" anchorCtr="0"/>
           <a:lstStyle>
-            <a:lvl1pPr indent="-342900" lvl="0" marL="457200">
+            <a:lvl1pPr marL="457200" lvl="0" indent="-342900">
               <a:spcBef>
                 <a:spcPts val="0"/>
               </a:spcBef>
@@ -4883,7 +5205,7 @@
               <a:buChar char="●"/>
               <a:defRPr/>
             </a:lvl1pPr>
-            <a:lvl2pPr indent="-317500" lvl="1" marL="914400">
+            <a:lvl2pPr marL="914400" lvl="1" indent="-317500">
               <a:spcBef>
                 <a:spcPts val="1600"/>
               </a:spcBef>
@@ -4894,7 +5216,7 @@
               <a:buChar char="○"/>
               <a:defRPr/>
             </a:lvl2pPr>
-            <a:lvl3pPr indent="-317500" lvl="2" marL="1371600">
+            <a:lvl3pPr marL="1371600" lvl="2" indent="-317500">
               <a:spcBef>
                 <a:spcPts val="1600"/>
               </a:spcBef>
@@ -4905,7 +5227,7 @@
               <a:buChar char="■"/>
               <a:defRPr/>
             </a:lvl3pPr>
-            <a:lvl4pPr indent="-317500" lvl="3" marL="1828800">
+            <a:lvl4pPr marL="1828800" lvl="3" indent="-317500">
               <a:spcBef>
                 <a:spcPts val="1600"/>
               </a:spcBef>
@@ -4916,7 +5238,7 @@
               <a:buChar char="●"/>
               <a:defRPr/>
             </a:lvl4pPr>
-            <a:lvl5pPr indent="-317500" lvl="4" marL="2286000">
+            <a:lvl5pPr marL="2286000" lvl="4" indent="-317500">
               <a:spcBef>
                 <a:spcPts val="1600"/>
               </a:spcBef>
@@ -4927,7 +5249,7 @@
               <a:buChar char="○"/>
               <a:defRPr/>
             </a:lvl5pPr>
-            <a:lvl6pPr indent="-317500" lvl="5" marL="2743200">
+            <a:lvl6pPr marL="2743200" lvl="5" indent="-317500">
               <a:spcBef>
                 <a:spcPts val="1600"/>
               </a:spcBef>
@@ -4938,7 +5260,7 @@
               <a:buChar char="■"/>
               <a:defRPr/>
             </a:lvl6pPr>
-            <a:lvl7pPr indent="-317500" lvl="6" marL="3200400">
+            <a:lvl7pPr marL="3200400" lvl="6" indent="-317500">
               <a:spcBef>
                 <a:spcPts val="1600"/>
               </a:spcBef>
@@ -4949,7 +5271,7 @@
               <a:buChar char="●"/>
               <a:defRPr/>
             </a:lvl7pPr>
-            <a:lvl8pPr indent="-317500" lvl="7" marL="3657600">
+            <a:lvl8pPr marL="3657600" lvl="7" indent="-317500">
               <a:spcBef>
                 <a:spcPts val="1600"/>
               </a:spcBef>
@@ -4960,7 +5282,7 @@
               <a:buChar char="○"/>
               <a:defRPr/>
             </a:lvl8pPr>
-            <a:lvl9pPr indent="-317500" lvl="8" marL="4114800">
+            <a:lvl9pPr marL="4114800" lvl="8" indent="-317500">
               <a:spcBef>
                 <a:spcPts val="1600"/>
               </a:spcBef>
@@ -4972,15 +5294,19 @@
               <a:defRPr/>
             </a:lvl9pPr>
           </a:lstStyle>
-          <a:p/>
+          <a:p>
+            <a:endParaRPr/>
+          </a:p>
         </p:txBody>
       </p:sp>
       <p:sp>
         <p:nvSpPr>
           <p:cNvPr id="24" name="Google Shape;24;p4"/>
-          <p:cNvSpPr txBox="1"/>
+          <p:cNvSpPr txBox="1">
+            <a:spLocks noGrp="1"/>
+          </p:cNvSpPr>
           <p:nvPr>
-            <p:ph idx="12" type="sldNum"/>
+            <p:ph type="sldNum" idx="12"/>
           </p:nvPr>
         </p:nvSpPr>
         <p:spPr>
@@ -4993,7 +5319,7 @@
           </a:prstGeom>
         </p:spPr>
         <p:txBody>
-          <a:bodyPr anchorCtr="0" anchor="ctr" bIns="91425" lIns="91425" spcFirstLastPara="1" rIns="91425" wrap="square" tIns="91425">
+          <a:bodyPr spcFirstLastPara="1" wrap="square" lIns="91425" tIns="91425" rIns="91425" bIns="91425" anchor="ctr" anchorCtr="0">
             <a:noAutofit/>
           </a:bodyPr>
           <a:lstStyle>
@@ -5035,7 +5361,7 @@
             </a:lvl9pPr>
           </a:lstStyle>
           <a:p>
-            <a:pPr indent="0" lvl="0" marL="0" rtl="0" algn="r">
+            <a:pPr marL="0" lvl="0" indent="0" algn="r" rtl="0">
               <a:spcBef>
                 <a:spcPts val="0"/>
               </a:spcBef>
@@ -5061,11 +5387,11 @@
 </file>
 
 <file path=ppt/slideLayouts/slideLayout4.xml><?xml version="1.0" encoding="utf-8"?>
-<p:sldLayout xmlns:a="http://schemas.openxmlformats.org/drawingml/2006/main" xmlns:r="http://schemas.openxmlformats.org/officeDocument/2006/relationships" xmlns:mc="http://schemas.openxmlformats.org/markup-compatibility/2006" xmlns:mv="urn:schemas-microsoft-com:mac:vml" xmlns:p="http://schemas.openxmlformats.org/presentationml/2006/main" xmlns:c="http://schemas.openxmlformats.org/drawingml/2006/chart" xmlns:dgm="http://schemas.openxmlformats.org/drawingml/2006/diagram" xmlns:o="urn:schemas-microsoft-com:office:office" xmlns:v="urn:schemas-microsoft-com:vml" xmlns:pvml="urn:schemas-microsoft-com:office:powerpoint" xmlns:com="http://schemas.openxmlformats.org/drawingml/2006/compatibility" xmlns:p14="http://schemas.microsoft.com/office/powerpoint/2010/main" xmlns:p15="http://schemas.microsoft.com/office/powerpoint/2012/main" matchingName="Title and two columns" type="twoColTx">
+<p:sldLayout xmlns:a="http://schemas.openxmlformats.org/drawingml/2006/main" xmlns:r="http://schemas.openxmlformats.org/officeDocument/2006/relationships" xmlns:p="http://schemas.openxmlformats.org/presentationml/2006/main" matchingName="Title and two columns" type="twoColTx">
   <p:cSld name="TITLE_AND_TWO_COLUMNS">
     <p:spTree>
       <p:nvGrpSpPr>
-        <p:cNvPr id="25" name="Shape 25"/>
+        <p:cNvPr id="1" name="Shape 25"/>
         <p:cNvGrpSpPr/>
         <p:nvPr/>
       </p:nvGrpSpPr>
@@ -5080,7 +5406,9 @@
       <p:sp>
         <p:nvSpPr>
           <p:cNvPr id="26" name="Google Shape;26;p5"/>
-          <p:cNvSpPr txBox="1"/>
+          <p:cNvSpPr txBox="1">
+            <a:spLocks noGrp="1"/>
+          </p:cNvSpPr>
           <p:nvPr>
             <p:ph type="title"/>
           </p:nvPr>
@@ -5095,7 +5423,7 @@
           </a:prstGeom>
         </p:spPr>
         <p:txBody>
-          <a:bodyPr anchorCtr="0" anchor="b" bIns="91425" lIns="91425" spcFirstLastPara="1" rIns="91425" wrap="square" tIns="91425"/>
+          <a:bodyPr spcFirstLastPara="1" wrap="square" lIns="91425" tIns="91425" rIns="91425" bIns="91425" anchor="b" anchorCtr="0"/>
           <a:lstStyle>
             <a:lvl1pPr lvl="0">
               <a:spcBef>
@@ -5197,15 +5525,19 @@
               <a:defRPr/>
             </a:lvl9pPr>
           </a:lstStyle>
-          <a:p/>
+          <a:p>
+            <a:endParaRPr/>
+          </a:p>
         </p:txBody>
       </p:sp>
       <p:sp>
         <p:nvSpPr>
           <p:cNvPr id="27" name="Google Shape;27;p5"/>
-          <p:cNvSpPr txBox="1"/>
+          <p:cNvSpPr txBox="1">
+            <a:spLocks noGrp="1"/>
+          </p:cNvSpPr>
           <p:nvPr>
-            <p:ph idx="1" type="body"/>
+            <p:ph type="body" idx="1"/>
           </p:nvPr>
         </p:nvSpPr>
         <p:spPr>
@@ -5218,9 +5550,9 @@
           </a:prstGeom>
         </p:spPr>
         <p:txBody>
-          <a:bodyPr anchorCtr="0" anchor="t" bIns="91425" lIns="91425" spcFirstLastPara="1" rIns="91425" wrap="square" tIns="91425"/>
+          <a:bodyPr spcFirstLastPara="1" wrap="square" lIns="91425" tIns="91425" rIns="91425" bIns="91425" anchor="t" anchorCtr="0"/>
           <a:lstStyle>
-            <a:lvl1pPr indent="-317500" lvl="0" marL="457200">
+            <a:lvl1pPr marL="457200" lvl="0" indent="-317500">
               <a:spcBef>
                 <a:spcPts val="0"/>
               </a:spcBef>
@@ -5231,7 +5563,7 @@
               <a:buChar char="●"/>
               <a:defRPr sz="1400"/>
             </a:lvl1pPr>
-            <a:lvl2pPr indent="-304800" lvl="1" marL="914400">
+            <a:lvl2pPr marL="914400" lvl="1" indent="-304800">
               <a:spcBef>
                 <a:spcPts val="1600"/>
               </a:spcBef>
@@ -5242,7 +5574,7 @@
               <a:buChar char="○"/>
               <a:defRPr sz="1200"/>
             </a:lvl2pPr>
-            <a:lvl3pPr indent="-304800" lvl="2" marL="1371600">
+            <a:lvl3pPr marL="1371600" lvl="2" indent="-304800">
               <a:spcBef>
                 <a:spcPts val="1600"/>
               </a:spcBef>
@@ -5253,7 +5585,7 @@
               <a:buChar char="■"/>
               <a:defRPr sz="1200"/>
             </a:lvl3pPr>
-            <a:lvl4pPr indent="-304800" lvl="3" marL="1828800">
+            <a:lvl4pPr marL="1828800" lvl="3" indent="-304800">
               <a:spcBef>
                 <a:spcPts val="1600"/>
               </a:spcBef>
@@ -5264,7 +5596,7 @@
               <a:buChar char="●"/>
               <a:defRPr sz="1200"/>
             </a:lvl4pPr>
-            <a:lvl5pPr indent="-304800" lvl="4" marL="2286000">
+            <a:lvl5pPr marL="2286000" lvl="4" indent="-304800">
               <a:spcBef>
                 <a:spcPts val="1600"/>
               </a:spcBef>
@@ -5275,7 +5607,7 @@
               <a:buChar char="○"/>
               <a:defRPr sz="1200"/>
             </a:lvl5pPr>
-            <a:lvl6pPr indent="-304800" lvl="5" marL="2743200">
+            <a:lvl6pPr marL="2743200" lvl="5" indent="-304800">
               <a:spcBef>
                 <a:spcPts val="1600"/>
               </a:spcBef>
@@ -5286,7 +5618,7 @@
               <a:buChar char="■"/>
               <a:defRPr sz="1200"/>
             </a:lvl6pPr>
-            <a:lvl7pPr indent="-304800" lvl="6" marL="3200400">
+            <a:lvl7pPr marL="3200400" lvl="6" indent="-304800">
               <a:spcBef>
                 <a:spcPts val="1600"/>
               </a:spcBef>
@@ -5297,7 +5629,7 @@
               <a:buChar char="●"/>
               <a:defRPr sz="1200"/>
             </a:lvl7pPr>
-            <a:lvl8pPr indent="-304800" lvl="7" marL="3657600">
+            <a:lvl8pPr marL="3657600" lvl="7" indent="-304800">
               <a:spcBef>
                 <a:spcPts val="1600"/>
               </a:spcBef>
@@ -5308,7 +5640,7 @@
               <a:buChar char="○"/>
               <a:defRPr sz="1200"/>
             </a:lvl8pPr>
-            <a:lvl9pPr indent="-304800" lvl="8" marL="4114800">
+            <a:lvl9pPr marL="4114800" lvl="8" indent="-304800">
               <a:spcBef>
                 <a:spcPts val="1600"/>
               </a:spcBef>
@@ -5320,15 +5652,19 @@
               <a:defRPr sz="1200"/>
             </a:lvl9pPr>
           </a:lstStyle>
-          <a:p/>
+          <a:p>
+            <a:endParaRPr/>
+          </a:p>
         </p:txBody>
       </p:sp>
       <p:sp>
         <p:nvSpPr>
           <p:cNvPr id="28" name="Google Shape;28;p5"/>
-          <p:cNvSpPr txBox="1"/>
+          <p:cNvSpPr txBox="1">
+            <a:spLocks noGrp="1"/>
+          </p:cNvSpPr>
           <p:nvPr>
-            <p:ph idx="2" type="body"/>
+            <p:ph type="body" idx="2"/>
           </p:nvPr>
         </p:nvSpPr>
         <p:spPr>
@@ -5341,9 +5677,9 @@
           </a:prstGeom>
         </p:spPr>
         <p:txBody>
-          <a:bodyPr anchorCtr="0" anchor="t" bIns="91425" lIns="91425" spcFirstLastPara="1" rIns="91425" wrap="square" tIns="91425"/>
+          <a:bodyPr spcFirstLastPara="1" wrap="square" lIns="91425" tIns="91425" rIns="91425" bIns="91425" anchor="t" anchorCtr="0"/>
           <a:lstStyle>
-            <a:lvl1pPr indent="-317500" lvl="0" marL="457200">
+            <a:lvl1pPr marL="457200" lvl="0" indent="-317500">
               <a:spcBef>
                 <a:spcPts val="0"/>
               </a:spcBef>
@@ -5354,7 +5690,7 @@
               <a:buChar char="●"/>
               <a:defRPr sz="1400"/>
             </a:lvl1pPr>
-            <a:lvl2pPr indent="-304800" lvl="1" marL="914400">
+            <a:lvl2pPr marL="914400" lvl="1" indent="-304800">
               <a:spcBef>
                 <a:spcPts val="1600"/>
               </a:spcBef>
@@ -5365,7 +5701,7 @@
               <a:buChar char="○"/>
               <a:defRPr sz="1200"/>
             </a:lvl2pPr>
-            <a:lvl3pPr indent="-304800" lvl="2" marL="1371600">
+            <a:lvl3pPr marL="1371600" lvl="2" indent="-304800">
               <a:spcBef>
                 <a:spcPts val="1600"/>
               </a:spcBef>
@@ -5376,7 +5712,7 @@
               <a:buChar char="■"/>
               <a:defRPr sz="1200"/>
             </a:lvl3pPr>
-            <a:lvl4pPr indent="-304800" lvl="3" marL="1828800">
+            <a:lvl4pPr marL="1828800" lvl="3" indent="-304800">
               <a:spcBef>
                 <a:spcPts val="1600"/>
               </a:spcBef>
@@ -5387,7 +5723,7 @@
               <a:buChar char="●"/>
               <a:defRPr sz="1200"/>
             </a:lvl4pPr>
-            <a:lvl5pPr indent="-304800" lvl="4" marL="2286000">
+            <a:lvl5pPr marL="2286000" lvl="4" indent="-304800">
               <a:spcBef>
                 <a:spcPts val="1600"/>
               </a:spcBef>
@@ -5398,7 +5734,7 @@
               <a:buChar char="○"/>
               <a:defRPr sz="1200"/>
             </a:lvl5pPr>
-            <a:lvl6pPr indent="-304800" lvl="5" marL="2743200">
+            <a:lvl6pPr marL="2743200" lvl="5" indent="-304800">
               <a:spcBef>
                 <a:spcPts val="1600"/>
               </a:spcBef>
@@ -5409,7 +5745,7 @@
               <a:buChar char="■"/>
               <a:defRPr sz="1200"/>
             </a:lvl6pPr>
-            <a:lvl7pPr indent="-304800" lvl="6" marL="3200400">
+            <a:lvl7pPr marL="3200400" lvl="6" indent="-304800">
               <a:spcBef>
                 <a:spcPts val="1600"/>
               </a:spcBef>
@@ -5420,7 +5756,7 @@
               <a:buChar char="●"/>
               <a:defRPr sz="1200"/>
             </a:lvl7pPr>
-            <a:lvl8pPr indent="-304800" lvl="7" marL="3657600">
+            <a:lvl8pPr marL="3657600" lvl="7" indent="-304800">
               <a:spcBef>
                 <a:spcPts val="1600"/>
               </a:spcBef>
@@ -5431,7 +5767,7 @@
               <a:buChar char="○"/>
               <a:defRPr sz="1200"/>
             </a:lvl8pPr>
-            <a:lvl9pPr indent="-304800" lvl="8" marL="4114800">
+            <a:lvl9pPr marL="4114800" lvl="8" indent="-304800">
               <a:spcBef>
                 <a:spcPts val="1600"/>
               </a:spcBef>
@@ -5443,15 +5779,19 @@
               <a:defRPr sz="1200"/>
             </a:lvl9pPr>
           </a:lstStyle>
-          <a:p/>
+          <a:p>
+            <a:endParaRPr/>
+          </a:p>
         </p:txBody>
       </p:sp>
       <p:sp>
         <p:nvSpPr>
           <p:cNvPr id="29" name="Google Shape;29;p5"/>
-          <p:cNvSpPr txBox="1"/>
+          <p:cNvSpPr txBox="1">
+            <a:spLocks noGrp="1"/>
+          </p:cNvSpPr>
           <p:nvPr>
-            <p:ph idx="12" type="sldNum"/>
+            <p:ph type="sldNum" idx="12"/>
           </p:nvPr>
         </p:nvSpPr>
         <p:spPr>
@@ -5464,7 +5804,7 @@
           </a:prstGeom>
         </p:spPr>
         <p:txBody>
-          <a:bodyPr anchorCtr="0" anchor="ctr" bIns="91425" lIns="91425" spcFirstLastPara="1" rIns="91425" wrap="square" tIns="91425">
+          <a:bodyPr spcFirstLastPara="1" wrap="square" lIns="91425" tIns="91425" rIns="91425" bIns="91425" anchor="ctr" anchorCtr="0">
             <a:noAutofit/>
           </a:bodyPr>
           <a:lstStyle>
@@ -5506,7 +5846,7 @@
             </a:lvl9pPr>
           </a:lstStyle>
           <a:p>
-            <a:pPr indent="0" lvl="0" marL="0" rtl="0" algn="r">
+            <a:pPr marL="0" lvl="0" indent="0" algn="r" rtl="0">
               <a:spcBef>
                 <a:spcPts val="0"/>
               </a:spcBef>
@@ -5532,11 +5872,11 @@
 </file>
 
 <file path=ppt/slideLayouts/slideLayout5.xml><?xml version="1.0" encoding="utf-8"?>
-<p:sldLayout xmlns:a="http://schemas.openxmlformats.org/drawingml/2006/main" xmlns:r="http://schemas.openxmlformats.org/officeDocument/2006/relationships" xmlns:mc="http://schemas.openxmlformats.org/markup-compatibility/2006" xmlns:mv="urn:schemas-microsoft-com:mac:vml" xmlns:p="http://schemas.openxmlformats.org/presentationml/2006/main" xmlns:c="http://schemas.openxmlformats.org/drawingml/2006/chart" xmlns:dgm="http://schemas.openxmlformats.org/drawingml/2006/diagram" xmlns:o="urn:schemas-microsoft-com:office:office" xmlns:v="urn:schemas-microsoft-com:vml" xmlns:pvml="urn:schemas-microsoft-com:office:powerpoint" xmlns:com="http://schemas.openxmlformats.org/drawingml/2006/compatibility" xmlns:p14="http://schemas.microsoft.com/office/powerpoint/2010/main" xmlns:p15="http://schemas.microsoft.com/office/powerpoint/2012/main" matchingName="Title only" type="titleOnly">
+<p:sldLayout xmlns:a="http://schemas.openxmlformats.org/drawingml/2006/main" xmlns:r="http://schemas.openxmlformats.org/officeDocument/2006/relationships" xmlns:p="http://schemas.openxmlformats.org/presentationml/2006/main" matchingName="Title only" type="titleOnly">
   <p:cSld name="TITLE_ONLY">
     <p:spTree>
       <p:nvGrpSpPr>
-        <p:cNvPr id="30" name="Shape 30"/>
+        <p:cNvPr id="1" name="Shape 30"/>
         <p:cNvGrpSpPr/>
         <p:nvPr/>
       </p:nvGrpSpPr>
@@ -5551,7 +5891,9 @@
       <p:sp>
         <p:nvSpPr>
           <p:cNvPr id="31" name="Google Shape;31;p6"/>
-          <p:cNvSpPr txBox="1"/>
+          <p:cNvSpPr txBox="1">
+            <a:spLocks noGrp="1"/>
+          </p:cNvSpPr>
           <p:nvPr>
             <p:ph type="title"/>
           </p:nvPr>
@@ -5566,7 +5908,7 @@
           </a:prstGeom>
         </p:spPr>
         <p:txBody>
-          <a:bodyPr anchorCtr="0" anchor="b" bIns="91425" lIns="91425" spcFirstLastPara="1" rIns="91425" wrap="square" tIns="91425"/>
+          <a:bodyPr spcFirstLastPara="1" wrap="square" lIns="91425" tIns="91425" rIns="91425" bIns="91425" anchor="b" anchorCtr="0"/>
           <a:lstStyle>
             <a:lvl1pPr lvl="0">
               <a:spcBef>
@@ -5668,15 +6010,19 @@
               <a:defRPr/>
             </a:lvl9pPr>
           </a:lstStyle>
-          <a:p/>
+          <a:p>
+            <a:endParaRPr/>
+          </a:p>
         </p:txBody>
       </p:sp>
       <p:sp>
         <p:nvSpPr>
           <p:cNvPr id="32" name="Google Shape;32;p6"/>
-          <p:cNvSpPr txBox="1"/>
+          <p:cNvSpPr txBox="1">
+            <a:spLocks noGrp="1"/>
+          </p:cNvSpPr>
           <p:nvPr>
-            <p:ph idx="12" type="sldNum"/>
+            <p:ph type="sldNum" idx="12"/>
           </p:nvPr>
         </p:nvSpPr>
         <p:spPr>
@@ -5689,7 +6035,7 @@
           </a:prstGeom>
         </p:spPr>
         <p:txBody>
-          <a:bodyPr anchorCtr="0" anchor="ctr" bIns="91425" lIns="91425" spcFirstLastPara="1" rIns="91425" wrap="square" tIns="91425">
+          <a:bodyPr spcFirstLastPara="1" wrap="square" lIns="91425" tIns="91425" rIns="91425" bIns="91425" anchor="ctr" anchorCtr="0">
             <a:noAutofit/>
           </a:bodyPr>
           <a:lstStyle>
@@ -5731,7 +6077,7 @@
             </a:lvl9pPr>
           </a:lstStyle>
           <a:p>
-            <a:pPr indent="0" lvl="0" marL="0" rtl="0" algn="r">
+            <a:pPr marL="0" lvl="0" indent="0" algn="r" rtl="0">
               <a:spcBef>
                 <a:spcPts val="0"/>
               </a:spcBef>
@@ -5757,11 +6103,11 @@
 </file>
 
 <file path=ppt/slideLayouts/slideLayout6.xml><?xml version="1.0" encoding="utf-8"?>
-<p:sldLayout xmlns:a="http://schemas.openxmlformats.org/drawingml/2006/main" xmlns:r="http://schemas.openxmlformats.org/officeDocument/2006/relationships" xmlns:mc="http://schemas.openxmlformats.org/markup-compatibility/2006" xmlns:mv="urn:schemas-microsoft-com:mac:vml" xmlns:p="http://schemas.openxmlformats.org/presentationml/2006/main" xmlns:c="http://schemas.openxmlformats.org/drawingml/2006/chart" xmlns:dgm="http://schemas.openxmlformats.org/drawingml/2006/diagram" xmlns:o="urn:schemas-microsoft-com:office:office" xmlns:v="urn:schemas-microsoft-com:vml" xmlns:pvml="urn:schemas-microsoft-com:office:powerpoint" xmlns:com="http://schemas.openxmlformats.org/drawingml/2006/compatibility" xmlns:p14="http://schemas.microsoft.com/office/powerpoint/2010/main" xmlns:p15="http://schemas.microsoft.com/office/powerpoint/2012/main" matchingName="One column text">
+<p:sldLayout xmlns:a="http://schemas.openxmlformats.org/drawingml/2006/main" xmlns:r="http://schemas.openxmlformats.org/officeDocument/2006/relationships" xmlns:p="http://schemas.openxmlformats.org/presentationml/2006/main" matchingName="One column text">
   <p:cSld name="ONE_COLUMN_TEXT">
     <p:spTree>
       <p:nvGrpSpPr>
-        <p:cNvPr id="33" name="Shape 33"/>
+        <p:cNvPr id="1" name="Shape 33"/>
         <p:cNvGrpSpPr/>
         <p:nvPr/>
       </p:nvGrpSpPr>
@@ -5776,7 +6122,9 @@
       <p:sp>
         <p:nvSpPr>
           <p:cNvPr id="34" name="Google Shape;34;p7"/>
-          <p:cNvSpPr txBox="1"/>
+          <p:cNvSpPr txBox="1">
+            <a:spLocks noGrp="1"/>
+          </p:cNvSpPr>
           <p:nvPr>
             <p:ph type="title"/>
           </p:nvPr>
@@ -5791,7 +6139,7 @@
           </a:prstGeom>
         </p:spPr>
         <p:txBody>
-          <a:bodyPr anchorCtr="0" anchor="b" bIns="91425" lIns="91425" spcFirstLastPara="1" rIns="91425" wrap="square" tIns="91425"/>
+          <a:bodyPr spcFirstLastPara="1" wrap="square" lIns="91425" tIns="91425" rIns="91425" bIns="91425" anchor="b" anchorCtr="0"/>
           <a:lstStyle>
             <a:lvl1pPr lvl="0">
               <a:spcBef>
@@ -5893,15 +6241,19 @@
               <a:defRPr sz="3000"/>
             </a:lvl9pPr>
           </a:lstStyle>
-          <a:p/>
+          <a:p>
+            <a:endParaRPr/>
+          </a:p>
         </p:txBody>
       </p:sp>
       <p:sp>
         <p:nvSpPr>
           <p:cNvPr id="35" name="Google Shape;35;p7"/>
-          <p:cNvSpPr txBox="1"/>
+          <p:cNvSpPr txBox="1">
+            <a:spLocks noGrp="1"/>
+          </p:cNvSpPr>
           <p:nvPr>
-            <p:ph idx="1" type="body"/>
+            <p:ph type="body" idx="1"/>
           </p:nvPr>
         </p:nvSpPr>
         <p:spPr>
@@ -5914,9 +6266,9 @@
           </a:prstGeom>
         </p:spPr>
         <p:txBody>
-          <a:bodyPr anchorCtr="0" anchor="t" bIns="91425" lIns="91425" spcFirstLastPara="1" rIns="91425" wrap="square" tIns="91425"/>
+          <a:bodyPr spcFirstLastPara="1" wrap="square" lIns="91425" tIns="91425" rIns="91425" bIns="91425" anchor="t" anchorCtr="0"/>
           <a:lstStyle>
-            <a:lvl1pPr indent="-304800" lvl="0" marL="457200">
+            <a:lvl1pPr marL="457200" lvl="0" indent="-304800">
               <a:spcBef>
                 <a:spcPts val="0"/>
               </a:spcBef>
@@ -5927,7 +6279,7 @@
               <a:buChar char="●"/>
               <a:defRPr sz="1200"/>
             </a:lvl1pPr>
-            <a:lvl2pPr indent="-304800" lvl="1" marL="914400">
+            <a:lvl2pPr marL="914400" lvl="1" indent="-304800">
               <a:spcBef>
                 <a:spcPts val="1600"/>
               </a:spcBef>
@@ -5938,7 +6290,7 @@
               <a:buChar char="○"/>
               <a:defRPr sz="1200"/>
             </a:lvl2pPr>
-            <a:lvl3pPr indent="-304800" lvl="2" marL="1371600">
+            <a:lvl3pPr marL="1371600" lvl="2" indent="-304800">
               <a:spcBef>
                 <a:spcPts val="1600"/>
               </a:spcBef>
@@ -5949,7 +6301,7 @@
               <a:buChar char="■"/>
               <a:defRPr sz="1200"/>
             </a:lvl3pPr>
-            <a:lvl4pPr indent="-304800" lvl="3" marL="1828800">
+            <a:lvl4pPr marL="1828800" lvl="3" indent="-304800">
               <a:spcBef>
                 <a:spcPts val="1600"/>
               </a:spcBef>
@@ -5960,7 +6312,7 @@
               <a:buChar char="●"/>
               <a:defRPr sz="1200"/>
             </a:lvl4pPr>
-            <a:lvl5pPr indent="-304800" lvl="4" marL="2286000">
+            <a:lvl5pPr marL="2286000" lvl="4" indent="-304800">
               <a:spcBef>
                 <a:spcPts val="1600"/>
               </a:spcBef>
@@ -5971,7 +6323,7 @@
               <a:buChar char="○"/>
               <a:defRPr sz="1200"/>
             </a:lvl5pPr>
-            <a:lvl6pPr indent="-304800" lvl="5" marL="2743200">
+            <a:lvl6pPr marL="2743200" lvl="5" indent="-304800">
               <a:spcBef>
                 <a:spcPts val="1600"/>
               </a:spcBef>
@@ -5982,7 +6334,7 @@
               <a:buChar char="■"/>
               <a:defRPr sz="1200"/>
             </a:lvl6pPr>
-            <a:lvl7pPr indent="-304800" lvl="6" marL="3200400">
+            <a:lvl7pPr marL="3200400" lvl="6" indent="-304800">
               <a:spcBef>
                 <a:spcPts val="1600"/>
               </a:spcBef>
@@ -5993,7 +6345,7 @@
               <a:buChar char="●"/>
               <a:defRPr sz="1200"/>
             </a:lvl7pPr>
-            <a:lvl8pPr indent="-304800" lvl="7" marL="3657600">
+            <a:lvl8pPr marL="3657600" lvl="7" indent="-304800">
               <a:spcBef>
                 <a:spcPts val="1600"/>
               </a:spcBef>
@@ -6004,7 +6356,7 @@
               <a:buChar char="○"/>
               <a:defRPr sz="1200"/>
             </a:lvl8pPr>
-            <a:lvl9pPr indent="-304800" lvl="8" marL="4114800">
+            <a:lvl9pPr marL="4114800" lvl="8" indent="-304800">
               <a:spcBef>
                 <a:spcPts val="1600"/>
               </a:spcBef>
@@ -6016,15 +6368,19 @@
               <a:defRPr sz="1200"/>
             </a:lvl9pPr>
           </a:lstStyle>
-          <a:p/>
+          <a:p>
+            <a:endParaRPr/>
+          </a:p>
         </p:txBody>
       </p:sp>
       <p:sp>
         <p:nvSpPr>
           <p:cNvPr id="36" name="Google Shape;36;p7"/>
-          <p:cNvSpPr txBox="1"/>
+          <p:cNvSpPr txBox="1">
+            <a:spLocks noGrp="1"/>
+          </p:cNvSpPr>
           <p:nvPr>
-            <p:ph idx="12" type="sldNum"/>
+            <p:ph type="sldNum" idx="12"/>
           </p:nvPr>
         </p:nvSpPr>
         <p:spPr>
@@ -6037,7 +6393,7 @@
           </a:prstGeom>
         </p:spPr>
         <p:txBody>
-          <a:bodyPr anchorCtr="0" anchor="ctr" bIns="91425" lIns="91425" spcFirstLastPara="1" rIns="91425" wrap="square" tIns="91425">
+          <a:bodyPr spcFirstLastPara="1" wrap="square" lIns="91425" tIns="91425" rIns="91425" bIns="91425" anchor="ctr" anchorCtr="0">
             <a:noAutofit/>
           </a:bodyPr>
           <a:lstStyle>
@@ -6079,7 +6435,7 @@
             </a:lvl9pPr>
           </a:lstStyle>
           <a:p>
-            <a:pPr indent="0" lvl="0" marL="0" rtl="0" algn="r">
+            <a:pPr marL="0" lvl="0" indent="0" algn="r" rtl="0">
               <a:spcBef>
                 <a:spcPts val="0"/>
               </a:spcBef>
@@ -6105,11 +6461,11 @@
 </file>
 
 <file path=ppt/slideLayouts/slideLayout7.xml><?xml version="1.0" encoding="utf-8"?>
-<p:sldLayout xmlns:a="http://schemas.openxmlformats.org/drawingml/2006/main" xmlns:r="http://schemas.openxmlformats.org/officeDocument/2006/relationships" xmlns:mc="http://schemas.openxmlformats.org/markup-compatibility/2006" xmlns:mv="urn:schemas-microsoft-com:mac:vml" xmlns:p="http://schemas.openxmlformats.org/presentationml/2006/main" xmlns:c="http://schemas.openxmlformats.org/drawingml/2006/chart" xmlns:dgm="http://schemas.openxmlformats.org/drawingml/2006/diagram" xmlns:o="urn:schemas-microsoft-com:office:office" xmlns:v="urn:schemas-microsoft-com:vml" xmlns:pvml="urn:schemas-microsoft-com:office:powerpoint" xmlns:com="http://schemas.openxmlformats.org/drawingml/2006/compatibility" xmlns:p14="http://schemas.microsoft.com/office/powerpoint/2010/main" xmlns:p15="http://schemas.microsoft.com/office/powerpoint/2012/main" matchingName="Main point">
+<p:sldLayout xmlns:a="http://schemas.openxmlformats.org/drawingml/2006/main" xmlns:r="http://schemas.openxmlformats.org/officeDocument/2006/relationships" xmlns:p="http://schemas.openxmlformats.org/presentationml/2006/main" matchingName="Main point">
   <p:cSld name="MAIN_POINT">
     <p:spTree>
       <p:nvGrpSpPr>
-        <p:cNvPr id="37" name="Shape 37"/>
+        <p:cNvPr id="1" name="Shape 37"/>
         <p:cNvGrpSpPr/>
         <p:nvPr/>
       </p:nvGrpSpPr>
@@ -6143,23 +6499,20 @@
           </a:ln>
         </p:spPr>
         <p:txBody>
-          <a:bodyPr anchorCtr="0" anchor="ctr" bIns="91425" lIns="91425" spcFirstLastPara="1" rIns="91425" wrap="square" tIns="91425">
+          <a:bodyPr spcFirstLastPara="1" wrap="square" lIns="91425" tIns="91425" rIns="91425" bIns="91425" anchor="ctr" anchorCtr="0">
             <a:noAutofit/>
           </a:bodyPr>
           <a:lstStyle/>
           <a:p>
-            <a:pPr indent="0" lvl="0" marL="0" rtl="0" algn="l">
-              <a:spcBef>
-                <a:spcPts val="0"/>
-              </a:spcBef>
-              <a:spcAft>
-                <a:spcPts val="0"/>
-              </a:spcAft>
-              <a:buNone/>
-            </a:pPr>
-            <a:r>
-              <a:t/>
-            </a:r>
+            <a:pPr marL="0" lvl="0" indent="0" algn="l" rtl="0">
+              <a:spcBef>
+                <a:spcPts val="0"/>
+              </a:spcBef>
+              <a:spcAft>
+                <a:spcPts val="0"/>
+              </a:spcAft>
+              <a:buNone/>
+            </a:pPr>
             <a:endParaRPr/>
           </a:p>
         </p:txBody>
@@ -6167,7 +6520,9 @@
       <p:sp>
         <p:nvSpPr>
           <p:cNvPr id="39" name="Google Shape;39;p8"/>
-          <p:cNvSpPr txBox="1"/>
+          <p:cNvSpPr txBox="1">
+            <a:spLocks noGrp="1"/>
+          </p:cNvSpPr>
           <p:nvPr>
             <p:ph type="title"/>
           </p:nvPr>
@@ -6182,7 +6537,7 @@
           </a:prstGeom>
         </p:spPr>
         <p:txBody>
-          <a:bodyPr anchorCtr="0" anchor="ctr" bIns="91425" lIns="91425" spcFirstLastPara="1" rIns="91425" wrap="square" tIns="91425"/>
+          <a:bodyPr spcFirstLastPara="1" wrap="square" lIns="91425" tIns="91425" rIns="91425" bIns="91425" anchor="ctr" anchorCtr="0"/>
           <a:lstStyle>
             <a:lvl1pPr lvl="0">
               <a:spcBef>
@@ -6284,15 +6639,19 @@
               <a:defRPr sz="4800"/>
             </a:lvl9pPr>
           </a:lstStyle>
-          <a:p/>
+          <a:p>
+            <a:endParaRPr/>
+          </a:p>
         </p:txBody>
       </p:sp>
       <p:sp>
         <p:nvSpPr>
           <p:cNvPr id="40" name="Google Shape;40;p8"/>
-          <p:cNvSpPr txBox="1"/>
+          <p:cNvSpPr txBox="1">
+            <a:spLocks noGrp="1"/>
+          </p:cNvSpPr>
           <p:nvPr>
-            <p:ph idx="12" type="sldNum"/>
+            <p:ph type="sldNum" idx="12"/>
           </p:nvPr>
         </p:nvSpPr>
         <p:spPr>
@@ -6305,7 +6664,7 @@
           </a:prstGeom>
         </p:spPr>
         <p:txBody>
-          <a:bodyPr anchorCtr="0" anchor="ctr" bIns="91425" lIns="91425" spcFirstLastPara="1" rIns="91425" wrap="square" tIns="91425">
+          <a:bodyPr spcFirstLastPara="1" wrap="square" lIns="91425" tIns="91425" rIns="91425" bIns="91425" anchor="ctr" anchorCtr="0">
             <a:noAutofit/>
           </a:bodyPr>
           <a:lstStyle>
@@ -6347,7 +6706,7 @@
             </a:lvl9pPr>
           </a:lstStyle>
           <a:p>
-            <a:pPr indent="0" lvl="0" marL="0" rtl="0" algn="r">
+            <a:pPr marL="0" lvl="0" indent="0" algn="r" rtl="0">
               <a:spcBef>
                 <a:spcPts val="0"/>
               </a:spcBef>
@@ -6373,11 +6732,11 @@
 </file>
 
 <file path=ppt/slideLayouts/slideLayout8.xml><?xml version="1.0" encoding="utf-8"?>
-<p:sldLayout xmlns:a="http://schemas.openxmlformats.org/drawingml/2006/main" xmlns:r="http://schemas.openxmlformats.org/officeDocument/2006/relationships" xmlns:mc="http://schemas.openxmlformats.org/markup-compatibility/2006" xmlns:mv="urn:schemas-microsoft-com:mac:vml" xmlns:p="http://schemas.openxmlformats.org/presentationml/2006/main" xmlns:c="http://schemas.openxmlformats.org/drawingml/2006/chart" xmlns:dgm="http://schemas.openxmlformats.org/drawingml/2006/diagram" xmlns:o="urn:schemas-microsoft-com:office:office" xmlns:v="urn:schemas-microsoft-com:vml" xmlns:pvml="urn:schemas-microsoft-com:office:powerpoint" xmlns:com="http://schemas.openxmlformats.org/drawingml/2006/compatibility" xmlns:p14="http://schemas.microsoft.com/office/powerpoint/2010/main" xmlns:p15="http://schemas.microsoft.com/office/powerpoint/2012/main" matchingName="Section title and description">
+<p:sldLayout xmlns:a="http://schemas.openxmlformats.org/drawingml/2006/main" xmlns:r="http://schemas.openxmlformats.org/officeDocument/2006/relationships" xmlns:p="http://schemas.openxmlformats.org/presentationml/2006/main" matchingName="Section title and description">
   <p:cSld name="SECTION_TITLE_AND_DESCRIPTION">
     <p:spTree>
       <p:nvGrpSpPr>
-        <p:cNvPr id="41" name="Shape 41"/>
+        <p:cNvPr id="1" name="Shape 41"/>
         <p:cNvGrpSpPr/>
         <p:nvPr/>
       </p:nvGrpSpPr>
@@ -6411,23 +6770,20 @@
           </a:ln>
         </p:spPr>
         <p:txBody>
-          <a:bodyPr anchorCtr="0" anchor="ctr" bIns="91425" lIns="91425" spcFirstLastPara="1" rIns="91425" wrap="square" tIns="91425">
+          <a:bodyPr spcFirstLastPara="1" wrap="square" lIns="91425" tIns="91425" rIns="91425" bIns="91425" anchor="ctr" anchorCtr="0">
             <a:noAutofit/>
           </a:bodyPr>
           <a:lstStyle/>
           <a:p>
-            <a:pPr indent="0" lvl="0" marL="0" rtl="0" algn="l">
-              <a:spcBef>
-                <a:spcPts val="0"/>
-              </a:spcBef>
-              <a:spcAft>
-                <a:spcPts val="0"/>
-              </a:spcAft>
-              <a:buNone/>
-            </a:pPr>
-            <a:r>
-              <a:t/>
-            </a:r>
+            <a:pPr marL="0" lvl="0" indent="0" algn="l" rtl="0">
+              <a:spcBef>
+                <a:spcPts val="0"/>
+              </a:spcBef>
+              <a:spcAft>
+                <a:spcPts val="0"/>
+              </a:spcAft>
+              <a:buNone/>
+            </a:pPr>
             <a:endParaRPr/>
           </a:p>
         </p:txBody>
@@ -6447,21 +6803,23 @@
             <a:avLst/>
           </a:prstGeom>
           <a:noFill/>
-          <a:ln cap="flat" cmpd="sng" w="19050">
+          <a:ln w="19050" cap="flat" cmpd="sng">
             <a:solidFill>
               <a:schemeClr val="lt1"/>
             </a:solidFill>
             <a:prstDash val="solid"/>
             <a:round/>
-            <a:headEnd len="sm" w="sm" type="none"/>
-            <a:tailEnd len="sm" w="sm" type="none"/>
+            <a:headEnd type="none" w="sm" len="sm"/>
+            <a:tailEnd type="none" w="sm" len="sm"/>
           </a:ln>
         </p:spPr>
       </p:cxnSp>
       <p:sp>
         <p:nvSpPr>
           <p:cNvPr id="44" name="Google Shape;44;p9"/>
-          <p:cNvSpPr txBox="1"/>
+          <p:cNvSpPr txBox="1">
+            <a:spLocks noGrp="1"/>
+          </p:cNvSpPr>
           <p:nvPr>
             <p:ph type="title"/>
           </p:nvPr>
@@ -6476,7 +6834,7 @@
           </a:prstGeom>
         </p:spPr>
         <p:txBody>
-          <a:bodyPr anchorCtr="0" anchor="b" bIns="91425" lIns="91425" spcFirstLastPara="1" rIns="91425" wrap="square" tIns="91425"/>
+          <a:bodyPr spcFirstLastPara="1" wrap="square" lIns="91425" tIns="91425" rIns="91425" bIns="91425" anchor="b" anchorCtr="0"/>
           <a:lstStyle>
             <a:lvl1pPr lvl="0" algn="ctr">
               <a:spcBef>
@@ -6641,15 +6999,19 @@
               </a:defRPr>
             </a:lvl9pPr>
           </a:lstStyle>
-          <a:p/>
+          <a:p>
+            <a:endParaRPr/>
+          </a:p>
         </p:txBody>
       </p:sp>
       <p:sp>
         <p:nvSpPr>
           <p:cNvPr id="45" name="Google Shape;45;p9"/>
-          <p:cNvSpPr txBox="1"/>
+          <p:cNvSpPr txBox="1">
+            <a:spLocks noGrp="1"/>
+          </p:cNvSpPr>
           <p:nvPr>
-            <p:ph idx="1" type="subTitle"/>
+            <p:ph type="subTitle" idx="1"/>
           </p:nvPr>
         </p:nvSpPr>
         <p:spPr>
@@ -6662,7 +7024,7 @@
           </a:prstGeom>
         </p:spPr>
         <p:txBody>
-          <a:bodyPr anchorCtr="0" anchor="t" bIns="91425" lIns="91425" spcFirstLastPara="1" rIns="91425" wrap="square" tIns="91425"/>
+          <a:bodyPr spcFirstLastPara="1" wrap="square" lIns="91425" tIns="91425" rIns="91425" bIns="91425" anchor="t" anchorCtr="0"/>
           <a:lstStyle>
             <a:lvl1pPr lvl="0" algn="ctr">
               <a:lnSpc>
@@ -6845,15 +7207,19 @@
               </a:defRPr>
             </a:lvl9pPr>
           </a:lstStyle>
-          <a:p/>
+          <a:p>
+            <a:endParaRPr/>
+          </a:p>
         </p:txBody>
       </p:sp>
       <p:sp>
         <p:nvSpPr>
           <p:cNvPr id="46" name="Google Shape;46;p9"/>
-          <p:cNvSpPr txBox="1"/>
+          <p:cNvSpPr txBox="1">
+            <a:spLocks noGrp="1"/>
+          </p:cNvSpPr>
           <p:nvPr>
-            <p:ph idx="2" type="body"/>
+            <p:ph type="body" idx="2"/>
           </p:nvPr>
         </p:nvSpPr>
         <p:spPr>
@@ -6866,9 +7232,9 @@
           </a:prstGeom>
         </p:spPr>
         <p:txBody>
-          <a:bodyPr anchorCtr="0" anchor="ctr" bIns="91425" lIns="91425" spcFirstLastPara="1" rIns="91425" wrap="square" tIns="91425"/>
+          <a:bodyPr spcFirstLastPara="1" wrap="square" lIns="91425" tIns="91425" rIns="91425" bIns="91425" anchor="ctr" anchorCtr="0"/>
           <a:lstStyle>
-            <a:lvl1pPr indent="-342900" lvl="0" marL="457200">
+            <a:lvl1pPr marL="457200" lvl="0" indent="-342900">
               <a:spcBef>
                 <a:spcPts val="0"/>
               </a:spcBef>
@@ -6886,7 +7252,7 @@
                 </a:solidFill>
               </a:defRPr>
             </a:lvl1pPr>
-            <a:lvl2pPr indent="-317500" lvl="1" marL="914400">
+            <a:lvl2pPr marL="914400" lvl="1" indent="-317500">
               <a:spcBef>
                 <a:spcPts val="1600"/>
               </a:spcBef>
@@ -6904,7 +7270,7 @@
                 </a:solidFill>
               </a:defRPr>
             </a:lvl2pPr>
-            <a:lvl3pPr indent="-317500" lvl="2" marL="1371600">
+            <a:lvl3pPr marL="1371600" lvl="2" indent="-317500">
               <a:spcBef>
                 <a:spcPts val="1600"/>
               </a:spcBef>
@@ -6922,7 +7288,7 @@
                 </a:solidFill>
               </a:defRPr>
             </a:lvl3pPr>
-            <a:lvl4pPr indent="-317500" lvl="3" marL="1828800">
+            <a:lvl4pPr marL="1828800" lvl="3" indent="-317500">
               <a:spcBef>
                 <a:spcPts val="1600"/>
               </a:spcBef>
@@ -6940,7 +7306,7 @@
                 </a:solidFill>
               </a:defRPr>
             </a:lvl4pPr>
-            <a:lvl5pPr indent="-317500" lvl="4" marL="2286000">
+            <a:lvl5pPr marL="2286000" lvl="4" indent="-317500">
               <a:spcBef>
                 <a:spcPts val="1600"/>
               </a:spcBef>
@@ -6958,7 +7324,7 @@
                 </a:solidFill>
               </a:defRPr>
             </a:lvl5pPr>
-            <a:lvl6pPr indent="-317500" lvl="5" marL="2743200">
+            <a:lvl6pPr marL="2743200" lvl="5" indent="-317500">
               <a:spcBef>
                 <a:spcPts val="1600"/>
               </a:spcBef>
@@ -6976,7 +7342,7 @@
                 </a:solidFill>
               </a:defRPr>
             </a:lvl6pPr>
-            <a:lvl7pPr indent="-317500" lvl="6" marL="3200400">
+            <a:lvl7pPr marL="3200400" lvl="6" indent="-317500">
               <a:spcBef>
                 <a:spcPts val="1600"/>
               </a:spcBef>
@@ -6994,7 +7360,7 @@
                 </a:solidFill>
               </a:defRPr>
             </a:lvl7pPr>
-            <a:lvl8pPr indent="-317500" lvl="7" marL="3657600">
+            <a:lvl8pPr marL="3657600" lvl="7" indent="-317500">
               <a:spcBef>
                 <a:spcPts val="1600"/>
               </a:spcBef>
@@ -7012,7 +7378,7 @@
                 </a:solidFill>
               </a:defRPr>
             </a:lvl8pPr>
-            <a:lvl9pPr indent="-317500" lvl="8" marL="4114800">
+            <a:lvl9pPr marL="4114800" lvl="8" indent="-317500">
               <a:spcBef>
                 <a:spcPts val="1600"/>
               </a:spcBef>
@@ -7031,15 +7397,19 @@
               </a:defRPr>
             </a:lvl9pPr>
           </a:lstStyle>
-          <a:p/>
+          <a:p>
+            <a:endParaRPr/>
+          </a:p>
         </p:txBody>
       </p:sp>
       <p:sp>
         <p:nvSpPr>
           <p:cNvPr id="47" name="Google Shape;47;p9"/>
-          <p:cNvSpPr txBox="1"/>
+          <p:cNvSpPr txBox="1">
+            <a:spLocks noGrp="1"/>
+          </p:cNvSpPr>
           <p:nvPr>
-            <p:ph idx="12" type="sldNum"/>
+            <p:ph type="sldNum" idx="12"/>
           </p:nvPr>
         </p:nvSpPr>
         <p:spPr>
@@ -7052,7 +7422,7 @@
           </a:prstGeom>
         </p:spPr>
         <p:txBody>
-          <a:bodyPr anchorCtr="0" anchor="ctr" bIns="91425" lIns="91425" spcFirstLastPara="1" rIns="91425" wrap="square" tIns="91425">
+          <a:bodyPr spcFirstLastPara="1" wrap="square" lIns="91425" tIns="91425" rIns="91425" bIns="91425" anchor="ctr" anchorCtr="0">
             <a:noAutofit/>
           </a:bodyPr>
           <a:lstStyle>
@@ -7130,7 +7500,7 @@
             </a:lvl9pPr>
           </a:lstStyle>
           <a:p>
-            <a:pPr indent="0" lvl="0" marL="0" rtl="0" algn="r">
+            <a:pPr marL="0" lvl="0" indent="0" algn="r" rtl="0">
               <a:spcBef>
                 <a:spcPts val="0"/>
               </a:spcBef>
@@ -7156,11 +7526,11 @@
 </file>
 
 <file path=ppt/slideLayouts/slideLayout9.xml><?xml version="1.0" encoding="utf-8"?>
-<p:sldLayout xmlns:a="http://schemas.openxmlformats.org/drawingml/2006/main" xmlns:r="http://schemas.openxmlformats.org/officeDocument/2006/relationships" xmlns:mc="http://schemas.openxmlformats.org/markup-compatibility/2006" xmlns:mv="urn:schemas-microsoft-com:mac:vml" xmlns:p="http://schemas.openxmlformats.org/presentationml/2006/main" xmlns:c="http://schemas.openxmlformats.org/drawingml/2006/chart" xmlns:dgm="http://schemas.openxmlformats.org/drawingml/2006/diagram" xmlns:o="urn:schemas-microsoft-com:office:office" xmlns:v="urn:schemas-microsoft-com:vml" xmlns:pvml="urn:schemas-microsoft-com:office:powerpoint" xmlns:com="http://schemas.openxmlformats.org/drawingml/2006/compatibility" xmlns:p14="http://schemas.microsoft.com/office/powerpoint/2010/main" xmlns:p15="http://schemas.microsoft.com/office/powerpoint/2012/main" matchingName="Caption">
+<p:sldLayout xmlns:a="http://schemas.openxmlformats.org/drawingml/2006/main" xmlns:r="http://schemas.openxmlformats.org/officeDocument/2006/relationships" xmlns:p="http://schemas.openxmlformats.org/presentationml/2006/main" matchingName="Caption">
   <p:cSld name="CAPTION_ONLY">
     <p:spTree>
       <p:nvGrpSpPr>
-        <p:cNvPr id="48" name="Shape 48"/>
+        <p:cNvPr id="1" name="Shape 48"/>
         <p:cNvGrpSpPr/>
         <p:nvPr/>
       </p:nvGrpSpPr>
@@ -7175,9 +7545,11 @@
       <p:sp>
         <p:nvSpPr>
           <p:cNvPr id="49" name="Google Shape;49;p10"/>
-          <p:cNvSpPr txBox="1"/>
+          <p:cNvSpPr txBox="1">
+            <a:spLocks noGrp="1"/>
+          </p:cNvSpPr>
           <p:nvPr>
-            <p:ph idx="1" type="body"/>
+            <p:ph type="body" idx="1"/>
           </p:nvPr>
         </p:nvSpPr>
         <p:spPr>
@@ -7190,9 +7562,9 @@
           </a:prstGeom>
         </p:spPr>
         <p:txBody>
-          <a:bodyPr anchorCtr="0" anchor="ctr" bIns="91425" lIns="91425" spcFirstLastPara="1" rIns="91425" wrap="square" tIns="91425"/>
+          <a:bodyPr spcFirstLastPara="1" wrap="square" lIns="91425" tIns="91425" rIns="91425" bIns="91425" anchor="ctr" anchorCtr="0"/>
           <a:lstStyle>
-            <a:lvl1pPr indent="-228600" lvl="0" marL="457200">
+            <a:lvl1pPr marL="457200" lvl="0" indent="-228600">
               <a:lnSpc>
                 <a:spcPct val="100000"/>
               </a:lnSpc>
@@ -7213,15 +7585,19 @@
               </a:defRPr>
             </a:lvl1pPr>
           </a:lstStyle>
-          <a:p/>
+          <a:p>
+            <a:endParaRPr/>
+          </a:p>
         </p:txBody>
       </p:sp>
       <p:sp>
         <p:nvSpPr>
           <p:cNvPr id="50" name="Google Shape;50;p10"/>
-          <p:cNvSpPr txBox="1"/>
+          <p:cNvSpPr txBox="1">
+            <a:spLocks noGrp="1"/>
+          </p:cNvSpPr>
           <p:nvPr>
-            <p:ph idx="12" type="sldNum"/>
+            <p:ph type="sldNum" idx="12"/>
           </p:nvPr>
         </p:nvSpPr>
         <p:spPr>
@@ -7234,7 +7610,7 @@
           </a:prstGeom>
         </p:spPr>
         <p:txBody>
-          <a:bodyPr anchorCtr="0" anchor="ctr" bIns="91425" lIns="91425" spcFirstLastPara="1" rIns="91425" wrap="square" tIns="91425">
+          <a:bodyPr spcFirstLastPara="1" wrap="square" lIns="91425" tIns="91425" rIns="91425" bIns="91425" anchor="ctr" anchorCtr="0">
             <a:noAutofit/>
           </a:bodyPr>
           <a:lstStyle>
@@ -7276,7 +7652,7 @@
             </a:lvl9pPr>
           </a:lstStyle>
           <a:p>
-            <a:pPr indent="0" lvl="0" marL="0" rtl="0" algn="r">
+            <a:pPr marL="0" lvl="0" indent="0" algn="r" rtl="0">
               <a:spcBef>
                 <a:spcPts val="0"/>
               </a:spcBef>
@@ -7302,18 +7678,19 @@
 </file>
 
 <file path=ppt/slideMasters/slideMaster1.xml><?xml version="1.0" encoding="utf-8"?>
-<p:sldMaster xmlns:a="http://schemas.openxmlformats.org/drawingml/2006/main" xmlns:r="http://schemas.openxmlformats.org/officeDocument/2006/relationships" xmlns:mc="http://schemas.openxmlformats.org/markup-compatibility/2006" xmlns:mv="urn:schemas-microsoft-com:mac:vml" xmlns:p="http://schemas.openxmlformats.org/presentationml/2006/main" xmlns:c="http://schemas.openxmlformats.org/drawingml/2006/chart" xmlns:dgm="http://schemas.openxmlformats.org/drawingml/2006/diagram" xmlns:o="urn:schemas-microsoft-com:office:office" xmlns:v="urn:schemas-microsoft-com:vml" xmlns:pvml="urn:schemas-microsoft-com:office:powerpoint" xmlns:com="http://schemas.openxmlformats.org/drawingml/2006/compatibility" xmlns:p14="http://schemas.microsoft.com/office/powerpoint/2010/main" xmlns:p15="http://schemas.microsoft.com/office/powerpoint/2012/main">
+<p:sldMaster xmlns:a="http://schemas.openxmlformats.org/drawingml/2006/main" xmlns:r="http://schemas.openxmlformats.org/officeDocument/2006/relationships" xmlns:p="http://schemas.openxmlformats.org/presentationml/2006/main">
   <p:cSld name="luxe">
     <p:bg>
       <p:bgPr>
         <a:solidFill>
           <a:schemeClr val="lt1"/>
         </a:solidFill>
+        <a:effectLst/>
       </p:bgPr>
     </p:bg>
     <p:spTree>
       <p:nvGrpSpPr>
-        <p:cNvPr id="5" name="Shape 5"/>
+        <p:cNvPr id="1" name="Shape 5"/>
         <p:cNvGrpSpPr/>
         <p:nvPr/>
       </p:nvGrpSpPr>
@@ -7328,7 +7705,9 @@
       <p:sp>
         <p:nvSpPr>
           <p:cNvPr id="6" name="Google Shape;6;p1"/>
-          <p:cNvSpPr txBox="1"/>
+          <p:cNvSpPr txBox="1">
+            <a:spLocks noGrp="1"/>
+          </p:cNvSpPr>
           <p:nvPr>
             <p:ph type="title"/>
           </p:nvPr>
@@ -7347,7 +7726,7 @@
           </a:ln>
         </p:spPr>
         <p:txBody>
-          <a:bodyPr anchorCtr="0" anchor="b" bIns="91425" lIns="91425" spcFirstLastPara="1" rIns="91425" wrap="square" tIns="91425"/>
+          <a:bodyPr spcFirstLastPara="1" wrap="square" lIns="91425" tIns="91425" rIns="91425" bIns="91425" anchor="b" anchorCtr="0"/>
           <a:lstStyle>
             <a:lvl1pPr lvl="0">
               <a:spcBef>
@@ -7557,15 +7936,19 @@
               </a:defRPr>
             </a:lvl9pPr>
           </a:lstStyle>
-          <a:p/>
+          <a:p>
+            <a:endParaRPr/>
+          </a:p>
         </p:txBody>
       </p:sp>
       <p:sp>
         <p:nvSpPr>
           <p:cNvPr id="7" name="Google Shape;7;p1"/>
-          <p:cNvSpPr txBox="1"/>
+          <p:cNvSpPr txBox="1">
+            <a:spLocks noGrp="1"/>
+          </p:cNvSpPr>
           <p:nvPr>
-            <p:ph idx="1" type="body"/>
+            <p:ph type="body" idx="1"/>
           </p:nvPr>
         </p:nvSpPr>
         <p:spPr>
@@ -7582,9 +7965,9 @@
           </a:ln>
         </p:spPr>
         <p:txBody>
-          <a:bodyPr anchorCtr="0" anchor="t" bIns="91425" lIns="91425" spcFirstLastPara="1" rIns="91425" wrap="square" tIns="91425"/>
+          <a:bodyPr spcFirstLastPara="1" wrap="square" lIns="91425" tIns="91425" rIns="91425" bIns="91425" anchor="t" anchorCtr="0"/>
           <a:lstStyle>
-            <a:lvl1pPr indent="-342900" lvl="0" marL="457200">
+            <a:lvl1pPr marL="457200" lvl="0" indent="-342900">
               <a:lnSpc>
                 <a:spcPct val="115000"/>
               </a:lnSpc>
@@ -7610,7 +7993,7 @@
                 <a:sym typeface="Open Sans"/>
               </a:defRPr>
             </a:lvl1pPr>
-            <a:lvl2pPr indent="-317500" lvl="1" marL="914400">
+            <a:lvl2pPr marL="914400" lvl="1" indent="-317500">
               <a:lnSpc>
                 <a:spcPct val="115000"/>
               </a:lnSpc>
@@ -7636,7 +8019,7 @@
                 <a:sym typeface="Open Sans"/>
               </a:defRPr>
             </a:lvl2pPr>
-            <a:lvl3pPr indent="-317500" lvl="2" marL="1371600">
+            <a:lvl3pPr marL="1371600" lvl="2" indent="-317500">
               <a:lnSpc>
                 <a:spcPct val="115000"/>
               </a:lnSpc>
@@ -7662,7 +8045,7 @@
                 <a:sym typeface="Open Sans"/>
               </a:defRPr>
             </a:lvl3pPr>
-            <a:lvl4pPr indent="-317500" lvl="3" marL="1828800">
+            <a:lvl4pPr marL="1828800" lvl="3" indent="-317500">
               <a:lnSpc>
                 <a:spcPct val="115000"/>
               </a:lnSpc>
@@ -7688,7 +8071,7 @@
                 <a:sym typeface="Open Sans"/>
               </a:defRPr>
             </a:lvl4pPr>
-            <a:lvl5pPr indent="-317500" lvl="4" marL="2286000">
+            <a:lvl5pPr marL="2286000" lvl="4" indent="-317500">
               <a:lnSpc>
                 <a:spcPct val="115000"/>
               </a:lnSpc>
@@ -7714,7 +8097,7 @@
                 <a:sym typeface="Open Sans"/>
               </a:defRPr>
             </a:lvl5pPr>
-            <a:lvl6pPr indent="-317500" lvl="5" marL="2743200">
+            <a:lvl6pPr marL="2743200" lvl="5" indent="-317500">
               <a:lnSpc>
                 <a:spcPct val="115000"/>
               </a:lnSpc>
@@ -7740,7 +8123,7 @@
                 <a:sym typeface="Open Sans"/>
               </a:defRPr>
             </a:lvl6pPr>
-            <a:lvl7pPr indent="-317500" lvl="6" marL="3200400">
+            <a:lvl7pPr marL="3200400" lvl="6" indent="-317500">
               <a:lnSpc>
                 <a:spcPct val="115000"/>
               </a:lnSpc>
@@ -7766,7 +8149,7 @@
                 <a:sym typeface="Open Sans"/>
               </a:defRPr>
             </a:lvl7pPr>
-            <a:lvl8pPr indent="-317500" lvl="7" marL="3657600">
+            <a:lvl8pPr marL="3657600" lvl="7" indent="-317500">
               <a:lnSpc>
                 <a:spcPct val="115000"/>
               </a:lnSpc>
@@ -7792,7 +8175,7 @@
                 <a:sym typeface="Open Sans"/>
               </a:defRPr>
             </a:lvl8pPr>
-            <a:lvl9pPr indent="-317500" lvl="8" marL="4114800">
+            <a:lvl9pPr marL="4114800" lvl="8" indent="-317500">
               <a:lnSpc>
                 <a:spcPct val="115000"/>
               </a:lnSpc>
@@ -7819,15 +8202,19 @@
               </a:defRPr>
             </a:lvl9pPr>
           </a:lstStyle>
-          <a:p/>
+          <a:p>
+            <a:endParaRPr/>
+          </a:p>
         </p:txBody>
       </p:sp>
       <p:sp>
         <p:nvSpPr>
           <p:cNvPr id="8" name="Google Shape;8;p1"/>
-          <p:cNvSpPr txBox="1"/>
+          <p:cNvSpPr txBox="1">
+            <a:spLocks noGrp="1"/>
+          </p:cNvSpPr>
           <p:nvPr>
-            <p:ph idx="12" type="sldNum"/>
+            <p:ph type="sldNum" idx="12"/>
           </p:nvPr>
         </p:nvSpPr>
         <p:spPr>
@@ -7844,7 +8231,7 @@
           </a:ln>
         </p:spPr>
         <p:txBody>
-          <a:bodyPr anchorCtr="0" anchor="ctr" bIns="91425" lIns="91425" spcFirstLastPara="1" rIns="91425" wrap="square" tIns="91425">
+          <a:bodyPr spcFirstLastPara="1" wrap="square" lIns="91425" tIns="91425" rIns="91425" bIns="91425" anchor="ctr" anchorCtr="0">
             <a:noAutofit/>
           </a:bodyPr>
           <a:lstStyle>
@@ -7958,7 +8345,7 @@
             </a:lvl9pPr>
           </a:lstStyle>
           <a:p>
-            <a:pPr indent="0" lvl="0" marL="0" rtl="0" algn="r">
+            <a:pPr marL="0" lvl="0" indent="0" algn="r" rtl="0">
               <a:spcBef>
                 <a:spcPts val="0"/>
               </a:spcBef>
@@ -7977,7 +8364,7 @@
       </p:sp>
     </p:spTree>
   </p:cSld>
-  <p:clrMap accent1="accent1" accent2="accent2" accent3="accent3" accent4="accent4" accent5="accent5" accent6="accent6" bg1="lt1" bg2="dk2" tx1="dk1" tx2="lt2" folHlink="folHlink" hlink="hlink"/>
+  <p:clrMap bg1="lt1" tx1="dk1" bg2="dk2" tx2="lt2" accent1="accent1" accent2="accent2" accent3="accent3" accent4="accent4" accent5="accent5" accent6="accent6" hlink="hlink" folHlink="folHlink"/>
   <p:sldLayoutIdLst>
     <p:sldLayoutId id="2147483648" r:id="rId1"/>
     <p:sldLayoutId id="2147483649" r:id="rId2"/>
@@ -7991,10 +8378,10 @@
     <p:sldLayoutId id="2147483657" r:id="rId10"/>
     <p:sldLayoutId id="2147483658" r:id="rId11"/>
   </p:sldLayoutIdLst>
-  <p:hf dt="0" ftr="0" hdr="0" sldNum="0"/>
+  <p:hf sldNum="0" hdr="0" ftr="0" dt="0"/>
   <p:txStyles>
     <p:titleStyle>
-      <a:defPPr lvl="0" marR="0" rtl="0" algn="l">
+      <a:defPPr marR="0" lvl="0" algn="l" rtl="0">
         <a:lnSpc>
           <a:spcPct val="100000"/>
         </a:lnSpc>
@@ -8005,7 +8392,7 @@
           <a:spcPts val="0"/>
         </a:spcAft>
       </a:defPPr>
-      <a:lvl1pPr lvl="0" marR="0" rtl="0" algn="l">
+      <a:lvl1pPr marR="0" lvl="0" algn="l" rtl="0">
         <a:lnSpc>
           <a:spcPct val="100000"/>
         </a:lnSpc>
@@ -8019,7 +8406,7 @@
           <a:srgbClr val="000000"/>
         </a:buClr>
         <a:buFont typeface="Arial"/>
-        <a:defRPr b="0" i="0" sz="1400" u="none" cap="none" strike="noStrike">
+        <a:defRPr sz="1400" b="0" i="0" u="none" strike="noStrike" cap="none">
           <a:solidFill>
             <a:srgbClr val="000000"/>
           </a:solidFill>
@@ -8029,7 +8416,7 @@
           <a:sym typeface="Arial"/>
         </a:defRPr>
       </a:lvl1pPr>
-      <a:lvl2pPr lvl="1" marR="0" rtl="0" algn="l">
+      <a:lvl2pPr marR="0" lvl="1" algn="l" rtl="0">
         <a:lnSpc>
           <a:spcPct val="100000"/>
         </a:lnSpc>
@@ -8043,7 +8430,7 @@
           <a:srgbClr val="000000"/>
         </a:buClr>
         <a:buFont typeface="Arial"/>
-        <a:defRPr b="0" i="0" sz="1400" u="none" cap="none" strike="noStrike">
+        <a:defRPr sz="1400" b="0" i="0" u="none" strike="noStrike" cap="none">
           <a:solidFill>
             <a:srgbClr val="000000"/>
           </a:solidFill>
@@ -8053,7 +8440,7 @@
           <a:sym typeface="Arial"/>
         </a:defRPr>
       </a:lvl2pPr>
-      <a:lvl3pPr lvl="2" marR="0" rtl="0" algn="l">
+      <a:lvl3pPr marR="0" lvl="2" algn="l" rtl="0">
         <a:lnSpc>
           <a:spcPct val="100000"/>
         </a:lnSpc>
@@ -8067,7 +8454,7 @@
           <a:srgbClr val="000000"/>
         </a:buClr>
         <a:buFont typeface="Arial"/>
-        <a:defRPr b="0" i="0" sz="1400" u="none" cap="none" strike="noStrike">
+        <a:defRPr sz="1400" b="0" i="0" u="none" strike="noStrike" cap="none">
           <a:solidFill>
             <a:srgbClr val="000000"/>
           </a:solidFill>
@@ -8077,7 +8464,7 @@
           <a:sym typeface="Arial"/>
         </a:defRPr>
       </a:lvl3pPr>
-      <a:lvl4pPr lvl="3" marR="0" rtl="0" algn="l">
+      <a:lvl4pPr marR="0" lvl="3" algn="l" rtl="0">
         <a:lnSpc>
           <a:spcPct val="100000"/>
         </a:lnSpc>
@@ -8091,7 +8478,7 @@
           <a:srgbClr val="000000"/>
         </a:buClr>
         <a:buFont typeface="Arial"/>
-        <a:defRPr b="0" i="0" sz="1400" u="none" cap="none" strike="noStrike">
+        <a:defRPr sz="1400" b="0" i="0" u="none" strike="noStrike" cap="none">
           <a:solidFill>
             <a:srgbClr val="000000"/>
           </a:solidFill>
@@ -8101,7 +8488,7 @@
           <a:sym typeface="Arial"/>
         </a:defRPr>
       </a:lvl4pPr>
-      <a:lvl5pPr lvl="4" marR="0" rtl="0" algn="l">
+      <a:lvl5pPr marR="0" lvl="4" algn="l" rtl="0">
         <a:lnSpc>
           <a:spcPct val="100000"/>
         </a:lnSpc>
@@ -8115,7 +8502,7 @@
           <a:srgbClr val="000000"/>
         </a:buClr>
         <a:buFont typeface="Arial"/>
-        <a:defRPr b="0" i="0" sz="1400" u="none" cap="none" strike="noStrike">
+        <a:defRPr sz="1400" b="0" i="0" u="none" strike="noStrike" cap="none">
           <a:solidFill>
             <a:srgbClr val="000000"/>
           </a:solidFill>
@@ -8125,7 +8512,7 @@
           <a:sym typeface="Arial"/>
         </a:defRPr>
       </a:lvl5pPr>
-      <a:lvl6pPr lvl="5" marR="0" rtl="0" algn="l">
+      <a:lvl6pPr marR="0" lvl="5" algn="l" rtl="0">
         <a:lnSpc>
           <a:spcPct val="100000"/>
         </a:lnSpc>
@@ -8139,7 +8526,7 @@
           <a:srgbClr val="000000"/>
         </a:buClr>
         <a:buFont typeface="Arial"/>
-        <a:defRPr b="0" i="0" sz="1400" u="none" cap="none" strike="noStrike">
+        <a:defRPr sz="1400" b="0" i="0" u="none" strike="noStrike" cap="none">
           <a:solidFill>
             <a:srgbClr val="000000"/>
           </a:solidFill>
@@ -8149,7 +8536,7 @@
           <a:sym typeface="Arial"/>
         </a:defRPr>
       </a:lvl6pPr>
-      <a:lvl7pPr lvl="6" marR="0" rtl="0" algn="l">
+      <a:lvl7pPr marR="0" lvl="6" algn="l" rtl="0">
         <a:lnSpc>
           <a:spcPct val="100000"/>
         </a:lnSpc>
@@ -8163,7 +8550,7 @@
           <a:srgbClr val="000000"/>
         </a:buClr>
         <a:buFont typeface="Arial"/>
-        <a:defRPr b="0" i="0" sz="1400" u="none" cap="none" strike="noStrike">
+        <a:defRPr sz="1400" b="0" i="0" u="none" strike="noStrike" cap="none">
           <a:solidFill>
             <a:srgbClr val="000000"/>
           </a:solidFill>
@@ -8173,7 +8560,7 @@
           <a:sym typeface="Arial"/>
         </a:defRPr>
       </a:lvl7pPr>
-      <a:lvl8pPr lvl="7" marR="0" rtl="0" algn="l">
+      <a:lvl8pPr marR="0" lvl="7" algn="l" rtl="0">
         <a:lnSpc>
           <a:spcPct val="100000"/>
         </a:lnSpc>
@@ -8187,7 +8574,7 @@
           <a:srgbClr val="000000"/>
         </a:buClr>
         <a:buFont typeface="Arial"/>
-        <a:defRPr b="0" i="0" sz="1400" u="none" cap="none" strike="noStrike">
+        <a:defRPr sz="1400" b="0" i="0" u="none" strike="noStrike" cap="none">
           <a:solidFill>
             <a:srgbClr val="000000"/>
           </a:solidFill>
@@ -8197,7 +8584,7 @@
           <a:sym typeface="Arial"/>
         </a:defRPr>
       </a:lvl8pPr>
-      <a:lvl9pPr lvl="8" marR="0" rtl="0" algn="l">
+      <a:lvl9pPr marR="0" lvl="8" algn="l" rtl="0">
         <a:lnSpc>
           <a:spcPct val="100000"/>
         </a:lnSpc>
@@ -8211,7 +8598,7 @@
           <a:srgbClr val="000000"/>
         </a:buClr>
         <a:buFont typeface="Arial"/>
-        <a:defRPr b="0" i="0" sz="1400" u="none" cap="none" strike="noStrike">
+        <a:defRPr sz="1400" b="0" i="0" u="none" strike="noStrike" cap="none">
           <a:solidFill>
             <a:srgbClr val="000000"/>
           </a:solidFill>
@@ -8223,7 +8610,7 @@
       </a:lvl9pPr>
     </p:titleStyle>
     <p:bodyStyle>
-      <a:defPPr lvl="0" marR="0" rtl="0" algn="l">
+      <a:defPPr marR="0" lvl="0" algn="l" rtl="0">
         <a:lnSpc>
           <a:spcPct val="100000"/>
         </a:lnSpc>
@@ -8234,7 +8621,7 @@
           <a:spcPts val="0"/>
         </a:spcAft>
       </a:defPPr>
-      <a:lvl1pPr lvl="0" marR="0" rtl="0" algn="l">
+      <a:lvl1pPr marR="0" lvl="0" algn="l" rtl="0">
         <a:lnSpc>
           <a:spcPct val="100000"/>
         </a:lnSpc>
@@ -8248,7 +8635,7 @@
           <a:srgbClr val="000000"/>
         </a:buClr>
         <a:buFont typeface="Arial"/>
-        <a:defRPr b="0" i="0" sz="1400" u="none" cap="none" strike="noStrike">
+        <a:defRPr sz="1400" b="0" i="0" u="none" strike="noStrike" cap="none">
           <a:solidFill>
             <a:srgbClr val="000000"/>
           </a:solidFill>
@@ -8258,7 +8645,7 @@
           <a:sym typeface="Arial"/>
         </a:defRPr>
       </a:lvl1pPr>
-      <a:lvl2pPr lvl="1" marR="0" rtl="0" algn="l">
+      <a:lvl2pPr marR="0" lvl="1" algn="l" rtl="0">
         <a:lnSpc>
           <a:spcPct val="100000"/>
         </a:lnSpc>
@@ -8272,7 +8659,7 @@
           <a:srgbClr val="000000"/>
         </a:buClr>
         <a:buFont typeface="Arial"/>
-        <a:defRPr b="0" i="0" sz="1400" u="none" cap="none" strike="noStrike">
+        <a:defRPr sz="1400" b="0" i="0" u="none" strike="noStrike" cap="none">
           <a:solidFill>
             <a:srgbClr val="000000"/>
           </a:solidFill>
@@ -8282,7 +8669,7 @@
           <a:sym typeface="Arial"/>
         </a:defRPr>
       </a:lvl2pPr>
-      <a:lvl3pPr lvl="2" marR="0" rtl="0" algn="l">
+      <a:lvl3pPr marR="0" lvl="2" algn="l" rtl="0">
         <a:lnSpc>
           <a:spcPct val="100000"/>
         </a:lnSpc>
@@ -8296,7 +8683,7 @@
           <a:srgbClr val="000000"/>
         </a:buClr>
         <a:buFont typeface="Arial"/>
-        <a:defRPr b="0" i="0" sz="1400" u="none" cap="none" strike="noStrike">
+        <a:defRPr sz="1400" b="0" i="0" u="none" strike="noStrike" cap="none">
           <a:solidFill>
             <a:srgbClr val="000000"/>
           </a:solidFill>
@@ -8306,7 +8693,7 @@
           <a:sym typeface="Arial"/>
         </a:defRPr>
       </a:lvl3pPr>
-      <a:lvl4pPr lvl="3" marR="0" rtl="0" algn="l">
+      <a:lvl4pPr marR="0" lvl="3" algn="l" rtl="0">
         <a:lnSpc>
           <a:spcPct val="100000"/>
         </a:lnSpc>
@@ -8320,7 +8707,7 @@
           <a:srgbClr val="000000"/>
         </a:buClr>
         <a:buFont typeface="Arial"/>
-        <a:defRPr b="0" i="0" sz="1400" u="none" cap="none" strike="noStrike">
+        <a:defRPr sz="1400" b="0" i="0" u="none" strike="noStrike" cap="none">
           <a:solidFill>
             <a:srgbClr val="000000"/>
           </a:solidFill>
@@ -8330,7 +8717,7 @@
           <a:sym typeface="Arial"/>
         </a:defRPr>
       </a:lvl4pPr>
-      <a:lvl5pPr lvl="4" marR="0" rtl="0" algn="l">
+      <a:lvl5pPr marR="0" lvl="4" algn="l" rtl="0">
         <a:lnSpc>
           <a:spcPct val="100000"/>
         </a:lnSpc>
@@ -8344,7 +8731,7 @@
           <a:srgbClr val="000000"/>
         </a:buClr>
         <a:buFont typeface="Arial"/>
-        <a:defRPr b="0" i="0" sz="1400" u="none" cap="none" strike="noStrike">
+        <a:defRPr sz="1400" b="0" i="0" u="none" strike="noStrike" cap="none">
           <a:solidFill>
             <a:srgbClr val="000000"/>
           </a:solidFill>
@@ -8354,7 +8741,7 @@
           <a:sym typeface="Arial"/>
         </a:defRPr>
       </a:lvl5pPr>
-      <a:lvl6pPr lvl="5" marR="0" rtl="0" algn="l">
+      <a:lvl6pPr marR="0" lvl="5" algn="l" rtl="0">
         <a:lnSpc>
           <a:spcPct val="100000"/>
         </a:lnSpc>
@@ -8368,7 +8755,7 @@
           <a:srgbClr val="000000"/>
         </a:buClr>
         <a:buFont typeface="Arial"/>
-        <a:defRPr b="0" i="0" sz="1400" u="none" cap="none" strike="noStrike">
+        <a:defRPr sz="1400" b="0" i="0" u="none" strike="noStrike" cap="none">
           <a:solidFill>
             <a:srgbClr val="000000"/>
           </a:solidFill>
@@ -8378,7 +8765,7 @@
           <a:sym typeface="Arial"/>
         </a:defRPr>
       </a:lvl6pPr>
-      <a:lvl7pPr lvl="6" marR="0" rtl="0" algn="l">
+      <a:lvl7pPr marR="0" lvl="6" algn="l" rtl="0">
         <a:lnSpc>
           <a:spcPct val="100000"/>
         </a:lnSpc>
@@ -8392,7 +8779,7 @@
           <a:srgbClr val="000000"/>
         </a:buClr>
         <a:buFont typeface="Arial"/>
-        <a:defRPr b="0" i="0" sz="1400" u="none" cap="none" strike="noStrike">
+        <a:defRPr sz="1400" b="0" i="0" u="none" strike="noStrike" cap="none">
           <a:solidFill>
             <a:srgbClr val="000000"/>
           </a:solidFill>
@@ -8402,7 +8789,7 @@
           <a:sym typeface="Arial"/>
         </a:defRPr>
       </a:lvl7pPr>
-      <a:lvl8pPr lvl="7" marR="0" rtl="0" algn="l">
+      <a:lvl8pPr marR="0" lvl="7" algn="l" rtl="0">
         <a:lnSpc>
           <a:spcPct val="100000"/>
         </a:lnSpc>
@@ -8416,7 +8803,7 @@
           <a:srgbClr val="000000"/>
         </a:buClr>
         <a:buFont typeface="Arial"/>
-        <a:defRPr b="0" i="0" sz="1400" u="none" cap="none" strike="noStrike">
+        <a:defRPr sz="1400" b="0" i="0" u="none" strike="noStrike" cap="none">
           <a:solidFill>
             <a:srgbClr val="000000"/>
           </a:solidFill>
@@ -8426,7 +8813,7 @@
           <a:sym typeface="Arial"/>
         </a:defRPr>
       </a:lvl8pPr>
-      <a:lvl9pPr lvl="8" marR="0" rtl="0" algn="l">
+      <a:lvl9pPr marR="0" lvl="8" algn="l" rtl="0">
         <a:lnSpc>
           <a:spcPct val="100000"/>
         </a:lnSpc>
@@ -8440,7 +8827,7 @@
           <a:srgbClr val="000000"/>
         </a:buClr>
         <a:buFont typeface="Arial"/>
-        <a:defRPr b="0" i="0" sz="1400" u="none" cap="none" strike="noStrike">
+        <a:defRPr sz="1400" b="0" i="0" u="none" strike="noStrike" cap="none">
           <a:solidFill>
             <a:srgbClr val="000000"/>
           </a:solidFill>
@@ -8452,7 +8839,7 @@
       </a:lvl9pPr>
     </p:bodyStyle>
     <p:otherStyle>
-      <a:defPPr lvl="0" marR="0" rtl="0" algn="l">
+      <a:defPPr marR="0" lvl="0" algn="l" rtl="0">
         <a:lnSpc>
           <a:spcPct val="100000"/>
         </a:lnSpc>
@@ -8463,7 +8850,7 @@
           <a:spcPts val="0"/>
         </a:spcAft>
       </a:defPPr>
-      <a:lvl1pPr lvl="0" marR="0" rtl="0" algn="l">
+      <a:lvl1pPr marR="0" lvl="0" algn="l" rtl="0">
         <a:lnSpc>
           <a:spcPct val="100000"/>
         </a:lnSpc>
@@ -8477,7 +8864,7 @@
           <a:srgbClr val="000000"/>
         </a:buClr>
         <a:buFont typeface="Arial"/>
-        <a:defRPr b="0" i="0" sz="1400" u="none" cap="none" strike="noStrike">
+        <a:defRPr sz="1400" b="0" i="0" u="none" strike="noStrike" cap="none">
           <a:solidFill>
             <a:srgbClr val="000000"/>
           </a:solidFill>
@@ -8487,7 +8874,7 @@
           <a:sym typeface="Arial"/>
         </a:defRPr>
       </a:lvl1pPr>
-      <a:lvl2pPr lvl="1" marR="0" rtl="0" algn="l">
+      <a:lvl2pPr marR="0" lvl="1" algn="l" rtl="0">
         <a:lnSpc>
           <a:spcPct val="100000"/>
         </a:lnSpc>
@@ -8501,7 +8888,7 @@
           <a:srgbClr val="000000"/>
         </a:buClr>
         <a:buFont typeface="Arial"/>
-        <a:defRPr b="0" i="0" sz="1400" u="none" cap="none" strike="noStrike">
+        <a:defRPr sz="1400" b="0" i="0" u="none" strike="noStrike" cap="none">
           <a:solidFill>
             <a:srgbClr val="000000"/>
           </a:solidFill>
@@ -8511,7 +8898,7 @@
           <a:sym typeface="Arial"/>
         </a:defRPr>
       </a:lvl2pPr>
-      <a:lvl3pPr lvl="2" marR="0" rtl="0" algn="l">
+      <a:lvl3pPr marR="0" lvl="2" algn="l" rtl="0">
         <a:lnSpc>
           <a:spcPct val="100000"/>
         </a:lnSpc>
@@ -8525,7 +8912,7 @@
           <a:srgbClr val="000000"/>
         </a:buClr>
         <a:buFont typeface="Arial"/>
-        <a:defRPr b="0" i="0" sz="1400" u="none" cap="none" strike="noStrike">
+        <a:defRPr sz="1400" b="0" i="0" u="none" strike="noStrike" cap="none">
           <a:solidFill>
             <a:srgbClr val="000000"/>
           </a:solidFill>
@@ -8535,7 +8922,7 @@
           <a:sym typeface="Arial"/>
         </a:defRPr>
       </a:lvl3pPr>
-      <a:lvl4pPr lvl="3" marR="0" rtl="0" algn="l">
+      <a:lvl4pPr marR="0" lvl="3" algn="l" rtl="0">
         <a:lnSpc>
           <a:spcPct val="100000"/>
         </a:lnSpc>
@@ -8549,7 +8936,7 @@
           <a:srgbClr val="000000"/>
         </a:buClr>
         <a:buFont typeface="Arial"/>
-        <a:defRPr b="0" i="0" sz="1400" u="none" cap="none" strike="noStrike">
+        <a:defRPr sz="1400" b="0" i="0" u="none" strike="noStrike" cap="none">
           <a:solidFill>
             <a:srgbClr val="000000"/>
           </a:solidFill>
@@ -8559,7 +8946,7 @@
           <a:sym typeface="Arial"/>
         </a:defRPr>
       </a:lvl4pPr>
-      <a:lvl5pPr lvl="4" marR="0" rtl="0" algn="l">
+      <a:lvl5pPr marR="0" lvl="4" algn="l" rtl="0">
         <a:lnSpc>
           <a:spcPct val="100000"/>
         </a:lnSpc>
@@ -8573,7 +8960,7 @@
           <a:srgbClr val="000000"/>
         </a:buClr>
         <a:buFont typeface="Arial"/>
-        <a:defRPr b="0" i="0" sz="1400" u="none" cap="none" strike="noStrike">
+        <a:defRPr sz="1400" b="0" i="0" u="none" strike="noStrike" cap="none">
           <a:solidFill>
             <a:srgbClr val="000000"/>
           </a:solidFill>
@@ -8583,7 +8970,7 @@
           <a:sym typeface="Arial"/>
         </a:defRPr>
       </a:lvl5pPr>
-      <a:lvl6pPr lvl="5" marR="0" rtl="0" algn="l">
+      <a:lvl6pPr marR="0" lvl="5" algn="l" rtl="0">
         <a:lnSpc>
           <a:spcPct val="100000"/>
         </a:lnSpc>
@@ -8597,7 +8984,7 @@
           <a:srgbClr val="000000"/>
         </a:buClr>
         <a:buFont typeface="Arial"/>
-        <a:defRPr b="0" i="0" sz="1400" u="none" cap="none" strike="noStrike">
+        <a:defRPr sz="1400" b="0" i="0" u="none" strike="noStrike" cap="none">
           <a:solidFill>
             <a:srgbClr val="000000"/>
           </a:solidFill>
@@ -8607,7 +8994,7 @@
           <a:sym typeface="Arial"/>
         </a:defRPr>
       </a:lvl6pPr>
-      <a:lvl7pPr lvl="6" marR="0" rtl="0" algn="l">
+      <a:lvl7pPr marR="0" lvl="6" algn="l" rtl="0">
         <a:lnSpc>
           <a:spcPct val="100000"/>
         </a:lnSpc>
@@ -8621,7 +9008,7 @@
           <a:srgbClr val="000000"/>
         </a:buClr>
         <a:buFont typeface="Arial"/>
-        <a:defRPr b="0" i="0" sz="1400" u="none" cap="none" strike="noStrike">
+        <a:defRPr sz="1400" b="0" i="0" u="none" strike="noStrike" cap="none">
           <a:solidFill>
             <a:srgbClr val="000000"/>
           </a:solidFill>
@@ -8631,7 +9018,7 @@
           <a:sym typeface="Arial"/>
         </a:defRPr>
       </a:lvl7pPr>
-      <a:lvl8pPr lvl="7" marR="0" rtl="0" algn="l">
+      <a:lvl8pPr marR="0" lvl="7" algn="l" rtl="0">
         <a:lnSpc>
           <a:spcPct val="100000"/>
         </a:lnSpc>
@@ -8645,7 +9032,7 @@
           <a:srgbClr val="000000"/>
         </a:buClr>
         <a:buFont typeface="Arial"/>
-        <a:defRPr b="0" i="0" sz="1400" u="none" cap="none" strike="noStrike">
+        <a:defRPr sz="1400" b="0" i="0" u="none" strike="noStrike" cap="none">
           <a:solidFill>
             <a:srgbClr val="000000"/>
           </a:solidFill>
@@ -8655,7 +9042,7 @@
           <a:sym typeface="Arial"/>
         </a:defRPr>
       </a:lvl8pPr>
-      <a:lvl9pPr lvl="8" marR="0" rtl="0" algn="l">
+      <a:lvl9pPr marR="0" lvl="8" algn="l" rtl="0">
         <a:lnSpc>
           <a:spcPct val="100000"/>
         </a:lnSpc>
@@ -8669,7 +9056,7 @@
           <a:srgbClr val="000000"/>
         </a:buClr>
         <a:buFont typeface="Arial"/>
-        <a:defRPr b="0" i="0" sz="1400" u="none" cap="none" strike="noStrike">
+        <a:defRPr sz="1400" b="0" i="0" u="none" strike="noStrike" cap="none">
           <a:solidFill>
             <a:srgbClr val="000000"/>
           </a:solidFill>
@@ -8685,11 +9072,11 @@
 </file>
 
 <file path=ppt/slides/slide1.xml><?xml version="1.0" encoding="utf-8"?>
-<p:sld xmlns:a="http://schemas.openxmlformats.org/drawingml/2006/main" xmlns:r="http://schemas.openxmlformats.org/officeDocument/2006/relationships" xmlns:mc="http://schemas.openxmlformats.org/markup-compatibility/2006" xmlns:mv="urn:schemas-microsoft-com:mac:vml" xmlns:p="http://schemas.openxmlformats.org/presentationml/2006/main" xmlns:c="http://schemas.openxmlformats.org/drawingml/2006/chart" xmlns:dgm="http://schemas.openxmlformats.org/drawingml/2006/diagram" xmlns:o="urn:schemas-microsoft-com:office:office" xmlns:v="urn:schemas-microsoft-com:vml" xmlns:pvml="urn:schemas-microsoft-com:office:powerpoint" xmlns:com="http://schemas.openxmlformats.org/drawingml/2006/compatibility" xmlns:p14="http://schemas.microsoft.com/office/powerpoint/2010/main" xmlns:p15="http://schemas.microsoft.com/office/powerpoint/2012/main">
+<p:sld xmlns:a="http://schemas.openxmlformats.org/drawingml/2006/main" xmlns:r="http://schemas.openxmlformats.org/officeDocument/2006/relationships" xmlns:p="http://schemas.openxmlformats.org/presentationml/2006/main">
   <p:cSld>
     <p:spTree>
       <p:nvGrpSpPr>
-        <p:cNvPr id="61" name="Shape 61"/>
+        <p:cNvPr id="1" name="Shape 61"/>
         <p:cNvGrpSpPr/>
         <p:nvPr/>
       </p:nvGrpSpPr>
@@ -8704,7 +9091,9 @@
       <p:sp>
         <p:nvSpPr>
           <p:cNvPr id="62" name="Google Shape;62;p13"/>
-          <p:cNvSpPr txBox="1"/>
+          <p:cNvSpPr txBox="1">
+            <a:spLocks noGrp="1"/>
+          </p:cNvSpPr>
           <p:nvPr>
             <p:ph type="ctrTitle"/>
           </p:nvPr>
@@ -8719,12 +9108,12 @@
           </a:prstGeom>
         </p:spPr>
         <p:txBody>
-          <a:bodyPr anchorCtr="0" anchor="b" bIns="91425" lIns="91425" spcFirstLastPara="1" rIns="91425" wrap="square" tIns="91425">
+          <a:bodyPr spcFirstLastPara="1" wrap="square" lIns="91425" tIns="91425" rIns="91425" bIns="91425" anchor="b" anchorCtr="0">
             <a:noAutofit/>
           </a:bodyPr>
           <a:lstStyle/>
           <a:p>
-            <a:pPr indent="0" lvl="0" marL="0" rtl="0" algn="ctr">
+            <a:pPr marL="0" lvl="0" indent="0" algn="ctr" rtl="0">
               <a:lnSpc>
                 <a:spcPct val="115000"/>
               </a:lnSpc>
@@ -8752,9 +9141,11 @@
       <p:sp>
         <p:nvSpPr>
           <p:cNvPr id="63" name="Google Shape;63;p13"/>
-          <p:cNvSpPr txBox="1"/>
+          <p:cNvSpPr txBox="1">
+            <a:spLocks noGrp="1"/>
+          </p:cNvSpPr>
           <p:nvPr>
-            <p:ph idx="1" type="subTitle"/>
+            <p:ph type="subTitle" idx="1"/>
           </p:nvPr>
         </p:nvSpPr>
         <p:spPr>
@@ -8767,12 +9158,12 @@
           </a:prstGeom>
         </p:spPr>
         <p:txBody>
-          <a:bodyPr anchorCtr="0" anchor="t" bIns="91425" lIns="91425" spcFirstLastPara="1" rIns="91425" wrap="square" tIns="91425">
+          <a:bodyPr spcFirstLastPara="1" wrap="square" lIns="91425" tIns="91425" rIns="91425" bIns="91425" anchor="t" anchorCtr="0">
             <a:noAutofit/>
           </a:bodyPr>
           <a:lstStyle/>
           <a:p>
-            <a:pPr indent="0" lvl="0" marL="0" rtl="0" algn="ctr">
+            <a:pPr marL="0" lvl="0" indent="0" algn="ctr" rtl="0">
               <a:spcBef>
                 <a:spcPts val="0"/>
               </a:spcBef>
@@ -8782,50 +9173,38 @@
               <a:buNone/>
             </a:pPr>
             <a:r>
-              <a:rPr lang="en" sz="1800"/>
-              <a:t>Ben Kueffler • </a:t>
+              <a:rPr lang="en" sz="1800" dirty="0"/>
+              <a:t>Ben Kueffler • Christopher Cole</a:t>
+            </a:r>
+            <a:endParaRPr sz="1800" dirty="0"/>
+          </a:p>
+          <a:p>
+            <a:pPr marL="0" lvl="0" indent="0" algn="ctr" rtl="0">
+              <a:spcBef>
+                <a:spcPts val="0"/>
+              </a:spcBef>
+              <a:spcAft>
+                <a:spcPts val="0"/>
+              </a:spcAft>
+              <a:buNone/>
+            </a:pPr>
+            <a:r>
+              <a:rPr lang="en" sz="1800" dirty="0"/>
+              <a:t>Sasoun Torousian • Vlad Cretu</a:t>
+            </a:r>
+            <a:endParaRPr sz="1800" dirty="0"/>
+          </a:p>
+          <a:p>
+            <a:pPr marL="0" lvl="0" indent="0"/>
+            <a:r>
+              <a:rPr lang="en" sz="1800" dirty="0"/>
+              <a:t>Rafi </a:t>
             </a:r>
             <a:r>
-              <a:rPr lang="en" sz="1800"/>
-              <a:t>Christopher Cole</a:t>
+              <a:rPr lang="en" sz="1800" dirty="0" smtClean="0"/>
+              <a:t>Meguerdijian • Dr. Mohammad El-Hadedy</a:t>
             </a:r>
-            <a:endParaRPr sz="1800"/>
-          </a:p>
-          <a:p>
-            <a:pPr indent="0" lvl="0" marL="0" rtl="0" algn="ctr">
-              <a:spcBef>
-                <a:spcPts val="0"/>
-              </a:spcBef>
-              <a:spcAft>
-                <a:spcPts val="0"/>
-              </a:spcAft>
-              <a:buNone/>
-            </a:pPr>
-            <a:r>
-              <a:rPr lang="en" sz="1800"/>
-              <a:t>Sasoun Torousian</a:t>
-            </a:r>
-            <a:r>
-              <a:rPr lang="en" sz="1800"/>
-              <a:t> • Vlad Cretu</a:t>
-            </a:r>
-            <a:endParaRPr sz="1800"/>
-          </a:p>
-          <a:p>
-            <a:pPr indent="0" lvl="0" marL="0" rtl="0" algn="ctr">
-              <a:spcBef>
-                <a:spcPts val="0"/>
-              </a:spcBef>
-              <a:spcAft>
-                <a:spcPts val="0"/>
-              </a:spcAft>
-              <a:buNone/>
-            </a:pPr>
-            <a:r>
-              <a:rPr lang="en" sz="1800"/>
-              <a:t>Rafi Meguerdijian</a:t>
-            </a:r>
-            <a:endParaRPr sz="1800"/>
+            <a:endParaRPr sz="1800" dirty="0"/>
           </a:p>
         </p:txBody>
       </p:sp>
@@ -8838,11 +9217,11 @@
 </file>
 
 <file path=ppt/slides/slide10.xml><?xml version="1.0" encoding="utf-8"?>
-<p:sld xmlns:a="http://schemas.openxmlformats.org/drawingml/2006/main" xmlns:r="http://schemas.openxmlformats.org/officeDocument/2006/relationships" xmlns:mc="http://schemas.openxmlformats.org/markup-compatibility/2006" xmlns:mv="urn:schemas-microsoft-com:mac:vml" xmlns:p="http://schemas.openxmlformats.org/presentationml/2006/main" xmlns:c="http://schemas.openxmlformats.org/drawingml/2006/chart" xmlns:dgm="http://schemas.openxmlformats.org/drawingml/2006/diagram" xmlns:o="urn:schemas-microsoft-com:office:office" xmlns:v="urn:schemas-microsoft-com:vml" xmlns:pvml="urn:schemas-microsoft-com:office:powerpoint" xmlns:com="http://schemas.openxmlformats.org/drawingml/2006/compatibility" xmlns:p14="http://schemas.microsoft.com/office/powerpoint/2010/main" xmlns:p15="http://schemas.microsoft.com/office/powerpoint/2012/main">
+<p:sld xmlns:a="http://schemas.openxmlformats.org/drawingml/2006/main" xmlns:r="http://schemas.openxmlformats.org/officeDocument/2006/relationships" xmlns:p="http://schemas.openxmlformats.org/presentationml/2006/main">
   <p:cSld>
     <p:spTree>
       <p:nvGrpSpPr>
-        <p:cNvPr id="117" name="Shape 117"/>
+        <p:cNvPr id="1" name="Shape 117"/>
         <p:cNvGrpSpPr/>
         <p:nvPr/>
       </p:nvGrpSpPr>
@@ -8857,7 +9236,9 @@
       <p:sp>
         <p:nvSpPr>
           <p:cNvPr id="118" name="Google Shape;118;p22"/>
-          <p:cNvSpPr txBox="1"/>
+          <p:cNvSpPr txBox="1">
+            <a:spLocks noGrp="1"/>
+          </p:cNvSpPr>
           <p:nvPr>
             <p:ph type="title"/>
           </p:nvPr>
@@ -8872,12 +9253,12 @@
           </a:prstGeom>
         </p:spPr>
         <p:txBody>
-          <a:bodyPr anchorCtr="0" anchor="b" bIns="91425" lIns="91425" spcFirstLastPara="1" rIns="91425" wrap="square" tIns="91425">
+          <a:bodyPr spcFirstLastPara="1" wrap="square" lIns="91425" tIns="91425" rIns="91425" bIns="91425" anchor="b" anchorCtr="0">
             <a:noAutofit/>
           </a:bodyPr>
           <a:lstStyle/>
           <a:p>
-            <a:pPr indent="0" lvl="0" marL="0" rtl="0" algn="l">
+            <a:pPr marL="0" lvl="0" indent="0" algn="l" rtl="0">
               <a:spcBef>
                 <a:spcPts val="0"/>
               </a:spcBef>
@@ -8897,9 +9278,11 @@
       <p:sp>
         <p:nvSpPr>
           <p:cNvPr id="119" name="Google Shape;119;p22"/>
-          <p:cNvSpPr txBox="1"/>
+          <p:cNvSpPr txBox="1">
+            <a:spLocks noGrp="1"/>
+          </p:cNvSpPr>
           <p:nvPr>
-            <p:ph idx="1" type="body"/>
+            <p:ph type="body" idx="1"/>
           </p:nvPr>
         </p:nvSpPr>
         <p:spPr>
@@ -8912,12 +9295,12 @@
           </a:prstGeom>
         </p:spPr>
         <p:txBody>
-          <a:bodyPr anchorCtr="0" anchor="t" bIns="91425" lIns="91425" spcFirstLastPara="1" rIns="91425" wrap="square" tIns="91425">
+          <a:bodyPr spcFirstLastPara="1" wrap="square" lIns="91425" tIns="91425" rIns="91425" bIns="91425" anchor="t" anchorCtr="0">
             <a:noAutofit/>
           </a:bodyPr>
           <a:lstStyle/>
           <a:p>
-            <a:pPr indent="-342900" lvl="0" marL="457200" rtl="0" algn="l">
+            <a:pPr marL="457200" lvl="0" indent="-342900" algn="l" rtl="0">
               <a:spcBef>
                 <a:spcPts val="0"/>
               </a:spcBef>
@@ -8934,7 +9317,7 @@
             <a:endParaRPr/>
           </a:p>
           <a:p>
-            <a:pPr indent="-342900" lvl="0" marL="457200" rtl="0" algn="l">
+            <a:pPr marL="457200" lvl="0" indent="-342900" algn="l" rtl="0">
               <a:spcBef>
                 <a:spcPts val="0"/>
               </a:spcBef>
@@ -8951,7 +9334,7 @@
             <a:endParaRPr/>
           </a:p>
           <a:p>
-            <a:pPr indent="-342900" lvl="0" marL="457200" rtl="0" algn="l">
+            <a:pPr marL="457200" lvl="0" indent="-342900" algn="l" rtl="0">
               <a:spcBef>
                 <a:spcPts val="0"/>
               </a:spcBef>
@@ -8968,7 +9351,7 @@
             <a:endParaRPr/>
           </a:p>
           <a:p>
-            <a:pPr indent="-342900" lvl="0" marL="457200" rtl="0" algn="l">
+            <a:pPr marL="457200" lvl="0" indent="-342900" algn="l" rtl="0">
               <a:spcBef>
                 <a:spcPts val="0"/>
               </a:spcBef>
@@ -8985,7 +9368,7 @@
             <a:endParaRPr/>
           </a:p>
           <a:p>
-            <a:pPr indent="-342900" lvl="0" marL="457200" rtl="0" algn="l">
+            <a:pPr marL="457200" lvl="0" indent="-342900" algn="l" rtl="0">
               <a:spcBef>
                 <a:spcPts val="0"/>
               </a:spcBef>
@@ -9002,7 +9385,7 @@
             <a:endParaRPr/>
           </a:p>
           <a:p>
-            <a:pPr indent="-342900" lvl="0" marL="457200" rtl="0" algn="l">
+            <a:pPr marL="457200" lvl="0" indent="-342900" algn="l" rtl="0">
               <a:spcBef>
                 <a:spcPts val="0"/>
               </a:spcBef>
@@ -9057,11 +9440,11 @@
 </file>
 
 <file path=ppt/slides/slide11.xml><?xml version="1.0" encoding="utf-8"?>
-<p:sld xmlns:a="http://schemas.openxmlformats.org/drawingml/2006/main" xmlns:r="http://schemas.openxmlformats.org/officeDocument/2006/relationships" xmlns:mc="http://schemas.openxmlformats.org/markup-compatibility/2006" xmlns:mv="urn:schemas-microsoft-com:mac:vml" xmlns:p="http://schemas.openxmlformats.org/presentationml/2006/main" xmlns:c="http://schemas.openxmlformats.org/drawingml/2006/chart" xmlns:dgm="http://schemas.openxmlformats.org/drawingml/2006/diagram" xmlns:o="urn:schemas-microsoft-com:office:office" xmlns:v="urn:schemas-microsoft-com:vml" xmlns:pvml="urn:schemas-microsoft-com:office:powerpoint" xmlns:com="http://schemas.openxmlformats.org/drawingml/2006/compatibility" xmlns:p14="http://schemas.microsoft.com/office/powerpoint/2010/main" xmlns:p15="http://schemas.microsoft.com/office/powerpoint/2012/main">
+<p:sld xmlns:a="http://schemas.openxmlformats.org/drawingml/2006/main" xmlns:r="http://schemas.openxmlformats.org/officeDocument/2006/relationships" xmlns:p="http://schemas.openxmlformats.org/presentationml/2006/main">
   <p:cSld>
     <p:spTree>
       <p:nvGrpSpPr>
-        <p:cNvPr id="124" name="Shape 124"/>
+        <p:cNvPr id="1" name="Shape 124"/>
         <p:cNvGrpSpPr/>
         <p:nvPr/>
       </p:nvGrpSpPr>
@@ -9076,7 +9459,9 @@
       <p:sp>
         <p:nvSpPr>
           <p:cNvPr id="125" name="Google Shape;125;p23"/>
-          <p:cNvSpPr txBox="1"/>
+          <p:cNvSpPr txBox="1">
+            <a:spLocks noGrp="1"/>
+          </p:cNvSpPr>
           <p:nvPr>
             <p:ph type="title"/>
           </p:nvPr>
@@ -9091,12 +9476,12 @@
           </a:prstGeom>
         </p:spPr>
         <p:txBody>
-          <a:bodyPr anchorCtr="0" anchor="b" bIns="91425" lIns="91425" spcFirstLastPara="1" rIns="91425" wrap="square" tIns="91425">
+          <a:bodyPr spcFirstLastPara="1" wrap="square" lIns="91425" tIns="91425" rIns="91425" bIns="91425" anchor="b" anchorCtr="0">
             <a:noAutofit/>
           </a:bodyPr>
           <a:lstStyle/>
           <a:p>
-            <a:pPr indent="0" lvl="0" marL="0" rtl="0" algn="l">
+            <a:pPr marL="0" lvl="0" indent="0" algn="l" rtl="0">
               <a:spcBef>
                 <a:spcPts val="0"/>
               </a:spcBef>
@@ -9127,9 +9512,11 @@
       <p:sp>
         <p:nvSpPr>
           <p:cNvPr id="126" name="Google Shape;126;p23"/>
-          <p:cNvSpPr txBox="1"/>
+          <p:cNvSpPr txBox="1">
+            <a:spLocks noGrp="1"/>
+          </p:cNvSpPr>
           <p:nvPr>
-            <p:ph idx="1" type="body"/>
+            <p:ph type="body" idx="1"/>
           </p:nvPr>
         </p:nvSpPr>
         <p:spPr>
@@ -9142,12 +9529,12 @@
           </a:prstGeom>
         </p:spPr>
         <p:txBody>
-          <a:bodyPr anchorCtr="0" anchor="t" bIns="91425" lIns="91425" spcFirstLastPara="1" rIns="91425" wrap="square" tIns="91425">
+          <a:bodyPr spcFirstLastPara="1" wrap="square" lIns="91425" tIns="91425" rIns="91425" bIns="91425" anchor="t" anchorCtr="0">
             <a:noAutofit/>
           </a:bodyPr>
           <a:lstStyle/>
           <a:p>
-            <a:pPr indent="-342900" lvl="0" marL="457200" rtl="0" algn="l">
+            <a:pPr marL="457200" lvl="0" indent="-342900" algn="l" rtl="0">
               <a:spcBef>
                 <a:spcPts val="0"/>
               </a:spcBef>
@@ -9164,7 +9551,7 @@
             <a:endParaRPr/>
           </a:p>
           <a:p>
-            <a:pPr indent="-317500" lvl="1" marL="914400" rtl="0" algn="l">
+            <a:pPr marL="914400" lvl="1" indent="-317500" algn="l" rtl="0">
               <a:spcBef>
                 <a:spcPts val="0"/>
               </a:spcBef>
@@ -9181,7 +9568,7 @@
             <a:endParaRPr/>
           </a:p>
           <a:p>
-            <a:pPr indent="-317500" lvl="1" marL="914400" rtl="0" algn="l">
+            <a:pPr marL="914400" lvl="1" indent="-317500" algn="l" rtl="0">
               <a:spcBef>
                 <a:spcPts val="0"/>
               </a:spcBef>
@@ -9198,7 +9585,7 @@
             <a:endParaRPr/>
           </a:p>
           <a:p>
-            <a:pPr indent="-342900" lvl="0" marL="457200" rtl="0" algn="l">
+            <a:pPr marL="457200" lvl="0" indent="-342900" algn="l" rtl="0">
               <a:spcBef>
                 <a:spcPts val="0"/>
               </a:spcBef>
@@ -9215,7 +9602,7 @@
             <a:endParaRPr/>
           </a:p>
           <a:p>
-            <a:pPr indent="-342900" lvl="0" marL="457200" rtl="0" algn="l">
+            <a:pPr marL="457200" lvl="0" indent="-342900" algn="l" rtl="0">
               <a:spcBef>
                 <a:spcPts val="0"/>
               </a:spcBef>
@@ -9232,7 +9619,7 @@
             <a:endParaRPr/>
           </a:p>
           <a:p>
-            <a:pPr indent="-342900" lvl="0" marL="457200" rtl="0" algn="l">
+            <a:pPr marL="457200" lvl="0" indent="-342900" algn="l" rtl="0">
               <a:spcBef>
                 <a:spcPts val="0"/>
               </a:spcBef>
@@ -9249,7 +9636,7 @@
             <a:endParaRPr/>
           </a:p>
           <a:p>
-            <a:pPr indent="-317500" lvl="1" marL="914400" rtl="0" algn="l">
+            <a:pPr marL="914400" lvl="1" indent="-317500" algn="l" rtl="0">
               <a:spcBef>
                 <a:spcPts val="0"/>
               </a:spcBef>
@@ -9266,7 +9653,7 @@
             <a:endParaRPr/>
           </a:p>
           <a:p>
-            <a:pPr indent="-342900" lvl="0" marL="457200" rtl="0" algn="l">
+            <a:pPr marL="457200" lvl="0" indent="-342900" algn="l" rtl="0">
               <a:spcBef>
                 <a:spcPts val="0"/>
               </a:spcBef>
@@ -9283,7 +9670,7 @@
             <a:endParaRPr/>
           </a:p>
           <a:p>
-            <a:pPr indent="-342900" lvl="0" marL="457200" rtl="0" algn="l">
+            <a:pPr marL="457200" lvl="0" indent="-342900" algn="l" rtl="0">
               <a:spcBef>
                 <a:spcPts val="0"/>
               </a:spcBef>
@@ -9310,11 +9697,11 @@
 </file>
 
 <file path=ppt/slides/slide12.xml><?xml version="1.0" encoding="utf-8"?>
-<p:sld xmlns:a="http://schemas.openxmlformats.org/drawingml/2006/main" xmlns:r="http://schemas.openxmlformats.org/officeDocument/2006/relationships" xmlns:mc="http://schemas.openxmlformats.org/markup-compatibility/2006" xmlns:mv="urn:schemas-microsoft-com:mac:vml" xmlns:p="http://schemas.openxmlformats.org/presentationml/2006/main" xmlns:c="http://schemas.openxmlformats.org/drawingml/2006/chart" xmlns:dgm="http://schemas.openxmlformats.org/drawingml/2006/diagram" xmlns:o="urn:schemas-microsoft-com:office:office" xmlns:v="urn:schemas-microsoft-com:vml" xmlns:pvml="urn:schemas-microsoft-com:office:powerpoint" xmlns:com="http://schemas.openxmlformats.org/drawingml/2006/compatibility" xmlns:p14="http://schemas.microsoft.com/office/powerpoint/2010/main" xmlns:p15="http://schemas.microsoft.com/office/powerpoint/2012/main">
+<p:sld xmlns:a="http://schemas.openxmlformats.org/drawingml/2006/main" xmlns:r="http://schemas.openxmlformats.org/officeDocument/2006/relationships" xmlns:p="http://schemas.openxmlformats.org/presentationml/2006/main">
   <p:cSld>
     <p:spTree>
       <p:nvGrpSpPr>
-        <p:cNvPr id="130" name="Shape 130"/>
+        <p:cNvPr id="1" name="Shape 130"/>
         <p:cNvGrpSpPr/>
         <p:nvPr/>
       </p:nvGrpSpPr>
@@ -9329,7 +9716,9 @@
       <p:sp>
         <p:nvSpPr>
           <p:cNvPr id="131" name="Google Shape;131;p24"/>
-          <p:cNvSpPr txBox="1"/>
+          <p:cNvSpPr txBox="1">
+            <a:spLocks noGrp="1"/>
+          </p:cNvSpPr>
           <p:nvPr>
             <p:ph type="title"/>
           </p:nvPr>
@@ -9344,12 +9733,12 @@
           </a:prstGeom>
         </p:spPr>
         <p:txBody>
-          <a:bodyPr anchorCtr="0" anchor="b" bIns="91425" lIns="91425" spcFirstLastPara="1" rIns="91425" wrap="square" tIns="91425">
+          <a:bodyPr spcFirstLastPara="1" wrap="square" lIns="91425" tIns="91425" rIns="91425" bIns="91425" anchor="b" anchorCtr="0">
             <a:noAutofit/>
           </a:bodyPr>
           <a:lstStyle/>
           <a:p>
-            <a:pPr indent="0" lvl="0" marL="0" rtl="0" algn="l">
+            <a:pPr marL="0" lvl="0" indent="0" algn="l" rtl="0">
               <a:spcBef>
                 <a:spcPts val="0"/>
               </a:spcBef>
@@ -9374,9 +9763,11 @@
       <p:sp>
         <p:nvSpPr>
           <p:cNvPr id="132" name="Google Shape;132;p24"/>
-          <p:cNvSpPr txBox="1"/>
+          <p:cNvSpPr txBox="1">
+            <a:spLocks noGrp="1"/>
+          </p:cNvSpPr>
           <p:nvPr>
-            <p:ph idx="1" type="body"/>
+            <p:ph type="body" idx="1"/>
           </p:nvPr>
         </p:nvSpPr>
         <p:spPr>
@@ -9389,12 +9780,12 @@
           </a:prstGeom>
         </p:spPr>
         <p:txBody>
-          <a:bodyPr anchorCtr="0" anchor="t" bIns="91425" lIns="91425" spcFirstLastPara="1" rIns="91425" wrap="square" tIns="91425">
+          <a:bodyPr spcFirstLastPara="1" wrap="square" lIns="91425" tIns="91425" rIns="91425" bIns="91425" anchor="t" anchorCtr="0">
             <a:noAutofit/>
           </a:bodyPr>
           <a:lstStyle/>
           <a:p>
-            <a:pPr indent="-342900" lvl="0" marL="457200" rtl="0" algn="l">
+            <a:pPr marL="457200" lvl="0" indent="-342900" algn="l" rtl="0">
               <a:spcBef>
                 <a:spcPts val="0"/>
               </a:spcBef>
@@ -9411,7 +9802,7 @@
             <a:endParaRPr/>
           </a:p>
           <a:p>
-            <a:pPr indent="0" lvl="0" marL="0" rtl="0" algn="l">
+            <a:pPr marL="0" lvl="0" indent="0" algn="l" rtl="0">
               <a:spcBef>
                 <a:spcPts val="1600"/>
               </a:spcBef>
@@ -9427,7 +9818,7 @@
             <a:endParaRPr/>
           </a:p>
           <a:p>
-            <a:pPr indent="0" lvl="0" marL="0" rtl="0" algn="l">
+            <a:pPr marL="0" lvl="0" indent="0" algn="l" rtl="0">
               <a:spcBef>
                 <a:spcPts val="1600"/>
               </a:spcBef>
@@ -9443,7 +9834,7 @@
             <a:endParaRPr/>
           </a:p>
           <a:p>
-            <a:pPr indent="0" lvl="0" marL="0" rtl="0" algn="l">
+            <a:pPr marL="0" lvl="0" indent="0" algn="l" rtl="0">
               <a:spcBef>
                 <a:spcPts val="1600"/>
               </a:spcBef>
@@ -9453,21 +9844,21 @@
               <a:buNone/>
             </a:pPr>
             <a:r>
-              <a:rPr b="1" lang="en"/>
+              <a:rPr lang="en" b="1"/>
               <a:t>C = m^e </a:t>
             </a:r>
             <a:r>
-              <a:rPr b="1" i="1" lang="en"/>
+              <a:rPr lang="en" b="1" i="1"/>
               <a:t>mod</a:t>
             </a:r>
             <a:r>
-              <a:rPr b="1" lang="en"/>
+              <a:rPr lang="en" b="1"/>
               <a:t> n</a:t>
             </a:r>
             <a:endParaRPr b="1"/>
           </a:p>
           <a:p>
-            <a:pPr indent="0" lvl="0" marL="0" rtl="0" algn="l">
+            <a:pPr marL="0" lvl="0" indent="0" algn="l" rtl="0">
               <a:spcBef>
                 <a:spcPts val="1600"/>
               </a:spcBef>
@@ -9477,21 +9868,21 @@
               <a:buNone/>
             </a:pPr>
             <a:r>
-              <a:rPr b="1" lang="en"/>
+              <a:rPr lang="en" b="1"/>
               <a:t>M = c^d </a:t>
             </a:r>
             <a:r>
-              <a:rPr b="1" i="1" lang="en"/>
+              <a:rPr lang="en" b="1" i="1"/>
               <a:t>mod</a:t>
             </a:r>
             <a:r>
-              <a:rPr b="1" lang="en"/>
+              <a:rPr lang="en" b="1"/>
               <a:t> n</a:t>
             </a:r>
             <a:endParaRPr b="1"/>
           </a:p>
           <a:p>
-            <a:pPr indent="-342900" lvl="0" marL="457200" rtl="0" algn="l">
+            <a:pPr marL="457200" lvl="0" indent="-342900" algn="l" rtl="0">
               <a:spcBef>
                 <a:spcPts val="1600"/>
               </a:spcBef>
@@ -9518,11 +9909,11 @@
 </file>
 
 <file path=ppt/slides/slide13.xml><?xml version="1.0" encoding="utf-8"?>
-<p:sld xmlns:a="http://schemas.openxmlformats.org/drawingml/2006/main" xmlns:r="http://schemas.openxmlformats.org/officeDocument/2006/relationships" xmlns:mc="http://schemas.openxmlformats.org/markup-compatibility/2006" xmlns:mv="urn:schemas-microsoft-com:mac:vml" xmlns:p="http://schemas.openxmlformats.org/presentationml/2006/main" xmlns:c="http://schemas.openxmlformats.org/drawingml/2006/chart" xmlns:dgm="http://schemas.openxmlformats.org/drawingml/2006/diagram" xmlns:o="urn:schemas-microsoft-com:office:office" xmlns:v="urn:schemas-microsoft-com:vml" xmlns:pvml="urn:schemas-microsoft-com:office:powerpoint" xmlns:com="http://schemas.openxmlformats.org/drawingml/2006/compatibility" xmlns:p14="http://schemas.microsoft.com/office/powerpoint/2010/main" xmlns:p15="http://schemas.microsoft.com/office/powerpoint/2012/main">
+<p:sld xmlns:a="http://schemas.openxmlformats.org/drawingml/2006/main" xmlns:r="http://schemas.openxmlformats.org/officeDocument/2006/relationships" xmlns:p="http://schemas.openxmlformats.org/presentationml/2006/main">
   <p:cSld>
     <p:spTree>
       <p:nvGrpSpPr>
-        <p:cNvPr id="136" name="Shape 136"/>
+        <p:cNvPr id="1" name="Shape 136"/>
         <p:cNvGrpSpPr/>
         <p:nvPr/>
       </p:nvGrpSpPr>
@@ -9537,7 +9928,9 @@
       <p:sp>
         <p:nvSpPr>
           <p:cNvPr id="137" name="Google Shape;137;p25"/>
-          <p:cNvSpPr txBox="1"/>
+          <p:cNvSpPr txBox="1">
+            <a:spLocks noGrp="1"/>
+          </p:cNvSpPr>
           <p:nvPr>
             <p:ph type="title"/>
           </p:nvPr>
@@ -9552,12 +9945,12 @@
           </a:prstGeom>
         </p:spPr>
         <p:txBody>
-          <a:bodyPr anchorCtr="0" anchor="b" bIns="91425" lIns="91425" spcFirstLastPara="1" rIns="91425" wrap="square" tIns="91425">
+          <a:bodyPr spcFirstLastPara="1" wrap="square" lIns="91425" tIns="91425" rIns="91425" bIns="91425" anchor="b" anchorCtr="0">
             <a:noAutofit/>
           </a:bodyPr>
           <a:lstStyle/>
           <a:p>
-            <a:pPr indent="0" lvl="0" marL="0" rtl="0" algn="l">
+            <a:pPr marL="0" lvl="0" indent="0" algn="l" rtl="0">
               <a:spcBef>
                 <a:spcPts val="0"/>
               </a:spcBef>
@@ -9582,9 +9975,11 @@
       <p:sp>
         <p:nvSpPr>
           <p:cNvPr id="138" name="Google Shape;138;p25"/>
-          <p:cNvSpPr txBox="1"/>
+          <p:cNvSpPr txBox="1">
+            <a:spLocks noGrp="1"/>
+          </p:cNvSpPr>
           <p:nvPr>
-            <p:ph idx="1" type="body"/>
+            <p:ph type="body" idx="1"/>
           </p:nvPr>
         </p:nvSpPr>
         <p:spPr>
@@ -9597,12 +9992,12 @@
           </a:prstGeom>
         </p:spPr>
         <p:txBody>
-          <a:bodyPr anchorCtr="0" anchor="t" bIns="91425" lIns="91425" spcFirstLastPara="1" rIns="91425" wrap="square" tIns="91425">
+          <a:bodyPr spcFirstLastPara="1" wrap="square" lIns="91425" tIns="91425" rIns="91425" bIns="91425" anchor="t" anchorCtr="0">
             <a:noAutofit/>
           </a:bodyPr>
           <a:lstStyle/>
           <a:p>
-            <a:pPr indent="-342900" lvl="0" marL="457200" rtl="0" algn="l">
+            <a:pPr marL="457200" lvl="0" indent="-342900" algn="l" rtl="0">
               <a:spcBef>
                 <a:spcPts val="0"/>
               </a:spcBef>
@@ -9619,7 +10014,7 @@
             <a:endParaRPr/>
           </a:p>
           <a:p>
-            <a:pPr indent="-342900" lvl="0" marL="457200" rtl="0" algn="l">
+            <a:pPr marL="457200" lvl="0" indent="-342900" algn="l" rtl="0">
               <a:spcBef>
                 <a:spcPts val="0"/>
               </a:spcBef>
@@ -9668,9 +10063,11 @@
       <p:sp>
         <p:nvSpPr>
           <p:cNvPr id="140" name="Google Shape;140;p25"/>
-          <p:cNvSpPr txBox="1"/>
+          <p:cNvSpPr txBox="1">
+            <a:spLocks noGrp="1"/>
+          </p:cNvSpPr>
           <p:nvPr>
-            <p:ph idx="1" type="body"/>
+            <p:ph type="body" idx="1"/>
           </p:nvPr>
         </p:nvSpPr>
         <p:spPr>
@@ -9683,12 +10080,12 @@
           </a:prstGeom>
         </p:spPr>
         <p:txBody>
-          <a:bodyPr anchorCtr="0" anchor="t" bIns="91425" lIns="91425" spcFirstLastPara="1" rIns="91425" wrap="square" tIns="91425">
+          <a:bodyPr spcFirstLastPara="1" wrap="square" lIns="91425" tIns="91425" rIns="91425" bIns="91425" anchor="t" anchorCtr="0">
             <a:noAutofit/>
           </a:bodyPr>
           <a:lstStyle/>
           <a:p>
-            <a:pPr indent="-342900" lvl="0" marL="457200" rtl="0" algn="l">
+            <a:pPr marL="457200" lvl="0" indent="-342900" algn="l" rtl="0">
               <a:spcBef>
                 <a:spcPts val="0"/>
               </a:spcBef>
@@ -9715,11 +10112,11 @@
 </file>
 
 <file path=ppt/slides/slide14.xml><?xml version="1.0" encoding="utf-8"?>
-<p:sld xmlns:a="http://schemas.openxmlformats.org/drawingml/2006/main" xmlns:r="http://schemas.openxmlformats.org/officeDocument/2006/relationships" xmlns:mc="http://schemas.openxmlformats.org/markup-compatibility/2006" xmlns:mv="urn:schemas-microsoft-com:mac:vml" xmlns:p="http://schemas.openxmlformats.org/presentationml/2006/main" xmlns:c="http://schemas.openxmlformats.org/drawingml/2006/chart" xmlns:dgm="http://schemas.openxmlformats.org/drawingml/2006/diagram" xmlns:o="urn:schemas-microsoft-com:office:office" xmlns:v="urn:schemas-microsoft-com:vml" xmlns:pvml="urn:schemas-microsoft-com:office:powerpoint" xmlns:com="http://schemas.openxmlformats.org/drawingml/2006/compatibility" xmlns:p14="http://schemas.microsoft.com/office/powerpoint/2010/main" xmlns:p15="http://schemas.microsoft.com/office/powerpoint/2012/main">
+<p:sld xmlns:a="http://schemas.openxmlformats.org/drawingml/2006/main" xmlns:r="http://schemas.openxmlformats.org/officeDocument/2006/relationships" xmlns:p="http://schemas.openxmlformats.org/presentationml/2006/main">
   <p:cSld>
     <p:spTree>
       <p:nvGrpSpPr>
-        <p:cNvPr id="144" name="Shape 144"/>
+        <p:cNvPr id="1" name="Shape 144"/>
         <p:cNvGrpSpPr/>
         <p:nvPr/>
       </p:nvGrpSpPr>
@@ -9734,7 +10131,9 @@
       <p:sp>
         <p:nvSpPr>
           <p:cNvPr id="145" name="Google Shape;145;p26"/>
-          <p:cNvSpPr txBox="1"/>
+          <p:cNvSpPr txBox="1">
+            <a:spLocks noGrp="1"/>
+          </p:cNvSpPr>
           <p:nvPr>
             <p:ph type="title"/>
           </p:nvPr>
@@ -9749,12 +10148,12 @@
           </a:prstGeom>
         </p:spPr>
         <p:txBody>
-          <a:bodyPr anchorCtr="0" anchor="b" bIns="91425" lIns="91425" spcFirstLastPara="1" rIns="91425" wrap="square" tIns="91425">
+          <a:bodyPr spcFirstLastPara="1" wrap="square" lIns="91425" tIns="91425" rIns="91425" bIns="91425" anchor="b" anchorCtr="0">
             <a:noAutofit/>
           </a:bodyPr>
           <a:lstStyle/>
           <a:p>
-            <a:pPr indent="0" lvl="0" marL="0" rtl="0" algn="l">
+            <a:pPr marL="0" lvl="0" indent="0" algn="l" rtl="0">
               <a:spcBef>
                 <a:spcPts val="0"/>
               </a:spcBef>
@@ -9774,9 +10173,11 @@
       <p:sp>
         <p:nvSpPr>
           <p:cNvPr id="146" name="Google Shape;146;p26"/>
-          <p:cNvSpPr txBox="1"/>
+          <p:cNvSpPr txBox="1">
+            <a:spLocks noGrp="1"/>
+          </p:cNvSpPr>
           <p:nvPr>
-            <p:ph idx="1" type="body"/>
+            <p:ph type="body" idx="1"/>
           </p:nvPr>
         </p:nvSpPr>
         <p:spPr>
@@ -9789,12 +10190,12 @@
           </a:prstGeom>
         </p:spPr>
         <p:txBody>
-          <a:bodyPr anchorCtr="0" anchor="t" bIns="91425" lIns="91425" spcFirstLastPara="1" rIns="91425" wrap="square" tIns="91425">
+          <a:bodyPr spcFirstLastPara="1" wrap="square" lIns="91425" tIns="91425" rIns="91425" bIns="91425" anchor="t" anchorCtr="0">
             <a:noAutofit/>
           </a:bodyPr>
           <a:lstStyle/>
           <a:p>
-            <a:pPr indent="0" lvl="0" marL="0" rtl="0" algn="l">
+            <a:pPr marL="0" lvl="0" indent="0" algn="l" rtl="0">
               <a:spcBef>
                 <a:spcPts val="0"/>
               </a:spcBef>
@@ -9804,25 +10205,17 @@
               <a:buNone/>
             </a:pPr>
             <a:r>
-              <a:rPr b="1" lang="en"/>
+              <a:rPr lang="en" b="1"/>
               <a:t>Goal</a:t>
             </a:r>
             <a:r>
               <a:rPr lang="en"/>
-              <a:t>: Compare changes in performance and resources use </a:t>
+              <a:t>: Compare changes in performance and resources use throughout different hardware implementations: </a:t>
             </a:r>
-            <a:r>
-              <a:rPr lang="en"/>
-              <a:t>throughout</a:t>
-            </a:r>
-            <a:r>
-              <a:rPr lang="en"/>
-              <a:t> different hardware implementations: </a:t>
-            </a:r>
-            <a:endParaRPr/>
-          </a:p>
-          <a:p>
-            <a:pPr indent="0" lvl="0" marL="0" rtl="0" algn="l">
+            <a:endParaRPr/>
+          </a:p>
+          <a:p>
+            <a:pPr marL="0" lvl="0" indent="0" algn="l" rtl="0">
               <a:spcBef>
                 <a:spcPts val="1600"/>
               </a:spcBef>
@@ -9838,7 +10231,7 @@
             <a:endParaRPr/>
           </a:p>
           <a:p>
-            <a:pPr indent="0" lvl="0" marL="0" rtl="0" algn="l">
+            <a:pPr marL="0" lvl="0" indent="0" algn="l" rtl="0">
               <a:spcBef>
                 <a:spcPts val="1600"/>
               </a:spcBef>
@@ -9864,11 +10257,11 @@
 </file>
 
 <file path=ppt/slides/slide15.xml><?xml version="1.0" encoding="utf-8"?>
-<p:sld xmlns:a="http://schemas.openxmlformats.org/drawingml/2006/main" xmlns:r="http://schemas.openxmlformats.org/officeDocument/2006/relationships" xmlns:mc="http://schemas.openxmlformats.org/markup-compatibility/2006" xmlns:mv="urn:schemas-microsoft-com:mac:vml" xmlns:p="http://schemas.openxmlformats.org/presentationml/2006/main" xmlns:c="http://schemas.openxmlformats.org/drawingml/2006/chart" xmlns:dgm="http://schemas.openxmlformats.org/drawingml/2006/diagram" xmlns:o="urn:schemas-microsoft-com:office:office" xmlns:v="urn:schemas-microsoft-com:vml" xmlns:pvml="urn:schemas-microsoft-com:office:powerpoint" xmlns:com="http://schemas.openxmlformats.org/drawingml/2006/compatibility" xmlns:p14="http://schemas.microsoft.com/office/powerpoint/2010/main" xmlns:p15="http://schemas.microsoft.com/office/powerpoint/2012/main">
+<p:sld xmlns:a="http://schemas.openxmlformats.org/drawingml/2006/main" xmlns:r="http://schemas.openxmlformats.org/officeDocument/2006/relationships" xmlns:p="http://schemas.openxmlformats.org/presentationml/2006/main">
   <p:cSld>
     <p:spTree>
       <p:nvGrpSpPr>
-        <p:cNvPr id="150" name="Shape 150"/>
+        <p:cNvPr id="1" name="Shape 150"/>
         <p:cNvGrpSpPr/>
         <p:nvPr/>
       </p:nvGrpSpPr>
@@ -9883,7 +10276,9 @@
       <p:sp>
         <p:nvSpPr>
           <p:cNvPr id="151" name="Google Shape;151;p27"/>
-          <p:cNvSpPr txBox="1"/>
+          <p:cNvSpPr txBox="1">
+            <a:spLocks noGrp="1"/>
+          </p:cNvSpPr>
           <p:nvPr>
             <p:ph type="title"/>
           </p:nvPr>
@@ -9898,12 +10293,12 @@
           </a:prstGeom>
         </p:spPr>
         <p:txBody>
-          <a:bodyPr anchorCtr="0" anchor="b" bIns="91425" lIns="91425" spcFirstLastPara="1" rIns="91425" wrap="square" tIns="91425">
+          <a:bodyPr spcFirstLastPara="1" wrap="square" lIns="91425" tIns="91425" rIns="91425" bIns="91425" anchor="b" anchorCtr="0">
             <a:noAutofit/>
           </a:bodyPr>
           <a:lstStyle/>
           <a:p>
-            <a:pPr indent="0" lvl="0" marL="0" rtl="0" algn="l">
+            <a:pPr marL="0" lvl="0" indent="0" algn="l" rtl="0">
               <a:spcBef>
                 <a:spcPts val="0"/>
               </a:spcBef>
@@ -9923,9 +10318,11 @@
       <p:sp>
         <p:nvSpPr>
           <p:cNvPr id="152" name="Google Shape;152;p27"/>
-          <p:cNvSpPr txBox="1"/>
+          <p:cNvSpPr txBox="1">
+            <a:spLocks noGrp="1"/>
+          </p:cNvSpPr>
           <p:nvPr>
-            <p:ph idx="1" type="body"/>
+            <p:ph type="body" idx="1"/>
           </p:nvPr>
         </p:nvSpPr>
         <p:spPr>
@@ -9938,12 +10335,12 @@
           </a:prstGeom>
         </p:spPr>
         <p:txBody>
-          <a:bodyPr anchorCtr="0" anchor="t" bIns="91425" lIns="91425" spcFirstLastPara="1" rIns="91425" wrap="square" tIns="91425">
+          <a:bodyPr spcFirstLastPara="1" wrap="square" lIns="91425" tIns="91425" rIns="91425" bIns="91425" anchor="t" anchorCtr="0">
             <a:noAutofit/>
           </a:bodyPr>
           <a:lstStyle/>
           <a:p>
-            <a:pPr indent="0" lvl="0" marL="0" rtl="0" algn="l">
+            <a:pPr marL="0" lvl="0" indent="0" algn="l" rtl="0">
               <a:spcBef>
                 <a:spcPts val="0"/>
               </a:spcBef>
@@ -9959,7 +10356,7 @@
             <a:endParaRPr/>
           </a:p>
           <a:p>
-            <a:pPr indent="-317500" lvl="0" marL="457200" rtl="0" algn="l">
+            <a:pPr marL="457200" lvl="0" indent="-317500" algn="l" rtl="0">
               <a:lnSpc>
                 <a:spcPct val="100000"/>
               </a:lnSpc>
@@ -9979,7 +10376,7 @@
             <a:endParaRPr sz="1400"/>
           </a:p>
           <a:p>
-            <a:pPr indent="-317500" lvl="0" marL="457200" rtl="0" algn="l">
+            <a:pPr marL="457200" lvl="0" indent="-317500" algn="l" rtl="0">
               <a:lnSpc>
                 <a:spcPct val="100000"/>
               </a:lnSpc>
@@ -9999,7 +10396,7 @@
             <a:endParaRPr sz="1400"/>
           </a:p>
           <a:p>
-            <a:pPr indent="-317500" lvl="0" marL="457200" rtl="0" algn="l">
+            <a:pPr marL="457200" lvl="0" indent="-317500" algn="l" rtl="0">
               <a:lnSpc>
                 <a:spcPct val="100000"/>
               </a:lnSpc>
@@ -10019,7 +10416,7 @@
             <a:endParaRPr sz="1400"/>
           </a:p>
           <a:p>
-            <a:pPr indent="-317500" lvl="0" marL="457200" rtl="0" algn="l">
+            <a:pPr marL="457200" lvl="0" indent="-317500" algn="l" rtl="0">
               <a:lnSpc>
                 <a:spcPct val="100000"/>
               </a:lnSpc>
@@ -10039,7 +10436,7 @@
             <a:endParaRPr sz="1400"/>
           </a:p>
           <a:p>
-            <a:pPr indent="-317500" lvl="0" marL="457200" rtl="0" algn="l">
+            <a:pPr marL="457200" lvl="0" indent="-317500" algn="l" rtl="0">
               <a:lnSpc>
                 <a:spcPct val="100000"/>
               </a:lnSpc>
@@ -10059,7 +10456,7 @@
             <a:endParaRPr sz="1400"/>
           </a:p>
           <a:p>
-            <a:pPr indent="-317500" lvl="0" marL="457200" rtl="0" algn="l">
+            <a:pPr marL="457200" lvl="0" indent="-317500" algn="l" rtl="0">
               <a:lnSpc>
                 <a:spcPct val="100000"/>
               </a:lnSpc>
@@ -10117,11 +10514,11 @@
 </file>
 
 <file path=ppt/slides/slide16.xml><?xml version="1.0" encoding="utf-8"?>
-<p:sld xmlns:a="http://schemas.openxmlformats.org/drawingml/2006/main" xmlns:r="http://schemas.openxmlformats.org/officeDocument/2006/relationships" xmlns:mc="http://schemas.openxmlformats.org/markup-compatibility/2006" xmlns:mv="urn:schemas-microsoft-com:mac:vml" xmlns:p="http://schemas.openxmlformats.org/presentationml/2006/main" xmlns:c="http://schemas.openxmlformats.org/drawingml/2006/chart" xmlns:dgm="http://schemas.openxmlformats.org/drawingml/2006/diagram" xmlns:o="urn:schemas-microsoft-com:office:office" xmlns:v="urn:schemas-microsoft-com:vml" xmlns:pvml="urn:schemas-microsoft-com:office:powerpoint" xmlns:com="http://schemas.openxmlformats.org/drawingml/2006/compatibility" xmlns:p14="http://schemas.microsoft.com/office/powerpoint/2010/main" xmlns:p15="http://schemas.microsoft.com/office/powerpoint/2012/main">
+<p:sld xmlns:a="http://schemas.openxmlformats.org/drawingml/2006/main" xmlns:r="http://schemas.openxmlformats.org/officeDocument/2006/relationships" xmlns:p="http://schemas.openxmlformats.org/presentationml/2006/main">
   <p:cSld>
     <p:spTree>
       <p:nvGrpSpPr>
-        <p:cNvPr id="157" name="Shape 157"/>
+        <p:cNvPr id="1" name="Shape 157"/>
         <p:cNvGrpSpPr/>
         <p:nvPr/>
       </p:nvGrpSpPr>
@@ -10136,7 +10533,9 @@
       <p:sp>
         <p:nvSpPr>
           <p:cNvPr id="158" name="Google Shape;158;p28"/>
-          <p:cNvSpPr txBox="1"/>
+          <p:cNvSpPr txBox="1">
+            <a:spLocks noGrp="1"/>
+          </p:cNvSpPr>
           <p:nvPr>
             <p:ph type="title"/>
           </p:nvPr>
@@ -10151,12 +10550,12 @@
           </a:prstGeom>
         </p:spPr>
         <p:txBody>
-          <a:bodyPr anchorCtr="0" anchor="b" bIns="91425" lIns="91425" spcFirstLastPara="1" rIns="91425" wrap="square" tIns="91425">
+          <a:bodyPr spcFirstLastPara="1" wrap="square" lIns="91425" tIns="91425" rIns="91425" bIns="91425" anchor="b" anchorCtr="0">
             <a:noAutofit/>
           </a:bodyPr>
           <a:lstStyle/>
           <a:p>
-            <a:pPr indent="0" lvl="0" marL="0" rtl="0" algn="l">
+            <a:pPr marL="0" lvl="0" indent="0" algn="l" rtl="0">
               <a:spcBef>
                 <a:spcPts val="0"/>
               </a:spcBef>
@@ -10210,11 +10609,11 @@
 </file>
 
 <file path=ppt/slides/slide17.xml><?xml version="1.0" encoding="utf-8"?>
-<p:sld xmlns:a="http://schemas.openxmlformats.org/drawingml/2006/main" xmlns:r="http://schemas.openxmlformats.org/officeDocument/2006/relationships" xmlns:mc="http://schemas.openxmlformats.org/markup-compatibility/2006" xmlns:mv="urn:schemas-microsoft-com:mac:vml" xmlns:p="http://schemas.openxmlformats.org/presentationml/2006/main" xmlns:c="http://schemas.openxmlformats.org/drawingml/2006/chart" xmlns:dgm="http://schemas.openxmlformats.org/drawingml/2006/diagram" xmlns:o="urn:schemas-microsoft-com:office:office" xmlns:v="urn:schemas-microsoft-com:vml" xmlns:pvml="urn:schemas-microsoft-com:office:powerpoint" xmlns:com="http://schemas.openxmlformats.org/drawingml/2006/compatibility" xmlns:p14="http://schemas.microsoft.com/office/powerpoint/2010/main" xmlns:p15="http://schemas.microsoft.com/office/powerpoint/2012/main">
+<p:sld xmlns:a="http://schemas.openxmlformats.org/drawingml/2006/main" xmlns:r="http://schemas.openxmlformats.org/officeDocument/2006/relationships" xmlns:p="http://schemas.openxmlformats.org/presentationml/2006/main">
   <p:cSld>
     <p:spTree>
       <p:nvGrpSpPr>
-        <p:cNvPr id="163" name="Shape 163"/>
+        <p:cNvPr id="1" name="Shape 163"/>
         <p:cNvGrpSpPr/>
         <p:nvPr/>
       </p:nvGrpSpPr>
@@ -10229,7 +10628,9 @@
       <p:sp>
         <p:nvSpPr>
           <p:cNvPr id="164" name="Google Shape;164;p29"/>
-          <p:cNvSpPr txBox="1"/>
+          <p:cNvSpPr txBox="1">
+            <a:spLocks noGrp="1"/>
+          </p:cNvSpPr>
           <p:nvPr>
             <p:ph type="title"/>
           </p:nvPr>
@@ -10244,12 +10645,12 @@
           </a:prstGeom>
         </p:spPr>
         <p:txBody>
-          <a:bodyPr anchorCtr="0" anchor="b" bIns="91425" lIns="91425" spcFirstLastPara="1" rIns="91425" wrap="square" tIns="91425">
+          <a:bodyPr spcFirstLastPara="1" wrap="square" lIns="91425" tIns="91425" rIns="91425" bIns="91425" anchor="b" anchorCtr="0">
             <a:noAutofit/>
           </a:bodyPr>
           <a:lstStyle/>
           <a:p>
-            <a:pPr indent="0" lvl="0" marL="0" rtl="0" algn="l">
+            <a:pPr marL="0" lvl="0" indent="0" algn="l" rtl="0">
               <a:spcBef>
                 <a:spcPts val="0"/>
               </a:spcBef>
@@ -10269,9 +10670,11 @@
       <p:sp>
         <p:nvSpPr>
           <p:cNvPr id="165" name="Google Shape;165;p29"/>
-          <p:cNvSpPr txBox="1"/>
+          <p:cNvSpPr txBox="1">
+            <a:spLocks noGrp="1"/>
+          </p:cNvSpPr>
           <p:nvPr>
-            <p:ph idx="1" type="body"/>
+            <p:ph type="body" idx="1"/>
           </p:nvPr>
         </p:nvSpPr>
         <p:spPr>
@@ -10284,12 +10687,12 @@
           </a:prstGeom>
         </p:spPr>
         <p:txBody>
-          <a:bodyPr anchorCtr="0" anchor="t" bIns="91425" lIns="91425" spcFirstLastPara="1" rIns="91425" wrap="square" tIns="91425">
+          <a:bodyPr spcFirstLastPara="1" wrap="square" lIns="91425" tIns="91425" rIns="91425" bIns="91425" anchor="t" anchorCtr="0">
             <a:noAutofit/>
           </a:bodyPr>
           <a:lstStyle/>
           <a:p>
-            <a:pPr indent="-342900" lvl="0" marL="457200" rtl="0" algn="l">
+            <a:pPr marL="457200" lvl="0" indent="-342900" algn="l" rtl="0">
               <a:spcBef>
                 <a:spcPts val="0"/>
               </a:spcBef>
@@ -10306,7 +10709,7 @@
             <a:endParaRPr/>
           </a:p>
           <a:p>
-            <a:pPr indent="-342900" lvl="0" marL="457200" rtl="0" algn="l">
+            <a:pPr marL="457200" lvl="0" indent="-342900" algn="l" rtl="0">
               <a:spcBef>
                 <a:spcPts val="0"/>
               </a:spcBef>
@@ -10323,7 +10726,7 @@
             <a:endParaRPr/>
           </a:p>
           <a:p>
-            <a:pPr indent="-342900" lvl="0" marL="457200" rtl="0" algn="l">
+            <a:pPr marL="457200" lvl="0" indent="-342900" algn="l" rtl="0">
               <a:spcBef>
                 <a:spcPts val="0"/>
               </a:spcBef>
@@ -10350,11 +10753,11 @@
 </file>
 
 <file path=ppt/slides/slide18.xml><?xml version="1.0" encoding="utf-8"?>
-<p:sld xmlns:a="http://schemas.openxmlformats.org/drawingml/2006/main" xmlns:r="http://schemas.openxmlformats.org/officeDocument/2006/relationships" xmlns:mc="http://schemas.openxmlformats.org/markup-compatibility/2006" xmlns:mv="urn:schemas-microsoft-com:mac:vml" xmlns:p="http://schemas.openxmlformats.org/presentationml/2006/main" xmlns:c="http://schemas.openxmlformats.org/drawingml/2006/chart" xmlns:dgm="http://schemas.openxmlformats.org/drawingml/2006/diagram" xmlns:o="urn:schemas-microsoft-com:office:office" xmlns:v="urn:schemas-microsoft-com:vml" xmlns:pvml="urn:schemas-microsoft-com:office:powerpoint" xmlns:com="http://schemas.openxmlformats.org/drawingml/2006/compatibility" xmlns:p14="http://schemas.microsoft.com/office/powerpoint/2010/main" xmlns:p15="http://schemas.microsoft.com/office/powerpoint/2012/main">
+<p:sld xmlns:a="http://schemas.openxmlformats.org/drawingml/2006/main" xmlns:r="http://schemas.openxmlformats.org/officeDocument/2006/relationships" xmlns:p="http://schemas.openxmlformats.org/presentationml/2006/main">
   <p:cSld>
     <p:spTree>
       <p:nvGrpSpPr>
-        <p:cNvPr id="169" name="Shape 169"/>
+        <p:cNvPr id="1" name="Shape 169"/>
         <p:cNvGrpSpPr/>
         <p:nvPr/>
       </p:nvGrpSpPr>
@@ -10369,7 +10772,9 @@
       <p:sp>
         <p:nvSpPr>
           <p:cNvPr id="170" name="Google Shape;170;p30"/>
-          <p:cNvSpPr txBox="1"/>
+          <p:cNvSpPr txBox="1">
+            <a:spLocks noGrp="1"/>
+          </p:cNvSpPr>
           <p:nvPr>
             <p:ph type="title"/>
           </p:nvPr>
@@ -10384,12 +10789,12 @@
           </a:prstGeom>
         </p:spPr>
         <p:txBody>
-          <a:bodyPr anchorCtr="0" anchor="b" bIns="91425" lIns="91425" spcFirstLastPara="1" rIns="91425" wrap="square" tIns="91425">
+          <a:bodyPr spcFirstLastPara="1" wrap="square" lIns="91425" tIns="91425" rIns="91425" bIns="91425" anchor="b" anchorCtr="0">
             <a:noAutofit/>
           </a:bodyPr>
           <a:lstStyle/>
           <a:p>
-            <a:pPr indent="0" lvl="0" marL="0" rtl="0" algn="l">
+            <a:pPr marL="0" lvl="0" indent="0" algn="l" rtl="0">
               <a:spcBef>
                 <a:spcPts val="0"/>
               </a:spcBef>
@@ -10443,11 +10848,11 @@
 </file>
 
 <file path=ppt/slides/slide19.xml><?xml version="1.0" encoding="utf-8"?>
-<p:sld xmlns:a="http://schemas.openxmlformats.org/drawingml/2006/main" xmlns:r="http://schemas.openxmlformats.org/officeDocument/2006/relationships" xmlns:mc="http://schemas.openxmlformats.org/markup-compatibility/2006" xmlns:mv="urn:schemas-microsoft-com:mac:vml" xmlns:p="http://schemas.openxmlformats.org/presentationml/2006/main" xmlns:c="http://schemas.openxmlformats.org/drawingml/2006/chart" xmlns:dgm="http://schemas.openxmlformats.org/drawingml/2006/diagram" xmlns:o="urn:schemas-microsoft-com:office:office" xmlns:v="urn:schemas-microsoft-com:vml" xmlns:pvml="urn:schemas-microsoft-com:office:powerpoint" xmlns:com="http://schemas.openxmlformats.org/drawingml/2006/compatibility" xmlns:p14="http://schemas.microsoft.com/office/powerpoint/2010/main" xmlns:p15="http://schemas.microsoft.com/office/powerpoint/2012/main">
+<p:sld xmlns:a="http://schemas.openxmlformats.org/drawingml/2006/main" xmlns:r="http://schemas.openxmlformats.org/officeDocument/2006/relationships" xmlns:p="http://schemas.openxmlformats.org/presentationml/2006/main">
   <p:cSld>
     <p:spTree>
       <p:nvGrpSpPr>
-        <p:cNvPr id="175" name="Shape 175"/>
+        <p:cNvPr id="1" name="Shape 175"/>
         <p:cNvGrpSpPr/>
         <p:nvPr/>
       </p:nvGrpSpPr>
@@ -10462,7 +10867,9 @@
       <p:sp>
         <p:nvSpPr>
           <p:cNvPr id="176" name="Google Shape;176;p31"/>
-          <p:cNvSpPr txBox="1"/>
+          <p:cNvSpPr txBox="1">
+            <a:spLocks noGrp="1"/>
+          </p:cNvSpPr>
           <p:nvPr>
             <p:ph type="title"/>
           </p:nvPr>
@@ -10477,12 +10884,12 @@
           </a:prstGeom>
         </p:spPr>
         <p:txBody>
-          <a:bodyPr anchorCtr="0" anchor="b" bIns="91425" lIns="91425" spcFirstLastPara="1" rIns="91425" wrap="square" tIns="91425">
+          <a:bodyPr spcFirstLastPara="1" wrap="square" lIns="91425" tIns="91425" rIns="91425" bIns="91425" anchor="b" anchorCtr="0">
             <a:noAutofit/>
           </a:bodyPr>
           <a:lstStyle/>
           <a:p>
-            <a:pPr indent="0" lvl="0" marL="0" rtl="0" algn="l">
+            <a:pPr marL="0" lvl="0" indent="0" algn="l" rtl="0">
               <a:spcBef>
                 <a:spcPts val="0"/>
               </a:spcBef>
@@ -10502,9 +10909,11 @@
       <p:sp>
         <p:nvSpPr>
           <p:cNvPr id="177" name="Google Shape;177;p31"/>
-          <p:cNvSpPr txBox="1"/>
+          <p:cNvSpPr txBox="1">
+            <a:spLocks noGrp="1"/>
+          </p:cNvSpPr>
           <p:nvPr>
-            <p:ph idx="1" type="body"/>
+            <p:ph type="body" idx="1"/>
           </p:nvPr>
         </p:nvSpPr>
         <p:spPr>
@@ -10517,12 +10926,12 @@
           </a:prstGeom>
         </p:spPr>
         <p:txBody>
-          <a:bodyPr anchorCtr="0" anchor="t" bIns="91425" lIns="91425" spcFirstLastPara="1" rIns="91425" wrap="square" tIns="91425">
+          <a:bodyPr spcFirstLastPara="1" wrap="square" lIns="91425" tIns="91425" rIns="91425" bIns="91425" anchor="t" anchorCtr="0">
             <a:noAutofit/>
           </a:bodyPr>
           <a:lstStyle/>
           <a:p>
-            <a:pPr indent="-342900" lvl="0" marL="457200" rtl="0" algn="l">
+            <a:pPr marL="457200" lvl="0" indent="-342900" algn="l" rtl="0">
               <a:spcBef>
                 <a:spcPts val="0"/>
               </a:spcBef>
@@ -10539,7 +10948,7 @@
             <a:endParaRPr/>
           </a:p>
           <a:p>
-            <a:pPr indent="-342900" lvl="0" marL="457200" rtl="0" algn="l">
+            <a:pPr marL="457200" lvl="0" indent="-342900" algn="l" rtl="0">
               <a:spcBef>
                 <a:spcPts val="0"/>
               </a:spcBef>
@@ -10556,7 +10965,7 @@
             <a:endParaRPr/>
           </a:p>
           <a:p>
-            <a:pPr indent="-342900" lvl="0" marL="457200" rtl="0" algn="l">
+            <a:pPr marL="457200" lvl="0" indent="-342900" algn="l" rtl="0">
               <a:spcBef>
                 <a:spcPts val="0"/>
               </a:spcBef>
@@ -10573,7 +10982,7 @@
             <a:endParaRPr/>
           </a:p>
           <a:p>
-            <a:pPr indent="-342900" lvl="0" marL="457200" rtl="0" algn="l">
+            <a:pPr marL="457200" lvl="0" indent="-342900" algn="l" rtl="0">
               <a:spcBef>
                 <a:spcPts val="0"/>
               </a:spcBef>
@@ -10600,11 +11009,11 @@
 </file>
 
 <file path=ppt/slides/slide2.xml><?xml version="1.0" encoding="utf-8"?>
-<p:sld xmlns:a="http://schemas.openxmlformats.org/drawingml/2006/main" xmlns:r="http://schemas.openxmlformats.org/officeDocument/2006/relationships" xmlns:mc="http://schemas.openxmlformats.org/markup-compatibility/2006" xmlns:mv="urn:schemas-microsoft-com:mac:vml" xmlns:p="http://schemas.openxmlformats.org/presentationml/2006/main" xmlns:c="http://schemas.openxmlformats.org/drawingml/2006/chart" xmlns:dgm="http://schemas.openxmlformats.org/drawingml/2006/diagram" xmlns:o="urn:schemas-microsoft-com:office:office" xmlns:v="urn:schemas-microsoft-com:vml" xmlns:pvml="urn:schemas-microsoft-com:office:powerpoint" xmlns:com="http://schemas.openxmlformats.org/drawingml/2006/compatibility" xmlns:p14="http://schemas.microsoft.com/office/powerpoint/2010/main" xmlns:p15="http://schemas.microsoft.com/office/powerpoint/2012/main">
+<p:sld xmlns:a="http://schemas.openxmlformats.org/drawingml/2006/main" xmlns:r="http://schemas.openxmlformats.org/officeDocument/2006/relationships" xmlns:p="http://schemas.openxmlformats.org/presentationml/2006/main">
   <p:cSld>
     <p:spTree>
       <p:nvGrpSpPr>
-        <p:cNvPr id="67" name="Shape 67"/>
+        <p:cNvPr id="1" name="Shape 67"/>
         <p:cNvGrpSpPr/>
         <p:nvPr/>
       </p:nvGrpSpPr>
@@ -10619,7 +11028,9 @@
       <p:sp>
         <p:nvSpPr>
           <p:cNvPr id="68" name="Google Shape;68;p14"/>
-          <p:cNvSpPr txBox="1"/>
+          <p:cNvSpPr txBox="1">
+            <a:spLocks noGrp="1"/>
+          </p:cNvSpPr>
           <p:nvPr>
             <p:ph type="title"/>
           </p:nvPr>
@@ -10634,12 +11045,12 @@
           </a:prstGeom>
         </p:spPr>
         <p:txBody>
-          <a:bodyPr anchorCtr="0" anchor="b" bIns="91425" lIns="91425" spcFirstLastPara="1" rIns="91425" wrap="square" tIns="91425">
+          <a:bodyPr spcFirstLastPara="1" wrap="square" lIns="91425" tIns="91425" rIns="91425" bIns="91425" anchor="b" anchorCtr="0">
             <a:noAutofit/>
           </a:bodyPr>
           <a:lstStyle/>
           <a:p>
-            <a:pPr indent="0" lvl="0" marL="0" rtl="0" algn="l">
+            <a:pPr marL="0" lvl="0" indent="0" algn="l" rtl="0">
               <a:spcBef>
                 <a:spcPts val="0"/>
               </a:spcBef>
@@ -10659,9 +11070,11 @@
       <p:sp>
         <p:nvSpPr>
           <p:cNvPr id="69" name="Google Shape;69;p14"/>
-          <p:cNvSpPr txBox="1"/>
+          <p:cNvSpPr txBox="1">
+            <a:spLocks noGrp="1"/>
+          </p:cNvSpPr>
           <p:nvPr>
-            <p:ph idx="1" type="body"/>
+            <p:ph type="body" idx="1"/>
           </p:nvPr>
         </p:nvSpPr>
         <p:spPr>
@@ -10674,12 +11087,12 @@
           </a:prstGeom>
         </p:spPr>
         <p:txBody>
-          <a:bodyPr anchorCtr="0" anchor="t" bIns="91425" lIns="91425" spcFirstLastPara="1" rIns="91425" wrap="square" tIns="91425">
+          <a:bodyPr spcFirstLastPara="1" wrap="square" lIns="91425" tIns="91425" rIns="91425" bIns="91425" anchor="t" anchorCtr="0">
             <a:noAutofit/>
           </a:bodyPr>
           <a:lstStyle/>
           <a:p>
-            <a:pPr indent="-342900" lvl="0" marL="457200" rtl="0" algn="l">
+            <a:pPr marL="457200" lvl="0" indent="-342900" algn="l" rtl="0">
               <a:spcBef>
                 <a:spcPts val="0"/>
               </a:spcBef>
@@ -10696,7 +11109,7 @@
             <a:endParaRPr/>
           </a:p>
           <a:p>
-            <a:pPr indent="-342900" lvl="0" marL="457200" rtl="0" algn="l">
+            <a:pPr marL="457200" lvl="0" indent="-342900" algn="l" rtl="0">
               <a:spcBef>
                 <a:spcPts val="0"/>
               </a:spcBef>
@@ -10713,7 +11126,7 @@
             <a:endParaRPr/>
           </a:p>
           <a:p>
-            <a:pPr indent="-317500" lvl="1" marL="914400" rtl="0" algn="l">
+            <a:pPr marL="914400" lvl="1" indent="-317500" algn="l" rtl="0">
               <a:spcBef>
                 <a:spcPts val="0"/>
               </a:spcBef>
@@ -10730,7 +11143,7 @@
             <a:endParaRPr/>
           </a:p>
           <a:p>
-            <a:pPr indent="-317500" lvl="1" marL="914400" rtl="0" algn="l">
+            <a:pPr marL="914400" lvl="1" indent="-317500" algn="l" rtl="0">
               <a:spcBef>
                 <a:spcPts val="0"/>
               </a:spcBef>
@@ -10747,7 +11160,7 @@
             <a:endParaRPr/>
           </a:p>
           <a:p>
-            <a:pPr indent="-317500" lvl="1" marL="914400" rtl="0" algn="l">
+            <a:pPr marL="914400" lvl="1" indent="-317500" algn="l" rtl="0">
               <a:spcBef>
                 <a:spcPts val="0"/>
               </a:spcBef>
@@ -10774,11 +11187,11 @@
 </file>
 
 <file path=ppt/slides/slide20.xml><?xml version="1.0" encoding="utf-8"?>
-<p:sld xmlns:a="http://schemas.openxmlformats.org/drawingml/2006/main" xmlns:r="http://schemas.openxmlformats.org/officeDocument/2006/relationships" xmlns:mc="http://schemas.openxmlformats.org/markup-compatibility/2006" xmlns:mv="urn:schemas-microsoft-com:mac:vml" xmlns:p="http://schemas.openxmlformats.org/presentationml/2006/main" xmlns:c="http://schemas.openxmlformats.org/drawingml/2006/chart" xmlns:dgm="http://schemas.openxmlformats.org/drawingml/2006/diagram" xmlns:o="urn:schemas-microsoft-com:office:office" xmlns:v="urn:schemas-microsoft-com:vml" xmlns:pvml="urn:schemas-microsoft-com:office:powerpoint" xmlns:com="http://schemas.openxmlformats.org/drawingml/2006/compatibility" xmlns:p14="http://schemas.microsoft.com/office/powerpoint/2010/main" xmlns:p15="http://schemas.microsoft.com/office/powerpoint/2012/main">
+<p:sld xmlns:a="http://schemas.openxmlformats.org/drawingml/2006/main" xmlns:r="http://schemas.openxmlformats.org/officeDocument/2006/relationships" xmlns:p="http://schemas.openxmlformats.org/presentationml/2006/main">
   <p:cSld>
     <p:spTree>
       <p:nvGrpSpPr>
-        <p:cNvPr id="181" name="Shape 181"/>
+        <p:cNvPr id="1" name="Shape 181"/>
         <p:cNvGrpSpPr/>
         <p:nvPr/>
       </p:nvGrpSpPr>
@@ -10793,7 +11206,9 @@
       <p:sp>
         <p:nvSpPr>
           <p:cNvPr id="182" name="Google Shape;182;p32"/>
-          <p:cNvSpPr txBox="1"/>
+          <p:cNvSpPr txBox="1">
+            <a:spLocks noGrp="1"/>
+          </p:cNvSpPr>
           <p:nvPr>
             <p:ph type="title"/>
           </p:nvPr>
@@ -10808,12 +11223,12 @@
           </a:prstGeom>
         </p:spPr>
         <p:txBody>
-          <a:bodyPr anchorCtr="0" anchor="b" bIns="91425" lIns="91425" spcFirstLastPara="1" rIns="91425" wrap="square" tIns="91425">
+          <a:bodyPr spcFirstLastPara="1" wrap="square" lIns="91425" tIns="91425" rIns="91425" bIns="91425" anchor="b" anchorCtr="0">
             <a:noAutofit/>
           </a:bodyPr>
           <a:lstStyle/>
           <a:p>
-            <a:pPr indent="0" lvl="0" marL="0" rtl="0" algn="l">
+            <a:pPr marL="0" lvl="0" indent="0" algn="l" rtl="0">
               <a:spcBef>
                 <a:spcPts val="0"/>
               </a:spcBef>
@@ -10895,11 +11310,11 @@
 </file>
 
 <file path=ppt/slides/slide21.xml><?xml version="1.0" encoding="utf-8"?>
-<p:sld xmlns:a="http://schemas.openxmlformats.org/drawingml/2006/main" xmlns:r="http://schemas.openxmlformats.org/officeDocument/2006/relationships" xmlns:mc="http://schemas.openxmlformats.org/markup-compatibility/2006" xmlns:mv="urn:schemas-microsoft-com:mac:vml" xmlns:p="http://schemas.openxmlformats.org/presentationml/2006/main" xmlns:c="http://schemas.openxmlformats.org/drawingml/2006/chart" xmlns:dgm="http://schemas.openxmlformats.org/drawingml/2006/diagram" xmlns:o="urn:schemas-microsoft-com:office:office" xmlns:v="urn:schemas-microsoft-com:vml" xmlns:pvml="urn:schemas-microsoft-com:office:powerpoint" xmlns:com="http://schemas.openxmlformats.org/drawingml/2006/compatibility" xmlns:p14="http://schemas.microsoft.com/office/powerpoint/2010/main" xmlns:p15="http://schemas.microsoft.com/office/powerpoint/2012/main">
+<p:sld xmlns:a="http://schemas.openxmlformats.org/drawingml/2006/main" xmlns:r="http://schemas.openxmlformats.org/officeDocument/2006/relationships" xmlns:p="http://schemas.openxmlformats.org/presentationml/2006/main">
   <p:cSld>
     <p:spTree>
       <p:nvGrpSpPr>
-        <p:cNvPr id="188" name="Shape 188"/>
+        <p:cNvPr id="1" name="Shape 188"/>
         <p:cNvGrpSpPr/>
         <p:nvPr/>
       </p:nvGrpSpPr>
@@ -10914,7 +11329,9 @@
       <p:sp>
         <p:nvSpPr>
           <p:cNvPr id="189" name="Google Shape;189;p33"/>
-          <p:cNvSpPr txBox="1"/>
+          <p:cNvSpPr txBox="1">
+            <a:spLocks noGrp="1"/>
+          </p:cNvSpPr>
           <p:nvPr>
             <p:ph type="title"/>
           </p:nvPr>
@@ -10929,12 +11346,12 @@
           </a:prstGeom>
         </p:spPr>
         <p:txBody>
-          <a:bodyPr anchorCtr="0" anchor="b" bIns="91425" lIns="91425" spcFirstLastPara="1" rIns="91425" wrap="square" tIns="91425">
+          <a:bodyPr spcFirstLastPara="1" wrap="square" lIns="91425" tIns="91425" rIns="91425" bIns="91425" anchor="b" anchorCtr="0">
             <a:noAutofit/>
           </a:bodyPr>
           <a:lstStyle/>
           <a:p>
-            <a:pPr indent="0" lvl="0" marL="0" rtl="0" algn="l">
+            <a:pPr marL="0" lvl="0" indent="0" algn="l" rtl="0">
               <a:spcBef>
                 <a:spcPts val="0"/>
               </a:spcBef>
@@ -10954,9 +11371,11 @@
       <p:sp>
         <p:nvSpPr>
           <p:cNvPr id="190" name="Google Shape;190;p33"/>
-          <p:cNvSpPr txBox="1"/>
+          <p:cNvSpPr txBox="1">
+            <a:spLocks noGrp="1"/>
+          </p:cNvSpPr>
           <p:nvPr>
-            <p:ph idx="1" type="body"/>
+            <p:ph type="body" idx="1"/>
           </p:nvPr>
         </p:nvSpPr>
         <p:spPr>
@@ -10969,12 +11388,12 @@
           </a:prstGeom>
         </p:spPr>
         <p:txBody>
-          <a:bodyPr anchorCtr="0" anchor="t" bIns="91425" lIns="91425" spcFirstLastPara="1" rIns="91425" wrap="square" tIns="91425">
+          <a:bodyPr spcFirstLastPara="1" wrap="square" lIns="91425" tIns="91425" rIns="91425" bIns="91425" anchor="t" anchorCtr="0">
             <a:noAutofit/>
           </a:bodyPr>
           <a:lstStyle/>
           <a:p>
-            <a:pPr indent="-342900" lvl="0" marL="457200" rtl="0" algn="l">
+            <a:pPr marL="457200" lvl="0" indent="-342900" algn="l" rtl="0">
               <a:spcBef>
                 <a:spcPts val="0"/>
               </a:spcBef>
@@ -10991,7 +11410,7 @@
             <a:endParaRPr/>
           </a:p>
           <a:p>
-            <a:pPr indent="-342900" lvl="0" marL="457200" rtl="0" algn="l">
+            <a:pPr marL="457200" lvl="0" indent="-342900" algn="l" rtl="0">
               <a:spcBef>
                 <a:spcPts val="0"/>
               </a:spcBef>
@@ -11008,7 +11427,7 @@
             <a:endParaRPr/>
           </a:p>
           <a:p>
-            <a:pPr indent="-342900" lvl="0" marL="457200" rtl="0" algn="l">
+            <a:pPr marL="457200" lvl="0" indent="-342900" algn="l" rtl="0">
               <a:spcBef>
                 <a:spcPts val="0"/>
               </a:spcBef>
@@ -11025,7 +11444,7 @@
             <a:endParaRPr/>
           </a:p>
           <a:p>
-            <a:pPr indent="-342900" lvl="0" marL="457200" rtl="0" algn="l">
+            <a:pPr marL="457200" lvl="0" indent="-342900" algn="l" rtl="0">
               <a:spcBef>
                 <a:spcPts val="0"/>
               </a:spcBef>
@@ -11052,11 +11471,11 @@
 </file>
 
 <file path=ppt/slides/slide22.xml><?xml version="1.0" encoding="utf-8"?>
-<p:sld xmlns:a="http://schemas.openxmlformats.org/drawingml/2006/main" xmlns:r="http://schemas.openxmlformats.org/officeDocument/2006/relationships" xmlns:mc="http://schemas.openxmlformats.org/markup-compatibility/2006" xmlns:mv="urn:schemas-microsoft-com:mac:vml" xmlns:p="http://schemas.openxmlformats.org/presentationml/2006/main" xmlns:c="http://schemas.openxmlformats.org/drawingml/2006/chart" xmlns:dgm="http://schemas.openxmlformats.org/drawingml/2006/diagram" xmlns:o="urn:schemas-microsoft-com:office:office" xmlns:v="urn:schemas-microsoft-com:vml" xmlns:pvml="urn:schemas-microsoft-com:office:powerpoint" xmlns:com="http://schemas.openxmlformats.org/drawingml/2006/compatibility" xmlns:p14="http://schemas.microsoft.com/office/powerpoint/2010/main" xmlns:p15="http://schemas.microsoft.com/office/powerpoint/2012/main">
+<p:sld xmlns:a="http://schemas.openxmlformats.org/drawingml/2006/main" xmlns:r="http://schemas.openxmlformats.org/officeDocument/2006/relationships" xmlns:p="http://schemas.openxmlformats.org/presentationml/2006/main">
   <p:cSld>
     <p:spTree>
       <p:nvGrpSpPr>
-        <p:cNvPr id="194" name="Shape 194"/>
+        <p:cNvPr id="1" name="Shape 194"/>
         <p:cNvGrpSpPr/>
         <p:nvPr/>
       </p:nvGrpSpPr>
@@ -11071,7 +11490,9 @@
       <p:sp>
         <p:nvSpPr>
           <p:cNvPr id="195" name="Google Shape;195;p34"/>
-          <p:cNvSpPr txBox="1"/>
+          <p:cNvSpPr txBox="1">
+            <a:spLocks noGrp="1"/>
+          </p:cNvSpPr>
           <p:nvPr>
             <p:ph type="title"/>
           </p:nvPr>
@@ -11086,12 +11507,12 @@
           </a:prstGeom>
         </p:spPr>
         <p:txBody>
-          <a:bodyPr anchorCtr="0" anchor="b" bIns="91425" lIns="91425" spcFirstLastPara="1" rIns="91425" wrap="square" tIns="91425">
+          <a:bodyPr spcFirstLastPara="1" wrap="square" lIns="91425" tIns="91425" rIns="91425" bIns="91425" anchor="b" anchorCtr="0">
             <a:noAutofit/>
           </a:bodyPr>
           <a:lstStyle/>
           <a:p>
-            <a:pPr indent="0" lvl="0" marL="0" rtl="0" algn="l">
+            <a:pPr marL="0" lvl="0" indent="0" algn="l" rtl="0">
               <a:spcBef>
                 <a:spcPts val="0"/>
               </a:spcBef>
@@ -11173,11 +11594,11 @@
 </file>
 
 <file path=ppt/slides/slide23.xml><?xml version="1.0" encoding="utf-8"?>
-<p:sld xmlns:a="http://schemas.openxmlformats.org/drawingml/2006/main" xmlns:r="http://schemas.openxmlformats.org/officeDocument/2006/relationships" xmlns:mc="http://schemas.openxmlformats.org/markup-compatibility/2006" xmlns:mv="urn:schemas-microsoft-com:mac:vml" xmlns:p="http://schemas.openxmlformats.org/presentationml/2006/main" xmlns:c="http://schemas.openxmlformats.org/drawingml/2006/chart" xmlns:dgm="http://schemas.openxmlformats.org/drawingml/2006/diagram" xmlns:o="urn:schemas-microsoft-com:office:office" xmlns:v="urn:schemas-microsoft-com:vml" xmlns:pvml="urn:schemas-microsoft-com:office:powerpoint" xmlns:com="http://schemas.openxmlformats.org/drawingml/2006/compatibility" xmlns:p14="http://schemas.microsoft.com/office/powerpoint/2010/main" xmlns:p15="http://schemas.microsoft.com/office/powerpoint/2012/main">
+<p:sld xmlns:a="http://schemas.openxmlformats.org/drawingml/2006/main" xmlns:r="http://schemas.openxmlformats.org/officeDocument/2006/relationships" xmlns:p="http://schemas.openxmlformats.org/presentationml/2006/main">
   <p:cSld>
     <p:spTree>
       <p:nvGrpSpPr>
-        <p:cNvPr id="201" name="Shape 201"/>
+        <p:cNvPr id="1" name="Shape 201"/>
         <p:cNvGrpSpPr/>
         <p:nvPr/>
       </p:nvGrpSpPr>
@@ -11192,7 +11613,9 @@
       <p:sp>
         <p:nvSpPr>
           <p:cNvPr id="202" name="Google Shape;202;p35"/>
-          <p:cNvSpPr txBox="1"/>
+          <p:cNvSpPr txBox="1">
+            <a:spLocks noGrp="1"/>
+          </p:cNvSpPr>
           <p:nvPr>
             <p:ph type="title"/>
           </p:nvPr>
@@ -11207,12 +11630,12 @@
           </a:prstGeom>
         </p:spPr>
         <p:txBody>
-          <a:bodyPr anchorCtr="0" anchor="b" bIns="91425" lIns="91425" spcFirstLastPara="1" rIns="91425" wrap="square" tIns="91425">
+          <a:bodyPr spcFirstLastPara="1" wrap="square" lIns="91425" tIns="91425" rIns="91425" bIns="91425" anchor="b" anchorCtr="0">
             <a:noAutofit/>
           </a:bodyPr>
           <a:lstStyle/>
           <a:p>
-            <a:pPr indent="0" lvl="0" marL="0" rtl="0" algn="l">
+            <a:pPr marL="0" lvl="0" indent="0" algn="l" rtl="0">
               <a:spcBef>
                 <a:spcPts val="0"/>
               </a:spcBef>
@@ -11232,9 +11655,11 @@
       <p:sp>
         <p:nvSpPr>
           <p:cNvPr id="203" name="Google Shape;203;p35"/>
-          <p:cNvSpPr txBox="1"/>
+          <p:cNvSpPr txBox="1">
+            <a:spLocks noGrp="1"/>
+          </p:cNvSpPr>
           <p:nvPr>
-            <p:ph idx="1" type="body"/>
+            <p:ph type="body" idx="1"/>
           </p:nvPr>
         </p:nvSpPr>
         <p:spPr>
@@ -11247,12 +11672,12 @@
           </a:prstGeom>
         </p:spPr>
         <p:txBody>
-          <a:bodyPr anchorCtr="0" anchor="t" bIns="91425" lIns="91425" spcFirstLastPara="1" rIns="91425" wrap="square" tIns="91425">
+          <a:bodyPr spcFirstLastPara="1" wrap="square" lIns="91425" tIns="91425" rIns="91425" bIns="91425" anchor="t" anchorCtr="0">
             <a:noAutofit/>
           </a:bodyPr>
           <a:lstStyle/>
           <a:p>
-            <a:pPr indent="-342900" lvl="0" marL="457200" rtl="0" algn="l">
+            <a:pPr marL="457200" lvl="0" indent="-342900" algn="l" rtl="0">
               <a:spcBef>
                 <a:spcPts val="0"/>
               </a:spcBef>
@@ -11269,7 +11694,7 @@
             <a:endParaRPr/>
           </a:p>
           <a:p>
-            <a:pPr indent="-342900" lvl="0" marL="457200" rtl="0" algn="l">
+            <a:pPr marL="457200" lvl="0" indent="-342900" algn="l" rtl="0">
               <a:spcBef>
                 <a:spcPts val="0"/>
               </a:spcBef>
@@ -11286,7 +11711,7 @@
             <a:endParaRPr/>
           </a:p>
           <a:p>
-            <a:pPr indent="-342900" lvl="0" marL="457200" rtl="0" algn="l">
+            <a:pPr marL="457200" lvl="0" indent="-342900" algn="l" rtl="0">
               <a:spcBef>
                 <a:spcPts val="0"/>
               </a:spcBef>
@@ -11313,11 +11738,11 @@
 </file>
 
 <file path=ppt/slides/slide24.xml><?xml version="1.0" encoding="utf-8"?>
-<p:sld xmlns:a="http://schemas.openxmlformats.org/drawingml/2006/main" xmlns:r="http://schemas.openxmlformats.org/officeDocument/2006/relationships" xmlns:mc="http://schemas.openxmlformats.org/markup-compatibility/2006" xmlns:mv="urn:schemas-microsoft-com:mac:vml" xmlns:p="http://schemas.openxmlformats.org/presentationml/2006/main" xmlns:c="http://schemas.openxmlformats.org/drawingml/2006/chart" xmlns:dgm="http://schemas.openxmlformats.org/drawingml/2006/diagram" xmlns:o="urn:schemas-microsoft-com:office:office" xmlns:v="urn:schemas-microsoft-com:vml" xmlns:pvml="urn:schemas-microsoft-com:office:powerpoint" xmlns:com="http://schemas.openxmlformats.org/drawingml/2006/compatibility" xmlns:p14="http://schemas.microsoft.com/office/powerpoint/2010/main" xmlns:p15="http://schemas.microsoft.com/office/powerpoint/2012/main">
+<p:sld xmlns:a="http://schemas.openxmlformats.org/drawingml/2006/main" xmlns:r="http://schemas.openxmlformats.org/officeDocument/2006/relationships" xmlns:p="http://schemas.openxmlformats.org/presentationml/2006/main">
   <p:cSld>
     <p:spTree>
       <p:nvGrpSpPr>
-        <p:cNvPr id="207" name="Shape 207"/>
+        <p:cNvPr id="1" name="Shape 207"/>
         <p:cNvGrpSpPr/>
         <p:nvPr/>
       </p:nvGrpSpPr>
@@ -11332,7 +11757,9 @@
       <p:sp>
         <p:nvSpPr>
           <p:cNvPr id="208" name="Google Shape;208;p36"/>
-          <p:cNvSpPr txBox="1"/>
+          <p:cNvSpPr txBox="1">
+            <a:spLocks noGrp="1"/>
+          </p:cNvSpPr>
           <p:nvPr>
             <p:ph type="title"/>
           </p:nvPr>
@@ -11347,12 +11774,12 @@
           </a:prstGeom>
         </p:spPr>
         <p:txBody>
-          <a:bodyPr anchorCtr="0" anchor="b" bIns="91425" lIns="91425" spcFirstLastPara="1" rIns="91425" wrap="square" tIns="91425">
+          <a:bodyPr spcFirstLastPara="1" wrap="square" lIns="91425" tIns="91425" rIns="91425" bIns="91425" anchor="b" anchorCtr="0">
             <a:noAutofit/>
           </a:bodyPr>
           <a:lstStyle/>
           <a:p>
-            <a:pPr indent="0" lvl="0" marL="0" rtl="0" algn="l">
+            <a:pPr marL="0" lvl="0" indent="0" algn="l" rtl="0">
               <a:spcBef>
                 <a:spcPts val="0"/>
               </a:spcBef>
@@ -11372,9 +11799,11 @@
       <p:sp>
         <p:nvSpPr>
           <p:cNvPr id="209" name="Google Shape;209;p36"/>
-          <p:cNvSpPr txBox="1"/>
+          <p:cNvSpPr txBox="1">
+            <a:spLocks noGrp="1"/>
+          </p:cNvSpPr>
           <p:nvPr>
-            <p:ph idx="1" type="body"/>
+            <p:ph type="body" idx="1"/>
           </p:nvPr>
         </p:nvSpPr>
         <p:spPr>
@@ -11387,12 +11816,12 @@
           </a:prstGeom>
         </p:spPr>
         <p:txBody>
-          <a:bodyPr anchorCtr="0" anchor="t" bIns="91425" lIns="91425" spcFirstLastPara="1" rIns="91425" wrap="square" tIns="91425">
+          <a:bodyPr spcFirstLastPara="1" wrap="square" lIns="91425" tIns="91425" rIns="91425" bIns="91425" anchor="t" anchorCtr="0">
             <a:noAutofit/>
           </a:bodyPr>
           <a:lstStyle/>
           <a:p>
-            <a:pPr indent="-342900" lvl="0" marL="457200" rtl="0" algn="l">
+            <a:pPr marL="457200" lvl="0" indent="-342900" algn="l" rtl="0">
               <a:spcBef>
                 <a:spcPts val="0"/>
               </a:spcBef>
@@ -11409,7 +11838,7 @@
             <a:endParaRPr/>
           </a:p>
           <a:p>
-            <a:pPr indent="-342900" lvl="0" marL="457200" rtl="0" algn="l">
+            <a:pPr marL="457200" lvl="0" indent="-342900" algn="l" rtl="0">
               <a:spcBef>
                 <a:spcPts val="0"/>
               </a:spcBef>
@@ -11426,7 +11855,7 @@
             <a:endParaRPr/>
           </a:p>
           <a:p>
-            <a:pPr indent="-342900" lvl="0" marL="457200" rtl="0" algn="l">
+            <a:pPr marL="457200" lvl="0" indent="-342900" algn="l" rtl="0">
               <a:spcBef>
                 <a:spcPts val="0"/>
               </a:spcBef>
@@ -11443,7 +11872,7 @@
             <a:endParaRPr/>
           </a:p>
           <a:p>
-            <a:pPr indent="-342900" lvl="0" marL="457200" rtl="0" algn="l">
+            <a:pPr marL="457200" lvl="0" indent="-342900" algn="l" rtl="0">
               <a:spcBef>
                 <a:spcPts val="0"/>
               </a:spcBef>
@@ -11460,7 +11889,7 @@
             <a:endParaRPr/>
           </a:p>
           <a:p>
-            <a:pPr indent="0" lvl="0" marL="457200" rtl="0" algn="l">
+            <a:pPr marL="457200" lvl="0" indent="0" algn="l" rtl="0">
               <a:spcBef>
                 <a:spcPts val="1600"/>
               </a:spcBef>
@@ -11469,9 +11898,6 @@
               </a:spcAft>
               <a:buNone/>
             </a:pPr>
-            <a:r>
-              <a:t/>
-            </a:r>
             <a:endParaRPr sz="1100">
               <a:latin typeface="Arial"/>
               <a:ea typeface="Arial"/>
@@ -11490,11 +11916,11 @@
 </file>
 
 <file path=ppt/slides/slide25.xml><?xml version="1.0" encoding="utf-8"?>
-<p:sld xmlns:a="http://schemas.openxmlformats.org/drawingml/2006/main" xmlns:r="http://schemas.openxmlformats.org/officeDocument/2006/relationships" xmlns:mc="http://schemas.openxmlformats.org/markup-compatibility/2006" xmlns:mv="urn:schemas-microsoft-com:mac:vml" xmlns:p="http://schemas.openxmlformats.org/presentationml/2006/main" xmlns:c="http://schemas.openxmlformats.org/drawingml/2006/chart" xmlns:dgm="http://schemas.openxmlformats.org/drawingml/2006/diagram" xmlns:o="urn:schemas-microsoft-com:office:office" xmlns:v="urn:schemas-microsoft-com:vml" xmlns:pvml="urn:schemas-microsoft-com:office:powerpoint" xmlns:com="http://schemas.openxmlformats.org/drawingml/2006/compatibility" xmlns:p14="http://schemas.microsoft.com/office/powerpoint/2010/main" xmlns:p15="http://schemas.microsoft.com/office/powerpoint/2012/main">
+<p:sld xmlns:a="http://schemas.openxmlformats.org/drawingml/2006/main" xmlns:r="http://schemas.openxmlformats.org/officeDocument/2006/relationships" xmlns:p="http://schemas.openxmlformats.org/presentationml/2006/main">
   <p:cSld>
     <p:spTree>
       <p:nvGrpSpPr>
-        <p:cNvPr id="213" name="Shape 213"/>
+        <p:cNvPr id="1" name="Shape 213"/>
         <p:cNvGrpSpPr/>
         <p:nvPr/>
       </p:nvGrpSpPr>
@@ -11509,7 +11935,9 @@
       <p:sp>
         <p:nvSpPr>
           <p:cNvPr id="214" name="Google Shape;214;p37"/>
-          <p:cNvSpPr txBox="1"/>
+          <p:cNvSpPr txBox="1">
+            <a:spLocks noGrp="1"/>
+          </p:cNvSpPr>
           <p:nvPr>
             <p:ph type="title"/>
           </p:nvPr>
@@ -11524,12 +11952,12 @@
           </a:prstGeom>
         </p:spPr>
         <p:txBody>
-          <a:bodyPr anchorCtr="0" anchor="b" bIns="91425" lIns="91425" spcFirstLastPara="1" rIns="91425" wrap="square" tIns="91425">
+          <a:bodyPr spcFirstLastPara="1" wrap="square" lIns="91425" tIns="91425" rIns="91425" bIns="91425" anchor="b" anchorCtr="0">
             <a:noAutofit/>
           </a:bodyPr>
           <a:lstStyle/>
           <a:p>
-            <a:pPr indent="0" lvl="0" marL="0" rtl="0" algn="l">
+            <a:pPr marL="0" lvl="0" indent="0" algn="l" rtl="0">
               <a:spcBef>
                 <a:spcPts val="0"/>
               </a:spcBef>
@@ -11549,9 +11977,11 @@
       <p:sp>
         <p:nvSpPr>
           <p:cNvPr id="215" name="Google Shape;215;p37"/>
-          <p:cNvSpPr txBox="1"/>
+          <p:cNvSpPr txBox="1">
+            <a:spLocks noGrp="1"/>
+          </p:cNvSpPr>
           <p:nvPr>
-            <p:ph idx="1" type="body"/>
+            <p:ph type="body" idx="1"/>
           </p:nvPr>
         </p:nvSpPr>
         <p:spPr>
@@ -11564,12 +11994,12 @@
           </a:prstGeom>
         </p:spPr>
         <p:txBody>
-          <a:bodyPr anchorCtr="0" anchor="t" bIns="91425" lIns="91425" spcFirstLastPara="1" rIns="91425" wrap="square" tIns="91425">
+          <a:bodyPr spcFirstLastPara="1" wrap="square" lIns="91425" tIns="91425" rIns="91425" bIns="91425" anchor="t" anchorCtr="0">
             <a:noAutofit/>
           </a:bodyPr>
           <a:lstStyle/>
           <a:p>
-            <a:pPr indent="-342900" lvl="0" marL="457200" rtl="0" algn="l">
+            <a:pPr marL="457200" lvl="0" indent="-342900" algn="l" rtl="0">
               <a:spcBef>
                 <a:spcPts val="0"/>
               </a:spcBef>
@@ -11596,7 +12026,7 @@
             </a:endParaRPr>
           </a:p>
           <a:p>
-            <a:pPr indent="-342900" lvl="0" marL="457200" rtl="0" algn="l">
+            <a:pPr marL="457200" lvl="0" indent="-342900" algn="l" rtl="0">
               <a:spcBef>
                 <a:spcPts val="0"/>
               </a:spcBef>
@@ -11628,11 +12058,11 @@
 </file>
 
 <file path=ppt/slides/slide26.xml><?xml version="1.0" encoding="utf-8"?>
-<p:sld xmlns:a="http://schemas.openxmlformats.org/drawingml/2006/main" xmlns:r="http://schemas.openxmlformats.org/officeDocument/2006/relationships" xmlns:mc="http://schemas.openxmlformats.org/markup-compatibility/2006" xmlns:mv="urn:schemas-microsoft-com:mac:vml" xmlns:p="http://schemas.openxmlformats.org/presentationml/2006/main" xmlns:c="http://schemas.openxmlformats.org/drawingml/2006/chart" xmlns:dgm="http://schemas.openxmlformats.org/drawingml/2006/diagram" xmlns:o="urn:schemas-microsoft-com:office:office" xmlns:v="urn:schemas-microsoft-com:vml" xmlns:pvml="urn:schemas-microsoft-com:office:powerpoint" xmlns:com="http://schemas.openxmlformats.org/drawingml/2006/compatibility" xmlns:p14="http://schemas.microsoft.com/office/powerpoint/2010/main" xmlns:p15="http://schemas.microsoft.com/office/powerpoint/2012/main">
+<p:sld xmlns:a="http://schemas.openxmlformats.org/drawingml/2006/main" xmlns:r="http://schemas.openxmlformats.org/officeDocument/2006/relationships" xmlns:p="http://schemas.openxmlformats.org/presentationml/2006/main">
   <p:cSld>
     <p:spTree>
       <p:nvGrpSpPr>
-        <p:cNvPr id="219" name="Shape 219"/>
+        <p:cNvPr id="1" name="Shape 219"/>
         <p:cNvGrpSpPr/>
         <p:nvPr/>
       </p:nvGrpSpPr>
@@ -11647,7 +12077,9 @@
       <p:sp>
         <p:nvSpPr>
           <p:cNvPr id="220" name="Google Shape;220;p38"/>
-          <p:cNvSpPr txBox="1"/>
+          <p:cNvSpPr txBox="1">
+            <a:spLocks noGrp="1"/>
+          </p:cNvSpPr>
           <p:nvPr>
             <p:ph type="title"/>
           </p:nvPr>
@@ -11662,12 +12094,12 @@
           </a:prstGeom>
         </p:spPr>
         <p:txBody>
-          <a:bodyPr anchorCtr="0" anchor="b" bIns="91425" lIns="91425" spcFirstLastPara="1" rIns="91425" wrap="square" tIns="91425">
+          <a:bodyPr spcFirstLastPara="1" wrap="square" lIns="91425" tIns="91425" rIns="91425" bIns="91425" anchor="b" anchorCtr="0">
             <a:noAutofit/>
           </a:bodyPr>
           <a:lstStyle/>
           <a:p>
-            <a:pPr indent="0" lvl="0" marL="0" rtl="0" algn="l">
+            <a:pPr marL="0" lvl="0" indent="0" algn="l" rtl="0">
               <a:spcBef>
                 <a:spcPts val="0"/>
               </a:spcBef>
@@ -11687,9 +12119,11 @@
       <p:sp>
         <p:nvSpPr>
           <p:cNvPr id="221" name="Google Shape;221;p38"/>
-          <p:cNvSpPr txBox="1"/>
+          <p:cNvSpPr txBox="1">
+            <a:spLocks noGrp="1"/>
+          </p:cNvSpPr>
           <p:nvPr>
-            <p:ph idx="1" type="body"/>
+            <p:ph type="body" idx="1"/>
           </p:nvPr>
         </p:nvSpPr>
         <p:spPr>
@@ -11702,12 +12136,12 @@
           </a:prstGeom>
         </p:spPr>
         <p:txBody>
-          <a:bodyPr anchorCtr="0" anchor="t" bIns="91425" lIns="91425" spcFirstLastPara="1" rIns="91425" wrap="square" tIns="91425">
+          <a:bodyPr spcFirstLastPara="1" wrap="square" lIns="91425" tIns="91425" rIns="91425" bIns="91425" anchor="t" anchorCtr="0">
             <a:noAutofit/>
           </a:bodyPr>
           <a:lstStyle/>
           <a:p>
-            <a:pPr indent="0" lvl="0" marL="0" rtl="0" algn="l">
+            <a:pPr marL="0" lvl="0" indent="0" algn="l" rtl="0">
               <a:spcBef>
                 <a:spcPts val="0"/>
               </a:spcBef>
@@ -11743,7 +12177,7 @@
             </a:endParaRPr>
           </a:p>
           <a:p>
-            <a:pPr indent="0" lvl="0" marL="0" rtl="0" algn="l">
+            <a:pPr marL="0" lvl="0" indent="0" algn="l" rtl="0">
               <a:spcBef>
                 <a:spcPts val="1600"/>
               </a:spcBef>
@@ -11775,7 +12209,7 @@
             </a:endParaRPr>
           </a:p>
           <a:p>
-            <a:pPr indent="0" lvl="0" marL="0" rtl="0" algn="l">
+            <a:pPr marL="0" lvl="0" indent="0" algn="l" rtl="0">
               <a:spcBef>
                 <a:spcPts val="1600"/>
               </a:spcBef>
@@ -11812,7 +12246,7 @@
               <a:t>J. G. Tong, I. D. L. Anderson, and M. A. S. Khalid, “Soft-Core Processors for Embedded Systems,” </a:t>
             </a:r>
             <a:r>
-              <a:rPr i="1" lang="en" sz="1200">
+              <a:rPr lang="en" sz="1200" i="1">
                 <a:solidFill>
                   <a:srgbClr val="323232"/>
                 </a:solidFill>
@@ -11862,11 +12296,11 @@
 </file>
 
 <file path=ppt/slides/slide3.xml><?xml version="1.0" encoding="utf-8"?>
-<p:sld xmlns:a="http://schemas.openxmlformats.org/drawingml/2006/main" xmlns:r="http://schemas.openxmlformats.org/officeDocument/2006/relationships" xmlns:mc="http://schemas.openxmlformats.org/markup-compatibility/2006" xmlns:mv="urn:schemas-microsoft-com:mac:vml" xmlns:p="http://schemas.openxmlformats.org/presentationml/2006/main" xmlns:c="http://schemas.openxmlformats.org/drawingml/2006/chart" xmlns:dgm="http://schemas.openxmlformats.org/drawingml/2006/diagram" xmlns:o="urn:schemas-microsoft-com:office:office" xmlns:v="urn:schemas-microsoft-com:vml" xmlns:pvml="urn:schemas-microsoft-com:office:powerpoint" xmlns:com="http://schemas.openxmlformats.org/drawingml/2006/compatibility" xmlns:p14="http://schemas.microsoft.com/office/powerpoint/2010/main" xmlns:p15="http://schemas.microsoft.com/office/powerpoint/2012/main">
+<p:sld xmlns:a="http://schemas.openxmlformats.org/drawingml/2006/main" xmlns:r="http://schemas.openxmlformats.org/officeDocument/2006/relationships" xmlns:p="http://schemas.openxmlformats.org/presentationml/2006/main">
   <p:cSld>
     <p:spTree>
       <p:nvGrpSpPr>
-        <p:cNvPr id="73" name="Shape 73"/>
+        <p:cNvPr id="1" name="Shape 73"/>
         <p:cNvGrpSpPr/>
         <p:nvPr/>
       </p:nvGrpSpPr>
@@ -11881,7 +12315,9 @@
       <p:sp>
         <p:nvSpPr>
           <p:cNvPr id="74" name="Google Shape;74;p15"/>
-          <p:cNvSpPr txBox="1"/>
+          <p:cNvSpPr txBox="1">
+            <a:spLocks noGrp="1"/>
+          </p:cNvSpPr>
           <p:nvPr>
             <p:ph type="title"/>
           </p:nvPr>
@@ -11896,12 +12332,12 @@
           </a:prstGeom>
         </p:spPr>
         <p:txBody>
-          <a:bodyPr anchorCtr="0" anchor="b" bIns="91425" lIns="91425" spcFirstLastPara="1" rIns="91425" wrap="square" tIns="91425">
+          <a:bodyPr spcFirstLastPara="1" wrap="square" lIns="91425" tIns="91425" rIns="91425" bIns="91425" anchor="b" anchorCtr="0">
             <a:noAutofit/>
           </a:bodyPr>
           <a:lstStyle/>
           <a:p>
-            <a:pPr indent="0" lvl="0" marL="0" rtl="0" algn="l">
+            <a:pPr marL="0" lvl="0" indent="0" algn="l" rtl="0">
               <a:spcBef>
                 <a:spcPts val="0"/>
               </a:spcBef>
@@ -11921,9 +12357,11 @@
       <p:sp>
         <p:nvSpPr>
           <p:cNvPr id="75" name="Google Shape;75;p15"/>
-          <p:cNvSpPr txBox="1"/>
+          <p:cNvSpPr txBox="1">
+            <a:spLocks noGrp="1"/>
+          </p:cNvSpPr>
           <p:nvPr>
-            <p:ph idx="1" type="body"/>
+            <p:ph type="body" idx="1"/>
           </p:nvPr>
         </p:nvSpPr>
         <p:spPr>
@@ -11936,12 +12374,12 @@
           </a:prstGeom>
         </p:spPr>
         <p:txBody>
-          <a:bodyPr anchorCtr="0" anchor="t" bIns="91425" lIns="91425" spcFirstLastPara="1" rIns="91425" wrap="square" tIns="91425">
+          <a:bodyPr spcFirstLastPara="1" wrap="square" lIns="91425" tIns="91425" rIns="91425" bIns="91425" anchor="t" anchorCtr="0">
             <a:noAutofit/>
           </a:bodyPr>
           <a:lstStyle/>
           <a:p>
-            <a:pPr indent="-342900" lvl="0" marL="457200" rtl="0" algn="l">
+            <a:pPr marL="457200" lvl="0" indent="-342900" algn="l" rtl="0">
               <a:spcBef>
                 <a:spcPts val="0"/>
               </a:spcBef>
@@ -11958,7 +12396,7 @@
             <a:endParaRPr/>
           </a:p>
           <a:p>
-            <a:pPr indent="-342900" lvl="0" marL="457200" rtl="0" algn="l">
+            <a:pPr marL="457200" lvl="0" indent="-342900" algn="l" rtl="0">
               <a:spcBef>
                 <a:spcPts val="0"/>
               </a:spcBef>
@@ -11975,7 +12413,7 @@
             <a:endParaRPr/>
           </a:p>
           <a:p>
-            <a:pPr indent="-317500" lvl="1" marL="914400" rtl="0" algn="l">
+            <a:pPr marL="914400" lvl="1" indent="-317500" algn="l" rtl="0">
               <a:spcBef>
                 <a:spcPts val="0"/>
               </a:spcBef>
@@ -11992,7 +12430,7 @@
             <a:endParaRPr/>
           </a:p>
           <a:p>
-            <a:pPr indent="-317500" lvl="1" marL="914400" rtl="0" algn="l">
+            <a:pPr marL="914400" lvl="1" indent="-317500" algn="l" rtl="0">
               <a:spcBef>
                 <a:spcPts val="0"/>
               </a:spcBef>
@@ -12009,7 +12447,7 @@
             <a:endParaRPr/>
           </a:p>
           <a:p>
-            <a:pPr indent="-317500" lvl="1" marL="914400" rtl="0" algn="l">
+            <a:pPr marL="914400" lvl="1" indent="-317500" algn="l" rtl="0">
               <a:spcBef>
                 <a:spcPts val="0"/>
               </a:spcBef>
@@ -12026,7 +12464,7 @@
             <a:endParaRPr/>
           </a:p>
           <a:p>
-            <a:pPr indent="-342900" lvl="0" marL="457200" rtl="0" algn="l">
+            <a:pPr marL="457200" lvl="0" indent="-342900" algn="l" rtl="0">
               <a:spcBef>
                 <a:spcPts val="0"/>
               </a:spcBef>
@@ -12038,32 +12476,24 @@
             </a:pPr>
             <a:r>
               <a:rPr lang="en"/>
-              <a:t>Soft-processors have significant potential by offering up reduced cost and greater </a:t>
+              <a:t>Soft-processors have significant potential by offering up reduced cost and greater flexibility</a:t>
             </a:r>
+            <a:endParaRPr/>
+          </a:p>
+          <a:p>
+            <a:pPr marL="914400" lvl="1" indent="-317500" algn="l" rtl="0">
+              <a:spcBef>
+                <a:spcPts val="0"/>
+              </a:spcBef>
+              <a:spcAft>
+                <a:spcPts val="0"/>
+              </a:spcAft>
+              <a:buSzPts val="1400"/>
+              <a:buChar char="○"/>
+            </a:pPr>
             <a:r>
               <a:rPr lang="en"/>
-              <a:t>flexibility</a:t>
-            </a:r>
-            <a:endParaRPr/>
-          </a:p>
-          <a:p>
-            <a:pPr indent="-317500" lvl="1" marL="914400" rtl="0" algn="l">
-              <a:spcBef>
-                <a:spcPts val="0"/>
-              </a:spcBef>
-              <a:spcAft>
-                <a:spcPts val="0"/>
-              </a:spcAft>
-              <a:buSzPts val="1400"/>
-              <a:buChar char="○"/>
-            </a:pPr>
-            <a:r>
-              <a:rPr lang="en"/>
-              <a:t>Reprogrammability is key! Processors can be specifically tailored for the exact application.</a:t>
-            </a:r>
-            <a:r>
-              <a:rPr lang="en"/>
-              <a:t> </a:t>
+              <a:t>Reprogrammability is key! Processors can be specifically tailored for the exact application. </a:t>
             </a:r>
             <a:endParaRPr/>
           </a:p>
@@ -12078,11 +12508,11 @@
 </file>
 
 <file path=ppt/slides/slide4.xml><?xml version="1.0" encoding="utf-8"?>
-<p:sld xmlns:a="http://schemas.openxmlformats.org/drawingml/2006/main" xmlns:r="http://schemas.openxmlformats.org/officeDocument/2006/relationships" xmlns:mc="http://schemas.openxmlformats.org/markup-compatibility/2006" xmlns:mv="urn:schemas-microsoft-com:mac:vml" xmlns:p="http://schemas.openxmlformats.org/presentationml/2006/main" xmlns:c="http://schemas.openxmlformats.org/drawingml/2006/chart" xmlns:dgm="http://schemas.openxmlformats.org/drawingml/2006/diagram" xmlns:o="urn:schemas-microsoft-com:office:office" xmlns:v="urn:schemas-microsoft-com:vml" xmlns:pvml="urn:schemas-microsoft-com:office:powerpoint" xmlns:com="http://schemas.openxmlformats.org/drawingml/2006/compatibility" xmlns:p14="http://schemas.microsoft.com/office/powerpoint/2010/main" xmlns:p15="http://schemas.microsoft.com/office/powerpoint/2012/main">
+<p:sld xmlns:a="http://schemas.openxmlformats.org/drawingml/2006/main" xmlns:r="http://schemas.openxmlformats.org/officeDocument/2006/relationships" xmlns:p="http://schemas.openxmlformats.org/presentationml/2006/main">
   <p:cSld>
     <p:spTree>
       <p:nvGrpSpPr>
-        <p:cNvPr id="79" name="Shape 79"/>
+        <p:cNvPr id="1" name="Shape 79"/>
         <p:cNvGrpSpPr/>
         <p:nvPr/>
       </p:nvGrpSpPr>
@@ -12097,7 +12527,9 @@
       <p:sp>
         <p:nvSpPr>
           <p:cNvPr id="80" name="Google Shape;80;p16"/>
-          <p:cNvSpPr txBox="1"/>
+          <p:cNvSpPr txBox="1">
+            <a:spLocks noGrp="1"/>
+          </p:cNvSpPr>
           <p:nvPr>
             <p:ph type="title"/>
           </p:nvPr>
@@ -12112,12 +12544,12 @@
           </a:prstGeom>
         </p:spPr>
         <p:txBody>
-          <a:bodyPr anchorCtr="0" anchor="b" bIns="91425" lIns="91425" spcFirstLastPara="1" rIns="91425" wrap="square" tIns="91425">
+          <a:bodyPr spcFirstLastPara="1" wrap="square" lIns="91425" tIns="91425" rIns="91425" bIns="91425" anchor="b" anchorCtr="0">
             <a:noAutofit/>
           </a:bodyPr>
           <a:lstStyle/>
           <a:p>
-            <a:pPr indent="0" lvl="0" marL="0" rtl="0" algn="l">
+            <a:pPr marL="0" lvl="0" indent="0" algn="l" rtl="0">
               <a:spcBef>
                 <a:spcPts val="0"/>
               </a:spcBef>
@@ -12137,9 +12569,11 @@
       <p:sp>
         <p:nvSpPr>
           <p:cNvPr id="81" name="Google Shape;81;p16"/>
-          <p:cNvSpPr txBox="1"/>
+          <p:cNvSpPr txBox="1">
+            <a:spLocks noGrp="1"/>
+          </p:cNvSpPr>
           <p:nvPr>
-            <p:ph idx="1" type="body"/>
+            <p:ph type="body" idx="1"/>
           </p:nvPr>
         </p:nvSpPr>
         <p:spPr>
@@ -12152,12 +12586,12 @@
           </a:prstGeom>
         </p:spPr>
         <p:txBody>
-          <a:bodyPr anchorCtr="0" anchor="t" bIns="91425" lIns="91425" spcFirstLastPara="1" rIns="91425" wrap="square" tIns="91425">
+          <a:bodyPr spcFirstLastPara="1" wrap="square" lIns="91425" tIns="91425" rIns="91425" bIns="91425" anchor="t" anchorCtr="0">
             <a:noAutofit/>
           </a:bodyPr>
           <a:lstStyle/>
           <a:p>
-            <a:pPr indent="-342900" lvl="0" marL="457200" rtl="0" algn="l">
+            <a:pPr marL="457200" lvl="0" indent="-342900" algn="l" rtl="0">
               <a:spcBef>
                 <a:spcPts val="0"/>
               </a:spcBef>
@@ -12174,7 +12608,7 @@
             <a:endParaRPr/>
           </a:p>
           <a:p>
-            <a:pPr indent="-317500" lvl="1" marL="914400" rtl="0" algn="l">
+            <a:pPr marL="914400" lvl="1" indent="-317500" algn="l" rtl="0">
               <a:spcBef>
                 <a:spcPts val="0"/>
               </a:spcBef>
@@ -12191,7 +12625,7 @@
             <a:endParaRPr/>
           </a:p>
           <a:p>
-            <a:pPr indent="-342900" lvl="0" marL="457200" rtl="0" algn="l">
+            <a:pPr marL="457200" lvl="0" indent="-342900" algn="l" rtl="0">
               <a:spcBef>
                 <a:spcPts val="0"/>
               </a:spcBef>
@@ -12208,7 +12642,7 @@
             <a:endParaRPr/>
           </a:p>
           <a:p>
-            <a:pPr indent="-342900" lvl="0" marL="457200" rtl="0" algn="l">
+            <a:pPr marL="457200" lvl="0" indent="-342900" algn="l" rtl="0">
               <a:spcBef>
                 <a:spcPts val="0"/>
               </a:spcBef>
@@ -12225,7 +12659,7 @@
             <a:endParaRPr/>
           </a:p>
           <a:p>
-            <a:pPr indent="-317500" lvl="1" marL="914400" rtl="0" algn="l">
+            <a:pPr marL="914400" lvl="1" indent="-317500" algn="l" rtl="0">
               <a:spcBef>
                 <a:spcPts val="0"/>
               </a:spcBef>
@@ -12252,11 +12686,11 @@
 </file>
 
 <file path=ppt/slides/slide5.xml><?xml version="1.0" encoding="utf-8"?>
-<p:sld xmlns:a="http://schemas.openxmlformats.org/drawingml/2006/main" xmlns:r="http://schemas.openxmlformats.org/officeDocument/2006/relationships" xmlns:mc="http://schemas.openxmlformats.org/markup-compatibility/2006" xmlns:mv="urn:schemas-microsoft-com:mac:vml" xmlns:p="http://schemas.openxmlformats.org/presentationml/2006/main" xmlns:c="http://schemas.openxmlformats.org/drawingml/2006/chart" xmlns:dgm="http://schemas.openxmlformats.org/drawingml/2006/diagram" xmlns:o="urn:schemas-microsoft-com:office:office" xmlns:v="urn:schemas-microsoft-com:vml" xmlns:pvml="urn:schemas-microsoft-com:office:powerpoint" xmlns:com="http://schemas.openxmlformats.org/drawingml/2006/compatibility" xmlns:p14="http://schemas.microsoft.com/office/powerpoint/2010/main" xmlns:p15="http://schemas.microsoft.com/office/powerpoint/2012/main">
+<p:sld xmlns:a="http://schemas.openxmlformats.org/drawingml/2006/main" xmlns:r="http://schemas.openxmlformats.org/officeDocument/2006/relationships" xmlns:p="http://schemas.openxmlformats.org/presentationml/2006/main">
   <p:cSld>
     <p:spTree>
       <p:nvGrpSpPr>
-        <p:cNvPr id="85" name="Shape 85"/>
+        <p:cNvPr id="1" name="Shape 85"/>
         <p:cNvGrpSpPr/>
         <p:nvPr/>
       </p:nvGrpSpPr>
@@ -12271,7 +12705,9 @@
       <p:sp>
         <p:nvSpPr>
           <p:cNvPr id="86" name="Google Shape;86;p17"/>
-          <p:cNvSpPr txBox="1"/>
+          <p:cNvSpPr txBox="1">
+            <a:spLocks noGrp="1"/>
+          </p:cNvSpPr>
           <p:nvPr>
             <p:ph type="title"/>
           </p:nvPr>
@@ -12286,12 +12722,12 @@
           </a:prstGeom>
         </p:spPr>
         <p:txBody>
-          <a:bodyPr anchorCtr="0" anchor="b" bIns="91425" lIns="91425" spcFirstLastPara="1" rIns="91425" wrap="square" tIns="91425">
+          <a:bodyPr spcFirstLastPara="1" wrap="square" lIns="91425" tIns="91425" rIns="91425" bIns="91425" anchor="b" anchorCtr="0">
             <a:noAutofit/>
           </a:bodyPr>
           <a:lstStyle/>
           <a:p>
-            <a:pPr indent="0" lvl="0" marL="0" rtl="0" algn="l">
+            <a:pPr marL="0" lvl="0" indent="0" algn="l" rtl="0">
               <a:spcBef>
                 <a:spcPts val="0"/>
               </a:spcBef>
@@ -12311,9 +12747,11 @@
       <p:sp>
         <p:nvSpPr>
           <p:cNvPr id="87" name="Google Shape;87;p17"/>
-          <p:cNvSpPr txBox="1"/>
+          <p:cNvSpPr txBox="1">
+            <a:spLocks noGrp="1"/>
+          </p:cNvSpPr>
           <p:nvPr>
-            <p:ph idx="1" type="body"/>
+            <p:ph type="body" idx="1"/>
           </p:nvPr>
         </p:nvSpPr>
         <p:spPr>
@@ -12326,12 +12764,12 @@
           </a:prstGeom>
         </p:spPr>
         <p:txBody>
-          <a:bodyPr anchorCtr="0" anchor="t" bIns="91425" lIns="91425" spcFirstLastPara="1" rIns="91425" wrap="square" tIns="91425">
+          <a:bodyPr spcFirstLastPara="1" wrap="square" lIns="91425" tIns="91425" rIns="91425" bIns="91425" anchor="t" anchorCtr="0">
             <a:noAutofit/>
           </a:bodyPr>
           <a:lstStyle/>
           <a:p>
-            <a:pPr indent="-342900" lvl="0" marL="457200" rtl="0" algn="l">
+            <a:pPr marL="457200" lvl="0" indent="-342900" algn="l" rtl="0">
               <a:spcBef>
                 <a:spcPts val="0"/>
               </a:spcBef>
@@ -12343,16 +12781,12 @@
             </a:pPr>
             <a:r>
               <a:rPr lang="en"/>
-              <a:t>Analyze the effect and realize the advantage of soft processor implementations by </a:t>
+              <a:t>Analyze the effect and realize the advantage of soft processor implementations by targeting a common embedded software application</a:t>
             </a:r>
-            <a:r>
-              <a:rPr lang="en"/>
-              <a:t>targeting a common embedded software application</a:t>
-            </a:r>
-            <a:endParaRPr/>
-          </a:p>
-          <a:p>
-            <a:pPr indent="-342900" lvl="0" marL="457200" rtl="0" algn="l">
+            <a:endParaRPr/>
+          </a:p>
+          <a:p>
+            <a:pPr marL="457200" lvl="0" indent="-342900" algn="l" rtl="0">
               <a:spcBef>
                 <a:spcPts val="0"/>
               </a:spcBef>
@@ -12369,7 +12803,7 @@
             <a:endParaRPr/>
           </a:p>
           <a:p>
-            <a:pPr indent="-342900" lvl="0" marL="457200" rtl="0" algn="l">
+            <a:pPr marL="457200" lvl="0" indent="-342900" algn="l" rtl="0">
               <a:spcBef>
                 <a:spcPts val="0"/>
               </a:spcBef>
@@ -12386,7 +12820,7 @@
             <a:endParaRPr/>
           </a:p>
           <a:p>
-            <a:pPr indent="-342900" lvl="0" marL="457200" rtl="0" algn="l">
+            <a:pPr marL="457200" lvl="0" indent="-342900" algn="l" rtl="0">
               <a:spcBef>
                 <a:spcPts val="0"/>
               </a:spcBef>
@@ -12403,7 +12837,7 @@
             <a:endParaRPr/>
           </a:p>
           <a:p>
-            <a:pPr indent="-317500" lvl="1" marL="914400" rtl="0" algn="l">
+            <a:pPr marL="914400" lvl="1" indent="-317500" algn="l" rtl="0">
               <a:spcBef>
                 <a:spcPts val="0"/>
               </a:spcBef>
@@ -12420,7 +12854,7 @@
             <a:endParaRPr/>
           </a:p>
           <a:p>
-            <a:pPr indent="-317500" lvl="1" marL="914400" rtl="0" algn="l">
+            <a:pPr marL="914400" lvl="1" indent="-317500" algn="l" rtl="0">
               <a:spcBef>
                 <a:spcPts val="0"/>
               </a:spcBef>
@@ -12437,7 +12871,7 @@
             <a:endParaRPr/>
           </a:p>
           <a:p>
-            <a:pPr indent="-317500" lvl="1" marL="914400" rtl="0" algn="l">
+            <a:pPr marL="914400" lvl="1" indent="-317500" algn="l" rtl="0">
               <a:spcBef>
                 <a:spcPts val="0"/>
               </a:spcBef>
@@ -12464,11 +12898,11 @@
 </file>
 
 <file path=ppt/slides/slide6.xml><?xml version="1.0" encoding="utf-8"?>
-<p:sld xmlns:a="http://schemas.openxmlformats.org/drawingml/2006/main" xmlns:r="http://schemas.openxmlformats.org/officeDocument/2006/relationships" xmlns:mc="http://schemas.openxmlformats.org/markup-compatibility/2006" xmlns:mv="urn:schemas-microsoft-com:mac:vml" xmlns:p="http://schemas.openxmlformats.org/presentationml/2006/main" xmlns:c="http://schemas.openxmlformats.org/drawingml/2006/chart" xmlns:dgm="http://schemas.openxmlformats.org/drawingml/2006/diagram" xmlns:o="urn:schemas-microsoft-com:office:office" xmlns:v="urn:schemas-microsoft-com:vml" xmlns:pvml="urn:schemas-microsoft-com:office:powerpoint" xmlns:com="http://schemas.openxmlformats.org/drawingml/2006/compatibility" xmlns:p14="http://schemas.microsoft.com/office/powerpoint/2010/main" xmlns:p15="http://schemas.microsoft.com/office/powerpoint/2012/main">
+<p:sld xmlns:a="http://schemas.openxmlformats.org/drawingml/2006/main" xmlns:r="http://schemas.openxmlformats.org/officeDocument/2006/relationships" xmlns:p="http://schemas.openxmlformats.org/presentationml/2006/main">
   <p:cSld>
     <p:spTree>
       <p:nvGrpSpPr>
-        <p:cNvPr id="91" name="Shape 91"/>
+        <p:cNvPr id="1" name="Shape 91"/>
         <p:cNvGrpSpPr/>
         <p:nvPr/>
       </p:nvGrpSpPr>
@@ -12483,7 +12917,9 @@
       <p:sp>
         <p:nvSpPr>
           <p:cNvPr id="92" name="Google Shape;92;p18"/>
-          <p:cNvSpPr txBox="1"/>
+          <p:cNvSpPr txBox="1">
+            <a:spLocks noGrp="1"/>
+          </p:cNvSpPr>
           <p:nvPr>
             <p:ph type="title"/>
           </p:nvPr>
@@ -12498,12 +12934,12 @@
           </a:prstGeom>
         </p:spPr>
         <p:txBody>
-          <a:bodyPr anchorCtr="0" anchor="b" bIns="91425" lIns="91425" spcFirstLastPara="1" rIns="91425" wrap="square" tIns="91425">
+          <a:bodyPr spcFirstLastPara="1" wrap="square" lIns="91425" tIns="91425" rIns="91425" bIns="91425" anchor="b" anchorCtr="0">
             <a:noAutofit/>
           </a:bodyPr>
           <a:lstStyle/>
           <a:p>
-            <a:pPr indent="0" lvl="0" marL="0" rtl="0" algn="l">
+            <a:pPr marL="0" lvl="0" indent="0" algn="l" rtl="0">
               <a:spcBef>
                 <a:spcPts val="0"/>
               </a:spcBef>
@@ -12557,11 +12993,11 @@
 </file>
 
 <file path=ppt/slides/slide7.xml><?xml version="1.0" encoding="utf-8"?>
-<p:sld xmlns:a="http://schemas.openxmlformats.org/drawingml/2006/main" xmlns:r="http://schemas.openxmlformats.org/officeDocument/2006/relationships" xmlns:mc="http://schemas.openxmlformats.org/markup-compatibility/2006" xmlns:mv="urn:schemas-microsoft-com:mac:vml" xmlns:p="http://schemas.openxmlformats.org/presentationml/2006/main" xmlns:c="http://schemas.openxmlformats.org/drawingml/2006/chart" xmlns:dgm="http://schemas.openxmlformats.org/drawingml/2006/diagram" xmlns:o="urn:schemas-microsoft-com:office:office" xmlns:v="urn:schemas-microsoft-com:vml" xmlns:pvml="urn:schemas-microsoft-com:office:powerpoint" xmlns:com="http://schemas.openxmlformats.org/drawingml/2006/compatibility" xmlns:p14="http://schemas.microsoft.com/office/powerpoint/2010/main" xmlns:p15="http://schemas.microsoft.com/office/powerpoint/2012/main">
+<p:sld xmlns:a="http://schemas.openxmlformats.org/drawingml/2006/main" xmlns:r="http://schemas.openxmlformats.org/officeDocument/2006/relationships" xmlns:p="http://schemas.openxmlformats.org/presentationml/2006/main">
   <p:cSld>
     <p:spTree>
       <p:nvGrpSpPr>
-        <p:cNvPr id="97" name="Shape 97"/>
+        <p:cNvPr id="1" name="Shape 97"/>
         <p:cNvGrpSpPr/>
         <p:nvPr/>
       </p:nvGrpSpPr>
@@ -12576,7 +13012,9 @@
       <p:sp>
         <p:nvSpPr>
           <p:cNvPr id="98" name="Google Shape;98;p19"/>
-          <p:cNvSpPr txBox="1"/>
+          <p:cNvSpPr txBox="1">
+            <a:spLocks noGrp="1"/>
+          </p:cNvSpPr>
           <p:nvPr>
             <p:ph type="title"/>
           </p:nvPr>
@@ -12591,12 +13029,12 @@
           </a:prstGeom>
         </p:spPr>
         <p:txBody>
-          <a:bodyPr anchorCtr="0" anchor="b" bIns="91425" lIns="91425" spcFirstLastPara="1" rIns="91425" wrap="square" tIns="91425">
+          <a:bodyPr spcFirstLastPara="1" wrap="square" lIns="91425" tIns="91425" rIns="91425" bIns="91425" anchor="b" anchorCtr="0">
             <a:noAutofit/>
           </a:bodyPr>
           <a:lstStyle/>
           <a:p>
-            <a:pPr indent="0" lvl="0" marL="0" rtl="0" algn="l">
+            <a:pPr marL="0" lvl="0" indent="0" algn="l" rtl="0">
               <a:spcBef>
                 <a:spcPts val="0"/>
               </a:spcBef>
@@ -12616,9 +13054,11 @@
       <p:sp>
         <p:nvSpPr>
           <p:cNvPr id="99" name="Google Shape;99;p19"/>
-          <p:cNvSpPr txBox="1"/>
+          <p:cNvSpPr txBox="1">
+            <a:spLocks noGrp="1"/>
+          </p:cNvSpPr>
           <p:nvPr>
-            <p:ph idx="1" type="body"/>
+            <p:ph type="body" idx="1"/>
           </p:nvPr>
         </p:nvSpPr>
         <p:spPr>
@@ -12631,12 +13071,12 @@
           </a:prstGeom>
         </p:spPr>
         <p:txBody>
-          <a:bodyPr anchorCtr="0" anchor="t" bIns="91425" lIns="91425" spcFirstLastPara="1" rIns="91425" wrap="square" tIns="91425">
+          <a:bodyPr spcFirstLastPara="1" wrap="square" lIns="91425" tIns="91425" rIns="91425" bIns="91425" anchor="t" anchorCtr="0">
             <a:noAutofit/>
           </a:bodyPr>
           <a:lstStyle/>
           <a:p>
-            <a:pPr indent="-342900" lvl="0" marL="457200" rtl="0" algn="l">
+            <a:pPr marL="457200" lvl="0" indent="-342900" algn="l" rtl="0">
               <a:spcBef>
                 <a:spcPts val="0"/>
               </a:spcBef>
@@ -12653,7 +13093,7 @@
             <a:endParaRPr/>
           </a:p>
           <a:p>
-            <a:pPr indent="-317500" lvl="1" marL="914400" rtl="0" algn="l">
+            <a:pPr marL="914400" lvl="1" indent="-317500" algn="l" rtl="0">
               <a:spcBef>
                 <a:spcPts val="0"/>
               </a:spcBef>
@@ -12670,7 +13110,7 @@
             <a:endParaRPr/>
           </a:p>
           <a:p>
-            <a:pPr indent="-342900" lvl="0" marL="457200" rtl="0" algn="l">
+            <a:pPr marL="457200" lvl="0" indent="-342900" algn="l" rtl="0">
               <a:spcBef>
                 <a:spcPts val="0"/>
               </a:spcBef>
@@ -12687,7 +13127,7 @@
             <a:endParaRPr/>
           </a:p>
           <a:p>
-            <a:pPr indent="-317500" lvl="1" marL="914400" rtl="0" algn="l">
+            <a:pPr marL="914400" lvl="1" indent="-317500" algn="l" rtl="0">
               <a:spcBef>
                 <a:spcPts val="0"/>
               </a:spcBef>
@@ -12704,7 +13144,7 @@
             <a:endParaRPr/>
           </a:p>
           <a:p>
-            <a:pPr indent="-317500" lvl="1" marL="914400" rtl="0" algn="l">
+            <a:pPr marL="914400" lvl="1" indent="-317500" algn="l" rtl="0">
               <a:spcBef>
                 <a:spcPts val="0"/>
               </a:spcBef>
@@ -12721,7 +13161,7 @@
             <a:endParaRPr/>
           </a:p>
           <a:p>
-            <a:pPr indent="-342900" lvl="0" marL="457200" rtl="0" algn="l">
+            <a:pPr marL="457200" lvl="0" indent="-342900" algn="l" rtl="0">
               <a:spcBef>
                 <a:spcPts val="0"/>
               </a:spcBef>
@@ -12738,7 +13178,7 @@
             <a:endParaRPr/>
           </a:p>
           <a:p>
-            <a:pPr indent="-317500" lvl="1" marL="914400" rtl="0" algn="l">
+            <a:pPr marL="914400" lvl="1" indent="-317500" algn="l" rtl="0">
               <a:spcBef>
                 <a:spcPts val="0"/>
               </a:spcBef>
@@ -12755,7 +13195,7 @@
             <a:endParaRPr/>
           </a:p>
           <a:p>
-            <a:pPr indent="-317500" lvl="1" marL="914400" rtl="0" algn="l">
+            <a:pPr marL="914400" lvl="1" indent="-317500" algn="l" rtl="0">
               <a:spcBef>
                 <a:spcPts val="0"/>
               </a:spcBef>
@@ -12782,11 +13222,11 @@
 </file>
 
 <file path=ppt/slides/slide8.xml><?xml version="1.0" encoding="utf-8"?>
-<p:sld xmlns:a="http://schemas.openxmlformats.org/drawingml/2006/main" xmlns:r="http://schemas.openxmlformats.org/officeDocument/2006/relationships" xmlns:mc="http://schemas.openxmlformats.org/markup-compatibility/2006" xmlns:mv="urn:schemas-microsoft-com:mac:vml" xmlns:p="http://schemas.openxmlformats.org/presentationml/2006/main" xmlns:c="http://schemas.openxmlformats.org/drawingml/2006/chart" xmlns:dgm="http://schemas.openxmlformats.org/drawingml/2006/diagram" xmlns:o="urn:schemas-microsoft-com:office:office" xmlns:v="urn:schemas-microsoft-com:vml" xmlns:pvml="urn:schemas-microsoft-com:office:powerpoint" xmlns:com="http://schemas.openxmlformats.org/drawingml/2006/compatibility" xmlns:p14="http://schemas.microsoft.com/office/powerpoint/2010/main" xmlns:p15="http://schemas.microsoft.com/office/powerpoint/2012/main">
+<p:sld xmlns:a="http://schemas.openxmlformats.org/drawingml/2006/main" xmlns:r="http://schemas.openxmlformats.org/officeDocument/2006/relationships" xmlns:p="http://schemas.openxmlformats.org/presentationml/2006/main">
   <p:cSld>
     <p:spTree>
       <p:nvGrpSpPr>
-        <p:cNvPr id="103" name="Shape 103"/>
+        <p:cNvPr id="1" name="Shape 103"/>
         <p:cNvGrpSpPr/>
         <p:nvPr/>
       </p:nvGrpSpPr>
@@ -12801,7 +13241,9 @@
       <p:sp>
         <p:nvSpPr>
           <p:cNvPr id="104" name="Google Shape;104;p20"/>
-          <p:cNvSpPr txBox="1"/>
+          <p:cNvSpPr txBox="1">
+            <a:spLocks noGrp="1"/>
+          </p:cNvSpPr>
           <p:nvPr>
             <p:ph type="title"/>
           </p:nvPr>
@@ -12816,12 +13258,12 @@
           </a:prstGeom>
         </p:spPr>
         <p:txBody>
-          <a:bodyPr anchorCtr="0" anchor="b" bIns="91425" lIns="91425" spcFirstLastPara="1" rIns="91425" wrap="square" tIns="91425">
+          <a:bodyPr spcFirstLastPara="1" wrap="square" lIns="91425" tIns="91425" rIns="91425" bIns="91425" anchor="b" anchorCtr="0">
             <a:noAutofit/>
           </a:bodyPr>
           <a:lstStyle/>
           <a:p>
-            <a:pPr indent="0" lvl="0" marL="0" rtl="0" algn="l">
+            <a:pPr marL="0" lvl="0" indent="0" algn="l" rtl="0">
               <a:spcBef>
                 <a:spcPts val="0"/>
               </a:spcBef>
@@ -12875,11 +13317,11 @@
 </file>
 
 <file path=ppt/slides/slide9.xml><?xml version="1.0" encoding="utf-8"?>
-<p:sld xmlns:a="http://schemas.openxmlformats.org/drawingml/2006/main" xmlns:r="http://schemas.openxmlformats.org/officeDocument/2006/relationships" xmlns:mc="http://schemas.openxmlformats.org/markup-compatibility/2006" xmlns:mv="urn:schemas-microsoft-com:mac:vml" xmlns:p="http://schemas.openxmlformats.org/presentationml/2006/main" xmlns:c="http://schemas.openxmlformats.org/drawingml/2006/chart" xmlns:dgm="http://schemas.openxmlformats.org/drawingml/2006/diagram" xmlns:o="urn:schemas-microsoft-com:office:office" xmlns:v="urn:schemas-microsoft-com:vml" xmlns:pvml="urn:schemas-microsoft-com:office:powerpoint" xmlns:com="http://schemas.openxmlformats.org/drawingml/2006/compatibility" xmlns:p14="http://schemas.microsoft.com/office/powerpoint/2010/main" xmlns:p15="http://schemas.microsoft.com/office/powerpoint/2012/main">
+<p:sld xmlns:a="http://schemas.openxmlformats.org/drawingml/2006/main" xmlns:r="http://schemas.openxmlformats.org/officeDocument/2006/relationships" xmlns:p="http://schemas.openxmlformats.org/presentationml/2006/main">
   <p:cSld>
     <p:spTree>
       <p:nvGrpSpPr>
-        <p:cNvPr id="109" name="Shape 109"/>
+        <p:cNvPr id="1" name="Shape 109"/>
         <p:cNvGrpSpPr/>
         <p:nvPr/>
       </p:nvGrpSpPr>
@@ -12894,7 +13336,9 @@
       <p:sp>
         <p:nvSpPr>
           <p:cNvPr id="110" name="Google Shape;110;p21"/>
-          <p:cNvSpPr txBox="1"/>
+          <p:cNvSpPr txBox="1">
+            <a:spLocks noGrp="1"/>
+          </p:cNvSpPr>
           <p:nvPr>
             <p:ph type="title"/>
           </p:nvPr>
@@ -12909,12 +13353,12 @@
           </a:prstGeom>
         </p:spPr>
         <p:txBody>
-          <a:bodyPr anchorCtr="0" anchor="b" bIns="91425" lIns="91425" spcFirstLastPara="1" rIns="91425" wrap="square" tIns="91425">
+          <a:bodyPr spcFirstLastPara="1" wrap="square" lIns="91425" tIns="91425" rIns="91425" bIns="91425" anchor="b" anchorCtr="0">
             <a:noAutofit/>
           </a:bodyPr>
           <a:lstStyle/>
           <a:p>
-            <a:pPr indent="0" lvl="0" marL="0" rtl="0" algn="l">
+            <a:pPr marL="0" lvl="0" indent="0" algn="l" rtl="0">
               <a:spcBef>
                 <a:spcPts val="0"/>
               </a:spcBef>
@@ -12934,9 +13378,11 @@
       <p:sp>
         <p:nvSpPr>
           <p:cNvPr id="111" name="Google Shape;111;p21"/>
-          <p:cNvSpPr txBox="1"/>
+          <p:cNvSpPr txBox="1">
+            <a:spLocks noGrp="1"/>
+          </p:cNvSpPr>
           <p:nvPr>
-            <p:ph idx="1" type="body"/>
+            <p:ph type="body" idx="1"/>
           </p:nvPr>
         </p:nvSpPr>
         <p:spPr>
@@ -12949,12 +13395,12 @@
           </a:prstGeom>
         </p:spPr>
         <p:txBody>
-          <a:bodyPr anchorCtr="0" anchor="t" bIns="91425" lIns="91425" spcFirstLastPara="1" rIns="91425" wrap="square" tIns="91425">
+          <a:bodyPr spcFirstLastPara="1" wrap="square" lIns="91425" tIns="91425" rIns="91425" bIns="91425" anchor="t" anchorCtr="0">
             <a:noAutofit/>
           </a:bodyPr>
           <a:lstStyle/>
           <a:p>
-            <a:pPr indent="0" lvl="0" marL="0" rtl="0" algn="l">
+            <a:pPr marL="0" lvl="0" indent="0" algn="l" rtl="0">
               <a:lnSpc>
                 <a:spcPct val="100000"/>
               </a:lnSpc>
@@ -12978,16 +13424,7 @@
                 <a:cs typeface="Economica"/>
                 <a:sym typeface="Economica"/>
               </a:rPr>
-              <a:t>Five</a:t>
-            </a:r>
-            <a:r>
-              <a:rPr lang="en" sz="4200">
-                <a:latin typeface="Economica"/>
-                <a:ea typeface="Economica"/>
-                <a:cs typeface="Economica"/>
-                <a:sym typeface="Economica"/>
-              </a:rPr>
-              <a:t> Stage Pipeline</a:t>
+              <a:t>Five Stage Pipeline</a:t>
             </a:r>
             <a:endParaRPr sz="4200">
               <a:latin typeface="Economica"/>
@@ -12997,7 +13434,7 @@
             </a:endParaRPr>
           </a:p>
           <a:p>
-            <a:pPr indent="0" lvl="0" marL="0" rtl="0" algn="l">
+            <a:pPr marL="0" lvl="0" indent="0" algn="l" rtl="0">
               <a:spcBef>
                 <a:spcPts val="0"/>
               </a:spcBef>
@@ -13006,9 +13443,6 @@
               </a:spcAft>
               <a:buNone/>
             </a:pPr>
-            <a:r>
-              <a:t/>
-            </a:r>
             <a:endParaRPr/>
           </a:p>
         </p:txBody>
@@ -13078,7 +13512,288 @@
 </file>
 
 <file path=ppt/theme/theme1.xml><?xml version="1.0" encoding="utf-8"?>
-<a:theme xmlns:a="http://schemas.openxmlformats.org/drawingml/2006/main" xmlns:r="http://schemas.openxmlformats.org/officeDocument/2006/relationships">
+<a:theme xmlns:a="http://schemas.openxmlformats.org/drawingml/2006/main" name="Luxe">
+  <a:themeElements>
+    <a:clrScheme name="Luxe">
+      <a:dk1>
+        <a:srgbClr val="000000"/>
+      </a:dk1>
+      <a:lt1>
+        <a:srgbClr val="FFFFFF"/>
+      </a:lt1>
+      <a:dk2>
+        <a:srgbClr val="B7B7B7"/>
+      </a:dk2>
+      <a:lt2>
+        <a:srgbClr val="CCA677"/>
+      </a:lt2>
+      <a:accent1>
+        <a:srgbClr val="5D4037"/>
+      </a:accent1>
+      <a:accent2>
+        <a:srgbClr val="455A64"/>
+      </a:accent2>
+      <a:accent3>
+        <a:srgbClr val="607D8B"/>
+      </a:accent3>
+      <a:accent4>
+        <a:srgbClr val="78909C"/>
+      </a:accent4>
+      <a:accent5>
+        <a:srgbClr val="57BB8A"/>
+      </a:accent5>
+      <a:accent6>
+        <a:srgbClr val="DCE755"/>
+      </a:accent6>
+      <a:hlink>
+        <a:srgbClr val="57BB8A"/>
+      </a:hlink>
+      <a:folHlink>
+        <a:srgbClr val="57BB8A"/>
+      </a:folHlink>
+    </a:clrScheme>
+    <a:fontScheme name="Office">
+      <a:majorFont>
+        <a:latin typeface="Arial"/>
+        <a:ea typeface=""/>
+        <a:cs typeface=""/>
+        <a:font script="Jpan" typeface="ＭＳ Ｐゴシック"/>
+        <a:font script="Hang" typeface="맑은 고딕"/>
+        <a:font script="Hans" typeface="宋体"/>
+        <a:font script="Hant" typeface="新細明體"/>
+        <a:font script="Arab" typeface="Times New Roman"/>
+        <a:font script="Hebr" typeface="Times New Roman"/>
+        <a:font script="Thai" typeface="Angsana New"/>
+        <a:font script="Ethi" typeface="Nyala"/>
+        <a:font script="Beng" typeface="Vrinda"/>
+        <a:font script="Gujr" typeface="Shruti"/>
+        <a:font script="Khmr" typeface="MoolBoran"/>
+        <a:font script="Knda" typeface="Tunga"/>
+        <a:font script="Guru" typeface="Raavi"/>
+        <a:font script="Cans" typeface="Euphemia"/>
+        <a:font script="Cher" typeface="Plantagenet Cherokee"/>
+        <a:font script="Yiii" typeface="Microsoft Yi Baiti"/>
+        <a:font script="Tibt" typeface="Microsoft Himalaya"/>
+        <a:font script="Thaa" typeface="MV Boli"/>
+        <a:font script="Deva" typeface="Mangal"/>
+        <a:font script="Telu" typeface="Gautami"/>
+        <a:font script="Taml" typeface="Latha"/>
+        <a:font script="Syrc" typeface="Estrangelo Edessa"/>
+        <a:font script="Orya" typeface="Kalinga"/>
+        <a:font script="Mlym" typeface="Kartika"/>
+        <a:font script="Laoo" typeface="DokChampa"/>
+        <a:font script="Sinh" typeface="Iskoola Pota"/>
+        <a:font script="Mong" typeface="Mongolian Baiti"/>
+        <a:font script="Viet" typeface="Times New Roman"/>
+        <a:font script="Uigh" typeface="Microsoft Uighur"/>
+        <a:font script="Geor" typeface="Sylfaen"/>
+      </a:majorFont>
+      <a:minorFont>
+        <a:latin typeface="Arial"/>
+        <a:ea typeface=""/>
+        <a:cs typeface=""/>
+        <a:font script="Jpan" typeface="ＭＳ Ｐゴシック"/>
+        <a:font script="Hang" typeface="맑은 고딕"/>
+        <a:font script="Hans" typeface="宋体"/>
+        <a:font script="Hant" typeface="新細明體"/>
+        <a:font script="Arab" typeface="Arial"/>
+        <a:font script="Hebr" typeface="Arial"/>
+        <a:font script="Thai" typeface="Cordia New"/>
+        <a:font script="Ethi" typeface="Nyala"/>
+        <a:font script="Beng" typeface="Vrinda"/>
+        <a:font script="Gujr" typeface="Shruti"/>
+        <a:font script="Khmr" typeface="DaunPenh"/>
+        <a:font script="Knda" typeface="Tunga"/>
+        <a:font script="Guru" typeface="Raavi"/>
+        <a:font script="Cans" typeface="Euphemia"/>
+        <a:font script="Cher" typeface="Plantagenet Cherokee"/>
+        <a:font script="Yiii" typeface="Microsoft Yi Baiti"/>
+        <a:font script="Tibt" typeface="Microsoft Himalaya"/>
+        <a:font script="Thaa" typeface="MV Boli"/>
+        <a:font script="Deva" typeface="Mangal"/>
+        <a:font script="Telu" typeface="Gautami"/>
+        <a:font script="Taml" typeface="Latha"/>
+        <a:font script="Syrc" typeface="Estrangelo Edessa"/>
+        <a:font script="Orya" typeface="Kalinga"/>
+        <a:font script="Mlym" typeface="Kartika"/>
+        <a:font script="Laoo" typeface="DokChampa"/>
+        <a:font script="Sinh" typeface="Iskoola Pota"/>
+        <a:font script="Mong" typeface="Mongolian Baiti"/>
+        <a:font script="Viet" typeface="Arial"/>
+        <a:font script="Uigh" typeface="Microsoft Uighur"/>
+        <a:font script="Geor" typeface="Sylfaen"/>
+      </a:minorFont>
+    </a:fontScheme>
+    <a:fmtScheme name="Office">
+      <a:fillStyleLst>
+        <a:solidFill>
+          <a:schemeClr val="phClr"/>
+        </a:solidFill>
+        <a:gradFill rotWithShape="1">
+          <a:gsLst>
+            <a:gs pos="0">
+              <a:schemeClr val="phClr">
+                <a:tint val="50000"/>
+                <a:satMod val="300000"/>
+              </a:schemeClr>
+            </a:gs>
+            <a:gs pos="35000">
+              <a:schemeClr val="phClr">
+                <a:tint val="37000"/>
+                <a:satMod val="300000"/>
+              </a:schemeClr>
+            </a:gs>
+            <a:gs pos="100000">
+              <a:schemeClr val="phClr">
+                <a:tint val="15000"/>
+                <a:satMod val="350000"/>
+              </a:schemeClr>
+            </a:gs>
+          </a:gsLst>
+          <a:lin ang="16200000" scaled="1"/>
+        </a:gradFill>
+        <a:gradFill rotWithShape="1">
+          <a:gsLst>
+            <a:gs pos="0">
+              <a:schemeClr val="phClr">
+                <a:tint val="100000"/>
+                <a:shade val="100000"/>
+                <a:satMod val="130000"/>
+              </a:schemeClr>
+            </a:gs>
+            <a:gs pos="100000">
+              <a:schemeClr val="phClr">
+                <a:tint val="50000"/>
+                <a:shade val="100000"/>
+                <a:satMod val="350000"/>
+              </a:schemeClr>
+            </a:gs>
+          </a:gsLst>
+          <a:lin ang="16200000" scaled="0"/>
+        </a:gradFill>
+      </a:fillStyleLst>
+      <a:lnStyleLst>
+        <a:ln w="9525" cap="flat" cmpd="sng" algn="ctr">
+          <a:solidFill>
+            <a:schemeClr val="phClr">
+              <a:shade val="95000"/>
+              <a:satMod val="105000"/>
+            </a:schemeClr>
+          </a:solidFill>
+          <a:prstDash val="solid"/>
+        </a:ln>
+        <a:ln w="25400" cap="flat" cmpd="sng" algn="ctr">
+          <a:solidFill>
+            <a:schemeClr val="phClr"/>
+          </a:solidFill>
+          <a:prstDash val="solid"/>
+        </a:ln>
+        <a:ln w="38100" cap="flat" cmpd="sng" algn="ctr">
+          <a:solidFill>
+            <a:schemeClr val="phClr"/>
+          </a:solidFill>
+          <a:prstDash val="solid"/>
+        </a:ln>
+      </a:lnStyleLst>
+      <a:effectStyleLst>
+        <a:effectStyle>
+          <a:effectLst>
+            <a:outerShdw blurRad="40000" dist="20000" dir="5400000" rotWithShape="0">
+              <a:srgbClr val="000000">
+                <a:alpha val="38000"/>
+              </a:srgbClr>
+            </a:outerShdw>
+          </a:effectLst>
+        </a:effectStyle>
+        <a:effectStyle>
+          <a:effectLst>
+            <a:outerShdw blurRad="40000" dist="23000" dir="5400000" rotWithShape="0">
+              <a:srgbClr val="000000">
+                <a:alpha val="35000"/>
+              </a:srgbClr>
+            </a:outerShdw>
+          </a:effectLst>
+        </a:effectStyle>
+        <a:effectStyle>
+          <a:effectLst>
+            <a:outerShdw blurRad="40000" dist="23000" dir="5400000" rotWithShape="0">
+              <a:srgbClr val="000000">
+                <a:alpha val="35000"/>
+              </a:srgbClr>
+            </a:outerShdw>
+          </a:effectLst>
+          <a:scene3d>
+            <a:camera prst="orthographicFront">
+              <a:rot lat="0" lon="0" rev="0"/>
+            </a:camera>
+            <a:lightRig rig="threePt" dir="t">
+              <a:rot lat="0" lon="0" rev="1200000"/>
+            </a:lightRig>
+          </a:scene3d>
+          <a:sp3d>
+            <a:bevelT w="63500" h="25400"/>
+          </a:sp3d>
+        </a:effectStyle>
+      </a:effectStyleLst>
+      <a:bgFillStyleLst>
+        <a:solidFill>
+          <a:schemeClr val="phClr"/>
+        </a:solidFill>
+        <a:gradFill rotWithShape="1">
+          <a:gsLst>
+            <a:gs pos="0">
+              <a:schemeClr val="phClr">
+                <a:tint val="40000"/>
+                <a:satMod val="350000"/>
+              </a:schemeClr>
+            </a:gs>
+            <a:gs pos="40000">
+              <a:schemeClr val="phClr">
+                <a:tint val="45000"/>
+                <a:shade val="99000"/>
+                <a:satMod val="350000"/>
+              </a:schemeClr>
+            </a:gs>
+            <a:gs pos="100000">
+              <a:schemeClr val="phClr">
+                <a:shade val="20000"/>
+                <a:satMod val="255000"/>
+              </a:schemeClr>
+            </a:gs>
+          </a:gsLst>
+          <a:path path="circle">
+            <a:fillToRect l="50000" t="-80000" r="50000" b="180000"/>
+          </a:path>
+        </a:gradFill>
+        <a:gradFill rotWithShape="1">
+          <a:gsLst>
+            <a:gs pos="0">
+              <a:schemeClr val="phClr">
+                <a:tint val="80000"/>
+                <a:satMod val="300000"/>
+              </a:schemeClr>
+            </a:gs>
+            <a:gs pos="100000">
+              <a:schemeClr val="phClr">
+                <a:shade val="30000"/>
+                <a:satMod val="200000"/>
+              </a:schemeClr>
+            </a:gs>
+          </a:gsLst>
+          <a:path path="circle">
+            <a:fillToRect l="50000" t="50000" r="50000" b="50000"/>
+          </a:path>
+        </a:gradFill>
+      </a:bgFillStyleLst>
+    </a:fmtScheme>
+  </a:themeElements>
+  <a:objectDefaults/>
+  <a:extraClrSchemeLst/>
+</a:theme>
+</file>
+
+<file path=ppt/theme/theme2.xml><?xml version="1.0" encoding="utf-8"?>
+<a:theme xmlns:a="http://schemas.openxmlformats.org/drawingml/2006/main">
   <a:themeElements>
     <a:clrScheme name="Default">
       <a:dk1>
@@ -13353,284 +14068,7 @@
       </a:bgFillStyleLst>
     </a:fmtScheme>
   </a:themeElements>
-</a:theme>
-</file>
-
-<file path=ppt/theme/theme2.xml><?xml version="1.0" encoding="utf-8"?>
-<a:theme xmlns:a="http://schemas.openxmlformats.org/drawingml/2006/main" xmlns:r="http://schemas.openxmlformats.org/officeDocument/2006/relationships" name="Luxe">
-  <a:themeElements>
-    <a:clrScheme name="Luxe">
-      <a:dk1>
-        <a:srgbClr val="000000"/>
-      </a:dk1>
-      <a:lt1>
-        <a:srgbClr val="FFFFFF"/>
-      </a:lt1>
-      <a:dk2>
-        <a:srgbClr val="B7B7B7"/>
-      </a:dk2>
-      <a:lt2>
-        <a:srgbClr val="CCA677"/>
-      </a:lt2>
-      <a:accent1>
-        <a:srgbClr val="5D4037"/>
-      </a:accent1>
-      <a:accent2>
-        <a:srgbClr val="455A64"/>
-      </a:accent2>
-      <a:accent3>
-        <a:srgbClr val="607D8B"/>
-      </a:accent3>
-      <a:accent4>
-        <a:srgbClr val="78909C"/>
-      </a:accent4>
-      <a:accent5>
-        <a:srgbClr val="57BB8A"/>
-      </a:accent5>
-      <a:accent6>
-        <a:srgbClr val="DCE755"/>
-      </a:accent6>
-      <a:hlink>
-        <a:srgbClr val="57BB8A"/>
-      </a:hlink>
-      <a:folHlink>
-        <a:srgbClr val="57BB8A"/>
-      </a:folHlink>
-    </a:clrScheme>
-    <a:fontScheme name="Office">
-      <a:majorFont>
-        <a:latin typeface="Arial"/>
-        <a:ea typeface=""/>
-        <a:cs typeface=""/>
-        <a:font script="Jpan" typeface="ＭＳ Ｐゴシック"/>
-        <a:font script="Hang" typeface="맑은 고딕"/>
-        <a:font script="Hans" typeface="宋体"/>
-        <a:font script="Hant" typeface="新細明體"/>
-        <a:font script="Arab" typeface="Times New Roman"/>
-        <a:font script="Hebr" typeface="Times New Roman"/>
-        <a:font script="Thai" typeface="Angsana New"/>
-        <a:font script="Ethi" typeface="Nyala"/>
-        <a:font script="Beng" typeface="Vrinda"/>
-        <a:font script="Gujr" typeface="Shruti"/>
-        <a:font script="Khmr" typeface="MoolBoran"/>
-        <a:font script="Knda" typeface="Tunga"/>
-        <a:font script="Guru" typeface="Raavi"/>
-        <a:font script="Cans" typeface="Euphemia"/>
-        <a:font script="Cher" typeface="Plantagenet Cherokee"/>
-        <a:font script="Yiii" typeface="Microsoft Yi Baiti"/>
-        <a:font script="Tibt" typeface="Microsoft Himalaya"/>
-        <a:font script="Thaa" typeface="MV Boli"/>
-        <a:font script="Deva" typeface="Mangal"/>
-        <a:font script="Telu" typeface="Gautami"/>
-        <a:font script="Taml" typeface="Latha"/>
-        <a:font script="Syrc" typeface="Estrangelo Edessa"/>
-        <a:font script="Orya" typeface="Kalinga"/>
-        <a:font script="Mlym" typeface="Kartika"/>
-        <a:font script="Laoo" typeface="DokChampa"/>
-        <a:font script="Sinh" typeface="Iskoola Pota"/>
-        <a:font script="Mong" typeface="Mongolian Baiti"/>
-        <a:font script="Viet" typeface="Times New Roman"/>
-        <a:font script="Uigh" typeface="Microsoft Uighur"/>
-        <a:font script="Geor" typeface="Sylfaen"/>
-      </a:majorFont>
-      <a:minorFont>
-        <a:latin typeface="Arial"/>
-        <a:ea typeface=""/>
-        <a:cs typeface=""/>
-        <a:font script="Jpan" typeface="ＭＳ Ｐゴシック"/>
-        <a:font script="Hang" typeface="맑은 고딕"/>
-        <a:font script="Hans" typeface="宋体"/>
-        <a:font script="Hant" typeface="新細明體"/>
-        <a:font script="Arab" typeface="Arial"/>
-        <a:font script="Hebr" typeface="Arial"/>
-        <a:font script="Thai" typeface="Cordia New"/>
-        <a:font script="Ethi" typeface="Nyala"/>
-        <a:font script="Beng" typeface="Vrinda"/>
-        <a:font script="Gujr" typeface="Shruti"/>
-        <a:font script="Khmr" typeface="DaunPenh"/>
-        <a:font script="Knda" typeface="Tunga"/>
-        <a:font script="Guru" typeface="Raavi"/>
-        <a:font script="Cans" typeface="Euphemia"/>
-        <a:font script="Cher" typeface="Plantagenet Cherokee"/>
-        <a:font script="Yiii" typeface="Microsoft Yi Baiti"/>
-        <a:font script="Tibt" typeface="Microsoft Himalaya"/>
-        <a:font script="Thaa" typeface="MV Boli"/>
-        <a:font script="Deva" typeface="Mangal"/>
-        <a:font script="Telu" typeface="Gautami"/>
-        <a:font script="Taml" typeface="Latha"/>
-        <a:font script="Syrc" typeface="Estrangelo Edessa"/>
-        <a:font script="Orya" typeface="Kalinga"/>
-        <a:font script="Mlym" typeface="Kartika"/>
-        <a:font script="Laoo" typeface="DokChampa"/>
-        <a:font script="Sinh" typeface="Iskoola Pota"/>
-        <a:font script="Mong" typeface="Mongolian Baiti"/>
-        <a:font script="Viet" typeface="Arial"/>
-        <a:font script="Uigh" typeface="Microsoft Uighur"/>
-        <a:font script="Geor" typeface="Sylfaen"/>
-      </a:minorFont>
-    </a:fontScheme>
-    <a:fmtScheme name="Office">
-      <a:fillStyleLst>
-        <a:solidFill>
-          <a:schemeClr val="phClr"/>
-        </a:solidFill>
-        <a:gradFill rotWithShape="1">
-          <a:gsLst>
-            <a:gs pos="0">
-              <a:schemeClr val="phClr">
-                <a:tint val="50000"/>
-                <a:satMod val="300000"/>
-              </a:schemeClr>
-            </a:gs>
-            <a:gs pos="35000">
-              <a:schemeClr val="phClr">
-                <a:tint val="37000"/>
-                <a:satMod val="300000"/>
-              </a:schemeClr>
-            </a:gs>
-            <a:gs pos="100000">
-              <a:schemeClr val="phClr">
-                <a:tint val="15000"/>
-                <a:satMod val="350000"/>
-              </a:schemeClr>
-            </a:gs>
-          </a:gsLst>
-          <a:lin ang="16200000" scaled="1"/>
-        </a:gradFill>
-        <a:gradFill rotWithShape="1">
-          <a:gsLst>
-            <a:gs pos="0">
-              <a:schemeClr val="phClr">
-                <a:tint val="100000"/>
-                <a:shade val="100000"/>
-                <a:satMod val="130000"/>
-              </a:schemeClr>
-            </a:gs>
-            <a:gs pos="100000">
-              <a:schemeClr val="phClr">
-                <a:tint val="50000"/>
-                <a:shade val="100000"/>
-                <a:satMod val="350000"/>
-              </a:schemeClr>
-            </a:gs>
-          </a:gsLst>
-          <a:lin ang="16200000" scaled="0"/>
-        </a:gradFill>
-      </a:fillStyleLst>
-      <a:lnStyleLst>
-        <a:ln w="9525" cap="flat" cmpd="sng" algn="ctr">
-          <a:solidFill>
-            <a:schemeClr val="phClr">
-              <a:shade val="95000"/>
-              <a:satMod val="105000"/>
-            </a:schemeClr>
-          </a:solidFill>
-          <a:prstDash val="solid"/>
-        </a:ln>
-        <a:ln w="25400" cap="flat" cmpd="sng" algn="ctr">
-          <a:solidFill>
-            <a:schemeClr val="phClr"/>
-          </a:solidFill>
-          <a:prstDash val="solid"/>
-        </a:ln>
-        <a:ln w="38100" cap="flat" cmpd="sng" algn="ctr">
-          <a:solidFill>
-            <a:schemeClr val="phClr"/>
-          </a:solidFill>
-          <a:prstDash val="solid"/>
-        </a:ln>
-      </a:lnStyleLst>
-      <a:effectStyleLst>
-        <a:effectStyle>
-          <a:effectLst>
-            <a:outerShdw blurRad="40000" dist="20000" dir="5400000" rotWithShape="0">
-              <a:srgbClr val="000000">
-                <a:alpha val="38000"/>
-              </a:srgbClr>
-            </a:outerShdw>
-          </a:effectLst>
-        </a:effectStyle>
-        <a:effectStyle>
-          <a:effectLst>
-            <a:outerShdw blurRad="40000" dist="23000" dir="5400000" rotWithShape="0">
-              <a:srgbClr val="000000">
-                <a:alpha val="35000"/>
-              </a:srgbClr>
-            </a:outerShdw>
-          </a:effectLst>
-        </a:effectStyle>
-        <a:effectStyle>
-          <a:effectLst>
-            <a:outerShdw blurRad="40000" dist="23000" dir="5400000" rotWithShape="0">
-              <a:srgbClr val="000000">
-                <a:alpha val="35000"/>
-              </a:srgbClr>
-            </a:outerShdw>
-          </a:effectLst>
-          <a:scene3d>
-            <a:camera prst="orthographicFront">
-              <a:rot lat="0" lon="0" rev="0"/>
-            </a:camera>
-            <a:lightRig rig="threePt" dir="t">
-              <a:rot lat="0" lon="0" rev="1200000"/>
-            </a:lightRig>
-          </a:scene3d>
-          <a:sp3d>
-            <a:bevelT w="63500" h="25400"/>
-          </a:sp3d>
-        </a:effectStyle>
-      </a:effectStyleLst>
-      <a:bgFillStyleLst>
-        <a:solidFill>
-          <a:schemeClr val="phClr"/>
-        </a:solidFill>
-        <a:gradFill rotWithShape="1">
-          <a:gsLst>
-            <a:gs pos="0">
-              <a:schemeClr val="phClr">
-                <a:tint val="40000"/>
-                <a:satMod val="350000"/>
-              </a:schemeClr>
-            </a:gs>
-            <a:gs pos="40000">
-              <a:schemeClr val="phClr">
-                <a:tint val="45000"/>
-                <a:shade val="99000"/>
-                <a:satMod val="350000"/>
-              </a:schemeClr>
-            </a:gs>
-            <a:gs pos="100000">
-              <a:schemeClr val="phClr">
-                <a:shade val="20000"/>
-                <a:satMod val="255000"/>
-              </a:schemeClr>
-            </a:gs>
-          </a:gsLst>
-          <a:path path="circle">
-            <a:fillToRect l="50000" t="-80000" r="50000" b="180000"/>
-          </a:path>
-        </a:gradFill>
-        <a:gradFill rotWithShape="1">
-          <a:gsLst>
-            <a:gs pos="0">
-              <a:schemeClr val="phClr">
-                <a:tint val="80000"/>
-                <a:satMod val="300000"/>
-              </a:schemeClr>
-            </a:gs>
-            <a:gs pos="100000">
-              <a:schemeClr val="phClr">
-                <a:shade val="30000"/>
-                <a:satMod val="200000"/>
-              </a:schemeClr>
-            </a:gs>
-          </a:gsLst>
-          <a:path path="circle">
-            <a:fillToRect l="50000" t="50000" r="50000" b="50000"/>
-          </a:path>
-        </a:gradFill>
-      </a:bgFillStyleLst>
-    </a:fmtScheme>
-  </a:themeElements>
+  <a:objectDefaults/>
+  <a:extraClrSchemeLst/>
 </a:theme>
 </file>